--- a/suna/8월 30일 수/0830팬덕.pptx
+++ b/suna/8월 30일 수/0830팬덕.pptx
@@ -21,39 +21,40 @@
     <p:sldId id="272" r:id="rId15"/>
     <p:sldId id="274" r:id="rId16"/>
     <p:sldId id="263" r:id="rId17"/>
-    <p:sldId id="289" r:id="rId18"/>
-    <p:sldId id="282" r:id="rId19"/>
-    <p:sldId id="296" r:id="rId20"/>
-    <p:sldId id="297" r:id="rId21"/>
-    <p:sldId id="292" r:id="rId22"/>
-    <p:sldId id="293" r:id="rId23"/>
-    <p:sldId id="294" r:id="rId24"/>
-    <p:sldId id="278" r:id="rId25"/>
-    <p:sldId id="302" r:id="rId26"/>
-    <p:sldId id="303" r:id="rId27"/>
-    <p:sldId id="304" r:id="rId28"/>
-    <p:sldId id="305" r:id="rId29"/>
-    <p:sldId id="306" r:id="rId30"/>
-    <p:sldId id="307" r:id="rId31"/>
-    <p:sldId id="308" r:id="rId32"/>
-    <p:sldId id="286" r:id="rId33"/>
-    <p:sldId id="288" r:id="rId34"/>
+    <p:sldId id="309" r:id="rId18"/>
+    <p:sldId id="289" r:id="rId19"/>
+    <p:sldId id="282" r:id="rId20"/>
+    <p:sldId id="296" r:id="rId21"/>
+    <p:sldId id="297" r:id="rId22"/>
+    <p:sldId id="292" r:id="rId23"/>
+    <p:sldId id="293" r:id="rId24"/>
+    <p:sldId id="294" r:id="rId25"/>
+    <p:sldId id="278" r:id="rId26"/>
+    <p:sldId id="302" r:id="rId27"/>
+    <p:sldId id="303" r:id="rId28"/>
+    <p:sldId id="304" r:id="rId29"/>
+    <p:sldId id="305" r:id="rId30"/>
+    <p:sldId id="306" r:id="rId31"/>
+    <p:sldId id="307" r:id="rId32"/>
+    <p:sldId id="308" r:id="rId33"/>
+    <p:sldId id="286" r:id="rId34"/>
+    <p:sldId id="288" r:id="rId35"/>
   </p:sldIdLst>
   <p:sldSz cx="12192000" cy="6858000"/>
   <p:notesSz cx="6858000" cy="9144000"/>
   <p:embeddedFontLst>
     <p:embeddedFont>
       <p:font typeface="210 스무살의봄 B" panose="02020603020101020101" pitchFamily="18" charset="-127"/>
-      <p:regular r:id="rId35"/>
+      <p:regular r:id="rId36"/>
     </p:embeddedFont>
     <p:embeddedFont>
       <p:font typeface="맑은 고딕" panose="020B0503020000020004" pitchFamily="50" charset="-127"/>
-      <p:regular r:id="rId36"/>
-      <p:bold r:id="rId37"/>
+      <p:regular r:id="rId37"/>
+      <p:bold r:id="rId38"/>
     </p:embeddedFont>
     <p:embeddedFont>
       <p:font typeface="210 콤퓨타세탁 L" panose="02020603020101020101" pitchFamily="18" charset="-127"/>
-      <p:regular r:id="rId38"/>
+      <p:regular r:id="rId39"/>
     </p:embeddedFont>
   </p:embeddedFontLst>
   <p:defaultTextStyle>
@@ -181,7 +182,7 @@
           <p:cNvPr id="2" name="제목 1">
             <a:extLst>
               <a:ext uri="{FF2B5EF4-FFF2-40B4-BE49-F238E27FC236}">
-                <a16:creationId xmlns="" xmlns:a16="http://schemas.microsoft.com/office/drawing/2014/main" id="{A4A2DA23-DF10-4F8D-9A5E-4D4784C714A1}"/>
+                <a16:creationId xmlns:a16="http://schemas.microsoft.com/office/drawing/2014/main" xmlns="" id="{A4A2DA23-DF10-4F8D-9A5E-4D4784C714A1}"/>
               </a:ext>
             </a:extLst>
           </p:cNvPr>
@@ -218,7 +219,7 @@
           <p:cNvPr id="3" name="부제목 2">
             <a:extLst>
               <a:ext uri="{FF2B5EF4-FFF2-40B4-BE49-F238E27FC236}">
-                <a16:creationId xmlns="" xmlns:a16="http://schemas.microsoft.com/office/drawing/2014/main" id="{F60C5327-B7B0-4208-88A0-044BA81893DB}"/>
+                <a16:creationId xmlns:a16="http://schemas.microsoft.com/office/drawing/2014/main" xmlns="" id="{F60C5327-B7B0-4208-88A0-044BA81893DB}"/>
               </a:ext>
             </a:extLst>
           </p:cNvPr>
@@ -288,7 +289,7 @@
           <p:cNvPr id="4" name="날짜 개체 틀 3">
             <a:extLst>
               <a:ext uri="{FF2B5EF4-FFF2-40B4-BE49-F238E27FC236}">
-                <a16:creationId xmlns="" xmlns:a16="http://schemas.microsoft.com/office/drawing/2014/main" id="{0ED70F84-A9C4-40FC-85EC-28B998423D41}"/>
+                <a16:creationId xmlns:a16="http://schemas.microsoft.com/office/drawing/2014/main" xmlns="" id="{0ED70F84-A9C4-40FC-85EC-28B998423D41}"/>
               </a:ext>
             </a:extLst>
           </p:cNvPr>
@@ -317,7 +318,7 @@
           <p:cNvPr id="5" name="바닥글 개체 틀 4">
             <a:extLst>
               <a:ext uri="{FF2B5EF4-FFF2-40B4-BE49-F238E27FC236}">
-                <a16:creationId xmlns="" xmlns:a16="http://schemas.microsoft.com/office/drawing/2014/main" id="{4A9CE12A-1506-4359-8094-615DDD51C14A}"/>
+                <a16:creationId xmlns:a16="http://schemas.microsoft.com/office/drawing/2014/main" xmlns="" id="{4A9CE12A-1506-4359-8094-615DDD51C14A}"/>
               </a:ext>
             </a:extLst>
           </p:cNvPr>
@@ -342,7 +343,7 @@
           <p:cNvPr id="6" name="슬라이드 번호 개체 틀 5">
             <a:extLst>
               <a:ext uri="{FF2B5EF4-FFF2-40B4-BE49-F238E27FC236}">
-                <a16:creationId xmlns="" xmlns:a16="http://schemas.microsoft.com/office/drawing/2014/main" id="{8BFD6718-0938-47C2-A608-AEF65FC876B3}"/>
+                <a16:creationId xmlns:a16="http://schemas.microsoft.com/office/drawing/2014/main" xmlns="" id="{8BFD6718-0938-47C2-A608-AEF65FC876B3}"/>
               </a:ext>
             </a:extLst>
           </p:cNvPr>
@@ -401,7 +402,7 @@
           <p:cNvPr id="2" name="제목 1">
             <a:extLst>
               <a:ext uri="{FF2B5EF4-FFF2-40B4-BE49-F238E27FC236}">
-                <a16:creationId xmlns="" xmlns:a16="http://schemas.microsoft.com/office/drawing/2014/main" id="{568656BD-5D35-4821-868A-9000E05E618B}"/>
+                <a16:creationId xmlns:a16="http://schemas.microsoft.com/office/drawing/2014/main" xmlns="" id="{568656BD-5D35-4821-868A-9000E05E618B}"/>
               </a:ext>
             </a:extLst>
           </p:cNvPr>
@@ -429,7 +430,7 @@
           <p:cNvPr id="3" name="세로 텍스트 개체 틀 2">
             <a:extLst>
               <a:ext uri="{FF2B5EF4-FFF2-40B4-BE49-F238E27FC236}">
-                <a16:creationId xmlns="" xmlns:a16="http://schemas.microsoft.com/office/drawing/2014/main" id="{23E21445-1650-4183-91F3-1337D47E9E47}"/>
+                <a16:creationId xmlns:a16="http://schemas.microsoft.com/office/drawing/2014/main" xmlns="" id="{23E21445-1650-4183-91F3-1337D47E9E47}"/>
               </a:ext>
             </a:extLst>
           </p:cNvPr>
@@ -486,7 +487,7 @@
           <p:cNvPr id="4" name="날짜 개체 틀 3">
             <a:extLst>
               <a:ext uri="{FF2B5EF4-FFF2-40B4-BE49-F238E27FC236}">
-                <a16:creationId xmlns="" xmlns:a16="http://schemas.microsoft.com/office/drawing/2014/main" id="{5E67FA94-1338-486A-8DE6-8FDEF4C575A1}"/>
+                <a16:creationId xmlns:a16="http://schemas.microsoft.com/office/drawing/2014/main" xmlns="" id="{5E67FA94-1338-486A-8DE6-8FDEF4C575A1}"/>
               </a:ext>
             </a:extLst>
           </p:cNvPr>
@@ -515,7 +516,7 @@
           <p:cNvPr id="5" name="바닥글 개체 틀 4">
             <a:extLst>
               <a:ext uri="{FF2B5EF4-FFF2-40B4-BE49-F238E27FC236}">
-                <a16:creationId xmlns="" xmlns:a16="http://schemas.microsoft.com/office/drawing/2014/main" id="{FE3DB6C4-5D2D-4C51-9A51-FB1411AD9633}"/>
+                <a16:creationId xmlns:a16="http://schemas.microsoft.com/office/drawing/2014/main" xmlns="" id="{FE3DB6C4-5D2D-4C51-9A51-FB1411AD9633}"/>
               </a:ext>
             </a:extLst>
           </p:cNvPr>
@@ -540,7 +541,7 @@
           <p:cNvPr id="6" name="슬라이드 번호 개체 틀 5">
             <a:extLst>
               <a:ext uri="{FF2B5EF4-FFF2-40B4-BE49-F238E27FC236}">
-                <a16:creationId xmlns="" xmlns:a16="http://schemas.microsoft.com/office/drawing/2014/main" id="{17FEA2A0-6EC6-4140-BB4B-875A04871C8F}"/>
+                <a16:creationId xmlns:a16="http://schemas.microsoft.com/office/drawing/2014/main" xmlns="" id="{17FEA2A0-6EC6-4140-BB4B-875A04871C8F}"/>
               </a:ext>
             </a:extLst>
           </p:cNvPr>
@@ -599,7 +600,7 @@
           <p:cNvPr id="2" name="세로 제목 1">
             <a:extLst>
               <a:ext uri="{FF2B5EF4-FFF2-40B4-BE49-F238E27FC236}">
-                <a16:creationId xmlns="" xmlns:a16="http://schemas.microsoft.com/office/drawing/2014/main" id="{2C65E314-0EEA-4953-9B59-FCFE185DDA43}"/>
+                <a16:creationId xmlns:a16="http://schemas.microsoft.com/office/drawing/2014/main" xmlns="" id="{2C65E314-0EEA-4953-9B59-FCFE185DDA43}"/>
               </a:ext>
             </a:extLst>
           </p:cNvPr>
@@ -632,7 +633,7 @@
           <p:cNvPr id="3" name="세로 텍스트 개체 틀 2">
             <a:extLst>
               <a:ext uri="{FF2B5EF4-FFF2-40B4-BE49-F238E27FC236}">
-                <a16:creationId xmlns="" xmlns:a16="http://schemas.microsoft.com/office/drawing/2014/main" id="{3C6BF59F-25FF-4293-AE85-12667F4A50C4}"/>
+                <a16:creationId xmlns:a16="http://schemas.microsoft.com/office/drawing/2014/main" xmlns="" id="{3C6BF59F-25FF-4293-AE85-12667F4A50C4}"/>
               </a:ext>
             </a:extLst>
           </p:cNvPr>
@@ -694,7 +695,7 @@
           <p:cNvPr id="4" name="날짜 개체 틀 3">
             <a:extLst>
               <a:ext uri="{FF2B5EF4-FFF2-40B4-BE49-F238E27FC236}">
-                <a16:creationId xmlns="" xmlns:a16="http://schemas.microsoft.com/office/drawing/2014/main" id="{76706C7A-19E3-40C0-9EB5-3AFB757E76FD}"/>
+                <a16:creationId xmlns:a16="http://schemas.microsoft.com/office/drawing/2014/main" xmlns="" id="{76706C7A-19E3-40C0-9EB5-3AFB757E76FD}"/>
               </a:ext>
             </a:extLst>
           </p:cNvPr>
@@ -723,7 +724,7 @@
           <p:cNvPr id="5" name="바닥글 개체 틀 4">
             <a:extLst>
               <a:ext uri="{FF2B5EF4-FFF2-40B4-BE49-F238E27FC236}">
-                <a16:creationId xmlns="" xmlns:a16="http://schemas.microsoft.com/office/drawing/2014/main" id="{DBEB2008-5EDF-43DA-A476-313DF4F45D73}"/>
+                <a16:creationId xmlns:a16="http://schemas.microsoft.com/office/drawing/2014/main" xmlns="" id="{DBEB2008-5EDF-43DA-A476-313DF4F45D73}"/>
               </a:ext>
             </a:extLst>
           </p:cNvPr>
@@ -748,7 +749,7 @@
           <p:cNvPr id="6" name="슬라이드 번호 개체 틀 5">
             <a:extLst>
               <a:ext uri="{FF2B5EF4-FFF2-40B4-BE49-F238E27FC236}">
-                <a16:creationId xmlns="" xmlns:a16="http://schemas.microsoft.com/office/drawing/2014/main" id="{F76929C1-C078-43DA-9E82-FB02813A1A33}"/>
+                <a16:creationId xmlns:a16="http://schemas.microsoft.com/office/drawing/2014/main" xmlns="" id="{F76929C1-C078-43DA-9E82-FB02813A1A33}"/>
               </a:ext>
             </a:extLst>
           </p:cNvPr>
@@ -1695,7 +1696,7 @@
           <p:cNvPr id="2" name="제목 1">
             <a:extLst>
               <a:ext uri="{FF2B5EF4-FFF2-40B4-BE49-F238E27FC236}">
-                <a16:creationId xmlns="" xmlns:a16="http://schemas.microsoft.com/office/drawing/2014/main" id="{DA7B2D9F-095A-4FF0-A80D-3BDA5DF551FA}"/>
+                <a16:creationId xmlns:a16="http://schemas.microsoft.com/office/drawing/2014/main" xmlns="" id="{DA7B2D9F-095A-4FF0-A80D-3BDA5DF551FA}"/>
               </a:ext>
             </a:extLst>
           </p:cNvPr>
@@ -1723,7 +1724,7 @@
           <p:cNvPr id="3" name="내용 개체 틀 2">
             <a:extLst>
               <a:ext uri="{FF2B5EF4-FFF2-40B4-BE49-F238E27FC236}">
-                <a16:creationId xmlns="" xmlns:a16="http://schemas.microsoft.com/office/drawing/2014/main" id="{AF0156C3-74C8-44CD-8FED-952153593234}"/>
+                <a16:creationId xmlns:a16="http://schemas.microsoft.com/office/drawing/2014/main" xmlns="" id="{AF0156C3-74C8-44CD-8FED-952153593234}"/>
               </a:ext>
             </a:extLst>
           </p:cNvPr>
@@ -1780,7 +1781,7 @@
           <p:cNvPr id="4" name="날짜 개체 틀 3">
             <a:extLst>
               <a:ext uri="{FF2B5EF4-FFF2-40B4-BE49-F238E27FC236}">
-                <a16:creationId xmlns="" xmlns:a16="http://schemas.microsoft.com/office/drawing/2014/main" id="{D33AC0B9-D0F1-444C-B176-570CA32A3110}"/>
+                <a16:creationId xmlns:a16="http://schemas.microsoft.com/office/drawing/2014/main" xmlns="" id="{D33AC0B9-D0F1-444C-B176-570CA32A3110}"/>
               </a:ext>
             </a:extLst>
           </p:cNvPr>
@@ -1809,7 +1810,7 @@
           <p:cNvPr id="5" name="바닥글 개체 틀 4">
             <a:extLst>
               <a:ext uri="{FF2B5EF4-FFF2-40B4-BE49-F238E27FC236}">
-                <a16:creationId xmlns="" xmlns:a16="http://schemas.microsoft.com/office/drawing/2014/main" id="{86BDF9A2-E320-4E8D-A288-A04AC022313A}"/>
+                <a16:creationId xmlns:a16="http://schemas.microsoft.com/office/drawing/2014/main" xmlns="" id="{86BDF9A2-E320-4E8D-A288-A04AC022313A}"/>
               </a:ext>
             </a:extLst>
           </p:cNvPr>
@@ -1834,7 +1835,7 @@
           <p:cNvPr id="6" name="슬라이드 번호 개체 틀 5">
             <a:extLst>
               <a:ext uri="{FF2B5EF4-FFF2-40B4-BE49-F238E27FC236}">
-                <a16:creationId xmlns="" xmlns:a16="http://schemas.microsoft.com/office/drawing/2014/main" id="{708B103E-40CA-421E-92E0-19E5BA8E3ED9}"/>
+                <a16:creationId xmlns:a16="http://schemas.microsoft.com/office/drawing/2014/main" xmlns="" id="{708B103E-40CA-421E-92E0-19E5BA8E3ED9}"/>
               </a:ext>
             </a:extLst>
           </p:cNvPr>
@@ -1893,7 +1894,7 @@
           <p:cNvPr id="2" name="제목 1">
             <a:extLst>
               <a:ext uri="{FF2B5EF4-FFF2-40B4-BE49-F238E27FC236}">
-                <a16:creationId xmlns="" xmlns:a16="http://schemas.microsoft.com/office/drawing/2014/main" id="{AD8D91B6-9597-40EA-A07B-476DAA57D111}"/>
+                <a16:creationId xmlns:a16="http://schemas.microsoft.com/office/drawing/2014/main" xmlns="" id="{AD8D91B6-9597-40EA-A07B-476DAA57D111}"/>
               </a:ext>
             </a:extLst>
           </p:cNvPr>
@@ -1930,7 +1931,7 @@
           <p:cNvPr id="3" name="텍스트 개체 틀 2">
             <a:extLst>
               <a:ext uri="{FF2B5EF4-FFF2-40B4-BE49-F238E27FC236}">
-                <a16:creationId xmlns="" xmlns:a16="http://schemas.microsoft.com/office/drawing/2014/main" id="{F56F9E73-56BD-4F9E-88F2-17B087435F6C}"/>
+                <a16:creationId xmlns:a16="http://schemas.microsoft.com/office/drawing/2014/main" xmlns="" id="{F56F9E73-56BD-4F9E-88F2-17B087435F6C}"/>
               </a:ext>
             </a:extLst>
           </p:cNvPr>
@@ -2055,7 +2056,7 @@
           <p:cNvPr id="4" name="날짜 개체 틀 3">
             <a:extLst>
               <a:ext uri="{FF2B5EF4-FFF2-40B4-BE49-F238E27FC236}">
-                <a16:creationId xmlns="" xmlns:a16="http://schemas.microsoft.com/office/drawing/2014/main" id="{7DF85FB7-107C-4961-9D60-98A5262BD4BF}"/>
+                <a16:creationId xmlns:a16="http://schemas.microsoft.com/office/drawing/2014/main" xmlns="" id="{7DF85FB7-107C-4961-9D60-98A5262BD4BF}"/>
               </a:ext>
             </a:extLst>
           </p:cNvPr>
@@ -2084,7 +2085,7 @@
           <p:cNvPr id="5" name="바닥글 개체 틀 4">
             <a:extLst>
               <a:ext uri="{FF2B5EF4-FFF2-40B4-BE49-F238E27FC236}">
-                <a16:creationId xmlns="" xmlns:a16="http://schemas.microsoft.com/office/drawing/2014/main" id="{81940204-64C7-4332-88DB-D062512E0033}"/>
+                <a16:creationId xmlns:a16="http://schemas.microsoft.com/office/drawing/2014/main" xmlns="" id="{81940204-64C7-4332-88DB-D062512E0033}"/>
               </a:ext>
             </a:extLst>
           </p:cNvPr>
@@ -2109,7 +2110,7 @@
           <p:cNvPr id="6" name="슬라이드 번호 개체 틀 5">
             <a:extLst>
               <a:ext uri="{FF2B5EF4-FFF2-40B4-BE49-F238E27FC236}">
-                <a16:creationId xmlns="" xmlns:a16="http://schemas.microsoft.com/office/drawing/2014/main" id="{CAA335BE-FBB6-433C-A349-F28E53A67361}"/>
+                <a16:creationId xmlns:a16="http://schemas.microsoft.com/office/drawing/2014/main" xmlns="" id="{CAA335BE-FBB6-433C-A349-F28E53A67361}"/>
               </a:ext>
             </a:extLst>
           </p:cNvPr>
@@ -2168,7 +2169,7 @@
           <p:cNvPr id="2" name="제목 1">
             <a:extLst>
               <a:ext uri="{FF2B5EF4-FFF2-40B4-BE49-F238E27FC236}">
-                <a16:creationId xmlns="" xmlns:a16="http://schemas.microsoft.com/office/drawing/2014/main" id="{EB836039-E389-4A4B-B022-9813563A9975}"/>
+                <a16:creationId xmlns:a16="http://schemas.microsoft.com/office/drawing/2014/main" xmlns="" id="{EB836039-E389-4A4B-B022-9813563A9975}"/>
               </a:ext>
             </a:extLst>
           </p:cNvPr>
@@ -2196,7 +2197,7 @@
           <p:cNvPr id="3" name="내용 개체 틀 2">
             <a:extLst>
               <a:ext uri="{FF2B5EF4-FFF2-40B4-BE49-F238E27FC236}">
-                <a16:creationId xmlns="" xmlns:a16="http://schemas.microsoft.com/office/drawing/2014/main" id="{71597ECF-96FA-4304-8AE3-0E2B896A5D83}"/>
+                <a16:creationId xmlns:a16="http://schemas.microsoft.com/office/drawing/2014/main" xmlns="" id="{71597ECF-96FA-4304-8AE3-0E2B896A5D83}"/>
               </a:ext>
             </a:extLst>
           </p:cNvPr>
@@ -2258,7 +2259,7 @@
           <p:cNvPr id="4" name="내용 개체 틀 3">
             <a:extLst>
               <a:ext uri="{FF2B5EF4-FFF2-40B4-BE49-F238E27FC236}">
-                <a16:creationId xmlns="" xmlns:a16="http://schemas.microsoft.com/office/drawing/2014/main" id="{5B2DEB75-6267-4FC1-B422-36E3454F23B1}"/>
+                <a16:creationId xmlns:a16="http://schemas.microsoft.com/office/drawing/2014/main" xmlns="" id="{5B2DEB75-6267-4FC1-B422-36E3454F23B1}"/>
               </a:ext>
             </a:extLst>
           </p:cNvPr>
@@ -2320,7 +2321,7 @@
           <p:cNvPr id="5" name="날짜 개체 틀 4">
             <a:extLst>
               <a:ext uri="{FF2B5EF4-FFF2-40B4-BE49-F238E27FC236}">
-                <a16:creationId xmlns="" xmlns:a16="http://schemas.microsoft.com/office/drawing/2014/main" id="{DF0ECD2C-E23B-46B7-B593-D59494A2FEA0}"/>
+                <a16:creationId xmlns:a16="http://schemas.microsoft.com/office/drawing/2014/main" xmlns="" id="{DF0ECD2C-E23B-46B7-B593-D59494A2FEA0}"/>
               </a:ext>
             </a:extLst>
           </p:cNvPr>
@@ -2349,7 +2350,7 @@
           <p:cNvPr id="6" name="바닥글 개체 틀 5">
             <a:extLst>
               <a:ext uri="{FF2B5EF4-FFF2-40B4-BE49-F238E27FC236}">
-                <a16:creationId xmlns="" xmlns:a16="http://schemas.microsoft.com/office/drawing/2014/main" id="{49DDA344-C039-4348-BB88-E3E6E80816D8}"/>
+                <a16:creationId xmlns:a16="http://schemas.microsoft.com/office/drawing/2014/main" xmlns="" id="{49DDA344-C039-4348-BB88-E3E6E80816D8}"/>
               </a:ext>
             </a:extLst>
           </p:cNvPr>
@@ -2374,7 +2375,7 @@
           <p:cNvPr id="7" name="슬라이드 번호 개체 틀 6">
             <a:extLst>
               <a:ext uri="{FF2B5EF4-FFF2-40B4-BE49-F238E27FC236}">
-                <a16:creationId xmlns="" xmlns:a16="http://schemas.microsoft.com/office/drawing/2014/main" id="{F0F844AC-B395-4551-8A01-3A1F5F151A6A}"/>
+                <a16:creationId xmlns:a16="http://schemas.microsoft.com/office/drawing/2014/main" xmlns="" id="{F0F844AC-B395-4551-8A01-3A1F5F151A6A}"/>
               </a:ext>
             </a:extLst>
           </p:cNvPr>
@@ -2433,7 +2434,7 @@
           <p:cNvPr id="2" name="제목 1">
             <a:extLst>
               <a:ext uri="{FF2B5EF4-FFF2-40B4-BE49-F238E27FC236}">
-                <a16:creationId xmlns="" xmlns:a16="http://schemas.microsoft.com/office/drawing/2014/main" id="{A881CC94-E6D6-455C-A2F6-ECFE820D86A3}"/>
+                <a16:creationId xmlns:a16="http://schemas.microsoft.com/office/drawing/2014/main" xmlns="" id="{A881CC94-E6D6-455C-A2F6-ECFE820D86A3}"/>
               </a:ext>
             </a:extLst>
           </p:cNvPr>
@@ -2466,7 +2467,7 @@
           <p:cNvPr id="3" name="텍스트 개체 틀 2">
             <a:extLst>
               <a:ext uri="{FF2B5EF4-FFF2-40B4-BE49-F238E27FC236}">
-                <a16:creationId xmlns="" xmlns:a16="http://schemas.microsoft.com/office/drawing/2014/main" id="{244FA165-D43F-4347-A51F-B7FB9D10904B}"/>
+                <a16:creationId xmlns:a16="http://schemas.microsoft.com/office/drawing/2014/main" xmlns="" id="{244FA165-D43F-4347-A51F-B7FB9D10904B}"/>
               </a:ext>
             </a:extLst>
           </p:cNvPr>
@@ -2537,7 +2538,7 @@
           <p:cNvPr id="4" name="내용 개체 틀 3">
             <a:extLst>
               <a:ext uri="{FF2B5EF4-FFF2-40B4-BE49-F238E27FC236}">
-                <a16:creationId xmlns="" xmlns:a16="http://schemas.microsoft.com/office/drawing/2014/main" id="{1D73541E-2196-4CDC-8755-338D74C7092A}"/>
+                <a16:creationId xmlns:a16="http://schemas.microsoft.com/office/drawing/2014/main" xmlns="" id="{1D73541E-2196-4CDC-8755-338D74C7092A}"/>
               </a:ext>
             </a:extLst>
           </p:cNvPr>
@@ -2599,7 +2600,7 @@
           <p:cNvPr id="5" name="텍스트 개체 틀 4">
             <a:extLst>
               <a:ext uri="{FF2B5EF4-FFF2-40B4-BE49-F238E27FC236}">
-                <a16:creationId xmlns="" xmlns:a16="http://schemas.microsoft.com/office/drawing/2014/main" id="{A4D48012-0B1E-46FC-9FB8-A9184EDE8CA4}"/>
+                <a16:creationId xmlns:a16="http://schemas.microsoft.com/office/drawing/2014/main" xmlns="" id="{A4D48012-0B1E-46FC-9FB8-A9184EDE8CA4}"/>
               </a:ext>
             </a:extLst>
           </p:cNvPr>
@@ -2670,7 +2671,7 @@
           <p:cNvPr id="6" name="내용 개체 틀 5">
             <a:extLst>
               <a:ext uri="{FF2B5EF4-FFF2-40B4-BE49-F238E27FC236}">
-                <a16:creationId xmlns="" xmlns:a16="http://schemas.microsoft.com/office/drawing/2014/main" id="{E26E71D8-A382-4355-AD0A-82F0B731EAA2}"/>
+                <a16:creationId xmlns:a16="http://schemas.microsoft.com/office/drawing/2014/main" xmlns="" id="{E26E71D8-A382-4355-AD0A-82F0B731EAA2}"/>
               </a:ext>
             </a:extLst>
           </p:cNvPr>
@@ -2732,7 +2733,7 @@
           <p:cNvPr id="7" name="날짜 개체 틀 6">
             <a:extLst>
               <a:ext uri="{FF2B5EF4-FFF2-40B4-BE49-F238E27FC236}">
-                <a16:creationId xmlns="" xmlns:a16="http://schemas.microsoft.com/office/drawing/2014/main" id="{52D3AA81-8625-4D0D-ACA0-F2AEA2BA7C30}"/>
+                <a16:creationId xmlns:a16="http://schemas.microsoft.com/office/drawing/2014/main" xmlns="" id="{52D3AA81-8625-4D0D-ACA0-F2AEA2BA7C30}"/>
               </a:ext>
             </a:extLst>
           </p:cNvPr>
@@ -2761,7 +2762,7 @@
           <p:cNvPr id="8" name="바닥글 개체 틀 7">
             <a:extLst>
               <a:ext uri="{FF2B5EF4-FFF2-40B4-BE49-F238E27FC236}">
-                <a16:creationId xmlns="" xmlns:a16="http://schemas.microsoft.com/office/drawing/2014/main" id="{F9EDD344-4036-4B3F-AD8F-A6C8860968EA}"/>
+                <a16:creationId xmlns:a16="http://schemas.microsoft.com/office/drawing/2014/main" xmlns="" id="{F9EDD344-4036-4B3F-AD8F-A6C8860968EA}"/>
               </a:ext>
             </a:extLst>
           </p:cNvPr>
@@ -2786,7 +2787,7 @@
           <p:cNvPr id="9" name="슬라이드 번호 개체 틀 8">
             <a:extLst>
               <a:ext uri="{FF2B5EF4-FFF2-40B4-BE49-F238E27FC236}">
-                <a16:creationId xmlns="" xmlns:a16="http://schemas.microsoft.com/office/drawing/2014/main" id="{D57F7223-4400-475F-9175-61598EFA2B64}"/>
+                <a16:creationId xmlns:a16="http://schemas.microsoft.com/office/drawing/2014/main" xmlns="" id="{D57F7223-4400-475F-9175-61598EFA2B64}"/>
               </a:ext>
             </a:extLst>
           </p:cNvPr>
@@ -2845,7 +2846,7 @@
           <p:cNvPr id="2" name="제목 1">
             <a:extLst>
               <a:ext uri="{FF2B5EF4-FFF2-40B4-BE49-F238E27FC236}">
-                <a16:creationId xmlns="" xmlns:a16="http://schemas.microsoft.com/office/drawing/2014/main" id="{23D65FCC-6FE1-4E2F-9447-27BBE41A3475}"/>
+                <a16:creationId xmlns:a16="http://schemas.microsoft.com/office/drawing/2014/main" xmlns="" id="{23D65FCC-6FE1-4E2F-9447-27BBE41A3475}"/>
               </a:ext>
             </a:extLst>
           </p:cNvPr>
@@ -2873,7 +2874,7 @@
           <p:cNvPr id="3" name="날짜 개체 틀 2">
             <a:extLst>
               <a:ext uri="{FF2B5EF4-FFF2-40B4-BE49-F238E27FC236}">
-                <a16:creationId xmlns="" xmlns:a16="http://schemas.microsoft.com/office/drawing/2014/main" id="{64BCE8E2-0139-4ABB-94D1-FB5DCFCB3993}"/>
+                <a16:creationId xmlns:a16="http://schemas.microsoft.com/office/drawing/2014/main" xmlns="" id="{64BCE8E2-0139-4ABB-94D1-FB5DCFCB3993}"/>
               </a:ext>
             </a:extLst>
           </p:cNvPr>
@@ -2902,7 +2903,7 @@
           <p:cNvPr id="4" name="바닥글 개체 틀 3">
             <a:extLst>
               <a:ext uri="{FF2B5EF4-FFF2-40B4-BE49-F238E27FC236}">
-                <a16:creationId xmlns="" xmlns:a16="http://schemas.microsoft.com/office/drawing/2014/main" id="{1A3E9882-F4C8-44DB-9179-7DC6B7389174}"/>
+                <a16:creationId xmlns:a16="http://schemas.microsoft.com/office/drawing/2014/main" xmlns="" id="{1A3E9882-F4C8-44DB-9179-7DC6B7389174}"/>
               </a:ext>
             </a:extLst>
           </p:cNvPr>
@@ -2927,7 +2928,7 @@
           <p:cNvPr id="5" name="슬라이드 번호 개체 틀 4">
             <a:extLst>
               <a:ext uri="{FF2B5EF4-FFF2-40B4-BE49-F238E27FC236}">
-                <a16:creationId xmlns="" xmlns:a16="http://schemas.microsoft.com/office/drawing/2014/main" id="{5D2CC2D3-560E-40F3-807B-C43D9B4033CD}"/>
+                <a16:creationId xmlns:a16="http://schemas.microsoft.com/office/drawing/2014/main" xmlns="" id="{5D2CC2D3-560E-40F3-807B-C43D9B4033CD}"/>
               </a:ext>
             </a:extLst>
           </p:cNvPr>
@@ -2986,7 +2987,7 @@
           <p:cNvPr id="2" name="날짜 개체 틀 1">
             <a:extLst>
               <a:ext uri="{FF2B5EF4-FFF2-40B4-BE49-F238E27FC236}">
-                <a16:creationId xmlns="" xmlns:a16="http://schemas.microsoft.com/office/drawing/2014/main" id="{623F79A6-10E9-4484-863D-3777A5BA476B}"/>
+                <a16:creationId xmlns:a16="http://schemas.microsoft.com/office/drawing/2014/main" xmlns="" id="{623F79A6-10E9-4484-863D-3777A5BA476B}"/>
               </a:ext>
             </a:extLst>
           </p:cNvPr>
@@ -3015,7 +3016,7 @@
           <p:cNvPr id="3" name="바닥글 개체 틀 2">
             <a:extLst>
               <a:ext uri="{FF2B5EF4-FFF2-40B4-BE49-F238E27FC236}">
-                <a16:creationId xmlns="" xmlns:a16="http://schemas.microsoft.com/office/drawing/2014/main" id="{39A63E37-83F8-4952-8995-576054859591}"/>
+                <a16:creationId xmlns:a16="http://schemas.microsoft.com/office/drawing/2014/main" xmlns="" id="{39A63E37-83F8-4952-8995-576054859591}"/>
               </a:ext>
             </a:extLst>
           </p:cNvPr>
@@ -3040,7 +3041,7 @@
           <p:cNvPr id="4" name="슬라이드 번호 개체 틀 3">
             <a:extLst>
               <a:ext uri="{FF2B5EF4-FFF2-40B4-BE49-F238E27FC236}">
-                <a16:creationId xmlns="" xmlns:a16="http://schemas.microsoft.com/office/drawing/2014/main" id="{6B34FB12-A6BB-4113-8E40-D0BDA3E8CFB4}"/>
+                <a16:creationId xmlns:a16="http://schemas.microsoft.com/office/drawing/2014/main" xmlns="" id="{6B34FB12-A6BB-4113-8E40-D0BDA3E8CFB4}"/>
               </a:ext>
             </a:extLst>
           </p:cNvPr>
@@ -3099,7 +3100,7 @@
           <p:cNvPr id="2" name="제목 1">
             <a:extLst>
               <a:ext uri="{FF2B5EF4-FFF2-40B4-BE49-F238E27FC236}">
-                <a16:creationId xmlns="" xmlns:a16="http://schemas.microsoft.com/office/drawing/2014/main" id="{766F830C-2087-40BF-8498-FD41E03BF8A4}"/>
+                <a16:creationId xmlns:a16="http://schemas.microsoft.com/office/drawing/2014/main" xmlns="" id="{766F830C-2087-40BF-8498-FD41E03BF8A4}"/>
               </a:ext>
             </a:extLst>
           </p:cNvPr>
@@ -3136,7 +3137,7 @@
           <p:cNvPr id="3" name="내용 개체 틀 2">
             <a:extLst>
               <a:ext uri="{FF2B5EF4-FFF2-40B4-BE49-F238E27FC236}">
-                <a16:creationId xmlns="" xmlns:a16="http://schemas.microsoft.com/office/drawing/2014/main" id="{9A8A33CC-F61C-434A-A3A3-4E2B5C85A303}"/>
+                <a16:creationId xmlns:a16="http://schemas.microsoft.com/office/drawing/2014/main" xmlns="" id="{9A8A33CC-F61C-434A-A3A3-4E2B5C85A303}"/>
               </a:ext>
             </a:extLst>
           </p:cNvPr>
@@ -3226,7 +3227,7 @@
           <p:cNvPr id="4" name="텍스트 개체 틀 3">
             <a:extLst>
               <a:ext uri="{FF2B5EF4-FFF2-40B4-BE49-F238E27FC236}">
-                <a16:creationId xmlns="" xmlns:a16="http://schemas.microsoft.com/office/drawing/2014/main" id="{1FCC018E-13AD-4044-A75A-EBCB330FEB7E}"/>
+                <a16:creationId xmlns:a16="http://schemas.microsoft.com/office/drawing/2014/main" xmlns="" id="{1FCC018E-13AD-4044-A75A-EBCB330FEB7E}"/>
               </a:ext>
             </a:extLst>
           </p:cNvPr>
@@ -3297,7 +3298,7 @@
           <p:cNvPr id="5" name="날짜 개체 틀 4">
             <a:extLst>
               <a:ext uri="{FF2B5EF4-FFF2-40B4-BE49-F238E27FC236}">
-                <a16:creationId xmlns="" xmlns:a16="http://schemas.microsoft.com/office/drawing/2014/main" id="{38A88DAA-51B1-4936-B036-A8B37CD5A036}"/>
+                <a16:creationId xmlns:a16="http://schemas.microsoft.com/office/drawing/2014/main" xmlns="" id="{38A88DAA-51B1-4936-B036-A8B37CD5A036}"/>
               </a:ext>
             </a:extLst>
           </p:cNvPr>
@@ -3326,7 +3327,7 @@
           <p:cNvPr id="6" name="바닥글 개체 틀 5">
             <a:extLst>
               <a:ext uri="{FF2B5EF4-FFF2-40B4-BE49-F238E27FC236}">
-                <a16:creationId xmlns="" xmlns:a16="http://schemas.microsoft.com/office/drawing/2014/main" id="{858BAC2B-6835-472A-881B-28E363C3A013}"/>
+                <a16:creationId xmlns:a16="http://schemas.microsoft.com/office/drawing/2014/main" xmlns="" id="{858BAC2B-6835-472A-881B-28E363C3A013}"/>
               </a:ext>
             </a:extLst>
           </p:cNvPr>
@@ -3351,7 +3352,7 @@
           <p:cNvPr id="7" name="슬라이드 번호 개체 틀 6">
             <a:extLst>
               <a:ext uri="{FF2B5EF4-FFF2-40B4-BE49-F238E27FC236}">
-                <a16:creationId xmlns="" xmlns:a16="http://schemas.microsoft.com/office/drawing/2014/main" id="{70210D75-54F1-485D-AB7C-5B66E01D241D}"/>
+                <a16:creationId xmlns:a16="http://schemas.microsoft.com/office/drawing/2014/main" xmlns="" id="{70210D75-54F1-485D-AB7C-5B66E01D241D}"/>
               </a:ext>
             </a:extLst>
           </p:cNvPr>
@@ -3410,7 +3411,7 @@
           <p:cNvPr id="2" name="제목 1">
             <a:extLst>
               <a:ext uri="{FF2B5EF4-FFF2-40B4-BE49-F238E27FC236}">
-                <a16:creationId xmlns="" xmlns:a16="http://schemas.microsoft.com/office/drawing/2014/main" id="{5AB9635F-2EDE-4EC4-8E58-CE88E94920AD}"/>
+                <a16:creationId xmlns:a16="http://schemas.microsoft.com/office/drawing/2014/main" xmlns="" id="{5AB9635F-2EDE-4EC4-8E58-CE88E94920AD}"/>
               </a:ext>
             </a:extLst>
           </p:cNvPr>
@@ -3447,7 +3448,7 @@
           <p:cNvPr id="3" name="그림 개체 틀 2">
             <a:extLst>
               <a:ext uri="{FF2B5EF4-FFF2-40B4-BE49-F238E27FC236}">
-                <a16:creationId xmlns="" xmlns:a16="http://schemas.microsoft.com/office/drawing/2014/main" id="{F58C4F68-56AE-4948-A041-3BD458984626}"/>
+                <a16:creationId xmlns:a16="http://schemas.microsoft.com/office/drawing/2014/main" xmlns="" id="{F58C4F68-56AE-4948-A041-3BD458984626}"/>
               </a:ext>
             </a:extLst>
           </p:cNvPr>
@@ -3514,7 +3515,7 @@
           <p:cNvPr id="4" name="텍스트 개체 틀 3">
             <a:extLst>
               <a:ext uri="{FF2B5EF4-FFF2-40B4-BE49-F238E27FC236}">
-                <a16:creationId xmlns="" xmlns:a16="http://schemas.microsoft.com/office/drawing/2014/main" id="{B119A38D-80A6-4B24-827A-B39EE27CCE0A}"/>
+                <a16:creationId xmlns:a16="http://schemas.microsoft.com/office/drawing/2014/main" xmlns="" id="{B119A38D-80A6-4B24-827A-B39EE27CCE0A}"/>
               </a:ext>
             </a:extLst>
           </p:cNvPr>
@@ -3585,7 +3586,7 @@
           <p:cNvPr id="5" name="날짜 개체 틀 4">
             <a:extLst>
               <a:ext uri="{FF2B5EF4-FFF2-40B4-BE49-F238E27FC236}">
-                <a16:creationId xmlns="" xmlns:a16="http://schemas.microsoft.com/office/drawing/2014/main" id="{4913E1BA-22BE-4ADE-A608-E4580DFF3B24}"/>
+                <a16:creationId xmlns:a16="http://schemas.microsoft.com/office/drawing/2014/main" xmlns="" id="{4913E1BA-22BE-4ADE-A608-E4580DFF3B24}"/>
               </a:ext>
             </a:extLst>
           </p:cNvPr>
@@ -3614,7 +3615,7 @@
           <p:cNvPr id="6" name="바닥글 개체 틀 5">
             <a:extLst>
               <a:ext uri="{FF2B5EF4-FFF2-40B4-BE49-F238E27FC236}">
-                <a16:creationId xmlns="" xmlns:a16="http://schemas.microsoft.com/office/drawing/2014/main" id="{1D24FBBB-D9B5-462D-8B42-797C793FDBCB}"/>
+                <a16:creationId xmlns:a16="http://schemas.microsoft.com/office/drawing/2014/main" xmlns="" id="{1D24FBBB-D9B5-462D-8B42-797C793FDBCB}"/>
               </a:ext>
             </a:extLst>
           </p:cNvPr>
@@ -3639,7 +3640,7 @@
           <p:cNvPr id="7" name="슬라이드 번호 개체 틀 6">
             <a:extLst>
               <a:ext uri="{FF2B5EF4-FFF2-40B4-BE49-F238E27FC236}">
-                <a16:creationId xmlns="" xmlns:a16="http://schemas.microsoft.com/office/drawing/2014/main" id="{C81E33CA-C334-4F02-9681-D6DFEE085299}"/>
+                <a16:creationId xmlns:a16="http://schemas.microsoft.com/office/drawing/2014/main" xmlns="" id="{C81E33CA-C334-4F02-9681-D6DFEE085299}"/>
               </a:ext>
             </a:extLst>
           </p:cNvPr>
@@ -3703,7 +3704,7 @@
           <p:cNvPr id="2" name="제목 개체 틀 1">
             <a:extLst>
               <a:ext uri="{FF2B5EF4-FFF2-40B4-BE49-F238E27FC236}">
-                <a16:creationId xmlns="" xmlns:a16="http://schemas.microsoft.com/office/drawing/2014/main" id="{969F8742-7E1F-41EC-B8C1-0584C2FEFF27}"/>
+                <a16:creationId xmlns:a16="http://schemas.microsoft.com/office/drawing/2014/main" xmlns="" id="{969F8742-7E1F-41EC-B8C1-0584C2FEFF27}"/>
               </a:ext>
             </a:extLst>
           </p:cNvPr>
@@ -3741,7 +3742,7 @@
           <p:cNvPr id="3" name="텍스트 개체 틀 2">
             <a:extLst>
               <a:ext uri="{FF2B5EF4-FFF2-40B4-BE49-F238E27FC236}">
-                <a16:creationId xmlns="" xmlns:a16="http://schemas.microsoft.com/office/drawing/2014/main" id="{7CDE2931-A4C0-446C-AA7A-EF47DE01E6C5}"/>
+                <a16:creationId xmlns:a16="http://schemas.microsoft.com/office/drawing/2014/main" xmlns="" id="{7CDE2931-A4C0-446C-AA7A-EF47DE01E6C5}"/>
               </a:ext>
             </a:extLst>
           </p:cNvPr>
@@ -3808,7 +3809,7 @@
           <p:cNvPr id="4" name="날짜 개체 틀 3">
             <a:extLst>
               <a:ext uri="{FF2B5EF4-FFF2-40B4-BE49-F238E27FC236}">
-                <a16:creationId xmlns="" xmlns:a16="http://schemas.microsoft.com/office/drawing/2014/main" id="{68AC9354-3EE4-4D82-B080-DAB6B5C75EBB}"/>
+                <a16:creationId xmlns:a16="http://schemas.microsoft.com/office/drawing/2014/main" xmlns="" id="{68AC9354-3EE4-4D82-B080-DAB6B5C75EBB}"/>
               </a:ext>
             </a:extLst>
           </p:cNvPr>
@@ -3855,7 +3856,7 @@
           <p:cNvPr id="5" name="바닥글 개체 틀 4">
             <a:extLst>
               <a:ext uri="{FF2B5EF4-FFF2-40B4-BE49-F238E27FC236}">
-                <a16:creationId xmlns="" xmlns:a16="http://schemas.microsoft.com/office/drawing/2014/main" id="{6F4F6028-4076-4681-A219-BC6E659A4210}"/>
+                <a16:creationId xmlns:a16="http://schemas.microsoft.com/office/drawing/2014/main" xmlns="" id="{6F4F6028-4076-4681-A219-BC6E659A4210}"/>
               </a:ext>
             </a:extLst>
           </p:cNvPr>
@@ -3898,7 +3899,7 @@
           <p:cNvPr id="6" name="슬라이드 번호 개체 틀 5">
             <a:extLst>
               <a:ext uri="{FF2B5EF4-FFF2-40B4-BE49-F238E27FC236}">
-                <a16:creationId xmlns="" xmlns:a16="http://schemas.microsoft.com/office/drawing/2014/main" id="{9B9B7C7E-7689-4C39-A2DD-C3D5771D0833}"/>
+                <a16:creationId xmlns:a16="http://schemas.microsoft.com/office/drawing/2014/main" xmlns="" id="{9B9B7C7E-7689-4C39-A2DD-C3D5771D0833}"/>
               </a:ext>
             </a:extLst>
           </p:cNvPr>
@@ -4520,7 +4521,7 @@
           <p:cNvPr id="3" name="그림 2">
             <a:extLst>
               <a:ext uri="{FF2B5EF4-FFF2-40B4-BE49-F238E27FC236}">
-                <a16:creationId xmlns="" xmlns:a16="http://schemas.microsoft.com/office/drawing/2014/main" id="{BCEDD9AA-F2EF-4E84-8BB7-3A6C2A2D3BFC}"/>
+                <a16:creationId xmlns:a16="http://schemas.microsoft.com/office/drawing/2014/main" xmlns="" id="{BCEDD9AA-F2EF-4E84-8BB7-3A6C2A2D3BFC}"/>
               </a:ext>
             </a:extLst>
           </p:cNvPr>
@@ -4649,7 +4650,7 @@
           <p:cNvPr id="8" name="직선 연결선 7">
             <a:extLst>
               <a:ext uri="{FF2B5EF4-FFF2-40B4-BE49-F238E27FC236}">
-                <a16:creationId xmlns="" xmlns:a16="http://schemas.microsoft.com/office/drawing/2014/main" id="{9E1390A9-09A1-488E-97C3-A6744285DA8D}"/>
+                <a16:creationId xmlns:a16="http://schemas.microsoft.com/office/drawing/2014/main" xmlns="" id="{9E1390A9-09A1-488E-97C3-A6744285DA8D}"/>
               </a:ext>
             </a:extLst>
           </p:cNvPr>
@@ -4692,7 +4693,7 @@
           <p:cNvPr id="9" name="직선 연결선 8">
             <a:extLst>
               <a:ext uri="{FF2B5EF4-FFF2-40B4-BE49-F238E27FC236}">
-                <a16:creationId xmlns="" xmlns:a16="http://schemas.microsoft.com/office/drawing/2014/main" id="{7D3B1FA3-C211-4639-A9D3-7296054C3AA0}"/>
+                <a16:creationId xmlns:a16="http://schemas.microsoft.com/office/drawing/2014/main" xmlns="" id="{7D3B1FA3-C211-4639-A9D3-7296054C3AA0}"/>
               </a:ext>
             </a:extLst>
           </p:cNvPr>
@@ -4838,7 +4839,7 @@
           <p:cNvPr id="7" name="직사각형 6">
             <a:extLst>
               <a:ext uri="{FF2B5EF4-FFF2-40B4-BE49-F238E27FC236}">
-                <a16:creationId xmlns="" xmlns:a16="http://schemas.microsoft.com/office/drawing/2014/main" id="{8A867188-B63B-4F3E-9B0A-85050E472F89}"/>
+                <a16:creationId xmlns:a16="http://schemas.microsoft.com/office/drawing/2014/main" xmlns="" id="{8A867188-B63B-4F3E-9B0A-85050E472F89}"/>
               </a:ext>
             </a:extLst>
           </p:cNvPr>
@@ -4984,7 +4985,7 @@
           <p:cNvPr id="8" name="직선 연결선 7">
             <a:extLst>
               <a:ext uri="{FF2B5EF4-FFF2-40B4-BE49-F238E27FC236}">
-                <a16:creationId xmlns="" xmlns:a16="http://schemas.microsoft.com/office/drawing/2014/main" id="{9E1390A9-09A1-488E-97C3-A6744285DA8D}"/>
+                <a16:creationId xmlns:a16="http://schemas.microsoft.com/office/drawing/2014/main" xmlns="" id="{9E1390A9-09A1-488E-97C3-A6744285DA8D}"/>
               </a:ext>
             </a:extLst>
           </p:cNvPr>
@@ -5027,7 +5028,7 @@
           <p:cNvPr id="9" name="직선 연결선 8">
             <a:extLst>
               <a:ext uri="{FF2B5EF4-FFF2-40B4-BE49-F238E27FC236}">
-                <a16:creationId xmlns="" xmlns:a16="http://schemas.microsoft.com/office/drawing/2014/main" id="{7D3B1FA3-C211-4639-A9D3-7296054C3AA0}"/>
+                <a16:creationId xmlns:a16="http://schemas.microsoft.com/office/drawing/2014/main" xmlns="" id="{7D3B1FA3-C211-4639-A9D3-7296054C3AA0}"/>
               </a:ext>
             </a:extLst>
           </p:cNvPr>
@@ -5070,7 +5071,7 @@
           <p:cNvPr id="10" name="직사각형 9">
             <a:extLst>
               <a:ext uri="{FF2B5EF4-FFF2-40B4-BE49-F238E27FC236}">
-                <a16:creationId xmlns="" xmlns:a16="http://schemas.microsoft.com/office/drawing/2014/main" id="{257EB845-5FE3-43CB-90A5-91FDE3E2F0AA}"/>
+                <a16:creationId xmlns:a16="http://schemas.microsoft.com/office/drawing/2014/main" xmlns="" id="{257EB845-5FE3-43CB-90A5-91FDE3E2F0AA}"/>
               </a:ext>
             </a:extLst>
           </p:cNvPr>
@@ -5242,7 +5243,7 @@
           <p:cNvPr id="14" name="TextBox 30">
             <a:extLst>
               <a:ext uri="{FF2B5EF4-FFF2-40B4-BE49-F238E27FC236}">
-                <a16:creationId xmlns="" xmlns:a16="http://schemas.microsoft.com/office/drawing/2014/main" id="{83666B2E-8D70-48C1-985E-EB2D8FF02887}"/>
+                <a16:creationId xmlns:a16="http://schemas.microsoft.com/office/drawing/2014/main" xmlns="" id="{83666B2E-8D70-48C1-985E-EB2D8FF02887}"/>
               </a:ext>
             </a:extLst>
           </p:cNvPr>
@@ -5446,7 +5447,7 @@
           <p:cNvPr id="6" name="텍스트 개체 틀 15">
             <a:extLst>
               <a:ext uri="{FF2B5EF4-FFF2-40B4-BE49-F238E27FC236}">
-                <a16:creationId xmlns="" xmlns:a16="http://schemas.microsoft.com/office/drawing/2014/main" id="{93FBF660-2314-43F1-9FB5-92596CFC6440}"/>
+                <a16:creationId xmlns:a16="http://schemas.microsoft.com/office/drawing/2014/main" xmlns="" id="{93FBF660-2314-43F1-9FB5-92596CFC6440}"/>
               </a:ext>
             </a:extLst>
           </p:cNvPr>
@@ -5486,7 +5487,7 @@
           <p:cNvPr id="7" name="제목 14">
             <a:extLst>
               <a:ext uri="{FF2B5EF4-FFF2-40B4-BE49-F238E27FC236}">
-                <a16:creationId xmlns="" xmlns:a16="http://schemas.microsoft.com/office/drawing/2014/main" id="{5C97C008-04D9-4F1D-875B-C27D47EA2AB9}"/>
+                <a16:creationId xmlns:a16="http://schemas.microsoft.com/office/drawing/2014/main" xmlns="" id="{5C97C008-04D9-4F1D-875B-C27D47EA2AB9}"/>
               </a:ext>
             </a:extLst>
           </p:cNvPr>
@@ -5522,7 +5523,7 @@
           <p:cNvPr id="10" name="직사각형 9">
             <a:extLst>
               <a:ext uri="{FF2B5EF4-FFF2-40B4-BE49-F238E27FC236}">
-                <a16:creationId xmlns="" xmlns:a16="http://schemas.microsoft.com/office/drawing/2014/main" id="{358BD451-710A-448A-817A-85C12101B467}"/>
+                <a16:creationId xmlns:a16="http://schemas.microsoft.com/office/drawing/2014/main" xmlns="" id="{358BD451-710A-448A-817A-85C12101B467}"/>
               </a:ext>
             </a:extLst>
           </p:cNvPr>
@@ -5668,7 +5669,7 @@
           <p:cNvPr id="11" name="직선 연결선 10">
             <a:extLst>
               <a:ext uri="{FF2B5EF4-FFF2-40B4-BE49-F238E27FC236}">
-                <a16:creationId xmlns="" xmlns:a16="http://schemas.microsoft.com/office/drawing/2014/main" id="{B246DDA7-8F10-4FB2-A542-8C5FCB83B691}"/>
+                <a16:creationId xmlns:a16="http://schemas.microsoft.com/office/drawing/2014/main" xmlns="" id="{B246DDA7-8F10-4FB2-A542-8C5FCB83B691}"/>
               </a:ext>
             </a:extLst>
           </p:cNvPr>
@@ -5711,7 +5712,7 @@
           <p:cNvPr id="12" name="직선 연결선 11">
             <a:extLst>
               <a:ext uri="{FF2B5EF4-FFF2-40B4-BE49-F238E27FC236}">
-                <a16:creationId xmlns="" xmlns:a16="http://schemas.microsoft.com/office/drawing/2014/main" id="{20D135C1-5590-4525-AB25-BD6A51CBB4F1}"/>
+                <a16:creationId xmlns:a16="http://schemas.microsoft.com/office/drawing/2014/main" xmlns="" id="{20D135C1-5590-4525-AB25-BD6A51CBB4F1}"/>
               </a:ext>
             </a:extLst>
           </p:cNvPr>
@@ -5754,7 +5755,7 @@
           <p:cNvPr id="13" name="직사각형 12">
             <a:extLst>
               <a:ext uri="{FF2B5EF4-FFF2-40B4-BE49-F238E27FC236}">
-                <a16:creationId xmlns="" xmlns:a16="http://schemas.microsoft.com/office/drawing/2014/main" id="{02433713-A8C4-443E-883F-27E14934E7F6}"/>
+                <a16:creationId xmlns:a16="http://schemas.microsoft.com/office/drawing/2014/main" xmlns="" id="{02433713-A8C4-443E-883F-27E14934E7F6}"/>
               </a:ext>
             </a:extLst>
           </p:cNvPr>
@@ -5926,7 +5927,7 @@
           <p:cNvPr id="14" name="직사각형 13">
             <a:extLst>
               <a:ext uri="{FF2B5EF4-FFF2-40B4-BE49-F238E27FC236}">
-                <a16:creationId xmlns="" xmlns:a16="http://schemas.microsoft.com/office/drawing/2014/main" id="{39F82948-4A1E-42AD-8DD0-91F016F2137E}"/>
+                <a16:creationId xmlns:a16="http://schemas.microsoft.com/office/drawing/2014/main" xmlns="" id="{39F82948-4A1E-42AD-8DD0-91F016F2137E}"/>
               </a:ext>
             </a:extLst>
           </p:cNvPr>
@@ -6098,7 +6099,7 @@
           <p:cNvPr id="15" name="TextBox 30">
             <a:extLst>
               <a:ext uri="{FF2B5EF4-FFF2-40B4-BE49-F238E27FC236}">
-                <a16:creationId xmlns="" xmlns:a16="http://schemas.microsoft.com/office/drawing/2014/main" id="{B7452482-C982-42C9-A293-4CEBACC296B4}"/>
+                <a16:creationId xmlns:a16="http://schemas.microsoft.com/office/drawing/2014/main" xmlns="" id="{B7452482-C982-42C9-A293-4CEBACC296B4}"/>
               </a:ext>
             </a:extLst>
           </p:cNvPr>
@@ -6262,7 +6263,7 @@
           <p:cNvPr id="16" name="TextBox 33">
             <a:extLst>
               <a:ext uri="{FF2B5EF4-FFF2-40B4-BE49-F238E27FC236}">
-                <a16:creationId xmlns="" xmlns:a16="http://schemas.microsoft.com/office/drawing/2014/main" id="{56217A4D-077F-4E31-A767-5D99307F8DE5}"/>
+                <a16:creationId xmlns:a16="http://schemas.microsoft.com/office/drawing/2014/main" xmlns="" id="{56217A4D-077F-4E31-A767-5D99307F8DE5}"/>
               </a:ext>
             </a:extLst>
           </p:cNvPr>
@@ -6644,7 +6645,7 @@
           <p:cNvPr id="7" name="직사각형 6">
             <a:extLst>
               <a:ext uri="{FF2B5EF4-FFF2-40B4-BE49-F238E27FC236}">
-                <a16:creationId xmlns="" xmlns:a16="http://schemas.microsoft.com/office/drawing/2014/main" id="{8A867188-B63B-4F3E-9B0A-85050E472F89}"/>
+                <a16:creationId xmlns:a16="http://schemas.microsoft.com/office/drawing/2014/main" xmlns="" id="{8A867188-B63B-4F3E-9B0A-85050E472F89}"/>
               </a:ext>
             </a:extLst>
           </p:cNvPr>
@@ -6790,7 +6791,7 @@
           <p:cNvPr id="8" name="직선 연결선 7">
             <a:extLst>
               <a:ext uri="{FF2B5EF4-FFF2-40B4-BE49-F238E27FC236}">
-                <a16:creationId xmlns="" xmlns:a16="http://schemas.microsoft.com/office/drawing/2014/main" id="{9E1390A9-09A1-488E-97C3-A6744285DA8D}"/>
+                <a16:creationId xmlns:a16="http://schemas.microsoft.com/office/drawing/2014/main" xmlns="" id="{9E1390A9-09A1-488E-97C3-A6744285DA8D}"/>
               </a:ext>
             </a:extLst>
           </p:cNvPr>
@@ -6833,7 +6834,7 @@
           <p:cNvPr id="9" name="직선 연결선 8">
             <a:extLst>
               <a:ext uri="{FF2B5EF4-FFF2-40B4-BE49-F238E27FC236}">
-                <a16:creationId xmlns="" xmlns:a16="http://schemas.microsoft.com/office/drawing/2014/main" id="{7D3B1FA3-C211-4639-A9D3-7296054C3AA0}"/>
+                <a16:creationId xmlns:a16="http://schemas.microsoft.com/office/drawing/2014/main" xmlns="" id="{7D3B1FA3-C211-4639-A9D3-7296054C3AA0}"/>
               </a:ext>
             </a:extLst>
           </p:cNvPr>
@@ -6876,7 +6877,7 @@
           <p:cNvPr id="10" name="직사각형 9">
             <a:extLst>
               <a:ext uri="{FF2B5EF4-FFF2-40B4-BE49-F238E27FC236}">
-                <a16:creationId xmlns="" xmlns:a16="http://schemas.microsoft.com/office/drawing/2014/main" id="{257EB845-5FE3-43CB-90A5-91FDE3E2F0AA}"/>
+                <a16:creationId xmlns:a16="http://schemas.microsoft.com/office/drawing/2014/main" xmlns="" id="{257EB845-5FE3-43CB-90A5-91FDE3E2F0AA}"/>
               </a:ext>
             </a:extLst>
           </p:cNvPr>
@@ -7048,7 +7049,7 @@
           <p:cNvPr id="11" name="직사각형 10">
             <a:extLst>
               <a:ext uri="{FF2B5EF4-FFF2-40B4-BE49-F238E27FC236}">
-                <a16:creationId xmlns="" xmlns:a16="http://schemas.microsoft.com/office/drawing/2014/main" id="{0917A04C-9C49-45DE-B878-547706476A72}"/>
+                <a16:creationId xmlns:a16="http://schemas.microsoft.com/office/drawing/2014/main" xmlns="" id="{0917A04C-9C49-45DE-B878-547706476A72}"/>
               </a:ext>
             </a:extLst>
           </p:cNvPr>
@@ -7220,7 +7221,7 @@
           <p:cNvPr id="13" name="직사각형 12">
             <a:extLst>
               <a:ext uri="{FF2B5EF4-FFF2-40B4-BE49-F238E27FC236}">
-                <a16:creationId xmlns="" xmlns:a16="http://schemas.microsoft.com/office/drawing/2014/main" id="{655CC3E4-35FA-4CD4-853B-AEFD7FF401C7}"/>
+                <a16:creationId xmlns:a16="http://schemas.microsoft.com/office/drawing/2014/main" xmlns="" id="{655CC3E4-35FA-4CD4-853B-AEFD7FF401C7}"/>
               </a:ext>
             </a:extLst>
           </p:cNvPr>
@@ -7392,7 +7393,7 @@
           <p:cNvPr id="14" name="TextBox 30">
             <a:extLst>
               <a:ext uri="{FF2B5EF4-FFF2-40B4-BE49-F238E27FC236}">
-                <a16:creationId xmlns="" xmlns:a16="http://schemas.microsoft.com/office/drawing/2014/main" id="{83666B2E-8D70-48C1-985E-EB2D8FF02887}"/>
+                <a16:creationId xmlns:a16="http://schemas.microsoft.com/office/drawing/2014/main" xmlns="" id="{83666B2E-8D70-48C1-985E-EB2D8FF02887}"/>
               </a:ext>
             </a:extLst>
           </p:cNvPr>
@@ -7556,7 +7557,7 @@
           <p:cNvPr id="19" name="TextBox 33">
             <a:extLst>
               <a:ext uri="{FF2B5EF4-FFF2-40B4-BE49-F238E27FC236}">
-                <a16:creationId xmlns="" xmlns:a16="http://schemas.microsoft.com/office/drawing/2014/main" id="{98521BC9-F98E-4C44-B653-882C483076E2}"/>
+                <a16:creationId xmlns:a16="http://schemas.microsoft.com/office/drawing/2014/main" xmlns="" id="{98521BC9-F98E-4C44-B653-882C483076E2}"/>
               </a:ext>
             </a:extLst>
           </p:cNvPr>
@@ -7844,7 +7845,7 @@
           <p:cNvPr id="22" name="TextBox 30">
             <a:extLst>
               <a:ext uri="{FF2B5EF4-FFF2-40B4-BE49-F238E27FC236}">
-                <a16:creationId xmlns="" xmlns:a16="http://schemas.microsoft.com/office/drawing/2014/main" id="{AA9568B9-AC91-4C93-AE32-47B6282F4E10}"/>
+                <a16:creationId xmlns:a16="http://schemas.microsoft.com/office/drawing/2014/main" xmlns="" id="{AA9568B9-AC91-4C93-AE32-47B6282F4E10}"/>
               </a:ext>
             </a:extLst>
           </p:cNvPr>
@@ -8050,7 +8051,7 @@
           <p:cNvPr id="2" name="직사각형 1">
             <a:extLst>
               <a:ext uri="{FF2B5EF4-FFF2-40B4-BE49-F238E27FC236}">
-                <a16:creationId xmlns="" xmlns:a16="http://schemas.microsoft.com/office/drawing/2014/main" id="{A1FAB35B-C8A6-4C58-B53B-4EC0574558D8}"/>
+                <a16:creationId xmlns:a16="http://schemas.microsoft.com/office/drawing/2014/main" xmlns="" id="{A1FAB35B-C8A6-4C58-B53B-4EC0574558D8}"/>
               </a:ext>
             </a:extLst>
           </p:cNvPr>
@@ -8196,7 +8197,7 @@
           <p:cNvPr id="7" name="직사각형 6">
             <a:extLst>
               <a:ext uri="{FF2B5EF4-FFF2-40B4-BE49-F238E27FC236}">
-                <a16:creationId xmlns="" xmlns:a16="http://schemas.microsoft.com/office/drawing/2014/main" id="{8A867188-B63B-4F3E-9B0A-85050E472F89}"/>
+                <a16:creationId xmlns:a16="http://schemas.microsoft.com/office/drawing/2014/main" xmlns="" id="{8A867188-B63B-4F3E-9B0A-85050E472F89}"/>
               </a:ext>
             </a:extLst>
           </p:cNvPr>
@@ -8342,7 +8343,7 @@
           <p:cNvPr id="8" name="직선 연결선 7">
             <a:extLst>
               <a:ext uri="{FF2B5EF4-FFF2-40B4-BE49-F238E27FC236}">
-                <a16:creationId xmlns="" xmlns:a16="http://schemas.microsoft.com/office/drawing/2014/main" id="{9E1390A9-09A1-488E-97C3-A6744285DA8D}"/>
+                <a16:creationId xmlns:a16="http://schemas.microsoft.com/office/drawing/2014/main" xmlns="" id="{9E1390A9-09A1-488E-97C3-A6744285DA8D}"/>
               </a:ext>
             </a:extLst>
           </p:cNvPr>
@@ -8385,7 +8386,7 @@
           <p:cNvPr id="9" name="직선 연결선 8">
             <a:extLst>
               <a:ext uri="{FF2B5EF4-FFF2-40B4-BE49-F238E27FC236}">
-                <a16:creationId xmlns="" xmlns:a16="http://schemas.microsoft.com/office/drawing/2014/main" id="{7D3B1FA3-C211-4639-A9D3-7296054C3AA0}"/>
+                <a16:creationId xmlns:a16="http://schemas.microsoft.com/office/drawing/2014/main" xmlns="" id="{7D3B1FA3-C211-4639-A9D3-7296054C3AA0}"/>
               </a:ext>
             </a:extLst>
           </p:cNvPr>
@@ -8428,7 +8429,7 @@
           <p:cNvPr id="10" name="직사각형 9">
             <a:extLst>
               <a:ext uri="{FF2B5EF4-FFF2-40B4-BE49-F238E27FC236}">
-                <a16:creationId xmlns="" xmlns:a16="http://schemas.microsoft.com/office/drawing/2014/main" id="{257EB845-5FE3-43CB-90A5-91FDE3E2F0AA}"/>
+                <a16:creationId xmlns:a16="http://schemas.microsoft.com/office/drawing/2014/main" xmlns="" id="{257EB845-5FE3-43CB-90A5-91FDE3E2F0AA}"/>
               </a:ext>
             </a:extLst>
           </p:cNvPr>
@@ -8600,7 +8601,7 @@
           <p:cNvPr id="11" name="직사각형 10">
             <a:extLst>
               <a:ext uri="{FF2B5EF4-FFF2-40B4-BE49-F238E27FC236}">
-                <a16:creationId xmlns="" xmlns:a16="http://schemas.microsoft.com/office/drawing/2014/main" id="{0917A04C-9C49-45DE-B878-547706476A72}"/>
+                <a16:creationId xmlns:a16="http://schemas.microsoft.com/office/drawing/2014/main" xmlns="" id="{0917A04C-9C49-45DE-B878-547706476A72}"/>
               </a:ext>
             </a:extLst>
           </p:cNvPr>
@@ -8772,7 +8773,7 @@
           <p:cNvPr id="12" name="직사각형 11">
             <a:extLst>
               <a:ext uri="{FF2B5EF4-FFF2-40B4-BE49-F238E27FC236}">
-                <a16:creationId xmlns="" xmlns:a16="http://schemas.microsoft.com/office/drawing/2014/main" id="{9D1ACA91-9F48-4F9C-9602-0AD8C9B128C9}"/>
+                <a16:creationId xmlns:a16="http://schemas.microsoft.com/office/drawing/2014/main" xmlns="" id="{9D1ACA91-9F48-4F9C-9602-0AD8C9B128C9}"/>
               </a:ext>
             </a:extLst>
           </p:cNvPr>
@@ -8944,7 +8945,7 @@
           <p:cNvPr id="13" name="직사각형 12">
             <a:extLst>
               <a:ext uri="{FF2B5EF4-FFF2-40B4-BE49-F238E27FC236}">
-                <a16:creationId xmlns="" xmlns:a16="http://schemas.microsoft.com/office/drawing/2014/main" id="{655CC3E4-35FA-4CD4-853B-AEFD7FF401C7}"/>
+                <a16:creationId xmlns:a16="http://schemas.microsoft.com/office/drawing/2014/main" xmlns="" id="{655CC3E4-35FA-4CD4-853B-AEFD7FF401C7}"/>
               </a:ext>
             </a:extLst>
           </p:cNvPr>
@@ -9116,7 +9117,7 @@
           <p:cNvPr id="14" name="TextBox 30">
             <a:extLst>
               <a:ext uri="{FF2B5EF4-FFF2-40B4-BE49-F238E27FC236}">
-                <a16:creationId xmlns="" xmlns:a16="http://schemas.microsoft.com/office/drawing/2014/main" id="{83666B2E-8D70-48C1-985E-EB2D8FF02887}"/>
+                <a16:creationId xmlns:a16="http://schemas.microsoft.com/office/drawing/2014/main" xmlns="" id="{83666B2E-8D70-48C1-985E-EB2D8FF02887}"/>
               </a:ext>
             </a:extLst>
           </p:cNvPr>
@@ -9280,7 +9281,7 @@
           <p:cNvPr id="19" name="TextBox 33">
             <a:extLst>
               <a:ext uri="{FF2B5EF4-FFF2-40B4-BE49-F238E27FC236}">
-                <a16:creationId xmlns="" xmlns:a16="http://schemas.microsoft.com/office/drawing/2014/main" id="{98521BC9-F98E-4C44-B653-882C483076E2}"/>
+                <a16:creationId xmlns:a16="http://schemas.microsoft.com/office/drawing/2014/main" xmlns="" id="{98521BC9-F98E-4C44-B653-882C483076E2}"/>
               </a:ext>
             </a:extLst>
           </p:cNvPr>
@@ -9568,7 +9569,7 @@
           <p:cNvPr id="20" name="TextBox 34">
             <a:extLst>
               <a:ext uri="{FF2B5EF4-FFF2-40B4-BE49-F238E27FC236}">
-                <a16:creationId xmlns="" xmlns:a16="http://schemas.microsoft.com/office/drawing/2014/main" id="{D936258A-CA4E-4CD3-9853-0F00D9554344}"/>
+                <a16:creationId xmlns:a16="http://schemas.microsoft.com/office/drawing/2014/main" xmlns="" id="{D936258A-CA4E-4CD3-9853-0F00D9554344}"/>
               </a:ext>
             </a:extLst>
           </p:cNvPr>
@@ -9856,7 +9857,7 @@
           <p:cNvPr id="22" name="TextBox 30">
             <a:extLst>
               <a:ext uri="{FF2B5EF4-FFF2-40B4-BE49-F238E27FC236}">
-                <a16:creationId xmlns="" xmlns:a16="http://schemas.microsoft.com/office/drawing/2014/main" id="{AA9568B9-AC91-4C93-AE32-47B6282F4E10}"/>
+                <a16:creationId xmlns:a16="http://schemas.microsoft.com/office/drawing/2014/main" xmlns="" id="{AA9568B9-AC91-4C93-AE32-47B6282F4E10}"/>
               </a:ext>
             </a:extLst>
           </p:cNvPr>
@@ -10155,4918 +10156,30 @@
           </a:p>
         </p:txBody>
       </p:sp>
-      <p:sp>
-        <p:nvSpPr>
-          <p:cNvPr id="6" name="자유형 5"/>
-          <p:cNvSpPr/>
-          <p:nvPr/>
-        </p:nvSpPr>
-        <p:spPr>
-          <a:xfrm>
-            <a:off x="1783004" y="2919377"/>
-            <a:ext cx="2002945" cy="1076649"/>
-          </a:xfrm>
-          <a:custGeom>
-            <a:avLst/>
-            <a:gdLst>
-              <a:gd name="connsiteX0" fmla="*/ 0 w 2901156"/>
-              <a:gd name="connsiteY0" fmla="*/ 0 h 1160462"/>
-              <a:gd name="connsiteX1" fmla="*/ 2320925 w 2901156"/>
-              <a:gd name="connsiteY1" fmla="*/ 0 h 1160462"/>
-              <a:gd name="connsiteX2" fmla="*/ 2901156 w 2901156"/>
-              <a:gd name="connsiteY2" fmla="*/ 580231 h 1160462"/>
-              <a:gd name="connsiteX3" fmla="*/ 2320925 w 2901156"/>
-              <a:gd name="connsiteY3" fmla="*/ 1160462 h 1160462"/>
-              <a:gd name="connsiteX4" fmla="*/ 0 w 2901156"/>
-              <a:gd name="connsiteY4" fmla="*/ 1160462 h 1160462"/>
-              <a:gd name="connsiteX5" fmla="*/ 580231 w 2901156"/>
-              <a:gd name="connsiteY5" fmla="*/ 580231 h 1160462"/>
-              <a:gd name="connsiteX6" fmla="*/ 0 w 2901156"/>
-              <a:gd name="connsiteY6" fmla="*/ 0 h 1160462"/>
-            </a:gdLst>
-            <a:ahLst/>
-            <a:cxnLst>
-              <a:cxn ang="0">
-                <a:pos x="connsiteX0" y="connsiteY0"/>
-              </a:cxn>
-              <a:cxn ang="0">
-                <a:pos x="connsiteX1" y="connsiteY1"/>
-              </a:cxn>
-              <a:cxn ang="0">
-                <a:pos x="connsiteX2" y="connsiteY2"/>
-              </a:cxn>
-              <a:cxn ang="0">
-                <a:pos x="connsiteX3" y="connsiteY3"/>
-              </a:cxn>
-              <a:cxn ang="0">
-                <a:pos x="connsiteX4" y="connsiteY4"/>
-              </a:cxn>
-              <a:cxn ang="0">
-                <a:pos x="connsiteX5" y="connsiteY5"/>
-              </a:cxn>
-              <a:cxn ang="0">
-                <a:pos x="connsiteX6" y="connsiteY6"/>
-              </a:cxn>
-            </a:cxnLst>
-            <a:rect l="l" t="t" r="r" b="b"/>
-            <a:pathLst>
-              <a:path w="2901156" h="1160462">
-                <a:moveTo>
-                  <a:pt x="0" y="0"/>
-                </a:moveTo>
-                <a:lnTo>
-                  <a:pt x="2320925" y="0"/>
-                </a:lnTo>
-                <a:lnTo>
-                  <a:pt x="2901156" y="580231"/>
-                </a:lnTo>
-                <a:lnTo>
-                  <a:pt x="2320925" y="1160462"/>
-                </a:lnTo>
-                <a:lnTo>
-                  <a:pt x="0" y="1160462"/>
-                </a:lnTo>
-                <a:lnTo>
-                  <a:pt x="580231" y="580231"/>
-                </a:lnTo>
-                <a:lnTo>
-                  <a:pt x="0" y="0"/>
-                </a:lnTo>
-                <a:close/>
-              </a:path>
-            </a:pathLst>
-          </a:custGeom>
-          <a:solidFill>
-            <a:srgbClr val="F2F2F2"/>
-          </a:solidFill>
-        </p:spPr>
-        <p:style>
-          <a:lnRef idx="2">
-            <a:schemeClr val="lt1">
-              <a:hueOff val="0"/>
-              <a:satOff val="0"/>
-              <a:lumOff val="0"/>
-              <a:alphaOff val="0"/>
-            </a:schemeClr>
-          </a:lnRef>
-          <a:fillRef idx="1">
-            <a:schemeClr val="accent1">
-              <a:hueOff val="0"/>
-              <a:satOff val="0"/>
-              <a:lumOff val="0"/>
-              <a:alphaOff val="0"/>
-            </a:schemeClr>
-          </a:fillRef>
-          <a:effectRef idx="0">
-            <a:schemeClr val="accent1">
-              <a:hueOff val="0"/>
-              <a:satOff val="0"/>
-              <a:lumOff val="0"/>
-              <a:alphaOff val="0"/>
-            </a:schemeClr>
-          </a:effectRef>
-          <a:fontRef idx="minor">
-            <a:schemeClr val="lt1"/>
-          </a:fontRef>
-        </p:style>
-        <p:txBody>
-          <a:bodyPr spcFirstLastPara="0" vert="horz" wrap="square" lIns="724249" tIns="48006" rIns="628237" bIns="48006" numCol="1" spcCol="1270" anchor="ctr" anchorCtr="0">
-            <a:noAutofit/>
-          </a:bodyPr>
-          <a:lstStyle/>
-          <a:p>
-            <a:pPr lvl="0" algn="ctr" defTabSz="1600200" latinLnBrk="1">
-              <a:lnSpc>
-                <a:spcPct val="90000"/>
-              </a:lnSpc>
-              <a:spcBef>
-                <a:spcPct val="0"/>
-              </a:spcBef>
-              <a:spcAft>
-                <a:spcPct val="35000"/>
-              </a:spcAft>
-            </a:pPr>
-            <a:endParaRPr lang="ko-KR" altLang="en-US" sz="3600" kern="1200" dirty="0">
-              <a:latin typeface="나눔고딕" panose="020D0604000000000000" pitchFamily="50" charset="-127"/>
-              <a:ea typeface="나눔고딕" panose="020D0604000000000000" pitchFamily="50" charset="-127"/>
-            </a:endParaRPr>
-          </a:p>
-        </p:txBody>
-      </p:sp>
-      <p:sp>
-        <p:nvSpPr>
-          <p:cNvPr id="7" name="자유형 6"/>
-          <p:cNvSpPr/>
-          <p:nvPr/>
-        </p:nvSpPr>
-        <p:spPr>
-          <a:xfrm>
-            <a:off x="3438766" y="2919377"/>
-            <a:ext cx="2002945" cy="1076649"/>
-          </a:xfrm>
-          <a:custGeom>
-            <a:avLst/>
-            <a:gdLst>
-              <a:gd name="connsiteX0" fmla="*/ 0 w 2901156"/>
-              <a:gd name="connsiteY0" fmla="*/ 0 h 1160462"/>
-              <a:gd name="connsiteX1" fmla="*/ 2320925 w 2901156"/>
-              <a:gd name="connsiteY1" fmla="*/ 0 h 1160462"/>
-              <a:gd name="connsiteX2" fmla="*/ 2901156 w 2901156"/>
-              <a:gd name="connsiteY2" fmla="*/ 580231 h 1160462"/>
-              <a:gd name="connsiteX3" fmla="*/ 2320925 w 2901156"/>
-              <a:gd name="connsiteY3" fmla="*/ 1160462 h 1160462"/>
-              <a:gd name="connsiteX4" fmla="*/ 0 w 2901156"/>
-              <a:gd name="connsiteY4" fmla="*/ 1160462 h 1160462"/>
-              <a:gd name="connsiteX5" fmla="*/ 580231 w 2901156"/>
-              <a:gd name="connsiteY5" fmla="*/ 580231 h 1160462"/>
-              <a:gd name="connsiteX6" fmla="*/ 0 w 2901156"/>
-              <a:gd name="connsiteY6" fmla="*/ 0 h 1160462"/>
-            </a:gdLst>
-            <a:ahLst/>
-            <a:cxnLst>
-              <a:cxn ang="0">
-                <a:pos x="connsiteX0" y="connsiteY0"/>
-              </a:cxn>
-              <a:cxn ang="0">
-                <a:pos x="connsiteX1" y="connsiteY1"/>
-              </a:cxn>
-              <a:cxn ang="0">
-                <a:pos x="connsiteX2" y="connsiteY2"/>
-              </a:cxn>
-              <a:cxn ang="0">
-                <a:pos x="connsiteX3" y="connsiteY3"/>
-              </a:cxn>
-              <a:cxn ang="0">
-                <a:pos x="connsiteX4" y="connsiteY4"/>
-              </a:cxn>
-              <a:cxn ang="0">
-                <a:pos x="connsiteX5" y="connsiteY5"/>
-              </a:cxn>
-              <a:cxn ang="0">
-                <a:pos x="connsiteX6" y="connsiteY6"/>
-              </a:cxn>
-            </a:cxnLst>
-            <a:rect l="l" t="t" r="r" b="b"/>
-            <a:pathLst>
-              <a:path w="2901156" h="1160462">
-                <a:moveTo>
-                  <a:pt x="0" y="0"/>
-                </a:moveTo>
-                <a:lnTo>
-                  <a:pt x="2320925" y="0"/>
-                </a:lnTo>
-                <a:lnTo>
-                  <a:pt x="2901156" y="580231"/>
-                </a:lnTo>
-                <a:lnTo>
-                  <a:pt x="2320925" y="1160462"/>
-                </a:lnTo>
-                <a:lnTo>
-                  <a:pt x="0" y="1160462"/>
-                </a:lnTo>
-                <a:lnTo>
-                  <a:pt x="580231" y="580231"/>
-                </a:lnTo>
-                <a:lnTo>
-                  <a:pt x="0" y="0"/>
-                </a:lnTo>
-                <a:close/>
-              </a:path>
-            </a:pathLst>
-          </a:custGeom>
-          <a:solidFill>
-            <a:srgbClr val="D5D5D5"/>
-          </a:solidFill>
-          <a:ln>
-            <a:solidFill>
-              <a:schemeClr val="lt1">
-                <a:hueOff val="0"/>
-                <a:satOff val="0"/>
-                <a:lumOff val="0"/>
-              </a:schemeClr>
-            </a:solidFill>
-          </a:ln>
-        </p:spPr>
-        <p:style>
-          <a:lnRef idx="2">
-            <a:schemeClr val="lt1">
-              <a:hueOff val="0"/>
-              <a:satOff val="0"/>
-              <a:lumOff val="0"/>
-              <a:alphaOff val="0"/>
-            </a:schemeClr>
-          </a:lnRef>
-          <a:fillRef idx="1">
-            <a:schemeClr val="accent1">
-              <a:hueOff val="0"/>
-              <a:satOff val="0"/>
-              <a:lumOff val="0"/>
-              <a:alphaOff val="0"/>
-            </a:schemeClr>
-          </a:fillRef>
-          <a:effectRef idx="0">
-            <a:schemeClr val="accent1">
-              <a:hueOff val="0"/>
-              <a:satOff val="0"/>
-              <a:lumOff val="0"/>
-              <a:alphaOff val="0"/>
-            </a:schemeClr>
-          </a:effectRef>
-          <a:fontRef idx="minor">
-            <a:schemeClr val="lt1"/>
-          </a:fontRef>
-        </p:style>
-        <p:txBody>
-          <a:bodyPr spcFirstLastPara="0" vert="horz" wrap="square" lIns="724249" tIns="48006" rIns="628237" bIns="48006" numCol="1" spcCol="1270" anchor="ctr" anchorCtr="0">
-            <a:noAutofit/>
-          </a:bodyPr>
-          <a:lstStyle/>
-          <a:p>
-            <a:pPr lvl="0" algn="ctr" defTabSz="1600200" latinLnBrk="1">
-              <a:lnSpc>
-                <a:spcPct val="90000"/>
-              </a:lnSpc>
-              <a:spcBef>
-                <a:spcPct val="0"/>
-              </a:spcBef>
-              <a:spcAft>
-                <a:spcPct val="35000"/>
-              </a:spcAft>
-            </a:pPr>
-            <a:endParaRPr lang="ko-KR" altLang="en-US" sz="3600" kern="1200"/>
-          </a:p>
-        </p:txBody>
-      </p:sp>
-      <p:sp>
-        <p:nvSpPr>
-          <p:cNvPr id="8" name="자유형 7"/>
-          <p:cNvSpPr/>
-          <p:nvPr/>
-        </p:nvSpPr>
-        <p:spPr>
-          <a:xfrm>
-            <a:off x="5094528" y="2919377"/>
-            <a:ext cx="2002945" cy="1076649"/>
-          </a:xfrm>
-          <a:custGeom>
-            <a:avLst/>
-            <a:gdLst>
-              <a:gd name="connsiteX0" fmla="*/ 0 w 2901156"/>
-              <a:gd name="connsiteY0" fmla="*/ 0 h 1160462"/>
-              <a:gd name="connsiteX1" fmla="*/ 2320925 w 2901156"/>
-              <a:gd name="connsiteY1" fmla="*/ 0 h 1160462"/>
-              <a:gd name="connsiteX2" fmla="*/ 2901156 w 2901156"/>
-              <a:gd name="connsiteY2" fmla="*/ 580231 h 1160462"/>
-              <a:gd name="connsiteX3" fmla="*/ 2320925 w 2901156"/>
-              <a:gd name="connsiteY3" fmla="*/ 1160462 h 1160462"/>
-              <a:gd name="connsiteX4" fmla="*/ 0 w 2901156"/>
-              <a:gd name="connsiteY4" fmla="*/ 1160462 h 1160462"/>
-              <a:gd name="connsiteX5" fmla="*/ 580231 w 2901156"/>
-              <a:gd name="connsiteY5" fmla="*/ 580231 h 1160462"/>
-              <a:gd name="connsiteX6" fmla="*/ 0 w 2901156"/>
-              <a:gd name="connsiteY6" fmla="*/ 0 h 1160462"/>
-            </a:gdLst>
-            <a:ahLst/>
-            <a:cxnLst>
-              <a:cxn ang="0">
-                <a:pos x="connsiteX0" y="connsiteY0"/>
-              </a:cxn>
-              <a:cxn ang="0">
-                <a:pos x="connsiteX1" y="connsiteY1"/>
-              </a:cxn>
-              <a:cxn ang="0">
-                <a:pos x="connsiteX2" y="connsiteY2"/>
-              </a:cxn>
-              <a:cxn ang="0">
-                <a:pos x="connsiteX3" y="connsiteY3"/>
-              </a:cxn>
-              <a:cxn ang="0">
-                <a:pos x="connsiteX4" y="connsiteY4"/>
-              </a:cxn>
-              <a:cxn ang="0">
-                <a:pos x="connsiteX5" y="connsiteY5"/>
-              </a:cxn>
-              <a:cxn ang="0">
-                <a:pos x="connsiteX6" y="connsiteY6"/>
-              </a:cxn>
-            </a:cxnLst>
-            <a:rect l="l" t="t" r="r" b="b"/>
-            <a:pathLst>
-              <a:path w="2901156" h="1160462">
-                <a:moveTo>
-                  <a:pt x="0" y="0"/>
-                </a:moveTo>
-                <a:lnTo>
-                  <a:pt x="2320925" y="0"/>
-                </a:lnTo>
-                <a:lnTo>
-                  <a:pt x="2901156" y="580231"/>
-                </a:lnTo>
-                <a:lnTo>
-                  <a:pt x="2320925" y="1160462"/>
-                </a:lnTo>
-                <a:lnTo>
-                  <a:pt x="0" y="1160462"/>
-                </a:lnTo>
-                <a:lnTo>
-                  <a:pt x="580231" y="580231"/>
-                </a:lnTo>
-                <a:lnTo>
-                  <a:pt x="0" y="0"/>
-                </a:lnTo>
-                <a:close/>
-              </a:path>
-            </a:pathLst>
-          </a:custGeom>
-          <a:solidFill>
-            <a:srgbClr val="B0B0B0"/>
-          </a:solidFill>
-        </p:spPr>
-        <p:style>
-          <a:lnRef idx="2">
-            <a:schemeClr val="lt1">
-              <a:hueOff val="0"/>
-              <a:satOff val="0"/>
-              <a:lumOff val="0"/>
-              <a:alphaOff val="0"/>
-            </a:schemeClr>
-          </a:lnRef>
-          <a:fillRef idx="1">
-            <a:schemeClr val="accent1">
-              <a:hueOff val="0"/>
-              <a:satOff val="0"/>
-              <a:lumOff val="0"/>
-              <a:alphaOff val="0"/>
-            </a:schemeClr>
-          </a:fillRef>
-          <a:effectRef idx="0">
-            <a:schemeClr val="accent1">
-              <a:hueOff val="0"/>
-              <a:satOff val="0"/>
-              <a:lumOff val="0"/>
-              <a:alphaOff val="0"/>
-            </a:schemeClr>
-          </a:effectRef>
-          <a:fontRef idx="minor">
-            <a:schemeClr val="lt1"/>
-          </a:fontRef>
-        </p:style>
-        <p:txBody>
-          <a:bodyPr spcFirstLastPara="0" vert="horz" wrap="square" lIns="724249" tIns="48006" rIns="628237" bIns="48006" numCol="1" spcCol="1270" anchor="ctr" anchorCtr="0">
-            <a:noAutofit/>
-          </a:bodyPr>
-          <a:lstStyle/>
-          <a:p>
-            <a:pPr lvl="0" algn="ctr" defTabSz="1600200" latinLnBrk="1">
-              <a:lnSpc>
-                <a:spcPct val="90000"/>
-              </a:lnSpc>
-              <a:spcBef>
-                <a:spcPct val="0"/>
-              </a:spcBef>
-              <a:spcAft>
-                <a:spcPct val="35000"/>
-              </a:spcAft>
-            </a:pPr>
-            <a:endParaRPr lang="ko-KR" altLang="en-US" sz="3600" kern="1200" dirty="0"/>
-          </a:p>
-        </p:txBody>
-      </p:sp>
-      <p:sp>
-        <p:nvSpPr>
-          <p:cNvPr id="9" name="자유형 8"/>
-          <p:cNvSpPr/>
-          <p:nvPr/>
-        </p:nvSpPr>
-        <p:spPr>
-          <a:xfrm>
-            <a:off x="6750290" y="2919377"/>
-            <a:ext cx="2002945" cy="1076649"/>
-          </a:xfrm>
-          <a:custGeom>
-            <a:avLst/>
-            <a:gdLst>
-              <a:gd name="connsiteX0" fmla="*/ 0 w 2901156"/>
-              <a:gd name="connsiteY0" fmla="*/ 0 h 1160462"/>
-              <a:gd name="connsiteX1" fmla="*/ 2320925 w 2901156"/>
-              <a:gd name="connsiteY1" fmla="*/ 0 h 1160462"/>
-              <a:gd name="connsiteX2" fmla="*/ 2901156 w 2901156"/>
-              <a:gd name="connsiteY2" fmla="*/ 580231 h 1160462"/>
-              <a:gd name="connsiteX3" fmla="*/ 2320925 w 2901156"/>
-              <a:gd name="connsiteY3" fmla="*/ 1160462 h 1160462"/>
-              <a:gd name="connsiteX4" fmla="*/ 0 w 2901156"/>
-              <a:gd name="connsiteY4" fmla="*/ 1160462 h 1160462"/>
-              <a:gd name="connsiteX5" fmla="*/ 580231 w 2901156"/>
-              <a:gd name="connsiteY5" fmla="*/ 580231 h 1160462"/>
-              <a:gd name="connsiteX6" fmla="*/ 0 w 2901156"/>
-              <a:gd name="connsiteY6" fmla="*/ 0 h 1160462"/>
-            </a:gdLst>
-            <a:ahLst/>
-            <a:cxnLst>
-              <a:cxn ang="0">
-                <a:pos x="connsiteX0" y="connsiteY0"/>
-              </a:cxn>
-              <a:cxn ang="0">
-                <a:pos x="connsiteX1" y="connsiteY1"/>
-              </a:cxn>
-              <a:cxn ang="0">
-                <a:pos x="connsiteX2" y="connsiteY2"/>
-              </a:cxn>
-              <a:cxn ang="0">
-                <a:pos x="connsiteX3" y="connsiteY3"/>
-              </a:cxn>
-              <a:cxn ang="0">
-                <a:pos x="connsiteX4" y="connsiteY4"/>
-              </a:cxn>
-              <a:cxn ang="0">
-                <a:pos x="connsiteX5" y="connsiteY5"/>
-              </a:cxn>
-              <a:cxn ang="0">
-                <a:pos x="connsiteX6" y="connsiteY6"/>
-              </a:cxn>
-            </a:cxnLst>
-            <a:rect l="l" t="t" r="r" b="b"/>
-            <a:pathLst>
-              <a:path w="2901156" h="1160462">
-                <a:moveTo>
-                  <a:pt x="0" y="0"/>
-                </a:moveTo>
-                <a:lnTo>
-                  <a:pt x="2320925" y="0"/>
-                </a:lnTo>
-                <a:lnTo>
-                  <a:pt x="2901156" y="580231"/>
-                </a:lnTo>
-                <a:lnTo>
-                  <a:pt x="2320925" y="1160462"/>
-                </a:lnTo>
-                <a:lnTo>
-                  <a:pt x="0" y="1160462"/>
-                </a:lnTo>
-                <a:lnTo>
-                  <a:pt x="580231" y="580231"/>
-                </a:lnTo>
-                <a:lnTo>
-                  <a:pt x="0" y="0"/>
-                </a:lnTo>
-                <a:close/>
-              </a:path>
-            </a:pathLst>
-          </a:custGeom>
-          <a:solidFill>
-            <a:srgbClr val="868686"/>
-          </a:solidFill>
-        </p:spPr>
-        <p:style>
-          <a:lnRef idx="2">
-            <a:schemeClr val="lt1">
-              <a:hueOff val="0"/>
-              <a:satOff val="0"/>
-              <a:lumOff val="0"/>
-              <a:alphaOff val="0"/>
-            </a:schemeClr>
-          </a:lnRef>
-          <a:fillRef idx="1">
-            <a:schemeClr val="accent1">
-              <a:hueOff val="0"/>
-              <a:satOff val="0"/>
-              <a:lumOff val="0"/>
-              <a:alphaOff val="0"/>
-            </a:schemeClr>
-          </a:fillRef>
-          <a:effectRef idx="0">
-            <a:schemeClr val="accent1">
-              <a:hueOff val="0"/>
-              <a:satOff val="0"/>
-              <a:lumOff val="0"/>
-              <a:alphaOff val="0"/>
-            </a:schemeClr>
-          </a:effectRef>
-          <a:fontRef idx="minor">
-            <a:schemeClr val="lt1"/>
-          </a:fontRef>
-        </p:style>
-        <p:txBody>
-          <a:bodyPr spcFirstLastPara="0" vert="horz" wrap="square" lIns="724249" tIns="48006" rIns="628237" bIns="48006" numCol="1" spcCol="1270" anchor="ctr" anchorCtr="0">
-            <a:noAutofit/>
-          </a:bodyPr>
-          <a:lstStyle/>
-          <a:p>
-            <a:pPr lvl="0" algn="ctr" defTabSz="1600200" latinLnBrk="1">
-              <a:lnSpc>
-                <a:spcPct val="90000"/>
-              </a:lnSpc>
-              <a:spcBef>
-                <a:spcPct val="0"/>
-              </a:spcBef>
-              <a:spcAft>
-                <a:spcPct val="35000"/>
-              </a:spcAft>
-            </a:pPr>
-            <a:endParaRPr lang="ko-KR" altLang="en-US" sz="3600" kern="1200" dirty="0"/>
-          </a:p>
-        </p:txBody>
-      </p:sp>
-      <p:sp>
-        <p:nvSpPr>
-          <p:cNvPr id="10" name="TextBox 9"/>
-          <p:cNvSpPr txBox="1"/>
-          <p:nvPr/>
-        </p:nvSpPr>
-        <p:spPr>
-          <a:xfrm>
-            <a:off x="1783003" y="2293590"/>
-            <a:ext cx="2146817" cy="369332"/>
-          </a:xfrm>
-          <a:prstGeom prst="rect">
-            <a:avLst/>
-          </a:prstGeom>
-          <a:noFill/>
-        </p:spPr>
-        <p:txBody>
-          <a:bodyPr wrap="square" rtlCol="0">
-            <a:spAutoFit/>
-          </a:bodyPr>
-          <a:lstStyle/>
-          <a:p>
-            <a:r>
-              <a:rPr lang="en-US" altLang="ko-KR" dirty="0">
-                <a:ln>
-                  <a:solidFill>
-                    <a:schemeClr val="tx1">
-                      <a:lumMod val="85000"/>
-                      <a:lumOff val="15000"/>
-                      <a:alpha val="30000"/>
-                    </a:schemeClr>
-                  </a:solidFill>
-                </a:ln>
-                <a:solidFill>
-                  <a:schemeClr val="tx1">
-                    <a:lumMod val="85000"/>
-                    <a:lumOff val="15000"/>
-                  </a:schemeClr>
-                </a:solidFill>
-                <a:latin typeface="나눔고딕" panose="020D0604000000000000" pitchFamily="50" charset="-127"/>
-                <a:ea typeface="나눔고딕" panose="020D0604000000000000" pitchFamily="50" charset="-127"/>
-              </a:rPr>
-              <a:t>Program </a:t>
-            </a:r>
-            <a:r>
-              <a:rPr lang="en-US" altLang="ko-KR" dirty="0" err="1">
-                <a:ln>
-                  <a:solidFill>
-                    <a:schemeClr val="tx1">
-                      <a:lumMod val="85000"/>
-                      <a:lumOff val="15000"/>
-                      <a:alpha val="30000"/>
-                    </a:schemeClr>
-                  </a:solidFill>
-                </a:ln>
-                <a:solidFill>
-                  <a:schemeClr val="tx1">
-                    <a:lumMod val="85000"/>
-                    <a:lumOff val="15000"/>
-                  </a:schemeClr>
-                </a:solidFill>
-                <a:latin typeface="나눔고딕" panose="020D0604000000000000" pitchFamily="50" charset="-127"/>
-                <a:ea typeface="나눔고딕" panose="020D0604000000000000" pitchFamily="50" charset="-127"/>
-              </a:rPr>
-              <a:t>Fanduck</a:t>
-            </a:r>
-            <a:endParaRPr lang="ko-KR" altLang="en-US" dirty="0">
-              <a:ln>
-                <a:solidFill>
-                  <a:schemeClr val="tx1">
-                    <a:lumMod val="85000"/>
-                    <a:lumOff val="15000"/>
-                    <a:alpha val="30000"/>
-                  </a:schemeClr>
-                </a:solidFill>
-              </a:ln>
-              <a:solidFill>
-                <a:schemeClr val="tx1">
-                  <a:lumMod val="85000"/>
-                  <a:lumOff val="15000"/>
-                </a:schemeClr>
-              </a:solidFill>
-              <a:latin typeface="나눔고딕" panose="020D0604000000000000" pitchFamily="50" charset="-127"/>
-              <a:ea typeface="나눔고딕" panose="020D0604000000000000" pitchFamily="50" charset="-127"/>
-            </a:endParaRPr>
-          </a:p>
-        </p:txBody>
-      </p:sp>
-      <p:sp>
-        <p:nvSpPr>
-          <p:cNvPr id="11" name="TextBox 10"/>
-          <p:cNvSpPr txBox="1"/>
-          <p:nvPr/>
-        </p:nvSpPr>
-        <p:spPr>
-          <a:xfrm>
-            <a:off x="2201152" y="4648706"/>
-            <a:ext cx="1166648" cy="338554"/>
-          </a:xfrm>
-          <a:prstGeom prst="rect">
-            <a:avLst/>
-          </a:prstGeom>
-          <a:noFill/>
-        </p:spPr>
-        <p:txBody>
-          <a:bodyPr wrap="square" rtlCol="0">
-            <a:spAutoFit/>
-          </a:bodyPr>
-          <a:lstStyle>
-            <a:defPPr>
-              <a:defRPr lang="ko-KR"/>
-            </a:defPPr>
-            <a:lvl1pPr>
-              <a:defRPr>
-                <a:ln>
-                  <a:solidFill>
-                    <a:schemeClr val="tx1">
-                      <a:lumMod val="85000"/>
-                      <a:lumOff val="15000"/>
-                      <a:alpha val="30000"/>
-                    </a:schemeClr>
-                  </a:solidFill>
-                </a:ln>
-                <a:solidFill>
-                  <a:schemeClr val="tx1">
-                    <a:lumMod val="85000"/>
-                    <a:lumOff val="15000"/>
-                  </a:schemeClr>
-                </a:solidFill>
-                <a:latin typeface="나눔고딕" panose="020D0604000000000000" pitchFamily="50" charset="-127"/>
-                <a:ea typeface="나눔고딕" panose="020D0604000000000000" pitchFamily="50" charset="-127"/>
-              </a:defRPr>
-            </a:lvl1pPr>
-          </a:lstStyle>
-          <a:p>
-            <a:pPr algn="ctr"/>
-            <a:r>
-              <a:rPr lang="ko-KR" altLang="en-US" sz="1600" dirty="0"/>
-              <a:t>로그인</a:t>
-            </a:r>
-          </a:p>
-        </p:txBody>
-      </p:sp>
-      <p:sp>
-        <p:nvSpPr>
-          <p:cNvPr id="12" name="TextBox 11"/>
-          <p:cNvSpPr txBox="1"/>
-          <p:nvPr/>
-        </p:nvSpPr>
-        <p:spPr>
-          <a:xfrm>
-            <a:off x="3856913" y="4648706"/>
-            <a:ext cx="1380507" cy="338554"/>
-          </a:xfrm>
-          <a:prstGeom prst="rect">
-            <a:avLst/>
-          </a:prstGeom>
-          <a:noFill/>
-        </p:spPr>
-        <p:txBody>
-          <a:bodyPr wrap="square" rtlCol="0">
-            <a:spAutoFit/>
-          </a:bodyPr>
-          <a:lstStyle>
-            <a:defPPr>
-              <a:defRPr lang="ko-KR"/>
-            </a:defPPr>
-            <a:lvl1pPr>
-              <a:defRPr>
-                <a:ln>
-                  <a:solidFill>
-                    <a:schemeClr val="tx1">
-                      <a:lumMod val="85000"/>
-                      <a:lumOff val="15000"/>
-                      <a:alpha val="30000"/>
-                    </a:schemeClr>
-                  </a:solidFill>
-                </a:ln>
-                <a:solidFill>
-                  <a:schemeClr val="tx1">
-                    <a:lumMod val="85000"/>
-                    <a:lumOff val="15000"/>
-                  </a:schemeClr>
-                </a:solidFill>
-                <a:latin typeface="나눔고딕" panose="020D0604000000000000" pitchFamily="50" charset="-127"/>
-                <a:ea typeface="나눔고딕" panose="020D0604000000000000" pitchFamily="50" charset="-127"/>
-              </a:defRPr>
-            </a:lvl1pPr>
-          </a:lstStyle>
-          <a:p>
-            <a:pPr algn="ctr"/>
-            <a:r>
-              <a:rPr lang="ko-KR" altLang="en-US" sz="1600" dirty="0"/>
-              <a:t>영화인 등록</a:t>
-            </a:r>
-          </a:p>
-        </p:txBody>
-      </p:sp>
-      <p:sp>
-        <p:nvSpPr>
-          <p:cNvPr id="13" name="TextBox 12"/>
-          <p:cNvSpPr txBox="1"/>
-          <p:nvPr/>
-        </p:nvSpPr>
-        <p:spPr>
-          <a:xfrm>
-            <a:off x="5441709" y="4648706"/>
-            <a:ext cx="1396971" cy="338554"/>
-          </a:xfrm>
-          <a:prstGeom prst="rect">
-            <a:avLst/>
-          </a:prstGeom>
-          <a:noFill/>
-        </p:spPr>
-        <p:txBody>
-          <a:bodyPr wrap="square" rtlCol="0">
-            <a:spAutoFit/>
-          </a:bodyPr>
-          <a:lstStyle>
-            <a:defPPr>
-              <a:defRPr lang="ko-KR"/>
-            </a:defPPr>
-            <a:lvl1pPr>
-              <a:defRPr>
-                <a:ln>
-                  <a:solidFill>
-                    <a:schemeClr val="tx1">
-                      <a:lumMod val="85000"/>
-                      <a:lumOff val="15000"/>
-                      <a:alpha val="30000"/>
-                    </a:schemeClr>
-                  </a:solidFill>
-                </a:ln>
-                <a:solidFill>
-                  <a:schemeClr val="tx1">
-                    <a:lumMod val="85000"/>
-                    <a:lumOff val="15000"/>
-                  </a:schemeClr>
-                </a:solidFill>
-                <a:latin typeface="나눔고딕" panose="020D0604000000000000" pitchFamily="50" charset="-127"/>
-                <a:ea typeface="나눔고딕" panose="020D0604000000000000" pitchFamily="50" charset="-127"/>
-              </a:defRPr>
-            </a:lvl1pPr>
-          </a:lstStyle>
-          <a:p>
-            <a:pPr algn="ctr"/>
-            <a:r>
-              <a:rPr lang="ko-KR" altLang="en-US" sz="1600" dirty="0"/>
-              <a:t>글쓰기</a:t>
-            </a:r>
-          </a:p>
-        </p:txBody>
-      </p:sp>
-      <p:sp>
-        <p:nvSpPr>
-          <p:cNvPr id="14" name="TextBox 13"/>
-          <p:cNvSpPr txBox="1"/>
-          <p:nvPr/>
-        </p:nvSpPr>
-        <p:spPr>
-          <a:xfrm>
-            <a:off x="7042968" y="4648706"/>
-            <a:ext cx="1578517" cy="338554"/>
-          </a:xfrm>
-          <a:prstGeom prst="rect">
-            <a:avLst/>
-          </a:prstGeom>
-          <a:noFill/>
-        </p:spPr>
-        <p:txBody>
-          <a:bodyPr wrap="square" rtlCol="0">
-            <a:spAutoFit/>
-          </a:bodyPr>
-          <a:lstStyle>
-            <a:defPPr>
-              <a:defRPr lang="ko-KR"/>
-            </a:defPPr>
-            <a:lvl1pPr>
-              <a:defRPr>
-                <a:ln>
-                  <a:solidFill>
-                    <a:schemeClr val="tx1">
-                      <a:lumMod val="85000"/>
-                      <a:lumOff val="15000"/>
-                      <a:alpha val="30000"/>
-                    </a:schemeClr>
-                  </a:solidFill>
-                </a:ln>
-                <a:solidFill>
-                  <a:schemeClr val="tx1">
-                    <a:lumMod val="85000"/>
-                    <a:lumOff val="15000"/>
-                  </a:schemeClr>
-                </a:solidFill>
-                <a:latin typeface="나눔고딕" panose="020D0604000000000000" pitchFamily="50" charset="-127"/>
-                <a:ea typeface="나눔고딕" panose="020D0604000000000000" pitchFamily="50" charset="-127"/>
-              </a:defRPr>
-            </a:lvl1pPr>
-          </a:lstStyle>
-          <a:p>
-            <a:pPr algn="ctr"/>
-            <a:r>
-              <a:rPr lang="ko-KR" altLang="en-US" sz="1600" dirty="0"/>
-              <a:t>개봉영화 알림</a:t>
-            </a:r>
-          </a:p>
-        </p:txBody>
-      </p:sp>
-      <p:sp>
-        <p:nvSpPr>
-          <p:cNvPr id="19" name="TextBox 18"/>
-          <p:cNvSpPr txBox="1"/>
-          <p:nvPr/>
-        </p:nvSpPr>
-        <p:spPr>
-          <a:xfrm>
-            <a:off x="2077115" y="5102527"/>
-            <a:ext cx="1414722" cy="307777"/>
-          </a:xfrm>
-          <a:prstGeom prst="rect">
-            <a:avLst/>
-          </a:prstGeom>
-          <a:noFill/>
-        </p:spPr>
-        <p:txBody>
-          <a:bodyPr wrap="square" rtlCol="0">
-            <a:spAutoFit/>
-          </a:bodyPr>
-          <a:lstStyle>
-            <a:defPPr>
-              <a:defRPr lang="ko-KR"/>
-            </a:defPPr>
-            <a:lvl1pPr algn="ctr">
-              <a:defRPr sz="1600">
-                <a:ln>
-                  <a:solidFill>
-                    <a:schemeClr val="tx1">
-                      <a:lumMod val="85000"/>
-                      <a:lumOff val="15000"/>
-                      <a:alpha val="30000"/>
-                    </a:schemeClr>
-                  </a:solidFill>
-                </a:ln>
-                <a:solidFill>
-                  <a:schemeClr val="tx1">
-                    <a:lumMod val="85000"/>
-                    <a:lumOff val="15000"/>
-                  </a:schemeClr>
-                </a:solidFill>
-                <a:latin typeface="나눔고딕" panose="020D0604000000000000" pitchFamily="50" charset="-127"/>
-                <a:ea typeface="나눔고딕" panose="020D0604000000000000" pitchFamily="50" charset="-127"/>
-              </a:defRPr>
-            </a:lvl1pPr>
-          </a:lstStyle>
-          <a:p>
-            <a:r>
-              <a:rPr lang="en-US" altLang="ko-KR" sz="1400" dirty="0">
-                <a:ln>
-                  <a:solidFill>
-                    <a:schemeClr val="tx1">
-                      <a:lumMod val="75000"/>
-                      <a:lumOff val="25000"/>
-                      <a:alpha val="30000"/>
-                    </a:schemeClr>
-                  </a:solidFill>
-                </a:ln>
-                <a:solidFill>
-                  <a:schemeClr val="tx1">
-                    <a:lumMod val="75000"/>
-                    <a:lumOff val="25000"/>
-                    <a:alpha val="90000"/>
-                  </a:schemeClr>
-                </a:solidFill>
-              </a:rPr>
-              <a:t>Login</a:t>
-            </a:r>
-            <a:endParaRPr lang="ko-KR" altLang="en-US" sz="1400" dirty="0">
-              <a:ln>
-                <a:solidFill>
-                  <a:schemeClr val="tx1">
-                    <a:lumMod val="75000"/>
-                    <a:lumOff val="25000"/>
-                    <a:alpha val="30000"/>
-                  </a:schemeClr>
-                </a:solidFill>
-              </a:ln>
-              <a:solidFill>
-                <a:schemeClr val="tx1">
-                  <a:lumMod val="75000"/>
-                  <a:lumOff val="25000"/>
-                  <a:alpha val="90000"/>
-                </a:schemeClr>
-              </a:solidFill>
-            </a:endParaRPr>
-          </a:p>
-        </p:txBody>
-      </p:sp>
-      <p:sp>
-        <p:nvSpPr>
-          <p:cNvPr id="20" name="TextBox 19"/>
-          <p:cNvSpPr txBox="1"/>
-          <p:nvPr/>
-        </p:nvSpPr>
-        <p:spPr>
-          <a:xfrm>
-            <a:off x="3732877" y="5102527"/>
-            <a:ext cx="1414722" cy="307777"/>
-          </a:xfrm>
-          <a:prstGeom prst="rect">
-            <a:avLst/>
-          </a:prstGeom>
-          <a:noFill/>
-        </p:spPr>
-        <p:txBody>
-          <a:bodyPr wrap="square" rtlCol="0">
-            <a:spAutoFit/>
-          </a:bodyPr>
-          <a:lstStyle>
-            <a:defPPr>
-              <a:defRPr lang="ko-KR"/>
-            </a:defPPr>
-            <a:lvl1pPr algn="ctr">
-              <a:defRPr sz="1600">
-                <a:ln>
-                  <a:solidFill>
-                    <a:schemeClr val="tx1">
-                      <a:lumMod val="85000"/>
-                      <a:lumOff val="15000"/>
-                      <a:alpha val="30000"/>
-                    </a:schemeClr>
-                  </a:solidFill>
-                </a:ln>
-                <a:solidFill>
-                  <a:schemeClr val="tx1">
-                    <a:lumMod val="85000"/>
-                    <a:lumOff val="15000"/>
-                  </a:schemeClr>
-                </a:solidFill>
-                <a:latin typeface="나눔고딕" panose="020D0604000000000000" pitchFamily="50" charset="-127"/>
-                <a:ea typeface="나눔고딕" panose="020D0604000000000000" pitchFamily="50" charset="-127"/>
-              </a:defRPr>
-            </a:lvl1pPr>
-          </a:lstStyle>
-          <a:p>
-            <a:r>
-              <a:rPr lang="en-US" altLang="ko-KR" sz="1400" dirty="0">
-                <a:ln>
-                  <a:solidFill>
-                    <a:schemeClr val="tx1">
-                      <a:lumMod val="75000"/>
-                      <a:lumOff val="25000"/>
-                      <a:alpha val="30000"/>
-                    </a:schemeClr>
-                  </a:solidFill>
-                </a:ln>
-                <a:solidFill>
-                  <a:schemeClr val="tx1">
-                    <a:lumMod val="75000"/>
-                    <a:lumOff val="25000"/>
-                    <a:alpha val="90000"/>
-                  </a:schemeClr>
-                </a:solidFill>
-              </a:rPr>
-              <a:t>Add</a:t>
-            </a:r>
-            <a:endParaRPr lang="ko-KR" altLang="en-US" sz="1400" dirty="0">
-              <a:ln>
-                <a:solidFill>
-                  <a:schemeClr val="tx1">
-                    <a:lumMod val="75000"/>
-                    <a:lumOff val="25000"/>
-                    <a:alpha val="30000"/>
-                  </a:schemeClr>
-                </a:solidFill>
-              </a:ln>
-              <a:solidFill>
-                <a:schemeClr val="tx1">
-                  <a:lumMod val="75000"/>
-                  <a:lumOff val="25000"/>
-                  <a:alpha val="90000"/>
-                </a:schemeClr>
-              </a:solidFill>
-            </a:endParaRPr>
-          </a:p>
-        </p:txBody>
-      </p:sp>
-      <p:sp>
-        <p:nvSpPr>
-          <p:cNvPr id="21" name="TextBox 20"/>
-          <p:cNvSpPr txBox="1"/>
-          <p:nvPr/>
-        </p:nvSpPr>
-        <p:spPr>
-          <a:xfrm>
-            <a:off x="5388639" y="5102527"/>
-            <a:ext cx="1414722" cy="307777"/>
-          </a:xfrm>
-          <a:prstGeom prst="rect">
-            <a:avLst/>
-          </a:prstGeom>
-          <a:noFill/>
-        </p:spPr>
-        <p:txBody>
-          <a:bodyPr wrap="square" rtlCol="0">
-            <a:spAutoFit/>
-          </a:bodyPr>
-          <a:lstStyle>
-            <a:defPPr>
-              <a:defRPr lang="ko-KR"/>
-            </a:defPPr>
-            <a:lvl1pPr algn="ctr">
-              <a:defRPr sz="1600">
-                <a:ln>
-                  <a:solidFill>
-                    <a:schemeClr val="tx1">
-                      <a:lumMod val="85000"/>
-                      <a:lumOff val="15000"/>
-                      <a:alpha val="30000"/>
-                    </a:schemeClr>
-                  </a:solidFill>
-                </a:ln>
-                <a:solidFill>
-                  <a:schemeClr val="tx1">
-                    <a:lumMod val="85000"/>
-                    <a:lumOff val="15000"/>
-                  </a:schemeClr>
-                </a:solidFill>
-                <a:latin typeface="나눔고딕" panose="020D0604000000000000" pitchFamily="50" charset="-127"/>
-                <a:ea typeface="나눔고딕" panose="020D0604000000000000" pitchFamily="50" charset="-127"/>
-              </a:defRPr>
-            </a:lvl1pPr>
-          </a:lstStyle>
-          <a:p>
-            <a:r>
-              <a:rPr lang="en-US" altLang="ko-KR" sz="1400" dirty="0">
-                <a:ln>
-                  <a:solidFill>
-                    <a:schemeClr val="tx1">
-                      <a:lumMod val="75000"/>
-                      <a:lumOff val="25000"/>
-                      <a:alpha val="30000"/>
-                    </a:schemeClr>
-                  </a:solidFill>
-                </a:ln>
-                <a:solidFill>
-                  <a:schemeClr val="tx1">
-                    <a:lumMod val="75000"/>
-                    <a:lumOff val="25000"/>
-                    <a:alpha val="90000"/>
-                  </a:schemeClr>
-                </a:solidFill>
-              </a:rPr>
-              <a:t>Write</a:t>
-            </a:r>
-            <a:endParaRPr lang="ko-KR" altLang="en-US" sz="1400" dirty="0">
-              <a:ln>
-                <a:solidFill>
-                  <a:schemeClr val="tx1">
-                    <a:lumMod val="75000"/>
-                    <a:lumOff val="25000"/>
-                    <a:alpha val="30000"/>
-                  </a:schemeClr>
-                </a:solidFill>
-              </a:ln>
-              <a:solidFill>
-                <a:schemeClr val="tx1">
-                  <a:lumMod val="75000"/>
-                  <a:lumOff val="25000"/>
-                  <a:alpha val="90000"/>
-                </a:schemeClr>
-              </a:solidFill>
-            </a:endParaRPr>
-          </a:p>
-        </p:txBody>
-      </p:sp>
-      <p:sp>
-        <p:nvSpPr>
-          <p:cNvPr id="22" name="TextBox 21"/>
-          <p:cNvSpPr txBox="1"/>
-          <p:nvPr/>
-        </p:nvSpPr>
-        <p:spPr>
-          <a:xfrm>
-            <a:off x="7044401" y="5102527"/>
-            <a:ext cx="1414722" cy="307777"/>
-          </a:xfrm>
-          <a:prstGeom prst="rect">
-            <a:avLst/>
-          </a:prstGeom>
-          <a:noFill/>
-        </p:spPr>
-        <p:txBody>
-          <a:bodyPr wrap="square" rtlCol="0">
-            <a:spAutoFit/>
-          </a:bodyPr>
-          <a:lstStyle>
-            <a:defPPr>
-              <a:defRPr lang="ko-KR"/>
-            </a:defPPr>
-            <a:lvl1pPr algn="ctr">
-              <a:defRPr sz="1600">
-                <a:ln>
-                  <a:solidFill>
-                    <a:schemeClr val="tx1">
-                      <a:lumMod val="85000"/>
-                      <a:lumOff val="15000"/>
-                      <a:alpha val="30000"/>
-                    </a:schemeClr>
-                  </a:solidFill>
-                </a:ln>
-                <a:solidFill>
-                  <a:schemeClr val="tx1">
-                    <a:lumMod val="85000"/>
-                    <a:lumOff val="15000"/>
-                  </a:schemeClr>
-                </a:solidFill>
-                <a:latin typeface="나눔고딕" panose="020D0604000000000000" pitchFamily="50" charset="-127"/>
-                <a:ea typeface="나눔고딕" panose="020D0604000000000000" pitchFamily="50" charset="-127"/>
-              </a:defRPr>
-            </a:lvl1pPr>
-          </a:lstStyle>
-          <a:p>
-            <a:r>
-              <a:rPr lang="en-US" altLang="ko-KR" sz="1400" dirty="0">
-                <a:ln>
-                  <a:solidFill>
-                    <a:schemeClr val="tx1">
-                      <a:lumMod val="75000"/>
-                      <a:lumOff val="25000"/>
-                      <a:alpha val="30000"/>
-                    </a:schemeClr>
-                  </a:solidFill>
-                </a:ln>
-                <a:solidFill>
-                  <a:schemeClr val="tx1">
-                    <a:lumMod val="75000"/>
-                    <a:lumOff val="25000"/>
-                    <a:alpha val="90000"/>
-                  </a:schemeClr>
-                </a:solidFill>
-              </a:rPr>
-              <a:t>Alarm</a:t>
-            </a:r>
-            <a:endParaRPr lang="ko-KR" altLang="en-US" sz="1400" dirty="0">
-              <a:ln>
-                <a:solidFill>
-                  <a:schemeClr val="tx1">
-                    <a:lumMod val="75000"/>
-                    <a:lumOff val="25000"/>
-                    <a:alpha val="30000"/>
-                  </a:schemeClr>
-                </a:solidFill>
-              </a:ln>
-              <a:solidFill>
-                <a:schemeClr val="tx1">
-                  <a:lumMod val="75000"/>
-                  <a:lumOff val="25000"/>
-                  <a:alpha val="90000"/>
-                </a:schemeClr>
-              </a:solidFill>
-            </a:endParaRPr>
-          </a:p>
-        </p:txBody>
-      </p:sp>
-      <p:sp>
-        <p:nvSpPr>
-          <p:cNvPr id="44" name="자유형 43"/>
-          <p:cNvSpPr/>
-          <p:nvPr/>
-        </p:nvSpPr>
-        <p:spPr>
-          <a:xfrm>
-            <a:off x="8406052" y="2919377"/>
-            <a:ext cx="2002945" cy="1076649"/>
-          </a:xfrm>
-          <a:custGeom>
-            <a:avLst/>
-            <a:gdLst>
-              <a:gd name="connsiteX0" fmla="*/ 0 w 2901156"/>
-              <a:gd name="connsiteY0" fmla="*/ 0 h 1160462"/>
-              <a:gd name="connsiteX1" fmla="*/ 2320925 w 2901156"/>
-              <a:gd name="connsiteY1" fmla="*/ 0 h 1160462"/>
-              <a:gd name="connsiteX2" fmla="*/ 2901156 w 2901156"/>
-              <a:gd name="connsiteY2" fmla="*/ 580231 h 1160462"/>
-              <a:gd name="connsiteX3" fmla="*/ 2320925 w 2901156"/>
-              <a:gd name="connsiteY3" fmla="*/ 1160462 h 1160462"/>
-              <a:gd name="connsiteX4" fmla="*/ 0 w 2901156"/>
-              <a:gd name="connsiteY4" fmla="*/ 1160462 h 1160462"/>
-              <a:gd name="connsiteX5" fmla="*/ 580231 w 2901156"/>
-              <a:gd name="connsiteY5" fmla="*/ 580231 h 1160462"/>
-              <a:gd name="connsiteX6" fmla="*/ 0 w 2901156"/>
-              <a:gd name="connsiteY6" fmla="*/ 0 h 1160462"/>
-            </a:gdLst>
-            <a:ahLst/>
-            <a:cxnLst>
-              <a:cxn ang="0">
-                <a:pos x="connsiteX0" y="connsiteY0"/>
-              </a:cxn>
-              <a:cxn ang="0">
-                <a:pos x="connsiteX1" y="connsiteY1"/>
-              </a:cxn>
-              <a:cxn ang="0">
-                <a:pos x="connsiteX2" y="connsiteY2"/>
-              </a:cxn>
-              <a:cxn ang="0">
-                <a:pos x="connsiteX3" y="connsiteY3"/>
-              </a:cxn>
-              <a:cxn ang="0">
-                <a:pos x="connsiteX4" y="connsiteY4"/>
-              </a:cxn>
-              <a:cxn ang="0">
-                <a:pos x="connsiteX5" y="connsiteY5"/>
-              </a:cxn>
-              <a:cxn ang="0">
-                <a:pos x="connsiteX6" y="connsiteY6"/>
-              </a:cxn>
-            </a:cxnLst>
-            <a:rect l="l" t="t" r="r" b="b"/>
-            <a:pathLst>
-              <a:path w="2901156" h="1160462">
-                <a:moveTo>
-                  <a:pt x="0" y="0"/>
-                </a:moveTo>
-                <a:lnTo>
-                  <a:pt x="2320925" y="0"/>
-                </a:lnTo>
-                <a:lnTo>
-                  <a:pt x="2901156" y="580231"/>
-                </a:lnTo>
-                <a:lnTo>
-                  <a:pt x="2320925" y="1160462"/>
-                </a:lnTo>
-                <a:lnTo>
-                  <a:pt x="0" y="1160462"/>
-                </a:lnTo>
-                <a:lnTo>
-                  <a:pt x="580231" y="580231"/>
-                </a:lnTo>
-                <a:lnTo>
-                  <a:pt x="0" y="0"/>
-                </a:lnTo>
-                <a:close/>
-              </a:path>
-            </a:pathLst>
-          </a:custGeom>
-          <a:solidFill>
-            <a:srgbClr val="D0A8A0"/>
-          </a:solidFill>
-        </p:spPr>
-        <p:style>
-          <a:lnRef idx="2">
-            <a:schemeClr val="lt1">
-              <a:hueOff val="0"/>
-              <a:satOff val="0"/>
-              <a:lumOff val="0"/>
-              <a:alphaOff val="0"/>
-            </a:schemeClr>
-          </a:lnRef>
-          <a:fillRef idx="1">
-            <a:schemeClr val="accent1">
-              <a:hueOff val="0"/>
-              <a:satOff val="0"/>
-              <a:lumOff val="0"/>
-              <a:alphaOff val="0"/>
-            </a:schemeClr>
-          </a:fillRef>
-          <a:effectRef idx="0">
-            <a:schemeClr val="accent1">
-              <a:hueOff val="0"/>
-              <a:satOff val="0"/>
-              <a:lumOff val="0"/>
-              <a:alphaOff val="0"/>
-            </a:schemeClr>
-          </a:effectRef>
-          <a:fontRef idx="minor">
-            <a:schemeClr val="lt1"/>
-          </a:fontRef>
-        </p:style>
-        <p:txBody>
-          <a:bodyPr spcFirstLastPara="0" vert="horz" wrap="square" lIns="724249" tIns="48006" rIns="628237" bIns="48006" numCol="1" spcCol="1270" anchor="ctr" anchorCtr="0">
-            <a:noAutofit/>
-          </a:bodyPr>
-          <a:lstStyle/>
-          <a:p>
-            <a:pPr lvl="0" algn="ctr" defTabSz="1600200" latinLnBrk="1">
-              <a:lnSpc>
-                <a:spcPct val="90000"/>
-              </a:lnSpc>
-              <a:spcBef>
-                <a:spcPct val="0"/>
-              </a:spcBef>
-              <a:spcAft>
-                <a:spcPct val="35000"/>
-              </a:spcAft>
-            </a:pPr>
-            <a:endParaRPr lang="ko-KR" altLang="en-US" sz="3600" kern="1200"/>
-          </a:p>
-        </p:txBody>
-      </p:sp>
-      <p:sp>
-        <p:nvSpPr>
-          <p:cNvPr id="45" name="TextBox 44"/>
-          <p:cNvSpPr txBox="1"/>
-          <p:nvPr/>
-        </p:nvSpPr>
-        <p:spPr>
-          <a:xfrm>
-            <a:off x="8495875" y="4648706"/>
-            <a:ext cx="1913122" cy="338554"/>
-          </a:xfrm>
-          <a:prstGeom prst="rect">
-            <a:avLst/>
-          </a:prstGeom>
-          <a:noFill/>
-        </p:spPr>
-        <p:txBody>
-          <a:bodyPr wrap="square" rtlCol="0">
-            <a:spAutoFit/>
-          </a:bodyPr>
-          <a:lstStyle>
-            <a:defPPr>
-              <a:defRPr lang="ko-KR"/>
-            </a:defPPr>
-            <a:lvl1pPr>
-              <a:defRPr>
-                <a:ln>
-                  <a:solidFill>
-                    <a:schemeClr val="tx1">
-                      <a:lumMod val="85000"/>
-                      <a:lumOff val="15000"/>
-                      <a:alpha val="30000"/>
-                    </a:schemeClr>
-                  </a:solidFill>
-                </a:ln>
-                <a:solidFill>
-                  <a:schemeClr val="tx1">
-                    <a:lumMod val="85000"/>
-                    <a:lumOff val="15000"/>
-                  </a:schemeClr>
-                </a:solidFill>
-                <a:latin typeface="나눔고딕" panose="020D0604000000000000" pitchFamily="50" charset="-127"/>
-                <a:ea typeface="나눔고딕" panose="020D0604000000000000" pitchFamily="50" charset="-127"/>
-              </a:defRPr>
-            </a:lvl1pPr>
-          </a:lstStyle>
-          <a:p>
-            <a:pPr algn="ctr"/>
-            <a:r>
-              <a:rPr lang="ko-KR" altLang="en-US" sz="1600" dirty="0"/>
-              <a:t>실시간 </a:t>
-            </a:r>
-            <a:r>
-              <a:rPr lang="ko-KR" altLang="en-US" sz="1600" dirty="0" err="1"/>
-              <a:t>덕질</a:t>
-            </a:r>
-            <a:endParaRPr lang="ko-KR" altLang="en-US" sz="1600" dirty="0"/>
-          </a:p>
-        </p:txBody>
-      </p:sp>
-      <p:sp>
-        <p:nvSpPr>
-          <p:cNvPr id="46" name="TextBox 45"/>
-          <p:cNvSpPr txBox="1"/>
-          <p:nvPr/>
-        </p:nvSpPr>
-        <p:spPr>
-          <a:xfrm>
-            <a:off x="8700163" y="5102527"/>
-            <a:ext cx="1414722" cy="307777"/>
-          </a:xfrm>
-          <a:prstGeom prst="rect">
-            <a:avLst/>
-          </a:prstGeom>
-          <a:noFill/>
-        </p:spPr>
-        <p:txBody>
-          <a:bodyPr wrap="square" rtlCol="0">
-            <a:spAutoFit/>
-          </a:bodyPr>
-          <a:lstStyle>
-            <a:defPPr>
-              <a:defRPr lang="ko-KR"/>
-            </a:defPPr>
-            <a:lvl1pPr algn="ctr">
-              <a:defRPr sz="1600">
-                <a:ln>
-                  <a:solidFill>
-                    <a:schemeClr val="tx1">
-                      <a:lumMod val="85000"/>
-                      <a:lumOff val="15000"/>
-                      <a:alpha val="30000"/>
-                    </a:schemeClr>
-                  </a:solidFill>
-                </a:ln>
-                <a:solidFill>
-                  <a:schemeClr val="tx1">
-                    <a:lumMod val="85000"/>
-                    <a:lumOff val="15000"/>
-                  </a:schemeClr>
-                </a:solidFill>
-                <a:latin typeface="나눔고딕" panose="020D0604000000000000" pitchFamily="50" charset="-127"/>
-                <a:ea typeface="나눔고딕" panose="020D0604000000000000" pitchFamily="50" charset="-127"/>
-              </a:defRPr>
-            </a:lvl1pPr>
-          </a:lstStyle>
-          <a:p>
-            <a:r>
-              <a:rPr lang="en-US" altLang="ko-KR" sz="1400" dirty="0">
-                <a:ln>
-                  <a:solidFill>
-                    <a:schemeClr val="tx1">
-                      <a:lumMod val="75000"/>
-                      <a:lumOff val="25000"/>
-                      <a:alpha val="30000"/>
-                    </a:schemeClr>
-                  </a:solidFill>
-                </a:ln>
-                <a:solidFill>
-                  <a:schemeClr val="tx1">
-                    <a:lumMod val="75000"/>
-                    <a:lumOff val="25000"/>
-                    <a:alpha val="90000"/>
-                  </a:schemeClr>
-                </a:solidFill>
-              </a:rPr>
-              <a:t>burning</a:t>
-            </a:r>
-            <a:endParaRPr lang="ko-KR" altLang="en-US" sz="1400" dirty="0">
-              <a:ln>
-                <a:solidFill>
-                  <a:schemeClr val="tx1">
-                    <a:lumMod val="75000"/>
-                    <a:lumOff val="25000"/>
-                    <a:alpha val="30000"/>
-                  </a:schemeClr>
-                </a:solidFill>
-              </a:ln>
-              <a:solidFill>
-                <a:schemeClr val="tx1">
-                  <a:lumMod val="75000"/>
-                  <a:lumOff val="25000"/>
-                  <a:alpha val="90000"/>
-                </a:schemeClr>
-              </a:solidFill>
-            </a:endParaRPr>
-          </a:p>
-        </p:txBody>
-      </p:sp>
-      <p:grpSp>
-        <p:nvGrpSpPr>
-          <p:cNvPr id="87" name="그룹 86"/>
-          <p:cNvGrpSpPr/>
-          <p:nvPr/>
-        </p:nvGrpSpPr>
-        <p:grpSpPr>
-          <a:xfrm>
-            <a:off x="2571960" y="3118176"/>
-            <a:ext cx="579063" cy="671269"/>
-            <a:chOff x="4062413" y="1074738"/>
-            <a:chExt cx="4057650" cy="4703763"/>
-          </a:xfrm>
-          <a:solidFill>
-            <a:schemeClr val="tx1">
-              <a:lumMod val="85000"/>
-              <a:lumOff val="15000"/>
-            </a:schemeClr>
-          </a:solidFill>
-        </p:grpSpPr>
-        <p:sp>
-          <p:nvSpPr>
-            <p:cNvPr id="88" name="Freeform 18"/>
-            <p:cNvSpPr>
-              <a:spLocks noEditPoints="1"/>
-            </p:cNvSpPr>
-            <p:nvPr/>
-          </p:nvSpPr>
-          <p:spPr bwMode="auto">
-            <a:xfrm>
-              <a:off x="4062413" y="1074738"/>
-              <a:ext cx="4057650" cy="4703763"/>
-            </a:xfrm>
-            <a:custGeom>
-              <a:avLst/>
-              <a:gdLst>
-                <a:gd name="T0" fmla="*/ 2170 w 5111"/>
-                <a:gd name="T1" fmla="*/ 4313 h 5927"/>
-                <a:gd name="T2" fmla="*/ 4739 w 5111"/>
-                <a:gd name="T3" fmla="*/ 5736 h 5927"/>
-                <a:gd name="T4" fmla="*/ 2932 w 5111"/>
-                <a:gd name="T5" fmla="*/ 4305 h 5927"/>
-                <a:gd name="T6" fmla="*/ 2786 w 5111"/>
-                <a:gd name="T7" fmla="*/ 4365 h 5927"/>
-                <a:gd name="T8" fmla="*/ 2632 w 5111"/>
-                <a:gd name="T9" fmla="*/ 4395 h 5927"/>
-                <a:gd name="T10" fmla="*/ 2477 w 5111"/>
-                <a:gd name="T11" fmla="*/ 4395 h 5927"/>
-                <a:gd name="T12" fmla="*/ 2325 w 5111"/>
-                <a:gd name="T13" fmla="*/ 4365 h 5927"/>
-                <a:gd name="T14" fmla="*/ 2179 w 5111"/>
-                <a:gd name="T15" fmla="*/ 4305 h 5927"/>
-                <a:gd name="T16" fmla="*/ 2170 w 5111"/>
-                <a:gd name="T17" fmla="*/ 4073 h 5927"/>
-                <a:gd name="T18" fmla="*/ 2302 w 5111"/>
-                <a:gd name="T19" fmla="*/ 4152 h 5927"/>
-                <a:gd name="T20" fmla="*/ 2445 w 5111"/>
-                <a:gd name="T21" fmla="*/ 4197 h 5927"/>
-                <a:gd name="T22" fmla="*/ 2593 w 5111"/>
-                <a:gd name="T23" fmla="*/ 4206 h 5927"/>
-                <a:gd name="T24" fmla="*/ 2739 w 5111"/>
-                <a:gd name="T25" fmla="*/ 4179 h 5927"/>
-                <a:gd name="T26" fmla="*/ 2878 w 5111"/>
-                <a:gd name="T27" fmla="*/ 4116 h 5927"/>
-                <a:gd name="T28" fmla="*/ 3315 w 5111"/>
-                <a:gd name="T29" fmla="*/ 3777 h 5927"/>
-                <a:gd name="T30" fmla="*/ 4920 w 5111"/>
-                <a:gd name="T31" fmla="*/ 2752 h 5927"/>
-                <a:gd name="T32" fmla="*/ 4920 w 5111"/>
-                <a:gd name="T33" fmla="*/ 5633 h 5927"/>
-                <a:gd name="T34" fmla="*/ 4920 w 5111"/>
-                <a:gd name="T35" fmla="*/ 2752 h 5927"/>
-                <a:gd name="T36" fmla="*/ 191 w 5111"/>
-                <a:gd name="T37" fmla="*/ 5626 h 5927"/>
-                <a:gd name="T38" fmla="*/ 2013 w 5111"/>
-                <a:gd name="T39" fmla="*/ 4193 h 5927"/>
-                <a:gd name="T40" fmla="*/ 4599 w 5111"/>
-                <a:gd name="T41" fmla="*/ 2347 h 5927"/>
-                <a:gd name="T42" fmla="*/ 4860 w 5111"/>
-                <a:gd name="T43" fmla="*/ 2554 h 5927"/>
-                <a:gd name="T44" fmla="*/ 513 w 5111"/>
-                <a:gd name="T45" fmla="*/ 2347 h 5927"/>
-                <a:gd name="T46" fmla="*/ 513 w 5111"/>
-                <a:gd name="T47" fmla="*/ 2761 h 5927"/>
-                <a:gd name="T48" fmla="*/ 710 w 5111"/>
-                <a:gd name="T49" fmla="*/ 193 h 5927"/>
-                <a:gd name="T50" fmla="*/ 704 w 5111"/>
-                <a:gd name="T51" fmla="*/ 197 h 5927"/>
-                <a:gd name="T52" fmla="*/ 704 w 5111"/>
-                <a:gd name="T53" fmla="*/ 2913 h 5927"/>
-                <a:gd name="T54" fmla="*/ 3559 w 5111"/>
-                <a:gd name="T55" fmla="*/ 3584 h 5927"/>
-                <a:gd name="T56" fmla="*/ 4407 w 5111"/>
-                <a:gd name="T57" fmla="*/ 198 h 5927"/>
-                <a:gd name="T58" fmla="*/ 4404 w 5111"/>
-                <a:gd name="T59" fmla="*/ 193 h 5927"/>
-                <a:gd name="T60" fmla="*/ 710 w 5111"/>
-                <a:gd name="T61" fmla="*/ 193 h 5927"/>
-                <a:gd name="T62" fmla="*/ 4400 w 5111"/>
-                <a:gd name="T63" fmla="*/ 0 h 5927"/>
-                <a:gd name="T64" fmla="*/ 4488 w 5111"/>
-                <a:gd name="T65" fmla="*/ 22 h 5927"/>
-                <a:gd name="T66" fmla="*/ 4555 w 5111"/>
-                <a:gd name="T67" fmla="*/ 76 h 5927"/>
-                <a:gd name="T68" fmla="*/ 4593 w 5111"/>
-                <a:gd name="T69" fmla="*/ 153 h 5927"/>
-                <a:gd name="T70" fmla="*/ 4599 w 5111"/>
-                <a:gd name="T71" fmla="*/ 2103 h 5927"/>
-                <a:gd name="T72" fmla="*/ 5095 w 5111"/>
-                <a:gd name="T73" fmla="*/ 2500 h 5927"/>
-                <a:gd name="T74" fmla="*/ 5111 w 5111"/>
-                <a:gd name="T75" fmla="*/ 2554 h 5927"/>
-                <a:gd name="T76" fmla="*/ 5108 w 5111"/>
-                <a:gd name="T77" fmla="*/ 5680 h 5927"/>
-                <a:gd name="T78" fmla="*/ 5070 w 5111"/>
-                <a:gd name="T79" fmla="*/ 5777 h 5927"/>
-                <a:gd name="T80" fmla="*/ 5005 w 5111"/>
-                <a:gd name="T81" fmla="*/ 5856 h 5927"/>
-                <a:gd name="T82" fmla="*/ 4916 w 5111"/>
-                <a:gd name="T83" fmla="*/ 5909 h 5927"/>
-                <a:gd name="T84" fmla="*/ 4810 w 5111"/>
-                <a:gd name="T85" fmla="*/ 5927 h 5927"/>
-                <a:gd name="T86" fmla="*/ 246 w 5111"/>
-                <a:gd name="T87" fmla="*/ 5921 h 5927"/>
-                <a:gd name="T88" fmla="*/ 148 w 5111"/>
-                <a:gd name="T89" fmla="*/ 5885 h 5927"/>
-                <a:gd name="T90" fmla="*/ 70 w 5111"/>
-                <a:gd name="T91" fmla="*/ 5820 h 5927"/>
-                <a:gd name="T92" fmla="*/ 18 w 5111"/>
-                <a:gd name="T93" fmla="*/ 5730 h 5927"/>
-                <a:gd name="T94" fmla="*/ 0 w 5111"/>
-                <a:gd name="T95" fmla="*/ 5626 h 5927"/>
-                <a:gd name="T96" fmla="*/ 4 w 5111"/>
-                <a:gd name="T97" fmla="*/ 2525 h 5927"/>
-                <a:gd name="T98" fmla="*/ 36 w 5111"/>
-                <a:gd name="T99" fmla="*/ 2478 h 5927"/>
-                <a:gd name="T100" fmla="*/ 513 w 5111"/>
-                <a:gd name="T101" fmla="*/ 198 h 5927"/>
-                <a:gd name="T102" fmla="*/ 533 w 5111"/>
-                <a:gd name="T103" fmla="*/ 112 h 5927"/>
-                <a:gd name="T104" fmla="*/ 587 w 5111"/>
-                <a:gd name="T105" fmla="*/ 45 h 5927"/>
-                <a:gd name="T106" fmla="*/ 664 w 5111"/>
-                <a:gd name="T107" fmla="*/ 5 h 5927"/>
-              </a:gdLst>
-              <a:ahLst/>
-              <a:cxnLst>
-                <a:cxn ang="0">
-                  <a:pos x="T0" y="T1"/>
-                </a:cxn>
-                <a:cxn ang="0">
-                  <a:pos x="T2" y="T3"/>
-                </a:cxn>
-                <a:cxn ang="0">
-                  <a:pos x="T4" y="T5"/>
-                </a:cxn>
-                <a:cxn ang="0">
-                  <a:pos x="T6" y="T7"/>
-                </a:cxn>
-                <a:cxn ang="0">
-                  <a:pos x="T8" y="T9"/>
-                </a:cxn>
-                <a:cxn ang="0">
-                  <a:pos x="T10" y="T11"/>
-                </a:cxn>
-                <a:cxn ang="0">
-                  <a:pos x="T12" y="T13"/>
-                </a:cxn>
-                <a:cxn ang="0">
-                  <a:pos x="T14" y="T15"/>
-                </a:cxn>
-                <a:cxn ang="0">
-                  <a:pos x="T16" y="T17"/>
-                </a:cxn>
-                <a:cxn ang="0">
-                  <a:pos x="T18" y="T19"/>
-                </a:cxn>
-                <a:cxn ang="0">
-                  <a:pos x="T20" y="T21"/>
-                </a:cxn>
-                <a:cxn ang="0">
-                  <a:pos x="T22" y="T23"/>
-                </a:cxn>
-                <a:cxn ang="0">
-                  <a:pos x="T24" y="T25"/>
-                </a:cxn>
-                <a:cxn ang="0">
-                  <a:pos x="T26" y="T27"/>
-                </a:cxn>
-                <a:cxn ang="0">
-                  <a:pos x="T28" y="T29"/>
-                </a:cxn>
-                <a:cxn ang="0">
-                  <a:pos x="T30" y="T31"/>
-                </a:cxn>
-                <a:cxn ang="0">
-                  <a:pos x="T32" y="T33"/>
-                </a:cxn>
-                <a:cxn ang="0">
-                  <a:pos x="T34" y="T35"/>
-                </a:cxn>
-                <a:cxn ang="0">
-                  <a:pos x="T36" y="T37"/>
-                </a:cxn>
-                <a:cxn ang="0">
-                  <a:pos x="T38" y="T39"/>
-                </a:cxn>
-                <a:cxn ang="0">
-                  <a:pos x="T40" y="T41"/>
-                </a:cxn>
-                <a:cxn ang="0">
-                  <a:pos x="T42" y="T43"/>
-                </a:cxn>
-                <a:cxn ang="0">
-                  <a:pos x="T44" y="T45"/>
-                </a:cxn>
-                <a:cxn ang="0">
-                  <a:pos x="T46" y="T47"/>
-                </a:cxn>
-                <a:cxn ang="0">
-                  <a:pos x="T48" y="T49"/>
-                </a:cxn>
-                <a:cxn ang="0">
-                  <a:pos x="T50" y="T51"/>
-                </a:cxn>
-                <a:cxn ang="0">
-                  <a:pos x="T52" y="T53"/>
-                </a:cxn>
-                <a:cxn ang="0">
-                  <a:pos x="T54" y="T55"/>
-                </a:cxn>
-                <a:cxn ang="0">
-                  <a:pos x="T56" y="T57"/>
-                </a:cxn>
-                <a:cxn ang="0">
-                  <a:pos x="T58" y="T59"/>
-                </a:cxn>
-                <a:cxn ang="0">
-                  <a:pos x="T60" y="T61"/>
-                </a:cxn>
-                <a:cxn ang="0">
-                  <a:pos x="T62" y="T63"/>
-                </a:cxn>
-                <a:cxn ang="0">
-                  <a:pos x="T64" y="T65"/>
-                </a:cxn>
-                <a:cxn ang="0">
-                  <a:pos x="T66" y="T67"/>
-                </a:cxn>
-                <a:cxn ang="0">
-                  <a:pos x="T68" y="T69"/>
-                </a:cxn>
-                <a:cxn ang="0">
-                  <a:pos x="T70" y="T71"/>
-                </a:cxn>
-                <a:cxn ang="0">
-                  <a:pos x="T72" y="T73"/>
-                </a:cxn>
-                <a:cxn ang="0">
-                  <a:pos x="T74" y="T75"/>
-                </a:cxn>
-                <a:cxn ang="0">
-                  <a:pos x="T76" y="T77"/>
-                </a:cxn>
-                <a:cxn ang="0">
-                  <a:pos x="T78" y="T79"/>
-                </a:cxn>
-                <a:cxn ang="0">
-                  <a:pos x="T80" y="T81"/>
-                </a:cxn>
-                <a:cxn ang="0">
-                  <a:pos x="T82" y="T83"/>
-                </a:cxn>
-                <a:cxn ang="0">
-                  <a:pos x="T84" y="T85"/>
-                </a:cxn>
-                <a:cxn ang="0">
-                  <a:pos x="T86" y="T87"/>
-                </a:cxn>
-                <a:cxn ang="0">
-                  <a:pos x="T88" y="T89"/>
-                </a:cxn>
-                <a:cxn ang="0">
-                  <a:pos x="T90" y="T91"/>
-                </a:cxn>
-                <a:cxn ang="0">
-                  <a:pos x="T92" y="T93"/>
-                </a:cxn>
-                <a:cxn ang="0">
-                  <a:pos x="T94" y="T95"/>
-                </a:cxn>
-                <a:cxn ang="0">
-                  <a:pos x="T96" y="T97"/>
-                </a:cxn>
-                <a:cxn ang="0">
-                  <a:pos x="T98" y="T99"/>
-                </a:cxn>
-                <a:cxn ang="0">
-                  <a:pos x="T100" y="T101"/>
-                </a:cxn>
-                <a:cxn ang="0">
-                  <a:pos x="T102" y="T103"/>
-                </a:cxn>
-                <a:cxn ang="0">
-                  <a:pos x="T104" y="T105"/>
-                </a:cxn>
-                <a:cxn ang="0">
-                  <a:pos x="T106" y="T107"/>
-                </a:cxn>
-              </a:cxnLst>
-              <a:rect l="0" t="0" r="r" b="b"/>
-              <a:pathLst>
-                <a:path w="5111" h="5927">
-                  <a:moveTo>
-                    <a:pt x="2179" y="4305"/>
-                  </a:moveTo>
-                  <a:lnTo>
-                    <a:pt x="2170" y="4313"/>
-                  </a:lnTo>
-                  <a:lnTo>
-                    <a:pt x="372" y="5736"/>
-                  </a:lnTo>
-                  <a:lnTo>
-                    <a:pt x="4739" y="5736"/>
-                  </a:lnTo>
-                  <a:lnTo>
-                    <a:pt x="2941" y="4313"/>
-                  </a:lnTo>
-                  <a:lnTo>
-                    <a:pt x="2932" y="4305"/>
-                  </a:lnTo>
-                  <a:lnTo>
-                    <a:pt x="2860" y="4340"/>
-                  </a:lnTo>
-                  <a:lnTo>
-                    <a:pt x="2786" y="4365"/>
-                  </a:lnTo>
-                  <a:lnTo>
-                    <a:pt x="2710" y="4385"/>
-                  </a:lnTo>
-                  <a:lnTo>
-                    <a:pt x="2632" y="4395"/>
-                  </a:lnTo>
-                  <a:lnTo>
-                    <a:pt x="2555" y="4399"/>
-                  </a:lnTo>
-                  <a:lnTo>
-                    <a:pt x="2477" y="4395"/>
-                  </a:lnTo>
-                  <a:lnTo>
-                    <a:pt x="2401" y="4385"/>
-                  </a:lnTo>
-                  <a:lnTo>
-                    <a:pt x="2325" y="4365"/>
-                  </a:lnTo>
-                  <a:lnTo>
-                    <a:pt x="2251" y="4340"/>
-                  </a:lnTo>
-                  <a:lnTo>
-                    <a:pt x="2179" y="4305"/>
-                  </a:lnTo>
-                  <a:close/>
-                  <a:moveTo>
-                    <a:pt x="1796" y="3777"/>
-                  </a:moveTo>
-                  <a:lnTo>
-                    <a:pt x="2170" y="4073"/>
-                  </a:lnTo>
-                  <a:lnTo>
-                    <a:pt x="2233" y="4116"/>
-                  </a:lnTo>
-                  <a:lnTo>
-                    <a:pt x="2302" y="4152"/>
-                  </a:lnTo>
-                  <a:lnTo>
-                    <a:pt x="2372" y="4179"/>
-                  </a:lnTo>
-                  <a:lnTo>
-                    <a:pt x="2445" y="4197"/>
-                  </a:lnTo>
-                  <a:lnTo>
-                    <a:pt x="2519" y="4206"/>
-                  </a:lnTo>
-                  <a:lnTo>
-                    <a:pt x="2593" y="4206"/>
-                  </a:lnTo>
-                  <a:lnTo>
-                    <a:pt x="2667" y="4197"/>
-                  </a:lnTo>
-                  <a:lnTo>
-                    <a:pt x="2739" y="4179"/>
-                  </a:lnTo>
-                  <a:lnTo>
-                    <a:pt x="2809" y="4152"/>
-                  </a:lnTo>
-                  <a:lnTo>
-                    <a:pt x="2878" y="4116"/>
-                  </a:lnTo>
-                  <a:lnTo>
-                    <a:pt x="2941" y="4073"/>
-                  </a:lnTo>
-                  <a:lnTo>
-                    <a:pt x="3315" y="3777"/>
-                  </a:lnTo>
-                  <a:lnTo>
-                    <a:pt x="1796" y="3777"/>
-                  </a:lnTo>
-                  <a:close/>
-                  <a:moveTo>
-                    <a:pt x="4920" y="2752"/>
-                  </a:moveTo>
-                  <a:lnTo>
-                    <a:pt x="3098" y="4193"/>
-                  </a:lnTo>
-                  <a:lnTo>
-                    <a:pt x="4920" y="5633"/>
-                  </a:lnTo>
-                  <a:lnTo>
-                    <a:pt x="4920" y="5626"/>
-                  </a:lnTo>
-                  <a:lnTo>
-                    <a:pt x="4920" y="2752"/>
-                  </a:lnTo>
-                  <a:close/>
-                  <a:moveTo>
-                    <a:pt x="191" y="2752"/>
-                  </a:moveTo>
-                  <a:lnTo>
-                    <a:pt x="191" y="5626"/>
-                  </a:lnTo>
-                  <a:lnTo>
-                    <a:pt x="191" y="5633"/>
-                  </a:lnTo>
-                  <a:lnTo>
-                    <a:pt x="2013" y="4193"/>
-                  </a:lnTo>
-                  <a:lnTo>
-                    <a:pt x="191" y="2752"/>
-                  </a:lnTo>
-                  <a:close/>
-                  <a:moveTo>
-                    <a:pt x="4599" y="2347"/>
-                  </a:moveTo>
-                  <a:lnTo>
-                    <a:pt x="4599" y="2761"/>
-                  </a:lnTo>
-                  <a:lnTo>
-                    <a:pt x="4860" y="2554"/>
-                  </a:lnTo>
-                  <a:lnTo>
-                    <a:pt x="4599" y="2347"/>
-                  </a:lnTo>
-                  <a:close/>
-                  <a:moveTo>
-                    <a:pt x="513" y="2347"/>
-                  </a:moveTo>
-                  <a:lnTo>
-                    <a:pt x="251" y="2554"/>
-                  </a:lnTo>
-                  <a:lnTo>
-                    <a:pt x="513" y="2761"/>
-                  </a:lnTo>
-                  <a:lnTo>
-                    <a:pt x="513" y="2347"/>
-                  </a:lnTo>
-                  <a:close/>
-                  <a:moveTo>
-                    <a:pt x="710" y="193"/>
-                  </a:moveTo>
-                  <a:lnTo>
-                    <a:pt x="708" y="193"/>
-                  </a:lnTo>
-                  <a:lnTo>
-                    <a:pt x="704" y="197"/>
-                  </a:lnTo>
-                  <a:lnTo>
-                    <a:pt x="704" y="198"/>
-                  </a:lnTo>
-                  <a:lnTo>
-                    <a:pt x="704" y="2913"/>
-                  </a:lnTo>
-                  <a:lnTo>
-                    <a:pt x="1553" y="3584"/>
-                  </a:lnTo>
-                  <a:lnTo>
-                    <a:pt x="3559" y="3584"/>
-                  </a:lnTo>
-                  <a:lnTo>
-                    <a:pt x="4407" y="2913"/>
-                  </a:lnTo>
-                  <a:lnTo>
-                    <a:pt x="4407" y="198"/>
-                  </a:lnTo>
-                  <a:lnTo>
-                    <a:pt x="4405" y="197"/>
-                  </a:lnTo>
-                  <a:lnTo>
-                    <a:pt x="4404" y="193"/>
-                  </a:lnTo>
-                  <a:lnTo>
-                    <a:pt x="4400" y="193"/>
-                  </a:lnTo>
-                  <a:lnTo>
-                    <a:pt x="710" y="193"/>
-                  </a:lnTo>
-                  <a:close/>
-                  <a:moveTo>
-                    <a:pt x="710" y="0"/>
-                  </a:moveTo>
-                  <a:lnTo>
-                    <a:pt x="4400" y="0"/>
-                  </a:lnTo>
-                  <a:lnTo>
-                    <a:pt x="4447" y="5"/>
-                  </a:lnTo>
-                  <a:lnTo>
-                    <a:pt x="4488" y="22"/>
-                  </a:lnTo>
-                  <a:lnTo>
-                    <a:pt x="4525" y="45"/>
-                  </a:lnTo>
-                  <a:lnTo>
-                    <a:pt x="4555" y="76"/>
-                  </a:lnTo>
-                  <a:lnTo>
-                    <a:pt x="4579" y="112"/>
-                  </a:lnTo>
-                  <a:lnTo>
-                    <a:pt x="4593" y="153"/>
-                  </a:lnTo>
-                  <a:lnTo>
-                    <a:pt x="4599" y="198"/>
-                  </a:lnTo>
-                  <a:lnTo>
-                    <a:pt x="4599" y="2103"/>
-                  </a:lnTo>
-                  <a:lnTo>
-                    <a:pt x="5075" y="2478"/>
-                  </a:lnTo>
-                  <a:lnTo>
-                    <a:pt x="5095" y="2500"/>
-                  </a:lnTo>
-                  <a:lnTo>
-                    <a:pt x="5108" y="2525"/>
-                  </a:lnTo>
-                  <a:lnTo>
-                    <a:pt x="5111" y="2554"/>
-                  </a:lnTo>
-                  <a:lnTo>
-                    <a:pt x="5111" y="5626"/>
-                  </a:lnTo>
-                  <a:lnTo>
-                    <a:pt x="5108" y="5680"/>
-                  </a:lnTo>
-                  <a:lnTo>
-                    <a:pt x="5093" y="5730"/>
-                  </a:lnTo>
-                  <a:lnTo>
-                    <a:pt x="5070" y="5777"/>
-                  </a:lnTo>
-                  <a:lnTo>
-                    <a:pt x="5041" y="5820"/>
-                  </a:lnTo>
-                  <a:lnTo>
-                    <a:pt x="5005" y="5856"/>
-                  </a:lnTo>
-                  <a:lnTo>
-                    <a:pt x="4963" y="5885"/>
-                  </a:lnTo>
-                  <a:lnTo>
-                    <a:pt x="4916" y="5909"/>
-                  </a:lnTo>
-                  <a:lnTo>
-                    <a:pt x="4864" y="5921"/>
-                  </a:lnTo>
-                  <a:lnTo>
-                    <a:pt x="4810" y="5927"/>
-                  </a:lnTo>
-                  <a:lnTo>
-                    <a:pt x="300" y="5927"/>
-                  </a:lnTo>
-                  <a:lnTo>
-                    <a:pt x="246" y="5921"/>
-                  </a:lnTo>
-                  <a:lnTo>
-                    <a:pt x="195" y="5909"/>
-                  </a:lnTo>
-                  <a:lnTo>
-                    <a:pt x="148" y="5885"/>
-                  </a:lnTo>
-                  <a:lnTo>
-                    <a:pt x="107" y="5856"/>
-                  </a:lnTo>
-                  <a:lnTo>
-                    <a:pt x="70" y="5820"/>
-                  </a:lnTo>
-                  <a:lnTo>
-                    <a:pt x="40" y="5777"/>
-                  </a:lnTo>
-                  <a:lnTo>
-                    <a:pt x="18" y="5730"/>
-                  </a:lnTo>
-                  <a:lnTo>
-                    <a:pt x="4" y="5680"/>
-                  </a:lnTo>
-                  <a:lnTo>
-                    <a:pt x="0" y="5626"/>
-                  </a:lnTo>
-                  <a:lnTo>
-                    <a:pt x="0" y="2554"/>
-                  </a:lnTo>
-                  <a:lnTo>
-                    <a:pt x="4" y="2525"/>
-                  </a:lnTo>
-                  <a:lnTo>
-                    <a:pt x="16" y="2500"/>
-                  </a:lnTo>
-                  <a:lnTo>
-                    <a:pt x="36" y="2478"/>
-                  </a:lnTo>
-                  <a:lnTo>
-                    <a:pt x="513" y="2103"/>
-                  </a:lnTo>
-                  <a:lnTo>
-                    <a:pt x="513" y="198"/>
-                  </a:lnTo>
-                  <a:lnTo>
-                    <a:pt x="516" y="153"/>
-                  </a:lnTo>
-                  <a:lnTo>
-                    <a:pt x="533" y="112"/>
-                  </a:lnTo>
-                  <a:lnTo>
-                    <a:pt x="556" y="76"/>
-                  </a:lnTo>
-                  <a:lnTo>
-                    <a:pt x="587" y="45"/>
-                  </a:lnTo>
-                  <a:lnTo>
-                    <a:pt x="623" y="22"/>
-                  </a:lnTo>
-                  <a:lnTo>
-                    <a:pt x="664" y="5"/>
-                  </a:lnTo>
-                  <a:lnTo>
-                    <a:pt x="710" y="0"/>
-                  </a:lnTo>
-                  <a:close/>
-                </a:path>
-              </a:pathLst>
-            </a:custGeom>
-            <a:grpFill/>
-            <a:ln w="0">
-              <a:solidFill>
-                <a:schemeClr val="tx1">
-                  <a:lumMod val="85000"/>
-                  <a:lumOff val="15000"/>
-                  <a:alpha val="30000"/>
-                </a:schemeClr>
-              </a:solidFill>
-              <a:prstDash val="solid"/>
-              <a:round/>
-              <a:headEnd/>
-              <a:tailEnd/>
-            </a:ln>
-          </p:spPr>
-          <p:txBody>
-            <a:bodyPr vert="horz" wrap="square" lIns="91440" tIns="45720" rIns="91440" bIns="45720" numCol="1" anchor="t" anchorCtr="0" compatLnSpc="1">
-              <a:prstTxWarp prst="textNoShape">
-                <a:avLst/>
-              </a:prstTxWarp>
-            </a:bodyPr>
-            <a:lstStyle/>
-            <a:p>
-              <a:endParaRPr lang="ko-KR" altLang="en-US"/>
-            </a:p>
-          </p:txBody>
-        </p:sp>
-        <p:sp>
-          <p:nvSpPr>
-            <p:cNvPr id="89" name="Freeform 19"/>
-            <p:cNvSpPr>
-              <a:spLocks/>
-            </p:cNvSpPr>
-            <p:nvPr/>
-          </p:nvSpPr>
-          <p:spPr bwMode="auto">
-            <a:xfrm>
-              <a:off x="5038726" y="1643063"/>
-              <a:ext cx="722313" cy="152400"/>
-            </a:xfrm>
-            <a:custGeom>
-              <a:avLst/>
-              <a:gdLst>
-                <a:gd name="T0" fmla="*/ 95 w 910"/>
-                <a:gd name="T1" fmla="*/ 0 h 191"/>
-                <a:gd name="T2" fmla="*/ 814 w 910"/>
-                <a:gd name="T3" fmla="*/ 0 h 191"/>
-                <a:gd name="T4" fmla="*/ 843 w 910"/>
-                <a:gd name="T5" fmla="*/ 3 h 191"/>
-                <a:gd name="T6" fmla="*/ 870 w 910"/>
-                <a:gd name="T7" fmla="*/ 18 h 191"/>
-                <a:gd name="T8" fmla="*/ 891 w 910"/>
-                <a:gd name="T9" fmla="*/ 40 h 191"/>
-                <a:gd name="T10" fmla="*/ 904 w 910"/>
-                <a:gd name="T11" fmla="*/ 65 h 191"/>
-                <a:gd name="T12" fmla="*/ 910 w 910"/>
-                <a:gd name="T13" fmla="*/ 95 h 191"/>
-                <a:gd name="T14" fmla="*/ 904 w 910"/>
-                <a:gd name="T15" fmla="*/ 126 h 191"/>
-                <a:gd name="T16" fmla="*/ 891 w 910"/>
-                <a:gd name="T17" fmla="*/ 151 h 191"/>
-                <a:gd name="T18" fmla="*/ 870 w 910"/>
-                <a:gd name="T19" fmla="*/ 173 h 191"/>
-                <a:gd name="T20" fmla="*/ 843 w 910"/>
-                <a:gd name="T21" fmla="*/ 186 h 191"/>
-                <a:gd name="T22" fmla="*/ 814 w 910"/>
-                <a:gd name="T23" fmla="*/ 191 h 191"/>
-                <a:gd name="T24" fmla="*/ 95 w 910"/>
-                <a:gd name="T25" fmla="*/ 191 h 191"/>
-                <a:gd name="T26" fmla="*/ 65 w 910"/>
-                <a:gd name="T27" fmla="*/ 186 h 191"/>
-                <a:gd name="T28" fmla="*/ 39 w 910"/>
-                <a:gd name="T29" fmla="*/ 173 h 191"/>
-                <a:gd name="T30" fmla="*/ 18 w 910"/>
-                <a:gd name="T31" fmla="*/ 151 h 191"/>
-                <a:gd name="T32" fmla="*/ 5 w 910"/>
-                <a:gd name="T33" fmla="*/ 126 h 191"/>
-                <a:gd name="T34" fmla="*/ 0 w 910"/>
-                <a:gd name="T35" fmla="*/ 95 h 191"/>
-                <a:gd name="T36" fmla="*/ 5 w 910"/>
-                <a:gd name="T37" fmla="*/ 65 h 191"/>
-                <a:gd name="T38" fmla="*/ 18 w 910"/>
-                <a:gd name="T39" fmla="*/ 40 h 191"/>
-                <a:gd name="T40" fmla="*/ 39 w 910"/>
-                <a:gd name="T41" fmla="*/ 18 h 191"/>
-                <a:gd name="T42" fmla="*/ 65 w 910"/>
-                <a:gd name="T43" fmla="*/ 3 h 191"/>
-                <a:gd name="T44" fmla="*/ 95 w 910"/>
-                <a:gd name="T45" fmla="*/ 0 h 191"/>
-              </a:gdLst>
-              <a:ahLst/>
-              <a:cxnLst>
-                <a:cxn ang="0">
-                  <a:pos x="T0" y="T1"/>
-                </a:cxn>
-                <a:cxn ang="0">
-                  <a:pos x="T2" y="T3"/>
-                </a:cxn>
-                <a:cxn ang="0">
-                  <a:pos x="T4" y="T5"/>
-                </a:cxn>
-                <a:cxn ang="0">
-                  <a:pos x="T6" y="T7"/>
-                </a:cxn>
-                <a:cxn ang="0">
-                  <a:pos x="T8" y="T9"/>
-                </a:cxn>
-                <a:cxn ang="0">
-                  <a:pos x="T10" y="T11"/>
-                </a:cxn>
-                <a:cxn ang="0">
-                  <a:pos x="T12" y="T13"/>
-                </a:cxn>
-                <a:cxn ang="0">
-                  <a:pos x="T14" y="T15"/>
-                </a:cxn>
-                <a:cxn ang="0">
-                  <a:pos x="T16" y="T17"/>
-                </a:cxn>
-                <a:cxn ang="0">
-                  <a:pos x="T18" y="T19"/>
-                </a:cxn>
-                <a:cxn ang="0">
-                  <a:pos x="T20" y="T21"/>
-                </a:cxn>
-                <a:cxn ang="0">
-                  <a:pos x="T22" y="T23"/>
-                </a:cxn>
-                <a:cxn ang="0">
-                  <a:pos x="T24" y="T25"/>
-                </a:cxn>
-                <a:cxn ang="0">
-                  <a:pos x="T26" y="T27"/>
-                </a:cxn>
-                <a:cxn ang="0">
-                  <a:pos x="T28" y="T29"/>
-                </a:cxn>
-                <a:cxn ang="0">
-                  <a:pos x="T30" y="T31"/>
-                </a:cxn>
-                <a:cxn ang="0">
-                  <a:pos x="T32" y="T33"/>
-                </a:cxn>
-                <a:cxn ang="0">
-                  <a:pos x="T34" y="T35"/>
-                </a:cxn>
-                <a:cxn ang="0">
-                  <a:pos x="T36" y="T37"/>
-                </a:cxn>
-                <a:cxn ang="0">
-                  <a:pos x="T38" y="T39"/>
-                </a:cxn>
-                <a:cxn ang="0">
-                  <a:pos x="T40" y="T41"/>
-                </a:cxn>
-                <a:cxn ang="0">
-                  <a:pos x="T42" y="T43"/>
-                </a:cxn>
-                <a:cxn ang="0">
-                  <a:pos x="T44" y="T45"/>
-                </a:cxn>
-              </a:cxnLst>
-              <a:rect l="0" t="0" r="r" b="b"/>
-              <a:pathLst>
-                <a:path w="910" h="191">
-                  <a:moveTo>
-                    <a:pt x="95" y="0"/>
-                  </a:moveTo>
-                  <a:lnTo>
-                    <a:pt x="814" y="0"/>
-                  </a:lnTo>
-                  <a:lnTo>
-                    <a:pt x="843" y="3"/>
-                  </a:lnTo>
-                  <a:lnTo>
-                    <a:pt x="870" y="18"/>
-                  </a:lnTo>
-                  <a:lnTo>
-                    <a:pt x="891" y="40"/>
-                  </a:lnTo>
-                  <a:lnTo>
-                    <a:pt x="904" y="65"/>
-                  </a:lnTo>
-                  <a:lnTo>
-                    <a:pt x="910" y="95"/>
-                  </a:lnTo>
-                  <a:lnTo>
-                    <a:pt x="904" y="126"/>
-                  </a:lnTo>
-                  <a:lnTo>
-                    <a:pt x="891" y="151"/>
-                  </a:lnTo>
-                  <a:lnTo>
-                    <a:pt x="870" y="173"/>
-                  </a:lnTo>
-                  <a:lnTo>
-                    <a:pt x="843" y="186"/>
-                  </a:lnTo>
-                  <a:lnTo>
-                    <a:pt x="814" y="191"/>
-                  </a:lnTo>
-                  <a:lnTo>
-                    <a:pt x="95" y="191"/>
-                  </a:lnTo>
-                  <a:lnTo>
-                    <a:pt x="65" y="186"/>
-                  </a:lnTo>
-                  <a:lnTo>
-                    <a:pt x="39" y="173"/>
-                  </a:lnTo>
-                  <a:lnTo>
-                    <a:pt x="18" y="151"/>
-                  </a:lnTo>
-                  <a:lnTo>
-                    <a:pt x="5" y="126"/>
-                  </a:lnTo>
-                  <a:lnTo>
-                    <a:pt x="0" y="95"/>
-                  </a:lnTo>
-                  <a:lnTo>
-                    <a:pt x="5" y="65"/>
-                  </a:lnTo>
-                  <a:lnTo>
-                    <a:pt x="18" y="40"/>
-                  </a:lnTo>
-                  <a:lnTo>
-                    <a:pt x="39" y="18"/>
-                  </a:lnTo>
-                  <a:lnTo>
-                    <a:pt x="65" y="3"/>
-                  </a:lnTo>
-                  <a:lnTo>
-                    <a:pt x="95" y="0"/>
-                  </a:lnTo>
-                  <a:close/>
-                </a:path>
-              </a:pathLst>
-            </a:custGeom>
-            <a:grpFill/>
-            <a:ln w="0">
-              <a:solidFill>
-                <a:schemeClr val="tx1">
-                  <a:lumMod val="85000"/>
-                  <a:lumOff val="15000"/>
-                  <a:alpha val="30000"/>
-                </a:schemeClr>
-              </a:solidFill>
-              <a:prstDash val="solid"/>
-              <a:round/>
-              <a:headEnd/>
-              <a:tailEnd/>
-            </a:ln>
-          </p:spPr>
-          <p:txBody>
-            <a:bodyPr vert="horz" wrap="square" lIns="91440" tIns="45720" rIns="91440" bIns="45720" numCol="1" anchor="t" anchorCtr="0" compatLnSpc="1">
-              <a:prstTxWarp prst="textNoShape">
-                <a:avLst/>
-              </a:prstTxWarp>
-            </a:bodyPr>
-            <a:lstStyle/>
-            <a:p>
-              <a:endParaRPr lang="ko-KR" altLang="en-US"/>
-            </a:p>
-          </p:txBody>
-        </p:sp>
-        <p:sp>
-          <p:nvSpPr>
-            <p:cNvPr id="90" name="Freeform 20"/>
-            <p:cNvSpPr>
-              <a:spLocks/>
-            </p:cNvSpPr>
-            <p:nvPr/>
-          </p:nvSpPr>
-          <p:spPr bwMode="auto">
-            <a:xfrm>
-              <a:off x="5038726" y="2051050"/>
-              <a:ext cx="1047750" cy="150813"/>
-            </a:xfrm>
-            <a:custGeom>
-              <a:avLst/>
-              <a:gdLst>
-                <a:gd name="T0" fmla="*/ 95 w 1319"/>
-                <a:gd name="T1" fmla="*/ 0 h 191"/>
-                <a:gd name="T2" fmla="*/ 1224 w 1319"/>
-                <a:gd name="T3" fmla="*/ 0 h 191"/>
-                <a:gd name="T4" fmla="*/ 1253 w 1319"/>
-                <a:gd name="T5" fmla="*/ 4 h 191"/>
-                <a:gd name="T6" fmla="*/ 1280 w 1319"/>
-                <a:gd name="T7" fmla="*/ 18 h 191"/>
-                <a:gd name="T8" fmla="*/ 1301 w 1319"/>
-                <a:gd name="T9" fmla="*/ 38 h 191"/>
-                <a:gd name="T10" fmla="*/ 1314 w 1319"/>
-                <a:gd name="T11" fmla="*/ 65 h 191"/>
-                <a:gd name="T12" fmla="*/ 1319 w 1319"/>
-                <a:gd name="T13" fmla="*/ 96 h 191"/>
-                <a:gd name="T14" fmla="*/ 1314 w 1319"/>
-                <a:gd name="T15" fmla="*/ 126 h 191"/>
-                <a:gd name="T16" fmla="*/ 1301 w 1319"/>
-                <a:gd name="T17" fmla="*/ 152 h 191"/>
-                <a:gd name="T18" fmla="*/ 1280 w 1319"/>
-                <a:gd name="T19" fmla="*/ 173 h 191"/>
-                <a:gd name="T20" fmla="*/ 1253 w 1319"/>
-                <a:gd name="T21" fmla="*/ 186 h 191"/>
-                <a:gd name="T22" fmla="*/ 1224 w 1319"/>
-                <a:gd name="T23" fmla="*/ 191 h 191"/>
-                <a:gd name="T24" fmla="*/ 95 w 1319"/>
-                <a:gd name="T25" fmla="*/ 191 h 191"/>
-                <a:gd name="T26" fmla="*/ 65 w 1319"/>
-                <a:gd name="T27" fmla="*/ 186 h 191"/>
-                <a:gd name="T28" fmla="*/ 39 w 1319"/>
-                <a:gd name="T29" fmla="*/ 173 h 191"/>
-                <a:gd name="T30" fmla="*/ 18 w 1319"/>
-                <a:gd name="T31" fmla="*/ 152 h 191"/>
-                <a:gd name="T32" fmla="*/ 5 w 1319"/>
-                <a:gd name="T33" fmla="*/ 126 h 191"/>
-                <a:gd name="T34" fmla="*/ 0 w 1319"/>
-                <a:gd name="T35" fmla="*/ 96 h 191"/>
-                <a:gd name="T36" fmla="*/ 5 w 1319"/>
-                <a:gd name="T37" fmla="*/ 65 h 191"/>
-                <a:gd name="T38" fmla="*/ 18 w 1319"/>
-                <a:gd name="T39" fmla="*/ 38 h 191"/>
-                <a:gd name="T40" fmla="*/ 39 w 1319"/>
-                <a:gd name="T41" fmla="*/ 18 h 191"/>
-                <a:gd name="T42" fmla="*/ 65 w 1319"/>
-                <a:gd name="T43" fmla="*/ 4 h 191"/>
-                <a:gd name="T44" fmla="*/ 95 w 1319"/>
-                <a:gd name="T45" fmla="*/ 0 h 191"/>
-              </a:gdLst>
-              <a:ahLst/>
-              <a:cxnLst>
-                <a:cxn ang="0">
-                  <a:pos x="T0" y="T1"/>
-                </a:cxn>
-                <a:cxn ang="0">
-                  <a:pos x="T2" y="T3"/>
-                </a:cxn>
-                <a:cxn ang="0">
-                  <a:pos x="T4" y="T5"/>
-                </a:cxn>
-                <a:cxn ang="0">
-                  <a:pos x="T6" y="T7"/>
-                </a:cxn>
-                <a:cxn ang="0">
-                  <a:pos x="T8" y="T9"/>
-                </a:cxn>
-                <a:cxn ang="0">
-                  <a:pos x="T10" y="T11"/>
-                </a:cxn>
-                <a:cxn ang="0">
-                  <a:pos x="T12" y="T13"/>
-                </a:cxn>
-                <a:cxn ang="0">
-                  <a:pos x="T14" y="T15"/>
-                </a:cxn>
-                <a:cxn ang="0">
-                  <a:pos x="T16" y="T17"/>
-                </a:cxn>
-                <a:cxn ang="0">
-                  <a:pos x="T18" y="T19"/>
-                </a:cxn>
-                <a:cxn ang="0">
-                  <a:pos x="T20" y="T21"/>
-                </a:cxn>
-                <a:cxn ang="0">
-                  <a:pos x="T22" y="T23"/>
-                </a:cxn>
-                <a:cxn ang="0">
-                  <a:pos x="T24" y="T25"/>
-                </a:cxn>
-                <a:cxn ang="0">
-                  <a:pos x="T26" y="T27"/>
-                </a:cxn>
-                <a:cxn ang="0">
-                  <a:pos x="T28" y="T29"/>
-                </a:cxn>
-                <a:cxn ang="0">
-                  <a:pos x="T30" y="T31"/>
-                </a:cxn>
-                <a:cxn ang="0">
-                  <a:pos x="T32" y="T33"/>
-                </a:cxn>
-                <a:cxn ang="0">
-                  <a:pos x="T34" y="T35"/>
-                </a:cxn>
-                <a:cxn ang="0">
-                  <a:pos x="T36" y="T37"/>
-                </a:cxn>
-                <a:cxn ang="0">
-                  <a:pos x="T38" y="T39"/>
-                </a:cxn>
-                <a:cxn ang="0">
-                  <a:pos x="T40" y="T41"/>
-                </a:cxn>
-                <a:cxn ang="0">
-                  <a:pos x="T42" y="T43"/>
-                </a:cxn>
-                <a:cxn ang="0">
-                  <a:pos x="T44" y="T45"/>
-                </a:cxn>
-              </a:cxnLst>
-              <a:rect l="0" t="0" r="r" b="b"/>
-              <a:pathLst>
-                <a:path w="1319" h="191">
-                  <a:moveTo>
-                    <a:pt x="95" y="0"/>
-                  </a:moveTo>
-                  <a:lnTo>
-                    <a:pt x="1224" y="0"/>
-                  </a:lnTo>
-                  <a:lnTo>
-                    <a:pt x="1253" y="4"/>
-                  </a:lnTo>
-                  <a:lnTo>
-                    <a:pt x="1280" y="18"/>
-                  </a:lnTo>
-                  <a:lnTo>
-                    <a:pt x="1301" y="38"/>
-                  </a:lnTo>
-                  <a:lnTo>
-                    <a:pt x="1314" y="65"/>
-                  </a:lnTo>
-                  <a:lnTo>
-                    <a:pt x="1319" y="96"/>
-                  </a:lnTo>
-                  <a:lnTo>
-                    <a:pt x="1314" y="126"/>
-                  </a:lnTo>
-                  <a:lnTo>
-                    <a:pt x="1301" y="152"/>
-                  </a:lnTo>
-                  <a:lnTo>
-                    <a:pt x="1280" y="173"/>
-                  </a:lnTo>
-                  <a:lnTo>
-                    <a:pt x="1253" y="186"/>
-                  </a:lnTo>
-                  <a:lnTo>
-                    <a:pt x="1224" y="191"/>
-                  </a:lnTo>
-                  <a:lnTo>
-                    <a:pt x="95" y="191"/>
-                  </a:lnTo>
-                  <a:lnTo>
-                    <a:pt x="65" y="186"/>
-                  </a:lnTo>
-                  <a:lnTo>
-                    <a:pt x="39" y="173"/>
-                  </a:lnTo>
-                  <a:lnTo>
-                    <a:pt x="18" y="152"/>
-                  </a:lnTo>
-                  <a:lnTo>
-                    <a:pt x="5" y="126"/>
-                  </a:lnTo>
-                  <a:lnTo>
-                    <a:pt x="0" y="96"/>
-                  </a:lnTo>
-                  <a:lnTo>
-                    <a:pt x="5" y="65"/>
-                  </a:lnTo>
-                  <a:lnTo>
-                    <a:pt x="18" y="38"/>
-                  </a:lnTo>
-                  <a:lnTo>
-                    <a:pt x="39" y="18"/>
-                  </a:lnTo>
-                  <a:lnTo>
-                    <a:pt x="65" y="4"/>
-                  </a:lnTo>
-                  <a:lnTo>
-                    <a:pt x="95" y="0"/>
-                  </a:lnTo>
-                  <a:close/>
-                </a:path>
-              </a:pathLst>
-            </a:custGeom>
-            <a:grpFill/>
-            <a:ln w="0">
-              <a:solidFill>
-                <a:schemeClr val="tx1">
-                  <a:lumMod val="85000"/>
-                  <a:lumOff val="15000"/>
-                  <a:alpha val="30000"/>
-                </a:schemeClr>
-              </a:solidFill>
-              <a:prstDash val="solid"/>
-              <a:round/>
-              <a:headEnd/>
-              <a:tailEnd/>
-            </a:ln>
-          </p:spPr>
-          <p:txBody>
-            <a:bodyPr vert="horz" wrap="square" lIns="91440" tIns="45720" rIns="91440" bIns="45720" numCol="1" anchor="t" anchorCtr="0" compatLnSpc="1">
-              <a:prstTxWarp prst="textNoShape">
-                <a:avLst/>
-              </a:prstTxWarp>
-            </a:bodyPr>
-            <a:lstStyle/>
-            <a:p>
-              <a:endParaRPr lang="ko-KR" altLang="en-US"/>
-            </a:p>
-          </p:txBody>
-        </p:sp>
-        <p:sp>
-          <p:nvSpPr>
-            <p:cNvPr id="91" name="Freeform 21"/>
-            <p:cNvSpPr>
-              <a:spLocks/>
-            </p:cNvSpPr>
-            <p:nvPr/>
-          </p:nvSpPr>
-          <p:spPr bwMode="auto">
-            <a:xfrm>
-              <a:off x="5527676" y="2700338"/>
-              <a:ext cx="1127125" cy="152400"/>
-            </a:xfrm>
-            <a:custGeom>
-              <a:avLst/>
-              <a:gdLst>
-                <a:gd name="T0" fmla="*/ 96 w 1421"/>
-                <a:gd name="T1" fmla="*/ 0 h 191"/>
-                <a:gd name="T2" fmla="*/ 1325 w 1421"/>
-                <a:gd name="T3" fmla="*/ 0 h 191"/>
-                <a:gd name="T4" fmla="*/ 1356 w 1421"/>
-                <a:gd name="T5" fmla="*/ 5 h 191"/>
-                <a:gd name="T6" fmla="*/ 1383 w 1421"/>
-                <a:gd name="T7" fmla="*/ 18 h 191"/>
-                <a:gd name="T8" fmla="*/ 1403 w 1421"/>
-                <a:gd name="T9" fmla="*/ 40 h 191"/>
-                <a:gd name="T10" fmla="*/ 1418 w 1421"/>
-                <a:gd name="T11" fmla="*/ 65 h 191"/>
-                <a:gd name="T12" fmla="*/ 1421 w 1421"/>
-                <a:gd name="T13" fmla="*/ 96 h 191"/>
-                <a:gd name="T14" fmla="*/ 1418 w 1421"/>
-                <a:gd name="T15" fmla="*/ 126 h 191"/>
-                <a:gd name="T16" fmla="*/ 1403 w 1421"/>
-                <a:gd name="T17" fmla="*/ 151 h 191"/>
-                <a:gd name="T18" fmla="*/ 1383 w 1421"/>
-                <a:gd name="T19" fmla="*/ 173 h 191"/>
-                <a:gd name="T20" fmla="*/ 1356 w 1421"/>
-                <a:gd name="T21" fmla="*/ 188 h 191"/>
-                <a:gd name="T22" fmla="*/ 1325 w 1421"/>
-                <a:gd name="T23" fmla="*/ 191 h 191"/>
-                <a:gd name="T24" fmla="*/ 96 w 1421"/>
-                <a:gd name="T25" fmla="*/ 191 h 191"/>
-                <a:gd name="T26" fmla="*/ 65 w 1421"/>
-                <a:gd name="T27" fmla="*/ 188 h 191"/>
-                <a:gd name="T28" fmla="*/ 38 w 1421"/>
-                <a:gd name="T29" fmla="*/ 173 h 191"/>
-                <a:gd name="T30" fmla="*/ 18 w 1421"/>
-                <a:gd name="T31" fmla="*/ 151 h 191"/>
-                <a:gd name="T32" fmla="*/ 4 w 1421"/>
-                <a:gd name="T33" fmla="*/ 126 h 191"/>
-                <a:gd name="T34" fmla="*/ 0 w 1421"/>
-                <a:gd name="T35" fmla="*/ 96 h 191"/>
-                <a:gd name="T36" fmla="*/ 4 w 1421"/>
-                <a:gd name="T37" fmla="*/ 65 h 191"/>
-                <a:gd name="T38" fmla="*/ 18 w 1421"/>
-                <a:gd name="T39" fmla="*/ 40 h 191"/>
-                <a:gd name="T40" fmla="*/ 38 w 1421"/>
-                <a:gd name="T41" fmla="*/ 18 h 191"/>
-                <a:gd name="T42" fmla="*/ 65 w 1421"/>
-                <a:gd name="T43" fmla="*/ 5 h 191"/>
-                <a:gd name="T44" fmla="*/ 96 w 1421"/>
-                <a:gd name="T45" fmla="*/ 0 h 191"/>
-              </a:gdLst>
-              <a:ahLst/>
-              <a:cxnLst>
-                <a:cxn ang="0">
-                  <a:pos x="T0" y="T1"/>
-                </a:cxn>
-                <a:cxn ang="0">
-                  <a:pos x="T2" y="T3"/>
-                </a:cxn>
-                <a:cxn ang="0">
-                  <a:pos x="T4" y="T5"/>
-                </a:cxn>
-                <a:cxn ang="0">
-                  <a:pos x="T6" y="T7"/>
-                </a:cxn>
-                <a:cxn ang="0">
-                  <a:pos x="T8" y="T9"/>
-                </a:cxn>
-                <a:cxn ang="0">
-                  <a:pos x="T10" y="T11"/>
-                </a:cxn>
-                <a:cxn ang="0">
-                  <a:pos x="T12" y="T13"/>
-                </a:cxn>
-                <a:cxn ang="0">
-                  <a:pos x="T14" y="T15"/>
-                </a:cxn>
-                <a:cxn ang="0">
-                  <a:pos x="T16" y="T17"/>
-                </a:cxn>
-                <a:cxn ang="0">
-                  <a:pos x="T18" y="T19"/>
-                </a:cxn>
-                <a:cxn ang="0">
-                  <a:pos x="T20" y="T21"/>
-                </a:cxn>
-                <a:cxn ang="0">
-                  <a:pos x="T22" y="T23"/>
-                </a:cxn>
-                <a:cxn ang="0">
-                  <a:pos x="T24" y="T25"/>
-                </a:cxn>
-                <a:cxn ang="0">
-                  <a:pos x="T26" y="T27"/>
-                </a:cxn>
-                <a:cxn ang="0">
-                  <a:pos x="T28" y="T29"/>
-                </a:cxn>
-                <a:cxn ang="0">
-                  <a:pos x="T30" y="T31"/>
-                </a:cxn>
-                <a:cxn ang="0">
-                  <a:pos x="T32" y="T33"/>
-                </a:cxn>
-                <a:cxn ang="0">
-                  <a:pos x="T34" y="T35"/>
-                </a:cxn>
-                <a:cxn ang="0">
-                  <a:pos x="T36" y="T37"/>
-                </a:cxn>
-                <a:cxn ang="0">
-                  <a:pos x="T38" y="T39"/>
-                </a:cxn>
-                <a:cxn ang="0">
-                  <a:pos x="T40" y="T41"/>
-                </a:cxn>
-                <a:cxn ang="0">
-                  <a:pos x="T42" y="T43"/>
-                </a:cxn>
-                <a:cxn ang="0">
-                  <a:pos x="T44" y="T45"/>
-                </a:cxn>
-              </a:cxnLst>
-              <a:rect l="0" t="0" r="r" b="b"/>
-              <a:pathLst>
-                <a:path w="1421" h="191">
-                  <a:moveTo>
-                    <a:pt x="96" y="0"/>
-                  </a:moveTo>
-                  <a:lnTo>
-                    <a:pt x="1325" y="0"/>
-                  </a:lnTo>
-                  <a:lnTo>
-                    <a:pt x="1356" y="5"/>
-                  </a:lnTo>
-                  <a:lnTo>
-                    <a:pt x="1383" y="18"/>
-                  </a:lnTo>
-                  <a:lnTo>
-                    <a:pt x="1403" y="40"/>
-                  </a:lnTo>
-                  <a:lnTo>
-                    <a:pt x="1418" y="65"/>
-                  </a:lnTo>
-                  <a:lnTo>
-                    <a:pt x="1421" y="96"/>
-                  </a:lnTo>
-                  <a:lnTo>
-                    <a:pt x="1418" y="126"/>
-                  </a:lnTo>
-                  <a:lnTo>
-                    <a:pt x="1403" y="151"/>
-                  </a:lnTo>
-                  <a:lnTo>
-                    <a:pt x="1383" y="173"/>
-                  </a:lnTo>
-                  <a:lnTo>
-                    <a:pt x="1356" y="188"/>
-                  </a:lnTo>
-                  <a:lnTo>
-                    <a:pt x="1325" y="191"/>
-                  </a:lnTo>
-                  <a:lnTo>
-                    <a:pt x="96" y="191"/>
-                  </a:lnTo>
-                  <a:lnTo>
-                    <a:pt x="65" y="188"/>
-                  </a:lnTo>
-                  <a:lnTo>
-                    <a:pt x="38" y="173"/>
-                  </a:lnTo>
-                  <a:lnTo>
-                    <a:pt x="18" y="151"/>
-                  </a:lnTo>
-                  <a:lnTo>
-                    <a:pt x="4" y="126"/>
-                  </a:lnTo>
-                  <a:lnTo>
-                    <a:pt x="0" y="96"/>
-                  </a:lnTo>
-                  <a:lnTo>
-                    <a:pt x="4" y="65"/>
-                  </a:lnTo>
-                  <a:lnTo>
-                    <a:pt x="18" y="40"/>
-                  </a:lnTo>
-                  <a:lnTo>
-                    <a:pt x="38" y="18"/>
-                  </a:lnTo>
-                  <a:lnTo>
-                    <a:pt x="65" y="5"/>
-                  </a:lnTo>
-                  <a:lnTo>
-                    <a:pt x="96" y="0"/>
-                  </a:lnTo>
-                  <a:close/>
-                </a:path>
-              </a:pathLst>
-            </a:custGeom>
-            <a:grpFill/>
-            <a:ln w="0">
-              <a:solidFill>
-                <a:schemeClr val="tx1">
-                  <a:lumMod val="85000"/>
-                  <a:lumOff val="15000"/>
-                  <a:alpha val="30000"/>
-                </a:schemeClr>
-              </a:solidFill>
-              <a:prstDash val="solid"/>
-              <a:round/>
-              <a:headEnd/>
-              <a:tailEnd/>
-            </a:ln>
-          </p:spPr>
-          <p:txBody>
-            <a:bodyPr vert="horz" wrap="square" lIns="91440" tIns="45720" rIns="91440" bIns="45720" numCol="1" anchor="t" anchorCtr="0" compatLnSpc="1">
-              <a:prstTxWarp prst="textNoShape">
-                <a:avLst/>
-              </a:prstTxWarp>
-            </a:bodyPr>
-            <a:lstStyle/>
-            <a:p>
-              <a:endParaRPr lang="ko-KR" altLang="en-US"/>
-            </a:p>
-          </p:txBody>
-        </p:sp>
-        <p:sp>
-          <p:nvSpPr>
-            <p:cNvPr id="92" name="Freeform 22"/>
-            <p:cNvSpPr>
-              <a:spLocks/>
-            </p:cNvSpPr>
-            <p:nvPr/>
-          </p:nvSpPr>
-          <p:spPr bwMode="auto">
-            <a:xfrm>
-              <a:off x="5038726" y="3106738"/>
-              <a:ext cx="2105025" cy="152400"/>
-            </a:xfrm>
-            <a:custGeom>
-              <a:avLst/>
-              <a:gdLst>
-                <a:gd name="T0" fmla="*/ 95 w 2652"/>
-                <a:gd name="T1" fmla="*/ 0 h 191"/>
-                <a:gd name="T2" fmla="*/ 2556 w 2652"/>
-                <a:gd name="T3" fmla="*/ 0 h 191"/>
-                <a:gd name="T4" fmla="*/ 2587 w 2652"/>
-                <a:gd name="T5" fmla="*/ 4 h 191"/>
-                <a:gd name="T6" fmla="*/ 2612 w 2652"/>
-                <a:gd name="T7" fmla="*/ 18 h 191"/>
-                <a:gd name="T8" fmla="*/ 2634 w 2652"/>
-                <a:gd name="T9" fmla="*/ 38 h 191"/>
-                <a:gd name="T10" fmla="*/ 2646 w 2652"/>
-                <a:gd name="T11" fmla="*/ 65 h 191"/>
-                <a:gd name="T12" fmla="*/ 2652 w 2652"/>
-                <a:gd name="T13" fmla="*/ 96 h 191"/>
-                <a:gd name="T14" fmla="*/ 2646 w 2652"/>
-                <a:gd name="T15" fmla="*/ 126 h 191"/>
-                <a:gd name="T16" fmla="*/ 2634 w 2652"/>
-                <a:gd name="T17" fmla="*/ 152 h 191"/>
-                <a:gd name="T18" fmla="*/ 2612 w 2652"/>
-                <a:gd name="T19" fmla="*/ 173 h 191"/>
-                <a:gd name="T20" fmla="*/ 2587 w 2652"/>
-                <a:gd name="T21" fmla="*/ 186 h 191"/>
-                <a:gd name="T22" fmla="*/ 2556 w 2652"/>
-                <a:gd name="T23" fmla="*/ 191 h 191"/>
-                <a:gd name="T24" fmla="*/ 95 w 2652"/>
-                <a:gd name="T25" fmla="*/ 191 h 191"/>
-                <a:gd name="T26" fmla="*/ 65 w 2652"/>
-                <a:gd name="T27" fmla="*/ 186 h 191"/>
-                <a:gd name="T28" fmla="*/ 39 w 2652"/>
-                <a:gd name="T29" fmla="*/ 173 h 191"/>
-                <a:gd name="T30" fmla="*/ 18 w 2652"/>
-                <a:gd name="T31" fmla="*/ 152 h 191"/>
-                <a:gd name="T32" fmla="*/ 5 w 2652"/>
-                <a:gd name="T33" fmla="*/ 126 h 191"/>
-                <a:gd name="T34" fmla="*/ 0 w 2652"/>
-                <a:gd name="T35" fmla="*/ 96 h 191"/>
-                <a:gd name="T36" fmla="*/ 5 w 2652"/>
-                <a:gd name="T37" fmla="*/ 65 h 191"/>
-                <a:gd name="T38" fmla="*/ 18 w 2652"/>
-                <a:gd name="T39" fmla="*/ 38 h 191"/>
-                <a:gd name="T40" fmla="*/ 39 w 2652"/>
-                <a:gd name="T41" fmla="*/ 18 h 191"/>
-                <a:gd name="T42" fmla="*/ 65 w 2652"/>
-                <a:gd name="T43" fmla="*/ 4 h 191"/>
-                <a:gd name="T44" fmla="*/ 95 w 2652"/>
-                <a:gd name="T45" fmla="*/ 0 h 191"/>
-              </a:gdLst>
-              <a:ahLst/>
-              <a:cxnLst>
-                <a:cxn ang="0">
-                  <a:pos x="T0" y="T1"/>
-                </a:cxn>
-                <a:cxn ang="0">
-                  <a:pos x="T2" y="T3"/>
-                </a:cxn>
-                <a:cxn ang="0">
-                  <a:pos x="T4" y="T5"/>
-                </a:cxn>
-                <a:cxn ang="0">
-                  <a:pos x="T6" y="T7"/>
-                </a:cxn>
-                <a:cxn ang="0">
-                  <a:pos x="T8" y="T9"/>
-                </a:cxn>
-                <a:cxn ang="0">
-                  <a:pos x="T10" y="T11"/>
-                </a:cxn>
-                <a:cxn ang="0">
-                  <a:pos x="T12" y="T13"/>
-                </a:cxn>
-                <a:cxn ang="0">
-                  <a:pos x="T14" y="T15"/>
-                </a:cxn>
-                <a:cxn ang="0">
-                  <a:pos x="T16" y="T17"/>
-                </a:cxn>
-                <a:cxn ang="0">
-                  <a:pos x="T18" y="T19"/>
-                </a:cxn>
-                <a:cxn ang="0">
-                  <a:pos x="T20" y="T21"/>
-                </a:cxn>
-                <a:cxn ang="0">
-                  <a:pos x="T22" y="T23"/>
-                </a:cxn>
-                <a:cxn ang="0">
-                  <a:pos x="T24" y="T25"/>
-                </a:cxn>
-                <a:cxn ang="0">
-                  <a:pos x="T26" y="T27"/>
-                </a:cxn>
-                <a:cxn ang="0">
-                  <a:pos x="T28" y="T29"/>
-                </a:cxn>
-                <a:cxn ang="0">
-                  <a:pos x="T30" y="T31"/>
-                </a:cxn>
-                <a:cxn ang="0">
-                  <a:pos x="T32" y="T33"/>
-                </a:cxn>
-                <a:cxn ang="0">
-                  <a:pos x="T34" y="T35"/>
-                </a:cxn>
-                <a:cxn ang="0">
-                  <a:pos x="T36" y="T37"/>
-                </a:cxn>
-                <a:cxn ang="0">
-                  <a:pos x="T38" y="T39"/>
-                </a:cxn>
-                <a:cxn ang="0">
-                  <a:pos x="T40" y="T41"/>
-                </a:cxn>
-                <a:cxn ang="0">
-                  <a:pos x="T42" y="T43"/>
-                </a:cxn>
-                <a:cxn ang="0">
-                  <a:pos x="T44" y="T45"/>
-                </a:cxn>
-              </a:cxnLst>
-              <a:rect l="0" t="0" r="r" b="b"/>
-              <a:pathLst>
-                <a:path w="2652" h="191">
-                  <a:moveTo>
-                    <a:pt x="95" y="0"/>
-                  </a:moveTo>
-                  <a:lnTo>
-                    <a:pt x="2556" y="0"/>
-                  </a:lnTo>
-                  <a:lnTo>
-                    <a:pt x="2587" y="4"/>
-                  </a:lnTo>
-                  <a:lnTo>
-                    <a:pt x="2612" y="18"/>
-                  </a:lnTo>
-                  <a:lnTo>
-                    <a:pt x="2634" y="38"/>
-                  </a:lnTo>
-                  <a:lnTo>
-                    <a:pt x="2646" y="65"/>
-                  </a:lnTo>
-                  <a:lnTo>
-                    <a:pt x="2652" y="96"/>
-                  </a:lnTo>
-                  <a:lnTo>
-                    <a:pt x="2646" y="126"/>
-                  </a:lnTo>
-                  <a:lnTo>
-                    <a:pt x="2634" y="152"/>
-                  </a:lnTo>
-                  <a:lnTo>
-                    <a:pt x="2612" y="173"/>
-                  </a:lnTo>
-                  <a:lnTo>
-                    <a:pt x="2587" y="186"/>
-                  </a:lnTo>
-                  <a:lnTo>
-                    <a:pt x="2556" y="191"/>
-                  </a:lnTo>
-                  <a:lnTo>
-                    <a:pt x="95" y="191"/>
-                  </a:lnTo>
-                  <a:lnTo>
-                    <a:pt x="65" y="186"/>
-                  </a:lnTo>
-                  <a:lnTo>
-                    <a:pt x="39" y="173"/>
-                  </a:lnTo>
-                  <a:lnTo>
-                    <a:pt x="18" y="152"/>
-                  </a:lnTo>
-                  <a:lnTo>
-                    <a:pt x="5" y="126"/>
-                  </a:lnTo>
-                  <a:lnTo>
-                    <a:pt x="0" y="96"/>
-                  </a:lnTo>
-                  <a:lnTo>
-                    <a:pt x="5" y="65"/>
-                  </a:lnTo>
-                  <a:lnTo>
-                    <a:pt x="18" y="38"/>
-                  </a:lnTo>
-                  <a:lnTo>
-                    <a:pt x="39" y="18"/>
-                  </a:lnTo>
-                  <a:lnTo>
-                    <a:pt x="65" y="4"/>
-                  </a:lnTo>
-                  <a:lnTo>
-                    <a:pt x="95" y="0"/>
-                  </a:lnTo>
-                  <a:close/>
-                </a:path>
-              </a:pathLst>
-            </a:custGeom>
-            <a:grpFill/>
-            <a:ln w="0">
-              <a:solidFill>
-                <a:schemeClr val="tx1">
-                  <a:lumMod val="85000"/>
-                  <a:lumOff val="15000"/>
-                  <a:alpha val="30000"/>
-                </a:schemeClr>
-              </a:solidFill>
-              <a:prstDash val="solid"/>
-              <a:round/>
-              <a:headEnd/>
-              <a:tailEnd/>
-            </a:ln>
-          </p:spPr>
-          <p:txBody>
-            <a:bodyPr vert="horz" wrap="square" lIns="91440" tIns="45720" rIns="91440" bIns="45720" numCol="1" anchor="t" anchorCtr="0" compatLnSpc="1">
-              <a:prstTxWarp prst="textNoShape">
-                <a:avLst/>
-              </a:prstTxWarp>
-            </a:bodyPr>
-            <a:lstStyle/>
-            <a:p>
-              <a:endParaRPr lang="ko-KR" altLang="en-US"/>
-            </a:p>
-          </p:txBody>
-        </p:sp>
-        <p:sp>
-          <p:nvSpPr>
-            <p:cNvPr id="93" name="Freeform 23"/>
-            <p:cNvSpPr>
-              <a:spLocks/>
-            </p:cNvSpPr>
-            <p:nvPr/>
-          </p:nvSpPr>
-          <p:spPr bwMode="auto">
-            <a:xfrm>
-              <a:off x="5038726" y="3513138"/>
-              <a:ext cx="2105025" cy="152400"/>
-            </a:xfrm>
-            <a:custGeom>
-              <a:avLst/>
-              <a:gdLst>
-                <a:gd name="T0" fmla="*/ 95 w 2652"/>
-                <a:gd name="T1" fmla="*/ 0 h 192"/>
-                <a:gd name="T2" fmla="*/ 2556 w 2652"/>
-                <a:gd name="T3" fmla="*/ 0 h 192"/>
-                <a:gd name="T4" fmla="*/ 2587 w 2652"/>
-                <a:gd name="T5" fmla="*/ 4 h 192"/>
-                <a:gd name="T6" fmla="*/ 2612 w 2652"/>
-                <a:gd name="T7" fmla="*/ 18 h 192"/>
-                <a:gd name="T8" fmla="*/ 2634 w 2652"/>
-                <a:gd name="T9" fmla="*/ 38 h 192"/>
-                <a:gd name="T10" fmla="*/ 2646 w 2652"/>
-                <a:gd name="T11" fmla="*/ 65 h 192"/>
-                <a:gd name="T12" fmla="*/ 2652 w 2652"/>
-                <a:gd name="T13" fmla="*/ 96 h 192"/>
-                <a:gd name="T14" fmla="*/ 2646 w 2652"/>
-                <a:gd name="T15" fmla="*/ 127 h 192"/>
-                <a:gd name="T16" fmla="*/ 2634 w 2652"/>
-                <a:gd name="T17" fmla="*/ 152 h 192"/>
-                <a:gd name="T18" fmla="*/ 2612 w 2652"/>
-                <a:gd name="T19" fmla="*/ 174 h 192"/>
-                <a:gd name="T20" fmla="*/ 2587 w 2652"/>
-                <a:gd name="T21" fmla="*/ 186 h 192"/>
-                <a:gd name="T22" fmla="*/ 2556 w 2652"/>
-                <a:gd name="T23" fmla="*/ 192 h 192"/>
-                <a:gd name="T24" fmla="*/ 95 w 2652"/>
-                <a:gd name="T25" fmla="*/ 192 h 192"/>
-                <a:gd name="T26" fmla="*/ 65 w 2652"/>
-                <a:gd name="T27" fmla="*/ 186 h 192"/>
-                <a:gd name="T28" fmla="*/ 39 w 2652"/>
-                <a:gd name="T29" fmla="*/ 174 h 192"/>
-                <a:gd name="T30" fmla="*/ 18 w 2652"/>
-                <a:gd name="T31" fmla="*/ 152 h 192"/>
-                <a:gd name="T32" fmla="*/ 5 w 2652"/>
-                <a:gd name="T33" fmla="*/ 127 h 192"/>
-                <a:gd name="T34" fmla="*/ 0 w 2652"/>
-                <a:gd name="T35" fmla="*/ 96 h 192"/>
-                <a:gd name="T36" fmla="*/ 5 w 2652"/>
-                <a:gd name="T37" fmla="*/ 65 h 192"/>
-                <a:gd name="T38" fmla="*/ 18 w 2652"/>
-                <a:gd name="T39" fmla="*/ 38 h 192"/>
-                <a:gd name="T40" fmla="*/ 39 w 2652"/>
-                <a:gd name="T41" fmla="*/ 18 h 192"/>
-                <a:gd name="T42" fmla="*/ 65 w 2652"/>
-                <a:gd name="T43" fmla="*/ 4 h 192"/>
-                <a:gd name="T44" fmla="*/ 95 w 2652"/>
-                <a:gd name="T45" fmla="*/ 0 h 192"/>
-              </a:gdLst>
-              <a:ahLst/>
-              <a:cxnLst>
-                <a:cxn ang="0">
-                  <a:pos x="T0" y="T1"/>
-                </a:cxn>
-                <a:cxn ang="0">
-                  <a:pos x="T2" y="T3"/>
-                </a:cxn>
-                <a:cxn ang="0">
-                  <a:pos x="T4" y="T5"/>
-                </a:cxn>
-                <a:cxn ang="0">
-                  <a:pos x="T6" y="T7"/>
-                </a:cxn>
-                <a:cxn ang="0">
-                  <a:pos x="T8" y="T9"/>
-                </a:cxn>
-                <a:cxn ang="0">
-                  <a:pos x="T10" y="T11"/>
-                </a:cxn>
-                <a:cxn ang="0">
-                  <a:pos x="T12" y="T13"/>
-                </a:cxn>
-                <a:cxn ang="0">
-                  <a:pos x="T14" y="T15"/>
-                </a:cxn>
-                <a:cxn ang="0">
-                  <a:pos x="T16" y="T17"/>
-                </a:cxn>
-                <a:cxn ang="0">
-                  <a:pos x="T18" y="T19"/>
-                </a:cxn>
-                <a:cxn ang="0">
-                  <a:pos x="T20" y="T21"/>
-                </a:cxn>
-                <a:cxn ang="0">
-                  <a:pos x="T22" y="T23"/>
-                </a:cxn>
-                <a:cxn ang="0">
-                  <a:pos x="T24" y="T25"/>
-                </a:cxn>
-                <a:cxn ang="0">
-                  <a:pos x="T26" y="T27"/>
-                </a:cxn>
-                <a:cxn ang="0">
-                  <a:pos x="T28" y="T29"/>
-                </a:cxn>
-                <a:cxn ang="0">
-                  <a:pos x="T30" y="T31"/>
-                </a:cxn>
-                <a:cxn ang="0">
-                  <a:pos x="T32" y="T33"/>
-                </a:cxn>
-                <a:cxn ang="0">
-                  <a:pos x="T34" y="T35"/>
-                </a:cxn>
-                <a:cxn ang="0">
-                  <a:pos x="T36" y="T37"/>
-                </a:cxn>
-                <a:cxn ang="0">
-                  <a:pos x="T38" y="T39"/>
-                </a:cxn>
-                <a:cxn ang="0">
-                  <a:pos x="T40" y="T41"/>
-                </a:cxn>
-                <a:cxn ang="0">
-                  <a:pos x="T42" y="T43"/>
-                </a:cxn>
-                <a:cxn ang="0">
-                  <a:pos x="T44" y="T45"/>
-                </a:cxn>
-              </a:cxnLst>
-              <a:rect l="0" t="0" r="r" b="b"/>
-              <a:pathLst>
-                <a:path w="2652" h="192">
-                  <a:moveTo>
-                    <a:pt x="95" y="0"/>
-                  </a:moveTo>
-                  <a:lnTo>
-                    <a:pt x="2556" y="0"/>
-                  </a:lnTo>
-                  <a:lnTo>
-                    <a:pt x="2587" y="4"/>
-                  </a:lnTo>
-                  <a:lnTo>
-                    <a:pt x="2612" y="18"/>
-                  </a:lnTo>
-                  <a:lnTo>
-                    <a:pt x="2634" y="38"/>
-                  </a:lnTo>
-                  <a:lnTo>
-                    <a:pt x="2646" y="65"/>
-                  </a:lnTo>
-                  <a:lnTo>
-                    <a:pt x="2652" y="96"/>
-                  </a:lnTo>
-                  <a:lnTo>
-                    <a:pt x="2646" y="127"/>
-                  </a:lnTo>
-                  <a:lnTo>
-                    <a:pt x="2634" y="152"/>
-                  </a:lnTo>
-                  <a:lnTo>
-                    <a:pt x="2612" y="174"/>
-                  </a:lnTo>
-                  <a:lnTo>
-                    <a:pt x="2587" y="186"/>
-                  </a:lnTo>
-                  <a:lnTo>
-                    <a:pt x="2556" y="192"/>
-                  </a:lnTo>
-                  <a:lnTo>
-                    <a:pt x="95" y="192"/>
-                  </a:lnTo>
-                  <a:lnTo>
-                    <a:pt x="65" y="186"/>
-                  </a:lnTo>
-                  <a:lnTo>
-                    <a:pt x="39" y="174"/>
-                  </a:lnTo>
-                  <a:lnTo>
-                    <a:pt x="18" y="152"/>
-                  </a:lnTo>
-                  <a:lnTo>
-                    <a:pt x="5" y="127"/>
-                  </a:lnTo>
-                  <a:lnTo>
-                    <a:pt x="0" y="96"/>
-                  </a:lnTo>
-                  <a:lnTo>
-                    <a:pt x="5" y="65"/>
-                  </a:lnTo>
-                  <a:lnTo>
-                    <a:pt x="18" y="38"/>
-                  </a:lnTo>
-                  <a:lnTo>
-                    <a:pt x="39" y="18"/>
-                  </a:lnTo>
-                  <a:lnTo>
-                    <a:pt x="65" y="4"/>
-                  </a:lnTo>
-                  <a:lnTo>
-                    <a:pt x="95" y="0"/>
-                  </a:lnTo>
-                  <a:close/>
-                </a:path>
-              </a:pathLst>
-            </a:custGeom>
-            <a:grpFill/>
-            <a:ln w="0">
-              <a:solidFill>
-                <a:schemeClr val="tx1">
-                  <a:lumMod val="85000"/>
-                  <a:lumOff val="15000"/>
-                  <a:alpha val="30000"/>
-                </a:schemeClr>
-              </a:solidFill>
-              <a:prstDash val="solid"/>
-              <a:round/>
-              <a:headEnd/>
-              <a:tailEnd/>
-            </a:ln>
-          </p:spPr>
-          <p:txBody>
-            <a:bodyPr vert="horz" wrap="square" lIns="91440" tIns="45720" rIns="91440" bIns="45720" numCol="1" anchor="t" anchorCtr="0" compatLnSpc="1">
-              <a:prstTxWarp prst="textNoShape">
-                <a:avLst/>
-              </a:prstTxWarp>
-            </a:bodyPr>
-            <a:lstStyle/>
-            <a:p>
-              <a:endParaRPr lang="ko-KR" altLang="en-US"/>
-            </a:p>
-          </p:txBody>
-        </p:sp>
-      </p:grpSp>
-      <p:sp>
-        <p:nvSpPr>
-          <p:cNvPr id="111" name="Freeform 28"/>
-          <p:cNvSpPr>
-            <a:spLocks noEditPoints="1"/>
-          </p:cNvSpPr>
-          <p:nvPr/>
-        </p:nvSpPr>
-        <p:spPr bwMode="auto">
-          <a:xfrm>
-            <a:off x="8962488" y="3114183"/>
-            <a:ext cx="890071" cy="682261"/>
-          </a:xfrm>
-          <a:custGeom>
-            <a:avLst/>
-            <a:gdLst>
-              <a:gd name="T0" fmla="*/ 2035 w 6536"/>
-              <a:gd name="T1" fmla="*/ 4814 h 5010"/>
-              <a:gd name="T2" fmla="*/ 4503 w 6536"/>
-              <a:gd name="T3" fmla="*/ 4812 h 5010"/>
-              <a:gd name="T4" fmla="*/ 2564 w 6536"/>
-              <a:gd name="T5" fmla="*/ 2584 h 5010"/>
-              <a:gd name="T6" fmla="*/ 1798 w 6536"/>
-              <a:gd name="T7" fmla="*/ 2962 h 5010"/>
-              <a:gd name="T8" fmla="*/ 1546 w 6536"/>
-              <a:gd name="T9" fmla="*/ 4657 h 5010"/>
-              <a:gd name="T10" fmla="*/ 1819 w 6536"/>
-              <a:gd name="T11" fmla="*/ 4818 h 5010"/>
-              <a:gd name="T12" fmla="*/ 1885 w 6536"/>
-              <a:gd name="T13" fmla="*/ 3355 h 5010"/>
-              <a:gd name="T14" fmla="*/ 4542 w 6536"/>
-              <a:gd name="T15" fmla="*/ 3285 h 5010"/>
-              <a:gd name="T16" fmla="*/ 4695 w 6536"/>
-              <a:gd name="T17" fmla="*/ 3478 h 5010"/>
-              <a:gd name="T18" fmla="*/ 4875 w 6536"/>
-              <a:gd name="T19" fmla="*/ 4774 h 5010"/>
-              <a:gd name="T20" fmla="*/ 5032 w 6536"/>
-              <a:gd name="T21" fmla="*/ 4500 h 5010"/>
-              <a:gd name="T22" fmla="*/ 4643 w 6536"/>
-              <a:gd name="T23" fmla="*/ 2829 h 5010"/>
-              <a:gd name="T24" fmla="*/ 3896 w 6536"/>
-              <a:gd name="T25" fmla="*/ 2813 h 5010"/>
-              <a:gd name="T26" fmla="*/ 3526 w 6536"/>
-              <a:gd name="T27" fmla="*/ 3120 h 5010"/>
-              <a:gd name="T28" fmla="*/ 3012 w 6536"/>
-              <a:gd name="T29" fmla="*/ 3120 h 5010"/>
-              <a:gd name="T30" fmla="*/ 2642 w 6536"/>
-              <a:gd name="T31" fmla="*/ 2813 h 5010"/>
-              <a:gd name="T32" fmla="*/ 2848 w 6536"/>
-              <a:gd name="T33" fmla="*/ 2483 h 5010"/>
-              <a:gd name="T34" fmla="*/ 2767 w 6536"/>
-              <a:gd name="T35" fmla="*/ 2618 h 5010"/>
-              <a:gd name="T36" fmla="*/ 3044 w 6536"/>
-              <a:gd name="T37" fmla="*/ 2926 h 5010"/>
-              <a:gd name="T38" fmla="*/ 3494 w 6536"/>
-              <a:gd name="T39" fmla="*/ 2926 h 5010"/>
-              <a:gd name="T40" fmla="*/ 3771 w 6536"/>
-              <a:gd name="T41" fmla="*/ 2618 h 5010"/>
-              <a:gd name="T42" fmla="*/ 3688 w 6536"/>
-              <a:gd name="T43" fmla="*/ 2483 h 5010"/>
-              <a:gd name="T44" fmla="*/ 3357 w 6536"/>
-              <a:gd name="T45" fmla="*/ 2442 h 5010"/>
-              <a:gd name="T46" fmla="*/ 2923 w 6536"/>
-              <a:gd name="T47" fmla="*/ 2366 h 5010"/>
-              <a:gd name="T48" fmla="*/ 2654 w 6536"/>
-              <a:gd name="T49" fmla="*/ 985 h 5010"/>
-              <a:gd name="T50" fmla="*/ 2731 w 6536"/>
-              <a:gd name="T51" fmla="*/ 1925 h 5010"/>
-              <a:gd name="T52" fmla="*/ 3090 w 6536"/>
-              <a:gd name="T53" fmla="*/ 2227 h 5010"/>
-              <a:gd name="T54" fmla="*/ 3567 w 6536"/>
-              <a:gd name="T55" fmla="*/ 2178 h 5010"/>
-              <a:gd name="T56" fmla="*/ 3867 w 6536"/>
-              <a:gd name="T57" fmla="*/ 1798 h 5010"/>
-              <a:gd name="T58" fmla="*/ 3845 w 6536"/>
-              <a:gd name="T59" fmla="*/ 931 h 5010"/>
-              <a:gd name="T60" fmla="*/ 2794 w 6536"/>
-              <a:gd name="T61" fmla="*/ 212 h 5010"/>
-              <a:gd name="T62" fmla="*/ 2711 w 6536"/>
-              <a:gd name="T63" fmla="*/ 379 h 5010"/>
-              <a:gd name="T64" fmla="*/ 2489 w 6536"/>
-              <a:gd name="T65" fmla="*/ 476 h 5010"/>
-              <a:gd name="T66" fmla="*/ 2455 w 6536"/>
-              <a:gd name="T67" fmla="*/ 1171 h 5010"/>
-              <a:gd name="T68" fmla="*/ 2588 w 6536"/>
-              <a:gd name="T69" fmla="*/ 768 h 5010"/>
-              <a:gd name="T70" fmla="*/ 3896 w 6536"/>
-              <a:gd name="T71" fmla="*/ 740 h 5010"/>
-              <a:gd name="T72" fmla="*/ 4081 w 6536"/>
-              <a:gd name="T73" fmla="*/ 1018 h 5010"/>
-              <a:gd name="T74" fmla="*/ 4073 w 6536"/>
-              <a:gd name="T75" fmla="*/ 476 h 5010"/>
-              <a:gd name="T76" fmla="*/ 3809 w 6536"/>
-              <a:gd name="T77" fmla="*/ 212 h 5010"/>
-              <a:gd name="T78" fmla="*/ 3760 w 6536"/>
-              <a:gd name="T79" fmla="*/ 6 h 5010"/>
-              <a:gd name="T80" fmla="*/ 4158 w 6536"/>
-              <a:gd name="T81" fmla="*/ 236 h 5010"/>
-              <a:gd name="T82" fmla="*/ 4285 w 6536"/>
-              <a:gd name="T83" fmla="*/ 1122 h 5010"/>
-              <a:gd name="T84" fmla="*/ 4130 w 6536"/>
-              <a:gd name="T85" fmla="*/ 1386 h 5010"/>
-              <a:gd name="T86" fmla="*/ 4011 w 6536"/>
-              <a:gd name="T87" fmla="*/ 1961 h 5010"/>
-              <a:gd name="T88" fmla="*/ 3912 w 6536"/>
-              <a:gd name="T89" fmla="*/ 2362 h 5010"/>
-              <a:gd name="T90" fmla="*/ 4867 w 6536"/>
-              <a:gd name="T91" fmla="*/ 2793 h 5010"/>
-              <a:gd name="T92" fmla="*/ 5220 w 6536"/>
-              <a:gd name="T93" fmla="*/ 4554 h 5010"/>
-              <a:gd name="T94" fmla="*/ 6471 w 6536"/>
-              <a:gd name="T95" fmla="*/ 4822 h 5010"/>
-              <a:gd name="T96" fmla="*/ 6518 w 6536"/>
-              <a:gd name="T97" fmla="*/ 4970 h 5010"/>
-              <a:gd name="T98" fmla="*/ 40 w 6536"/>
-              <a:gd name="T99" fmla="*/ 4990 h 5010"/>
-              <a:gd name="T100" fmla="*/ 18 w 6536"/>
-              <a:gd name="T101" fmla="*/ 4857 h 5010"/>
-              <a:gd name="T102" fmla="*/ 1350 w 6536"/>
-              <a:gd name="T103" fmla="*/ 4693 h 5010"/>
-              <a:gd name="T104" fmla="*/ 1611 w 6536"/>
-              <a:gd name="T105" fmla="*/ 2914 h 5010"/>
-              <a:gd name="T106" fmla="*/ 1869 w 6536"/>
-              <a:gd name="T107" fmla="*/ 2620 h 5010"/>
-              <a:gd name="T108" fmla="*/ 2610 w 6536"/>
-              <a:gd name="T109" fmla="*/ 2094 h 5010"/>
-              <a:gd name="T110" fmla="*/ 2455 w 6536"/>
-              <a:gd name="T111" fmla="*/ 1604 h 5010"/>
-              <a:gd name="T112" fmla="*/ 2271 w 6536"/>
-              <a:gd name="T113" fmla="*/ 1229 h 5010"/>
-              <a:gd name="T114" fmla="*/ 2305 w 6536"/>
-              <a:gd name="T115" fmla="*/ 409 h 5010"/>
-              <a:gd name="T116" fmla="*/ 2592 w 6536"/>
-              <a:gd name="T117" fmla="*/ 163 h 5010"/>
-              <a:gd name="T118" fmla="*/ 2860 w 6536"/>
-              <a:gd name="T119" fmla="*/ 0 h 5010"/>
-            </a:gdLst>
-            <a:ahLst/>
-            <a:cxnLst>
-              <a:cxn ang="0">
-                <a:pos x="T0" y="T1"/>
-              </a:cxn>
-              <a:cxn ang="0">
-                <a:pos x="T2" y="T3"/>
-              </a:cxn>
-              <a:cxn ang="0">
-                <a:pos x="T4" y="T5"/>
-              </a:cxn>
-              <a:cxn ang="0">
-                <a:pos x="T6" y="T7"/>
-              </a:cxn>
-              <a:cxn ang="0">
-                <a:pos x="T8" y="T9"/>
-              </a:cxn>
-              <a:cxn ang="0">
-                <a:pos x="T10" y="T11"/>
-              </a:cxn>
-              <a:cxn ang="0">
-                <a:pos x="T12" y="T13"/>
-              </a:cxn>
-              <a:cxn ang="0">
-                <a:pos x="T14" y="T15"/>
-              </a:cxn>
-              <a:cxn ang="0">
-                <a:pos x="T16" y="T17"/>
-              </a:cxn>
-              <a:cxn ang="0">
-                <a:pos x="T18" y="T19"/>
-              </a:cxn>
-              <a:cxn ang="0">
-                <a:pos x="T20" y="T21"/>
-              </a:cxn>
-              <a:cxn ang="0">
-                <a:pos x="T22" y="T23"/>
-              </a:cxn>
-              <a:cxn ang="0">
-                <a:pos x="T24" y="T25"/>
-              </a:cxn>
-              <a:cxn ang="0">
-                <a:pos x="T26" y="T27"/>
-              </a:cxn>
-              <a:cxn ang="0">
-                <a:pos x="T28" y="T29"/>
-              </a:cxn>
-              <a:cxn ang="0">
-                <a:pos x="T30" y="T31"/>
-              </a:cxn>
-              <a:cxn ang="0">
-                <a:pos x="T32" y="T33"/>
-              </a:cxn>
-              <a:cxn ang="0">
-                <a:pos x="T34" y="T35"/>
-              </a:cxn>
-              <a:cxn ang="0">
-                <a:pos x="T36" y="T37"/>
-              </a:cxn>
-              <a:cxn ang="0">
-                <a:pos x="T38" y="T39"/>
-              </a:cxn>
-              <a:cxn ang="0">
-                <a:pos x="T40" y="T41"/>
-              </a:cxn>
-              <a:cxn ang="0">
-                <a:pos x="T42" y="T43"/>
-              </a:cxn>
-              <a:cxn ang="0">
-                <a:pos x="T44" y="T45"/>
-              </a:cxn>
-              <a:cxn ang="0">
-                <a:pos x="T46" y="T47"/>
-              </a:cxn>
-              <a:cxn ang="0">
-                <a:pos x="T48" y="T49"/>
-              </a:cxn>
-              <a:cxn ang="0">
-                <a:pos x="T50" y="T51"/>
-              </a:cxn>
-              <a:cxn ang="0">
-                <a:pos x="T52" y="T53"/>
-              </a:cxn>
-              <a:cxn ang="0">
-                <a:pos x="T54" y="T55"/>
-              </a:cxn>
-              <a:cxn ang="0">
-                <a:pos x="T56" y="T57"/>
-              </a:cxn>
-              <a:cxn ang="0">
-                <a:pos x="T58" y="T59"/>
-              </a:cxn>
-              <a:cxn ang="0">
-                <a:pos x="T60" y="T61"/>
-              </a:cxn>
-              <a:cxn ang="0">
-                <a:pos x="T62" y="T63"/>
-              </a:cxn>
-              <a:cxn ang="0">
-                <a:pos x="T64" y="T65"/>
-              </a:cxn>
-              <a:cxn ang="0">
-                <a:pos x="T66" y="T67"/>
-              </a:cxn>
-              <a:cxn ang="0">
-                <a:pos x="T68" y="T69"/>
-              </a:cxn>
-              <a:cxn ang="0">
-                <a:pos x="T70" y="T71"/>
-              </a:cxn>
-              <a:cxn ang="0">
-                <a:pos x="T72" y="T73"/>
-              </a:cxn>
-              <a:cxn ang="0">
-                <a:pos x="T74" y="T75"/>
-              </a:cxn>
-              <a:cxn ang="0">
-                <a:pos x="T76" y="T77"/>
-              </a:cxn>
-              <a:cxn ang="0">
-                <a:pos x="T78" y="T79"/>
-              </a:cxn>
-              <a:cxn ang="0">
-                <a:pos x="T80" y="T81"/>
-              </a:cxn>
-              <a:cxn ang="0">
-                <a:pos x="T82" y="T83"/>
-              </a:cxn>
-              <a:cxn ang="0">
-                <a:pos x="T84" y="T85"/>
-              </a:cxn>
-              <a:cxn ang="0">
-                <a:pos x="T86" y="T87"/>
-              </a:cxn>
-              <a:cxn ang="0">
-                <a:pos x="T88" y="T89"/>
-              </a:cxn>
-              <a:cxn ang="0">
-                <a:pos x="T90" y="T91"/>
-              </a:cxn>
-              <a:cxn ang="0">
-                <a:pos x="T92" y="T93"/>
-              </a:cxn>
-              <a:cxn ang="0">
-                <a:pos x="T94" y="T95"/>
-              </a:cxn>
-              <a:cxn ang="0">
-                <a:pos x="T96" y="T97"/>
-              </a:cxn>
-              <a:cxn ang="0">
-                <a:pos x="T98" y="T99"/>
-              </a:cxn>
-              <a:cxn ang="0">
-                <a:pos x="T100" y="T101"/>
-              </a:cxn>
-              <a:cxn ang="0">
-                <a:pos x="T102" y="T103"/>
-              </a:cxn>
-              <a:cxn ang="0">
-                <a:pos x="T104" y="T105"/>
-              </a:cxn>
-              <a:cxn ang="0">
-                <a:pos x="T106" y="T107"/>
-              </a:cxn>
-              <a:cxn ang="0">
-                <a:pos x="T108" y="T109"/>
-              </a:cxn>
-              <a:cxn ang="0">
-                <a:pos x="T110" y="T111"/>
-              </a:cxn>
-              <a:cxn ang="0">
-                <a:pos x="T112" y="T113"/>
-              </a:cxn>
-              <a:cxn ang="0">
-                <a:pos x="T114" y="T115"/>
-              </a:cxn>
-              <a:cxn ang="0">
-                <a:pos x="T116" y="T117"/>
-              </a:cxn>
-              <a:cxn ang="0">
-                <a:pos x="T118" y="T119"/>
-              </a:cxn>
-            </a:cxnLst>
-            <a:rect l="0" t="0" r="r" b="b"/>
-            <a:pathLst>
-              <a:path w="6536" h="5010">
-                <a:moveTo>
-                  <a:pt x="2041" y="3472"/>
-                </a:moveTo>
-                <a:lnTo>
-                  <a:pt x="2037" y="3474"/>
-                </a:lnTo>
-                <a:lnTo>
-                  <a:pt x="2035" y="3476"/>
-                </a:lnTo>
-                <a:lnTo>
-                  <a:pt x="2033" y="3478"/>
-                </a:lnTo>
-                <a:lnTo>
-                  <a:pt x="2033" y="4812"/>
-                </a:lnTo>
-                <a:lnTo>
-                  <a:pt x="2035" y="4814"/>
-                </a:lnTo>
-                <a:lnTo>
-                  <a:pt x="2037" y="4816"/>
-                </a:lnTo>
-                <a:lnTo>
-                  <a:pt x="2041" y="4818"/>
-                </a:lnTo>
-                <a:lnTo>
-                  <a:pt x="4497" y="4818"/>
-                </a:lnTo>
-                <a:lnTo>
-                  <a:pt x="4499" y="4816"/>
-                </a:lnTo>
-                <a:lnTo>
-                  <a:pt x="4503" y="4814"/>
-                </a:lnTo>
-                <a:lnTo>
-                  <a:pt x="4503" y="4812"/>
-                </a:lnTo>
-                <a:lnTo>
-                  <a:pt x="4503" y="3478"/>
-                </a:lnTo>
-                <a:lnTo>
-                  <a:pt x="4503" y="3476"/>
-                </a:lnTo>
-                <a:lnTo>
-                  <a:pt x="4499" y="3474"/>
-                </a:lnTo>
-                <a:lnTo>
-                  <a:pt x="4497" y="3472"/>
-                </a:lnTo>
-                <a:lnTo>
-                  <a:pt x="2041" y="3472"/>
-                </a:lnTo>
-                <a:close/>
-                <a:moveTo>
-                  <a:pt x="2564" y="2584"/>
-                </a:moveTo>
-                <a:lnTo>
-                  <a:pt x="1992" y="2775"/>
-                </a:lnTo>
-                <a:lnTo>
-                  <a:pt x="1940" y="2799"/>
-                </a:lnTo>
-                <a:lnTo>
-                  <a:pt x="1895" y="2829"/>
-                </a:lnTo>
-                <a:lnTo>
-                  <a:pt x="1855" y="2866"/>
-                </a:lnTo>
-                <a:lnTo>
-                  <a:pt x="1823" y="2912"/>
-                </a:lnTo>
-                <a:lnTo>
-                  <a:pt x="1798" y="2962"/>
-                </a:lnTo>
-                <a:lnTo>
-                  <a:pt x="1784" y="3015"/>
-                </a:lnTo>
-                <a:lnTo>
-                  <a:pt x="1510" y="4444"/>
-                </a:lnTo>
-                <a:lnTo>
-                  <a:pt x="1506" y="4500"/>
-                </a:lnTo>
-                <a:lnTo>
-                  <a:pt x="1510" y="4556"/>
-                </a:lnTo>
-                <a:lnTo>
-                  <a:pt x="1522" y="4607"/>
-                </a:lnTo>
-                <a:lnTo>
-                  <a:pt x="1546" y="4657"/>
-                </a:lnTo>
-                <a:lnTo>
-                  <a:pt x="1578" y="4704"/>
-                </a:lnTo>
-                <a:lnTo>
-                  <a:pt x="1617" y="4742"/>
-                </a:lnTo>
-                <a:lnTo>
-                  <a:pt x="1661" y="4774"/>
-                </a:lnTo>
-                <a:lnTo>
-                  <a:pt x="1710" y="4798"/>
-                </a:lnTo>
-                <a:lnTo>
-                  <a:pt x="1764" y="4812"/>
-                </a:lnTo>
-                <a:lnTo>
-                  <a:pt x="1819" y="4818"/>
-                </a:lnTo>
-                <a:lnTo>
-                  <a:pt x="1843" y="4818"/>
-                </a:lnTo>
-                <a:lnTo>
-                  <a:pt x="1841" y="4812"/>
-                </a:lnTo>
-                <a:lnTo>
-                  <a:pt x="1841" y="3478"/>
-                </a:lnTo>
-                <a:lnTo>
-                  <a:pt x="1847" y="3432"/>
-                </a:lnTo>
-                <a:lnTo>
-                  <a:pt x="1863" y="3390"/>
-                </a:lnTo>
-                <a:lnTo>
-                  <a:pt x="1885" y="3355"/>
-                </a:lnTo>
-                <a:lnTo>
-                  <a:pt x="1916" y="3323"/>
-                </a:lnTo>
-                <a:lnTo>
-                  <a:pt x="1954" y="3299"/>
-                </a:lnTo>
-                <a:lnTo>
-                  <a:pt x="1996" y="3285"/>
-                </a:lnTo>
-                <a:lnTo>
-                  <a:pt x="2041" y="3279"/>
-                </a:lnTo>
-                <a:lnTo>
-                  <a:pt x="4497" y="3279"/>
-                </a:lnTo>
-                <a:lnTo>
-                  <a:pt x="4542" y="3285"/>
-                </a:lnTo>
-                <a:lnTo>
-                  <a:pt x="4584" y="3299"/>
-                </a:lnTo>
-                <a:lnTo>
-                  <a:pt x="4620" y="3323"/>
-                </a:lnTo>
-                <a:lnTo>
-                  <a:pt x="4651" y="3355"/>
-                </a:lnTo>
-                <a:lnTo>
-                  <a:pt x="4675" y="3390"/>
-                </a:lnTo>
-                <a:lnTo>
-                  <a:pt x="4689" y="3432"/>
-                </a:lnTo>
-                <a:lnTo>
-                  <a:pt x="4695" y="3478"/>
-                </a:lnTo>
-                <a:lnTo>
-                  <a:pt x="4695" y="4812"/>
-                </a:lnTo>
-                <a:lnTo>
-                  <a:pt x="4695" y="4818"/>
-                </a:lnTo>
-                <a:lnTo>
-                  <a:pt x="4719" y="4818"/>
-                </a:lnTo>
-                <a:lnTo>
-                  <a:pt x="4774" y="4812"/>
-                </a:lnTo>
-                <a:lnTo>
-                  <a:pt x="4826" y="4798"/>
-                </a:lnTo>
-                <a:lnTo>
-                  <a:pt x="4875" y="4774"/>
-                </a:lnTo>
-                <a:lnTo>
-                  <a:pt x="4921" y="4742"/>
-                </a:lnTo>
-                <a:lnTo>
-                  <a:pt x="4960" y="4704"/>
-                </a:lnTo>
-                <a:lnTo>
-                  <a:pt x="4990" y="4657"/>
-                </a:lnTo>
-                <a:lnTo>
-                  <a:pt x="5014" y="4607"/>
-                </a:lnTo>
-                <a:lnTo>
-                  <a:pt x="5028" y="4556"/>
-                </a:lnTo>
-                <a:lnTo>
-                  <a:pt x="5032" y="4500"/>
-                </a:lnTo>
-                <a:lnTo>
-                  <a:pt x="5026" y="4444"/>
-                </a:lnTo>
-                <a:lnTo>
-                  <a:pt x="4754" y="3015"/>
-                </a:lnTo>
-                <a:lnTo>
-                  <a:pt x="4739" y="2962"/>
-                </a:lnTo>
-                <a:lnTo>
-                  <a:pt x="4715" y="2912"/>
-                </a:lnTo>
-                <a:lnTo>
-                  <a:pt x="4683" y="2866"/>
-                </a:lnTo>
-                <a:lnTo>
-                  <a:pt x="4643" y="2829"/>
-                </a:lnTo>
-                <a:lnTo>
-                  <a:pt x="4596" y="2799"/>
-                </a:lnTo>
-                <a:lnTo>
-                  <a:pt x="4546" y="2775"/>
-                </a:lnTo>
-                <a:lnTo>
-                  <a:pt x="3974" y="2584"/>
-                </a:lnTo>
-                <a:lnTo>
-                  <a:pt x="3958" y="2664"/>
-                </a:lnTo>
-                <a:lnTo>
-                  <a:pt x="3932" y="2741"/>
-                </a:lnTo>
-                <a:lnTo>
-                  <a:pt x="3896" y="2813"/>
-                </a:lnTo>
-                <a:lnTo>
-                  <a:pt x="3853" y="2880"/>
-                </a:lnTo>
-                <a:lnTo>
-                  <a:pt x="3799" y="2942"/>
-                </a:lnTo>
-                <a:lnTo>
-                  <a:pt x="3740" y="2997"/>
-                </a:lnTo>
-                <a:lnTo>
-                  <a:pt x="3674" y="3045"/>
-                </a:lnTo>
-                <a:lnTo>
-                  <a:pt x="3603" y="3087"/>
-                </a:lnTo>
-                <a:lnTo>
-                  <a:pt x="3526" y="3120"/>
-                </a:lnTo>
-                <a:lnTo>
-                  <a:pt x="3442" y="3144"/>
-                </a:lnTo>
-                <a:lnTo>
-                  <a:pt x="3357" y="3160"/>
-                </a:lnTo>
-                <a:lnTo>
-                  <a:pt x="3268" y="3164"/>
-                </a:lnTo>
-                <a:lnTo>
-                  <a:pt x="3179" y="3160"/>
-                </a:lnTo>
-                <a:lnTo>
-                  <a:pt x="3094" y="3144"/>
-                </a:lnTo>
-                <a:lnTo>
-                  <a:pt x="3012" y="3120"/>
-                </a:lnTo>
-                <a:lnTo>
-                  <a:pt x="2935" y="3087"/>
-                </a:lnTo>
-                <a:lnTo>
-                  <a:pt x="2862" y="3045"/>
-                </a:lnTo>
-                <a:lnTo>
-                  <a:pt x="2796" y="2997"/>
-                </a:lnTo>
-                <a:lnTo>
-                  <a:pt x="2737" y="2942"/>
-                </a:lnTo>
-                <a:lnTo>
-                  <a:pt x="2685" y="2880"/>
-                </a:lnTo>
-                <a:lnTo>
-                  <a:pt x="2642" y="2813"/>
-                </a:lnTo>
-                <a:lnTo>
-                  <a:pt x="2606" y="2741"/>
-                </a:lnTo>
-                <a:lnTo>
-                  <a:pt x="2580" y="2664"/>
-                </a:lnTo>
-                <a:lnTo>
-                  <a:pt x="2564" y="2584"/>
-                </a:lnTo>
-                <a:close/>
-                <a:moveTo>
-                  <a:pt x="2852" y="2326"/>
-                </a:moveTo>
-                <a:lnTo>
-                  <a:pt x="2852" y="2453"/>
-                </a:lnTo>
-                <a:lnTo>
-                  <a:pt x="2848" y="2483"/>
-                </a:lnTo>
-                <a:lnTo>
-                  <a:pt x="2834" y="2509"/>
-                </a:lnTo>
-                <a:lnTo>
-                  <a:pt x="2814" y="2531"/>
-                </a:lnTo>
-                <a:lnTo>
-                  <a:pt x="2786" y="2545"/>
-                </a:lnTo>
-                <a:lnTo>
-                  <a:pt x="2757" y="2549"/>
-                </a:lnTo>
-                <a:lnTo>
-                  <a:pt x="2753" y="2549"/>
-                </a:lnTo>
-                <a:lnTo>
-                  <a:pt x="2767" y="2618"/>
-                </a:lnTo>
-                <a:lnTo>
-                  <a:pt x="2790" y="2684"/>
-                </a:lnTo>
-                <a:lnTo>
-                  <a:pt x="2824" y="2745"/>
-                </a:lnTo>
-                <a:lnTo>
-                  <a:pt x="2868" y="2801"/>
-                </a:lnTo>
-                <a:lnTo>
-                  <a:pt x="2919" y="2850"/>
-                </a:lnTo>
-                <a:lnTo>
-                  <a:pt x="2979" y="2892"/>
-                </a:lnTo>
-                <a:lnTo>
-                  <a:pt x="3044" y="2926"/>
-                </a:lnTo>
-                <a:lnTo>
-                  <a:pt x="3113" y="2952"/>
-                </a:lnTo>
-                <a:lnTo>
-                  <a:pt x="3189" y="2968"/>
-                </a:lnTo>
-                <a:lnTo>
-                  <a:pt x="3268" y="2972"/>
-                </a:lnTo>
-                <a:lnTo>
-                  <a:pt x="3347" y="2968"/>
-                </a:lnTo>
-                <a:lnTo>
-                  <a:pt x="3423" y="2952"/>
-                </a:lnTo>
-                <a:lnTo>
-                  <a:pt x="3494" y="2926"/>
-                </a:lnTo>
-                <a:lnTo>
-                  <a:pt x="3559" y="2892"/>
-                </a:lnTo>
-                <a:lnTo>
-                  <a:pt x="3617" y="2850"/>
-                </a:lnTo>
-                <a:lnTo>
-                  <a:pt x="3668" y="2801"/>
-                </a:lnTo>
-                <a:lnTo>
-                  <a:pt x="3712" y="2745"/>
-                </a:lnTo>
-                <a:lnTo>
-                  <a:pt x="3748" y="2684"/>
-                </a:lnTo>
-                <a:lnTo>
-                  <a:pt x="3771" y="2618"/>
-                </a:lnTo>
-                <a:lnTo>
-                  <a:pt x="3783" y="2549"/>
-                </a:lnTo>
-                <a:lnTo>
-                  <a:pt x="3779" y="2549"/>
-                </a:lnTo>
-                <a:lnTo>
-                  <a:pt x="3750" y="2545"/>
-                </a:lnTo>
-                <a:lnTo>
-                  <a:pt x="3724" y="2531"/>
-                </a:lnTo>
-                <a:lnTo>
-                  <a:pt x="3702" y="2509"/>
-                </a:lnTo>
-                <a:lnTo>
-                  <a:pt x="3688" y="2483"/>
-                </a:lnTo>
-                <a:lnTo>
-                  <a:pt x="3684" y="2453"/>
-                </a:lnTo>
-                <a:lnTo>
-                  <a:pt x="3684" y="2332"/>
-                </a:lnTo>
-                <a:lnTo>
-                  <a:pt x="3607" y="2374"/>
-                </a:lnTo>
-                <a:lnTo>
-                  <a:pt x="3528" y="2406"/>
-                </a:lnTo>
-                <a:lnTo>
-                  <a:pt x="3442" y="2428"/>
-                </a:lnTo>
-                <a:lnTo>
-                  <a:pt x="3357" y="2442"/>
-                </a:lnTo>
-                <a:lnTo>
-                  <a:pt x="3268" y="2447"/>
-                </a:lnTo>
-                <a:lnTo>
-                  <a:pt x="3244" y="2447"/>
-                </a:lnTo>
-                <a:lnTo>
-                  <a:pt x="3159" y="2440"/>
-                </a:lnTo>
-                <a:lnTo>
-                  <a:pt x="3078" y="2424"/>
-                </a:lnTo>
-                <a:lnTo>
-                  <a:pt x="2998" y="2398"/>
-                </a:lnTo>
-                <a:lnTo>
-                  <a:pt x="2923" y="2366"/>
-                </a:lnTo>
-                <a:lnTo>
-                  <a:pt x="2852" y="2326"/>
-                </a:lnTo>
-                <a:close/>
-                <a:moveTo>
-                  <a:pt x="2757" y="909"/>
-                </a:moveTo>
-                <a:lnTo>
-                  <a:pt x="2723" y="915"/>
-                </a:lnTo>
-                <a:lnTo>
-                  <a:pt x="2693" y="931"/>
-                </a:lnTo>
-                <a:lnTo>
-                  <a:pt x="2670" y="955"/>
-                </a:lnTo>
-                <a:lnTo>
-                  <a:pt x="2654" y="985"/>
-                </a:lnTo>
-                <a:lnTo>
-                  <a:pt x="2648" y="1018"/>
-                </a:lnTo>
-                <a:lnTo>
-                  <a:pt x="2648" y="1604"/>
-                </a:lnTo>
-                <a:lnTo>
-                  <a:pt x="2654" y="1689"/>
-                </a:lnTo>
-                <a:lnTo>
-                  <a:pt x="2670" y="1773"/>
-                </a:lnTo>
-                <a:lnTo>
-                  <a:pt x="2695" y="1850"/>
-                </a:lnTo>
-                <a:lnTo>
-                  <a:pt x="2731" y="1925"/>
-                </a:lnTo>
-                <a:lnTo>
-                  <a:pt x="2773" y="1993"/>
-                </a:lnTo>
-                <a:lnTo>
-                  <a:pt x="2824" y="2056"/>
-                </a:lnTo>
-                <a:lnTo>
-                  <a:pt x="2882" y="2112"/>
-                </a:lnTo>
-                <a:lnTo>
-                  <a:pt x="2947" y="2160"/>
-                </a:lnTo>
-                <a:lnTo>
-                  <a:pt x="3016" y="2197"/>
-                </a:lnTo>
-                <a:lnTo>
-                  <a:pt x="3090" y="2227"/>
-                </a:lnTo>
-                <a:lnTo>
-                  <a:pt x="3167" y="2247"/>
-                </a:lnTo>
-                <a:lnTo>
-                  <a:pt x="3250" y="2255"/>
-                </a:lnTo>
-                <a:lnTo>
-                  <a:pt x="3333" y="2251"/>
-                </a:lnTo>
-                <a:lnTo>
-                  <a:pt x="3415" y="2237"/>
-                </a:lnTo>
-                <a:lnTo>
-                  <a:pt x="3492" y="2213"/>
-                </a:lnTo>
-                <a:lnTo>
-                  <a:pt x="3567" y="2178"/>
-                </a:lnTo>
-                <a:lnTo>
-                  <a:pt x="3637" y="2134"/>
-                </a:lnTo>
-                <a:lnTo>
-                  <a:pt x="3700" y="2080"/>
-                </a:lnTo>
-                <a:lnTo>
-                  <a:pt x="3758" y="2017"/>
-                </a:lnTo>
-                <a:lnTo>
-                  <a:pt x="3803" y="1949"/>
-                </a:lnTo>
-                <a:lnTo>
-                  <a:pt x="3841" y="1876"/>
-                </a:lnTo>
-                <a:lnTo>
-                  <a:pt x="3867" y="1798"/>
-                </a:lnTo>
-                <a:lnTo>
-                  <a:pt x="3882" y="1717"/>
-                </a:lnTo>
-                <a:lnTo>
-                  <a:pt x="3888" y="1634"/>
-                </a:lnTo>
-                <a:lnTo>
-                  <a:pt x="3888" y="1018"/>
-                </a:lnTo>
-                <a:lnTo>
-                  <a:pt x="3882" y="985"/>
-                </a:lnTo>
-                <a:lnTo>
-                  <a:pt x="3869" y="955"/>
-                </a:lnTo>
-                <a:lnTo>
-                  <a:pt x="3845" y="931"/>
-                </a:lnTo>
-                <a:lnTo>
-                  <a:pt x="3815" y="915"/>
-                </a:lnTo>
-                <a:lnTo>
-                  <a:pt x="3779" y="909"/>
-                </a:lnTo>
-                <a:lnTo>
-                  <a:pt x="2757" y="909"/>
-                </a:lnTo>
-                <a:close/>
-                <a:moveTo>
-                  <a:pt x="2860" y="193"/>
-                </a:moveTo>
-                <a:lnTo>
-                  <a:pt x="2824" y="196"/>
-                </a:lnTo>
-                <a:lnTo>
-                  <a:pt x="2794" y="212"/>
-                </a:lnTo>
-                <a:lnTo>
-                  <a:pt x="2771" y="236"/>
-                </a:lnTo>
-                <a:lnTo>
-                  <a:pt x="2757" y="266"/>
-                </a:lnTo>
-                <a:lnTo>
-                  <a:pt x="2751" y="302"/>
-                </a:lnTo>
-                <a:lnTo>
-                  <a:pt x="2745" y="331"/>
-                </a:lnTo>
-                <a:lnTo>
-                  <a:pt x="2731" y="357"/>
-                </a:lnTo>
-                <a:lnTo>
-                  <a:pt x="2711" y="379"/>
-                </a:lnTo>
-                <a:lnTo>
-                  <a:pt x="2685" y="391"/>
-                </a:lnTo>
-                <a:lnTo>
-                  <a:pt x="2654" y="397"/>
-                </a:lnTo>
-                <a:lnTo>
-                  <a:pt x="2606" y="403"/>
-                </a:lnTo>
-                <a:lnTo>
-                  <a:pt x="2562" y="419"/>
-                </a:lnTo>
-                <a:lnTo>
-                  <a:pt x="2523" y="443"/>
-                </a:lnTo>
-                <a:lnTo>
-                  <a:pt x="2489" y="476"/>
-                </a:lnTo>
-                <a:lnTo>
-                  <a:pt x="2465" y="516"/>
-                </a:lnTo>
-                <a:lnTo>
-                  <a:pt x="2450" y="560"/>
-                </a:lnTo>
-                <a:lnTo>
-                  <a:pt x="2444" y="607"/>
-                </a:lnTo>
-                <a:lnTo>
-                  <a:pt x="2444" y="1122"/>
-                </a:lnTo>
-                <a:lnTo>
-                  <a:pt x="2448" y="1147"/>
-                </a:lnTo>
-                <a:lnTo>
-                  <a:pt x="2455" y="1171"/>
-                </a:lnTo>
-                <a:lnTo>
-                  <a:pt x="2455" y="1018"/>
-                </a:lnTo>
-                <a:lnTo>
-                  <a:pt x="2461" y="957"/>
-                </a:lnTo>
-                <a:lnTo>
-                  <a:pt x="2479" y="901"/>
-                </a:lnTo>
-                <a:lnTo>
-                  <a:pt x="2507" y="850"/>
-                </a:lnTo>
-                <a:lnTo>
-                  <a:pt x="2545" y="806"/>
-                </a:lnTo>
-                <a:lnTo>
-                  <a:pt x="2588" y="768"/>
-                </a:lnTo>
-                <a:lnTo>
-                  <a:pt x="2640" y="740"/>
-                </a:lnTo>
-                <a:lnTo>
-                  <a:pt x="2695" y="723"/>
-                </a:lnTo>
-                <a:lnTo>
-                  <a:pt x="2757" y="717"/>
-                </a:lnTo>
-                <a:lnTo>
-                  <a:pt x="3779" y="717"/>
-                </a:lnTo>
-                <a:lnTo>
-                  <a:pt x="3841" y="723"/>
-                </a:lnTo>
-                <a:lnTo>
-                  <a:pt x="3896" y="740"/>
-                </a:lnTo>
-                <a:lnTo>
-                  <a:pt x="3948" y="768"/>
-                </a:lnTo>
-                <a:lnTo>
-                  <a:pt x="3993" y="806"/>
-                </a:lnTo>
-                <a:lnTo>
-                  <a:pt x="4029" y="850"/>
-                </a:lnTo>
-                <a:lnTo>
-                  <a:pt x="4057" y="901"/>
-                </a:lnTo>
-                <a:lnTo>
-                  <a:pt x="4075" y="957"/>
-                </a:lnTo>
-                <a:lnTo>
-                  <a:pt x="4081" y="1018"/>
-                </a:lnTo>
-                <a:lnTo>
-                  <a:pt x="4081" y="1171"/>
-                </a:lnTo>
-                <a:lnTo>
-                  <a:pt x="4090" y="1147"/>
-                </a:lnTo>
-                <a:lnTo>
-                  <a:pt x="4094" y="1122"/>
-                </a:lnTo>
-                <a:lnTo>
-                  <a:pt x="4094" y="607"/>
-                </a:lnTo>
-                <a:lnTo>
-                  <a:pt x="4088" y="540"/>
-                </a:lnTo>
-                <a:lnTo>
-                  <a:pt x="4073" y="476"/>
-                </a:lnTo>
-                <a:lnTo>
-                  <a:pt x="4047" y="417"/>
-                </a:lnTo>
-                <a:lnTo>
-                  <a:pt x="4013" y="363"/>
-                </a:lnTo>
-                <a:lnTo>
-                  <a:pt x="3972" y="314"/>
-                </a:lnTo>
-                <a:lnTo>
-                  <a:pt x="3924" y="272"/>
-                </a:lnTo>
-                <a:lnTo>
-                  <a:pt x="3869" y="238"/>
-                </a:lnTo>
-                <a:lnTo>
-                  <a:pt x="3809" y="212"/>
-                </a:lnTo>
-                <a:lnTo>
-                  <a:pt x="3746" y="196"/>
-                </a:lnTo>
-                <a:lnTo>
-                  <a:pt x="3678" y="193"/>
-                </a:lnTo>
-                <a:lnTo>
-                  <a:pt x="2860" y="193"/>
-                </a:lnTo>
-                <a:close/>
-                <a:moveTo>
-                  <a:pt x="2860" y="0"/>
-                </a:moveTo>
-                <a:lnTo>
-                  <a:pt x="3678" y="0"/>
-                </a:lnTo>
-                <a:lnTo>
-                  <a:pt x="3760" y="6"/>
-                </a:lnTo>
-                <a:lnTo>
-                  <a:pt x="3839" y="22"/>
-                </a:lnTo>
-                <a:lnTo>
-                  <a:pt x="3914" y="48"/>
-                </a:lnTo>
-                <a:lnTo>
-                  <a:pt x="3983" y="83"/>
-                </a:lnTo>
-                <a:lnTo>
-                  <a:pt x="4049" y="127"/>
-                </a:lnTo>
-                <a:lnTo>
-                  <a:pt x="4106" y="179"/>
-                </a:lnTo>
-                <a:lnTo>
-                  <a:pt x="4158" y="236"/>
-                </a:lnTo>
-                <a:lnTo>
-                  <a:pt x="4201" y="302"/>
-                </a:lnTo>
-                <a:lnTo>
-                  <a:pt x="4237" y="371"/>
-                </a:lnTo>
-                <a:lnTo>
-                  <a:pt x="4263" y="447"/>
-                </a:lnTo>
-                <a:lnTo>
-                  <a:pt x="4281" y="526"/>
-                </a:lnTo>
-                <a:lnTo>
-                  <a:pt x="4285" y="607"/>
-                </a:lnTo>
-                <a:lnTo>
-                  <a:pt x="4285" y="1122"/>
-                </a:lnTo>
-                <a:lnTo>
-                  <a:pt x="4281" y="1177"/>
-                </a:lnTo>
-                <a:lnTo>
-                  <a:pt x="4265" y="1229"/>
-                </a:lnTo>
-                <a:lnTo>
-                  <a:pt x="4243" y="1276"/>
-                </a:lnTo>
-                <a:lnTo>
-                  <a:pt x="4211" y="1318"/>
-                </a:lnTo>
-                <a:lnTo>
-                  <a:pt x="4174" y="1356"/>
-                </a:lnTo>
-                <a:lnTo>
-                  <a:pt x="4130" y="1386"/>
-                </a:lnTo>
-                <a:lnTo>
-                  <a:pt x="4081" y="1405"/>
-                </a:lnTo>
-                <a:lnTo>
-                  <a:pt x="4081" y="1634"/>
-                </a:lnTo>
-                <a:lnTo>
-                  <a:pt x="4077" y="1719"/>
-                </a:lnTo>
-                <a:lnTo>
-                  <a:pt x="4063" y="1802"/>
-                </a:lnTo>
-                <a:lnTo>
-                  <a:pt x="4041" y="1884"/>
-                </a:lnTo>
-                <a:lnTo>
-                  <a:pt x="4011" y="1961"/>
-                </a:lnTo>
-                <a:lnTo>
-                  <a:pt x="3974" y="2037"/>
-                </a:lnTo>
-                <a:lnTo>
-                  <a:pt x="3930" y="2106"/>
-                </a:lnTo>
-                <a:lnTo>
-                  <a:pt x="3876" y="2174"/>
-                </a:lnTo>
-                <a:lnTo>
-                  <a:pt x="3876" y="2358"/>
-                </a:lnTo>
-                <a:lnTo>
-                  <a:pt x="3894" y="2358"/>
-                </a:lnTo>
-                <a:lnTo>
-                  <a:pt x="3912" y="2362"/>
-                </a:lnTo>
-                <a:lnTo>
-                  <a:pt x="4606" y="2594"/>
-                </a:lnTo>
-                <a:lnTo>
-                  <a:pt x="4669" y="2620"/>
-                </a:lnTo>
-                <a:lnTo>
-                  <a:pt x="4727" y="2654"/>
-                </a:lnTo>
-                <a:lnTo>
-                  <a:pt x="4780" y="2694"/>
-                </a:lnTo>
-                <a:lnTo>
-                  <a:pt x="4826" y="2741"/>
-                </a:lnTo>
-                <a:lnTo>
-                  <a:pt x="4867" y="2793"/>
-                </a:lnTo>
-                <a:lnTo>
-                  <a:pt x="4899" y="2850"/>
-                </a:lnTo>
-                <a:lnTo>
-                  <a:pt x="4925" y="2914"/>
-                </a:lnTo>
-                <a:lnTo>
-                  <a:pt x="4943" y="2979"/>
-                </a:lnTo>
-                <a:lnTo>
-                  <a:pt x="5214" y="4409"/>
-                </a:lnTo>
-                <a:lnTo>
-                  <a:pt x="5222" y="4482"/>
-                </a:lnTo>
-                <a:lnTo>
-                  <a:pt x="5220" y="4554"/>
-                </a:lnTo>
-                <a:lnTo>
-                  <a:pt x="5208" y="4625"/>
-                </a:lnTo>
-                <a:lnTo>
-                  <a:pt x="5186" y="4693"/>
-                </a:lnTo>
-                <a:lnTo>
-                  <a:pt x="5155" y="4756"/>
-                </a:lnTo>
-                <a:lnTo>
-                  <a:pt x="5115" y="4818"/>
-                </a:lnTo>
-                <a:lnTo>
-                  <a:pt x="6441" y="4818"/>
-                </a:lnTo>
-                <a:lnTo>
-                  <a:pt x="6471" y="4822"/>
-                </a:lnTo>
-                <a:lnTo>
-                  <a:pt x="6498" y="4835"/>
-                </a:lnTo>
-                <a:lnTo>
-                  <a:pt x="6518" y="4857"/>
-                </a:lnTo>
-                <a:lnTo>
-                  <a:pt x="6532" y="4883"/>
-                </a:lnTo>
-                <a:lnTo>
-                  <a:pt x="6536" y="4913"/>
-                </a:lnTo>
-                <a:lnTo>
-                  <a:pt x="6532" y="4945"/>
-                </a:lnTo>
-                <a:lnTo>
-                  <a:pt x="6518" y="4970"/>
-                </a:lnTo>
-                <a:lnTo>
-                  <a:pt x="6498" y="4990"/>
-                </a:lnTo>
-                <a:lnTo>
-                  <a:pt x="6471" y="5004"/>
-                </a:lnTo>
-                <a:lnTo>
-                  <a:pt x="6441" y="5010"/>
-                </a:lnTo>
-                <a:lnTo>
-                  <a:pt x="95" y="5010"/>
-                </a:lnTo>
-                <a:lnTo>
-                  <a:pt x="65" y="5004"/>
-                </a:lnTo>
-                <a:lnTo>
-                  <a:pt x="40" y="4990"/>
-                </a:lnTo>
-                <a:lnTo>
-                  <a:pt x="18" y="4970"/>
-                </a:lnTo>
-                <a:lnTo>
-                  <a:pt x="4" y="4945"/>
-                </a:lnTo>
-                <a:lnTo>
-                  <a:pt x="0" y="4913"/>
-                </a:lnTo>
-                <a:lnTo>
-                  <a:pt x="0" y="4913"/>
-                </a:lnTo>
-                <a:lnTo>
-                  <a:pt x="4" y="4883"/>
-                </a:lnTo>
-                <a:lnTo>
-                  <a:pt x="18" y="4857"/>
-                </a:lnTo>
-                <a:lnTo>
-                  <a:pt x="40" y="4835"/>
-                </a:lnTo>
-                <a:lnTo>
-                  <a:pt x="65" y="4822"/>
-                </a:lnTo>
-                <a:lnTo>
-                  <a:pt x="95" y="4818"/>
-                </a:lnTo>
-                <a:lnTo>
-                  <a:pt x="1423" y="4818"/>
-                </a:lnTo>
-                <a:lnTo>
-                  <a:pt x="1381" y="4756"/>
-                </a:lnTo>
-                <a:lnTo>
-                  <a:pt x="1350" y="4693"/>
-                </a:lnTo>
-                <a:lnTo>
-                  <a:pt x="1328" y="4625"/>
-                </a:lnTo>
-                <a:lnTo>
-                  <a:pt x="1316" y="4554"/>
-                </a:lnTo>
-                <a:lnTo>
-                  <a:pt x="1314" y="4482"/>
-                </a:lnTo>
-                <a:lnTo>
-                  <a:pt x="1322" y="4409"/>
-                </a:lnTo>
-                <a:lnTo>
-                  <a:pt x="1593" y="2979"/>
-                </a:lnTo>
-                <a:lnTo>
-                  <a:pt x="1611" y="2914"/>
-                </a:lnTo>
-                <a:lnTo>
-                  <a:pt x="1637" y="2850"/>
-                </a:lnTo>
-                <a:lnTo>
-                  <a:pt x="1671" y="2793"/>
-                </a:lnTo>
-                <a:lnTo>
-                  <a:pt x="1710" y="2741"/>
-                </a:lnTo>
-                <a:lnTo>
-                  <a:pt x="1758" y="2694"/>
-                </a:lnTo>
-                <a:lnTo>
-                  <a:pt x="1809" y="2654"/>
-                </a:lnTo>
-                <a:lnTo>
-                  <a:pt x="1869" y="2620"/>
-                </a:lnTo>
-                <a:lnTo>
-                  <a:pt x="1930" y="2594"/>
-                </a:lnTo>
-                <a:lnTo>
-                  <a:pt x="2624" y="2362"/>
-                </a:lnTo>
-                <a:lnTo>
-                  <a:pt x="2642" y="2358"/>
-                </a:lnTo>
-                <a:lnTo>
-                  <a:pt x="2662" y="2358"/>
-                </a:lnTo>
-                <a:lnTo>
-                  <a:pt x="2662" y="2160"/>
-                </a:lnTo>
-                <a:lnTo>
-                  <a:pt x="2610" y="2094"/>
-                </a:lnTo>
-                <a:lnTo>
-                  <a:pt x="2564" y="2021"/>
-                </a:lnTo>
-                <a:lnTo>
-                  <a:pt x="2527" y="1945"/>
-                </a:lnTo>
-                <a:lnTo>
-                  <a:pt x="2497" y="1864"/>
-                </a:lnTo>
-                <a:lnTo>
-                  <a:pt x="2475" y="1781"/>
-                </a:lnTo>
-                <a:lnTo>
-                  <a:pt x="2461" y="1693"/>
-                </a:lnTo>
-                <a:lnTo>
-                  <a:pt x="2455" y="1604"/>
-                </a:lnTo>
-                <a:lnTo>
-                  <a:pt x="2455" y="1405"/>
-                </a:lnTo>
-                <a:lnTo>
-                  <a:pt x="2408" y="1386"/>
-                </a:lnTo>
-                <a:lnTo>
-                  <a:pt x="2364" y="1356"/>
-                </a:lnTo>
-                <a:lnTo>
-                  <a:pt x="2325" y="1318"/>
-                </a:lnTo>
-                <a:lnTo>
-                  <a:pt x="2295" y="1276"/>
-                </a:lnTo>
-                <a:lnTo>
-                  <a:pt x="2271" y="1229"/>
-                </a:lnTo>
-                <a:lnTo>
-                  <a:pt x="2257" y="1177"/>
-                </a:lnTo>
-                <a:lnTo>
-                  <a:pt x="2251" y="1122"/>
-                </a:lnTo>
-                <a:lnTo>
-                  <a:pt x="2251" y="607"/>
-                </a:lnTo>
-                <a:lnTo>
-                  <a:pt x="2257" y="538"/>
-                </a:lnTo>
-                <a:lnTo>
-                  <a:pt x="2275" y="470"/>
-                </a:lnTo>
-                <a:lnTo>
-                  <a:pt x="2305" y="409"/>
-                </a:lnTo>
-                <a:lnTo>
-                  <a:pt x="2343" y="353"/>
-                </a:lnTo>
-                <a:lnTo>
-                  <a:pt x="2390" y="304"/>
-                </a:lnTo>
-                <a:lnTo>
-                  <a:pt x="2444" y="264"/>
-                </a:lnTo>
-                <a:lnTo>
-                  <a:pt x="2505" y="234"/>
-                </a:lnTo>
-                <a:lnTo>
-                  <a:pt x="2570" y="212"/>
-                </a:lnTo>
-                <a:lnTo>
-                  <a:pt x="2592" y="163"/>
-                </a:lnTo>
-                <a:lnTo>
-                  <a:pt x="2622" y="117"/>
-                </a:lnTo>
-                <a:lnTo>
-                  <a:pt x="2658" y="77"/>
-                </a:lnTo>
-                <a:lnTo>
-                  <a:pt x="2701" y="46"/>
-                </a:lnTo>
-                <a:lnTo>
-                  <a:pt x="2749" y="20"/>
-                </a:lnTo>
-                <a:lnTo>
-                  <a:pt x="2802" y="6"/>
-                </a:lnTo>
-                <a:lnTo>
-                  <a:pt x="2860" y="0"/>
-                </a:lnTo>
-                <a:close/>
-              </a:path>
-            </a:pathLst>
-          </a:custGeom>
-          <a:solidFill>
-            <a:schemeClr val="tx1">
-              <a:lumMod val="85000"/>
-              <a:lumOff val="15000"/>
-            </a:schemeClr>
-          </a:solidFill>
-          <a:ln w="0">
-            <a:solidFill>
-              <a:schemeClr val="tx1">
-                <a:lumMod val="85000"/>
-                <a:lumOff val="15000"/>
-                <a:alpha val="30000"/>
-              </a:schemeClr>
-            </a:solidFill>
-            <a:prstDash val="solid"/>
-            <a:round/>
-            <a:headEnd/>
-            <a:tailEnd/>
-          </a:ln>
-        </p:spPr>
-        <p:txBody>
-          <a:bodyPr vert="horz" wrap="square" lIns="91440" tIns="45720" rIns="91440" bIns="45720" numCol="1" anchor="t" anchorCtr="0" compatLnSpc="1">
-            <a:prstTxWarp prst="textNoShape">
-              <a:avLst/>
-            </a:prstTxWarp>
-          </a:bodyPr>
-          <a:lstStyle/>
-          <a:p>
-            <a:endParaRPr lang="ko-KR" altLang="en-US"/>
-          </a:p>
-        </p:txBody>
-      </p:sp>
       <p:pic>
         <p:nvPicPr>
-          <p:cNvPr id="3" name="그림 2">
-            <a:extLst>
-              <a:ext uri="{FF2B5EF4-FFF2-40B4-BE49-F238E27FC236}">
-                <a16:creationId xmlns="" xmlns:a16="http://schemas.microsoft.com/office/drawing/2014/main" id="{894D40F0-5CE6-42AF-B3F5-B26977ED9290}"/>
-              </a:ext>
-            </a:extLst>
-          </p:cNvPr>
+          <p:cNvPr id="17" name="그림 16"/>
           <p:cNvPicPr>
             <a:picLocks noChangeAspect="1"/>
           </p:cNvPicPr>
           <p:nvPr/>
         </p:nvPicPr>
-        <p:blipFill rotWithShape="1">
-          <a:blip r:embed="rId2" cstate="print">
+        <p:blipFill>
+          <a:blip r:embed="rId2">
             <a:extLst>
               <a:ext uri="{28A0092B-C50C-407E-A947-70E740481C1C}">
                 <a14:useLocalDpi xmlns:a14="http://schemas.microsoft.com/office/drawing/2010/main" val="0"/>
               </a:ext>
             </a:extLst>
           </a:blip>
-          <a:srcRect b="13469"/>
-          <a:stretch/>
+          <a:stretch>
+            <a:fillRect/>
+          </a:stretch>
         </p:blipFill>
         <p:spPr>
           <a:xfrm>
-            <a:off x="4077035" y="3117752"/>
-            <a:ext cx="873621" cy="755949"/>
-          </a:xfrm>
-          <a:prstGeom prst="rect">
-            <a:avLst/>
-          </a:prstGeom>
-        </p:spPr>
-      </p:pic>
-      <p:pic>
-        <p:nvPicPr>
-          <p:cNvPr id="5" name="그림 4">
-            <a:extLst>
-              <a:ext uri="{FF2B5EF4-FFF2-40B4-BE49-F238E27FC236}">
-                <a16:creationId xmlns="" xmlns:a16="http://schemas.microsoft.com/office/drawing/2014/main" id="{05E41EBD-BFCE-4099-BB13-7A73ED48956C}"/>
-              </a:ext>
-            </a:extLst>
-          </p:cNvPr>
-          <p:cNvPicPr>
-            <a:picLocks noChangeAspect="1"/>
-          </p:cNvPicPr>
-          <p:nvPr/>
-        </p:nvPicPr>
-        <p:blipFill rotWithShape="1">
-          <a:blip r:embed="rId3" cstate="print">
-            <a:extLst>
-              <a:ext uri="{28A0092B-C50C-407E-A947-70E740481C1C}">
-                <a14:useLocalDpi xmlns:a14="http://schemas.microsoft.com/office/drawing/2010/main" val="0"/>
-              </a:ext>
-            </a:extLst>
-          </a:blip>
-          <a:srcRect b="15782"/>
-          <a:stretch/>
-        </p:blipFill>
-        <p:spPr>
-          <a:xfrm>
-            <a:off x="5460766" y="2874574"/>
-            <a:ext cx="1260869" cy="1061874"/>
-          </a:xfrm>
-          <a:prstGeom prst="rect">
-            <a:avLst/>
-          </a:prstGeom>
-        </p:spPr>
-      </p:pic>
-      <p:pic>
-        <p:nvPicPr>
-          <p:cNvPr id="67" name="그림 66">
-            <a:extLst>
-              <a:ext uri="{FF2B5EF4-FFF2-40B4-BE49-F238E27FC236}">
-                <a16:creationId xmlns="" xmlns:a16="http://schemas.microsoft.com/office/drawing/2014/main" id="{8B081800-4541-4B1F-BDAD-F114D3344084}"/>
-              </a:ext>
-            </a:extLst>
-          </p:cNvPr>
-          <p:cNvPicPr>
-            <a:picLocks noChangeAspect="1"/>
-          </p:cNvPicPr>
-          <p:nvPr/>
-        </p:nvPicPr>
-        <p:blipFill rotWithShape="1">
-          <a:blip r:embed="rId4" cstate="print">
-            <a:extLst>
-              <a:ext uri="{28A0092B-C50C-407E-A947-70E740481C1C}">
-                <a14:useLocalDpi xmlns:a14="http://schemas.microsoft.com/office/drawing/2010/main" val="0"/>
-              </a:ext>
-            </a:extLst>
-          </a:blip>
-          <a:srcRect b="15782"/>
-          <a:stretch/>
-        </p:blipFill>
-        <p:spPr>
-          <a:xfrm>
-            <a:off x="7318476" y="2991407"/>
-            <a:ext cx="1015529" cy="855255"/>
+            <a:off x="2595070" y="1963135"/>
+            <a:ext cx="7143750" cy="4019550"/>
           </a:xfrm>
           <a:prstGeom prst="rect">
             <a:avLst/>
@@ -15142,6 +10255,153 @@
                 <a:latin typeface="a드림고딕5" panose="02020600000000000000" pitchFamily="18" charset="-127"/>
                 <a:ea typeface="a드림고딕5" panose="02020600000000000000" pitchFamily="18" charset="-127"/>
               </a:rPr>
+              <a:t>03</a:t>
+            </a:r>
+            <a:endParaRPr lang="ko-KR" altLang="en-US" dirty="0">
+              <a:latin typeface="a드림고딕5" panose="02020600000000000000" pitchFamily="18" charset="-127"/>
+              <a:ea typeface="a드림고딕5" panose="02020600000000000000" pitchFamily="18" charset="-127"/>
+            </a:endParaRPr>
+          </a:p>
+        </p:txBody>
+      </p:sp>
+      <p:sp>
+        <p:nvSpPr>
+          <p:cNvPr id="15" name="제목 14"/>
+          <p:cNvSpPr>
+            <a:spLocks noGrp="1"/>
+          </p:cNvSpPr>
+          <p:nvPr>
+            <p:ph type="title"/>
+          </p:nvPr>
+        </p:nvSpPr>
+        <p:spPr/>
+        <p:txBody>
+          <a:bodyPr/>
+          <a:lstStyle/>
+          <a:p>
+            <a:r>
+              <a:rPr lang="ko-KR" altLang="en-US" dirty="0" smtClean="0">
+                <a:latin typeface="a드림고딕5" panose="02020600000000000000" pitchFamily="18" charset="-127"/>
+                <a:ea typeface="a드림고딕5" panose="02020600000000000000" pitchFamily="18" charset="-127"/>
+              </a:rPr>
+              <a:t>시연</a:t>
+            </a:r>
+            <a:endParaRPr lang="ko-KR" altLang="en-US" dirty="0">
+              <a:latin typeface="a드림고딕5" panose="02020600000000000000" pitchFamily="18" charset="-127"/>
+              <a:ea typeface="a드림고딕5" panose="02020600000000000000" pitchFamily="18" charset="-127"/>
+            </a:endParaRPr>
+          </a:p>
+        </p:txBody>
+      </p:sp>
+      <p:sp>
+        <p:nvSpPr>
+          <p:cNvPr id="2" name="TextBox 1"/>
+          <p:cNvSpPr txBox="1"/>
+          <p:nvPr/>
+        </p:nvSpPr>
+        <p:spPr>
+          <a:xfrm>
+            <a:off x="3886200" y="3208283"/>
+            <a:ext cx="3831021" cy="400110"/>
+          </a:xfrm>
+          <a:prstGeom prst="rect">
+            <a:avLst/>
+          </a:prstGeom>
+          <a:noFill/>
+        </p:spPr>
+        <p:txBody>
+          <a:bodyPr wrap="square" rtlCol="0">
+            <a:spAutoFit/>
+          </a:bodyPr>
+          <a:lstStyle/>
+          <a:p>
+            <a:r>
+              <a:rPr lang="ko-KR" altLang="en-US" sz="2000" smtClean="0">
+                <a:latin typeface="+mj-lt"/>
+              </a:rPr>
+              <a:t>실제 시연</a:t>
+            </a:r>
+            <a:r>
+              <a:rPr lang="en-US" altLang="ko-KR" sz="2000" smtClean="0">
+                <a:latin typeface="+mj-lt"/>
+              </a:rPr>
+              <a:t>~~~~~~~~~~~~~~</a:t>
+            </a:r>
+            <a:endParaRPr lang="ko-KR" altLang="en-US" sz="2000">
+              <a:latin typeface="+mj-lt"/>
+            </a:endParaRPr>
+          </a:p>
+        </p:txBody>
+      </p:sp>
+    </p:spTree>
+    <p:extLst>
+      <p:ext uri="{BB962C8B-B14F-4D97-AF65-F5344CB8AC3E}">
+        <p14:creationId xmlns:p14="http://schemas.microsoft.com/office/powerpoint/2010/main" val="60273927"/>
+      </p:ext>
+    </p:extLst>
+  </p:cSld>
+  <p:clrMapOvr>
+    <a:masterClrMapping/>
+  </p:clrMapOvr>
+  <mc:AlternateContent xmlns:mc="http://schemas.openxmlformats.org/markup-compatibility/2006" xmlns:p15="http://schemas.microsoft.com/office/powerpoint/2012/main">
+    <mc:Choice Requires="p15">
+      <p:transition xmlns:p14="http://schemas.microsoft.com/office/powerpoint/2010/main" spd="slow" p14:dur="1250">
+        <p15:prstTrans prst="peelOff"/>
+      </p:transition>
+    </mc:Choice>
+    <mc:Fallback xmlns="">
+      <p:transition spd="slow">
+        <p:fade/>
+      </p:transition>
+    </mc:Fallback>
+  </mc:AlternateContent>
+  <p:timing>
+    <p:tnLst>
+      <p:par>
+        <p:cTn id="1" dur="indefinite" restart="never" nodeType="tmRoot"/>
+      </p:par>
+    </p:tnLst>
+  </p:timing>
+</p:sld>
+</file>
+
+<file path=ppt/slides/slide18.xml><?xml version="1.0" encoding="utf-8"?>
+<p:sld xmlns:a="http://schemas.openxmlformats.org/drawingml/2006/main" xmlns:r="http://schemas.openxmlformats.org/officeDocument/2006/relationships" xmlns:p="http://schemas.openxmlformats.org/presentationml/2006/main">
+  <p:cSld>
+    <p:spTree>
+      <p:nvGrpSpPr>
+        <p:cNvPr id="1" name=""/>
+        <p:cNvGrpSpPr/>
+        <p:nvPr/>
+      </p:nvGrpSpPr>
+      <p:grpSpPr>
+        <a:xfrm>
+          <a:off x="0" y="0"/>
+          <a:ext cx="0" cy="0"/>
+          <a:chOff x="0" y="0"/>
+          <a:chExt cx="0" cy="0"/>
+        </a:xfrm>
+      </p:grpSpPr>
+      <p:sp>
+        <p:nvSpPr>
+          <p:cNvPr id="16" name="텍스트 개체 틀 15"/>
+          <p:cNvSpPr>
+            <a:spLocks noGrp="1"/>
+          </p:cNvSpPr>
+          <p:nvPr>
+            <p:ph type="body" sz="quarter" idx="10"/>
+          </p:nvPr>
+        </p:nvSpPr>
+        <p:spPr/>
+        <p:txBody>
+          <a:bodyPr/>
+          <a:lstStyle/>
+          <a:p>
+            <a:r>
+              <a:rPr lang="en-US" altLang="ko-KR" dirty="0" smtClean="0">
+                <a:latin typeface="a드림고딕5" panose="02020600000000000000" pitchFamily="18" charset="-127"/>
+                <a:ea typeface="a드림고딕5" panose="02020600000000000000" pitchFamily="18" charset="-127"/>
+              </a:rPr>
               <a:t>04</a:t>
             </a:r>
             <a:endParaRPr lang="ko-KR" altLang="en-US" dirty="0">
@@ -15232,7 +10492,7 @@
 </p:sld>
 </file>
 
-<file path=ppt/slides/slide18.xml><?xml version="1.0" encoding="utf-8"?>
+<file path=ppt/slides/slide19.xml><?xml version="1.0" encoding="utf-8"?>
 <p:sld xmlns:a="http://schemas.openxmlformats.org/drawingml/2006/main" xmlns:r="http://schemas.openxmlformats.org/officeDocument/2006/relationships" xmlns:p="http://schemas.openxmlformats.org/presentationml/2006/main">
   <p:cSld>
     <p:bg>
@@ -16455,7 +11715,241 @@
 </p:sld>
 </file>
 
-<file path=ppt/slides/slide19.xml><?xml version="1.0" encoding="utf-8"?>
+<file path=ppt/slides/slide2.xml><?xml version="1.0" encoding="utf-8"?>
+<p:sld xmlns:a="http://schemas.openxmlformats.org/drawingml/2006/main" xmlns:r="http://schemas.openxmlformats.org/officeDocument/2006/relationships" xmlns:p="http://schemas.openxmlformats.org/presentationml/2006/main">
+  <p:cSld>
+    <p:spTree>
+      <p:nvGrpSpPr>
+        <p:cNvPr id="1" name=""/>
+        <p:cNvGrpSpPr/>
+        <p:nvPr/>
+      </p:nvGrpSpPr>
+      <p:grpSpPr>
+        <a:xfrm>
+          <a:off x="0" y="0"/>
+          <a:ext cx="0" cy="0"/>
+          <a:chOff x="0" y="0"/>
+          <a:chExt cx="0" cy="0"/>
+        </a:xfrm>
+      </p:grpSpPr>
+      <p:sp>
+        <p:nvSpPr>
+          <p:cNvPr id="9" name="직사각형 8"/>
+          <p:cNvSpPr/>
+          <p:nvPr/>
+        </p:nvSpPr>
+        <p:spPr>
+          <a:xfrm>
+            <a:off x="9688902" y="1272745"/>
+            <a:ext cx="2503098" cy="5589373"/>
+          </a:xfrm>
+          <a:prstGeom prst="rect">
+            <a:avLst/>
+          </a:prstGeom>
+          <a:solidFill>
+            <a:srgbClr val="44546A"/>
+          </a:solidFill>
+          <a:ln>
+            <a:noFill/>
+          </a:ln>
+        </p:spPr>
+        <p:style>
+          <a:lnRef idx="2">
+            <a:schemeClr val="accent1">
+              <a:shade val="50000"/>
+            </a:schemeClr>
+          </a:lnRef>
+          <a:fillRef idx="1">
+            <a:schemeClr val="accent1"/>
+          </a:fillRef>
+          <a:effectRef idx="0">
+            <a:schemeClr val="accent1"/>
+          </a:effectRef>
+          <a:fontRef idx="minor">
+            <a:schemeClr val="lt1"/>
+          </a:fontRef>
+        </p:style>
+        <p:txBody>
+          <a:bodyPr rtlCol="0" anchor="ctr"/>
+          <a:lstStyle/>
+          <a:p>
+            <a:pPr algn="ctr"/>
+            <a:endParaRPr lang="ko-KR" altLang="en-US"/>
+          </a:p>
+        </p:txBody>
+      </p:sp>
+      <p:pic>
+        <p:nvPicPr>
+          <p:cNvPr id="3" name="그림 2"/>
+          <p:cNvPicPr>
+            <a:picLocks noChangeAspect="1"/>
+          </p:cNvPicPr>
+          <p:nvPr/>
+        </p:nvPicPr>
+        <p:blipFill>
+          <a:blip r:embed="rId2">
+            <a:extLst>
+              <a:ext uri="{28A0092B-C50C-407E-A947-70E740481C1C}">
+                <a14:useLocalDpi xmlns:a14="http://schemas.microsoft.com/office/drawing/2010/main" val="0"/>
+              </a:ext>
+            </a:extLst>
+          </a:blip>
+          <a:stretch>
+            <a:fillRect/>
+          </a:stretch>
+        </p:blipFill>
+        <p:spPr>
+          <a:xfrm>
+            <a:off x="0" y="4118"/>
+            <a:ext cx="9699664" cy="6858000"/>
+          </a:xfrm>
+          <a:prstGeom prst="rect">
+            <a:avLst/>
+          </a:prstGeom>
+        </p:spPr>
+      </p:pic>
+      <p:sp>
+        <p:nvSpPr>
+          <p:cNvPr id="2" name="TextBox 1"/>
+          <p:cNvSpPr txBox="1"/>
+          <p:nvPr/>
+        </p:nvSpPr>
+        <p:spPr>
+          <a:xfrm>
+            <a:off x="823784" y="3748217"/>
+            <a:ext cx="1729946" cy="830997"/>
+          </a:xfrm>
+          <a:prstGeom prst="rect">
+            <a:avLst/>
+          </a:prstGeom>
+          <a:solidFill>
+            <a:srgbClr val="FDD000"/>
+          </a:solidFill>
+        </p:spPr>
+        <p:txBody>
+          <a:bodyPr wrap="square" rtlCol="0">
+            <a:spAutoFit/>
+          </a:bodyPr>
+          <a:lstStyle/>
+          <a:p>
+            <a:r>
+              <a:rPr lang="ko-KR" altLang="en-US" sz="1600" smtClean="0">
+                <a:solidFill>
+                  <a:schemeClr val="bg2">
+                    <a:lumMod val="50000"/>
+                  </a:schemeClr>
+                </a:solidFill>
+                <a:latin typeface="210 스무살의봄 B" panose="02020603020101020101" pitchFamily="18" charset="-127"/>
+                <a:ea typeface="210 스무살의봄 B" panose="02020603020101020101" pitchFamily="18" charset="-127"/>
+              </a:rPr>
+              <a:t>비트아카데미 자바 </a:t>
+            </a:r>
+            <a:r>
+              <a:rPr lang="en-US" altLang="ko-KR" sz="1600" smtClean="0">
+                <a:solidFill>
+                  <a:schemeClr val="bg2">
+                    <a:lumMod val="50000"/>
+                  </a:schemeClr>
+                </a:solidFill>
+                <a:latin typeface="210 스무살의봄 B" panose="02020603020101020101" pitchFamily="18" charset="-127"/>
+                <a:ea typeface="210 스무살의봄 B" panose="02020603020101020101" pitchFamily="18" charset="-127"/>
+              </a:rPr>
+              <a:t>93</a:t>
+            </a:r>
+            <a:r>
+              <a:rPr lang="ko-KR" altLang="en-US" sz="1600" smtClean="0">
+                <a:solidFill>
+                  <a:schemeClr val="bg2">
+                    <a:lumMod val="50000"/>
+                  </a:schemeClr>
+                </a:solidFill>
+                <a:latin typeface="210 스무살의봄 B" panose="02020603020101020101" pitchFamily="18" charset="-127"/>
+                <a:ea typeface="210 스무살의봄 B" panose="02020603020101020101" pitchFamily="18" charset="-127"/>
+              </a:rPr>
+              <a:t>기</a:t>
+            </a:r>
+            <a:endParaRPr lang="en-US" altLang="ko-KR" sz="1600" smtClean="0">
+              <a:solidFill>
+                <a:schemeClr val="bg2">
+                  <a:lumMod val="50000"/>
+                </a:schemeClr>
+              </a:solidFill>
+              <a:latin typeface="210 스무살의봄 B" panose="02020603020101020101" pitchFamily="18" charset="-127"/>
+              <a:ea typeface="210 스무살의봄 B" panose="02020603020101020101" pitchFamily="18" charset="-127"/>
+            </a:endParaRPr>
+          </a:p>
+          <a:p>
+            <a:r>
+              <a:rPr lang="ko-KR" altLang="en-US" sz="1600" smtClean="0">
+                <a:solidFill>
+                  <a:schemeClr val="bg2">
+                    <a:lumMod val="50000"/>
+                  </a:schemeClr>
+                </a:solidFill>
+                <a:latin typeface="210 스무살의봄 B" panose="02020603020101020101" pitchFamily="18" charset="-127"/>
+                <a:ea typeface="210 스무살의봄 B" panose="02020603020101020101" pitchFamily="18" charset="-127"/>
+              </a:rPr>
+              <a:t>프로젝트 발표</a:t>
+            </a:r>
+            <a:endParaRPr lang="en-US" altLang="ko-KR" sz="1600" smtClean="0">
+              <a:solidFill>
+                <a:schemeClr val="bg2">
+                  <a:lumMod val="50000"/>
+                </a:schemeClr>
+              </a:solidFill>
+              <a:latin typeface="210 스무살의봄 B" panose="02020603020101020101" pitchFamily="18" charset="-127"/>
+              <a:ea typeface="210 스무살의봄 B" panose="02020603020101020101" pitchFamily="18" charset="-127"/>
+            </a:endParaRPr>
+          </a:p>
+          <a:p>
+            <a:r>
+              <a:rPr lang="en-US" altLang="ko-KR" sz="1600" smtClean="0">
+                <a:solidFill>
+                  <a:schemeClr val="bg2">
+                    <a:lumMod val="50000"/>
+                  </a:schemeClr>
+                </a:solidFill>
+                <a:latin typeface="210 스무살의봄 B" panose="02020603020101020101" pitchFamily="18" charset="-127"/>
+                <a:ea typeface="210 스무살의봄 B" panose="02020603020101020101" pitchFamily="18" charset="-127"/>
+              </a:rPr>
+              <a:t>2017.09.01</a:t>
+            </a:r>
+            <a:endParaRPr lang="ko-KR" altLang="en-US" sz="1600">
+              <a:solidFill>
+                <a:schemeClr val="bg2">
+                  <a:lumMod val="50000"/>
+                </a:schemeClr>
+              </a:solidFill>
+              <a:latin typeface="210 스무살의봄 B" panose="02020603020101020101" pitchFamily="18" charset="-127"/>
+              <a:ea typeface="210 스무살의봄 B" panose="02020603020101020101" pitchFamily="18" charset="-127"/>
+            </a:endParaRPr>
+          </a:p>
+        </p:txBody>
+      </p:sp>
+    </p:spTree>
+    <p:extLst>
+      <p:ext uri="{BB962C8B-B14F-4D97-AF65-F5344CB8AC3E}">
+        <p14:creationId xmlns:p14="http://schemas.microsoft.com/office/powerpoint/2010/main" val="3138333989"/>
+      </p:ext>
+    </p:extLst>
+  </p:cSld>
+  <p:clrMapOvr>
+    <a:masterClrMapping/>
+  </p:clrMapOvr>
+  <p:transition spd="slow">
+    <p:cover/>
+  </p:transition>
+  <p:timing>
+    <p:tnLst>
+      <p:par>
+        <p:cTn id="1" dur="indefinite" restart="never" nodeType="tmRoot"/>
+      </p:par>
+    </p:tnLst>
+  </p:timing>
+</p:sld>
+</file>
+
+<file path=ppt/slides/slide20.xml><?xml version="1.0" encoding="utf-8"?>
 <p:sld xmlns:a="http://schemas.openxmlformats.org/drawingml/2006/main" xmlns:r="http://schemas.openxmlformats.org/officeDocument/2006/relationships" xmlns:p="http://schemas.openxmlformats.org/presentationml/2006/main">
   <p:cSld>
     <p:spTree>
@@ -17631,241 +13125,7 @@
 </p:sld>
 </file>
 
-<file path=ppt/slides/slide2.xml><?xml version="1.0" encoding="utf-8"?>
-<p:sld xmlns:a="http://schemas.openxmlformats.org/drawingml/2006/main" xmlns:r="http://schemas.openxmlformats.org/officeDocument/2006/relationships" xmlns:p="http://schemas.openxmlformats.org/presentationml/2006/main">
-  <p:cSld>
-    <p:spTree>
-      <p:nvGrpSpPr>
-        <p:cNvPr id="1" name=""/>
-        <p:cNvGrpSpPr/>
-        <p:nvPr/>
-      </p:nvGrpSpPr>
-      <p:grpSpPr>
-        <a:xfrm>
-          <a:off x="0" y="0"/>
-          <a:ext cx="0" cy="0"/>
-          <a:chOff x="0" y="0"/>
-          <a:chExt cx="0" cy="0"/>
-        </a:xfrm>
-      </p:grpSpPr>
-      <p:sp>
-        <p:nvSpPr>
-          <p:cNvPr id="9" name="직사각형 8"/>
-          <p:cNvSpPr/>
-          <p:nvPr/>
-        </p:nvSpPr>
-        <p:spPr>
-          <a:xfrm>
-            <a:off x="9688902" y="1272745"/>
-            <a:ext cx="2503098" cy="5589373"/>
-          </a:xfrm>
-          <a:prstGeom prst="rect">
-            <a:avLst/>
-          </a:prstGeom>
-          <a:solidFill>
-            <a:srgbClr val="44546A"/>
-          </a:solidFill>
-          <a:ln>
-            <a:noFill/>
-          </a:ln>
-        </p:spPr>
-        <p:style>
-          <a:lnRef idx="2">
-            <a:schemeClr val="accent1">
-              <a:shade val="50000"/>
-            </a:schemeClr>
-          </a:lnRef>
-          <a:fillRef idx="1">
-            <a:schemeClr val="accent1"/>
-          </a:fillRef>
-          <a:effectRef idx="0">
-            <a:schemeClr val="accent1"/>
-          </a:effectRef>
-          <a:fontRef idx="minor">
-            <a:schemeClr val="lt1"/>
-          </a:fontRef>
-        </p:style>
-        <p:txBody>
-          <a:bodyPr rtlCol="0" anchor="ctr"/>
-          <a:lstStyle/>
-          <a:p>
-            <a:pPr algn="ctr"/>
-            <a:endParaRPr lang="ko-KR" altLang="en-US"/>
-          </a:p>
-        </p:txBody>
-      </p:sp>
-      <p:pic>
-        <p:nvPicPr>
-          <p:cNvPr id="3" name="그림 2"/>
-          <p:cNvPicPr>
-            <a:picLocks noChangeAspect="1"/>
-          </p:cNvPicPr>
-          <p:nvPr/>
-        </p:nvPicPr>
-        <p:blipFill>
-          <a:blip r:embed="rId2">
-            <a:extLst>
-              <a:ext uri="{28A0092B-C50C-407E-A947-70E740481C1C}">
-                <a14:useLocalDpi xmlns:a14="http://schemas.microsoft.com/office/drawing/2010/main" val="0"/>
-              </a:ext>
-            </a:extLst>
-          </a:blip>
-          <a:stretch>
-            <a:fillRect/>
-          </a:stretch>
-        </p:blipFill>
-        <p:spPr>
-          <a:xfrm>
-            <a:off x="0" y="4118"/>
-            <a:ext cx="9699664" cy="6858000"/>
-          </a:xfrm>
-          <a:prstGeom prst="rect">
-            <a:avLst/>
-          </a:prstGeom>
-        </p:spPr>
-      </p:pic>
-      <p:sp>
-        <p:nvSpPr>
-          <p:cNvPr id="2" name="TextBox 1"/>
-          <p:cNvSpPr txBox="1"/>
-          <p:nvPr/>
-        </p:nvSpPr>
-        <p:spPr>
-          <a:xfrm>
-            <a:off x="823784" y="3748217"/>
-            <a:ext cx="1729946" cy="830997"/>
-          </a:xfrm>
-          <a:prstGeom prst="rect">
-            <a:avLst/>
-          </a:prstGeom>
-          <a:solidFill>
-            <a:srgbClr val="FDD000"/>
-          </a:solidFill>
-        </p:spPr>
-        <p:txBody>
-          <a:bodyPr wrap="square" rtlCol="0">
-            <a:spAutoFit/>
-          </a:bodyPr>
-          <a:lstStyle/>
-          <a:p>
-            <a:r>
-              <a:rPr lang="ko-KR" altLang="en-US" sz="1600" smtClean="0">
-                <a:solidFill>
-                  <a:schemeClr val="bg2">
-                    <a:lumMod val="50000"/>
-                  </a:schemeClr>
-                </a:solidFill>
-                <a:latin typeface="210 스무살의봄 B" panose="02020603020101020101" pitchFamily="18" charset="-127"/>
-                <a:ea typeface="210 스무살의봄 B" panose="02020603020101020101" pitchFamily="18" charset="-127"/>
-              </a:rPr>
-              <a:t>비트아카데미 자바 </a:t>
-            </a:r>
-            <a:r>
-              <a:rPr lang="en-US" altLang="ko-KR" sz="1600" smtClean="0">
-                <a:solidFill>
-                  <a:schemeClr val="bg2">
-                    <a:lumMod val="50000"/>
-                  </a:schemeClr>
-                </a:solidFill>
-                <a:latin typeface="210 스무살의봄 B" panose="02020603020101020101" pitchFamily="18" charset="-127"/>
-                <a:ea typeface="210 스무살의봄 B" panose="02020603020101020101" pitchFamily="18" charset="-127"/>
-              </a:rPr>
-              <a:t>93</a:t>
-            </a:r>
-            <a:r>
-              <a:rPr lang="ko-KR" altLang="en-US" sz="1600" smtClean="0">
-                <a:solidFill>
-                  <a:schemeClr val="bg2">
-                    <a:lumMod val="50000"/>
-                  </a:schemeClr>
-                </a:solidFill>
-                <a:latin typeface="210 스무살의봄 B" panose="02020603020101020101" pitchFamily="18" charset="-127"/>
-                <a:ea typeface="210 스무살의봄 B" panose="02020603020101020101" pitchFamily="18" charset="-127"/>
-              </a:rPr>
-              <a:t>기</a:t>
-            </a:r>
-            <a:endParaRPr lang="en-US" altLang="ko-KR" sz="1600" smtClean="0">
-              <a:solidFill>
-                <a:schemeClr val="bg2">
-                  <a:lumMod val="50000"/>
-                </a:schemeClr>
-              </a:solidFill>
-              <a:latin typeface="210 스무살의봄 B" panose="02020603020101020101" pitchFamily="18" charset="-127"/>
-              <a:ea typeface="210 스무살의봄 B" panose="02020603020101020101" pitchFamily="18" charset="-127"/>
-            </a:endParaRPr>
-          </a:p>
-          <a:p>
-            <a:r>
-              <a:rPr lang="ko-KR" altLang="en-US" sz="1600" smtClean="0">
-                <a:solidFill>
-                  <a:schemeClr val="bg2">
-                    <a:lumMod val="50000"/>
-                  </a:schemeClr>
-                </a:solidFill>
-                <a:latin typeface="210 스무살의봄 B" panose="02020603020101020101" pitchFamily="18" charset="-127"/>
-                <a:ea typeface="210 스무살의봄 B" panose="02020603020101020101" pitchFamily="18" charset="-127"/>
-              </a:rPr>
-              <a:t>프로젝트 발표</a:t>
-            </a:r>
-            <a:endParaRPr lang="en-US" altLang="ko-KR" sz="1600" smtClean="0">
-              <a:solidFill>
-                <a:schemeClr val="bg2">
-                  <a:lumMod val="50000"/>
-                </a:schemeClr>
-              </a:solidFill>
-              <a:latin typeface="210 스무살의봄 B" panose="02020603020101020101" pitchFamily="18" charset="-127"/>
-              <a:ea typeface="210 스무살의봄 B" panose="02020603020101020101" pitchFamily="18" charset="-127"/>
-            </a:endParaRPr>
-          </a:p>
-          <a:p>
-            <a:r>
-              <a:rPr lang="en-US" altLang="ko-KR" sz="1600" smtClean="0">
-                <a:solidFill>
-                  <a:schemeClr val="bg2">
-                    <a:lumMod val="50000"/>
-                  </a:schemeClr>
-                </a:solidFill>
-                <a:latin typeface="210 스무살의봄 B" panose="02020603020101020101" pitchFamily="18" charset="-127"/>
-                <a:ea typeface="210 스무살의봄 B" panose="02020603020101020101" pitchFamily="18" charset="-127"/>
-              </a:rPr>
-              <a:t>2017.09.01</a:t>
-            </a:r>
-            <a:endParaRPr lang="ko-KR" altLang="en-US" sz="1600">
-              <a:solidFill>
-                <a:schemeClr val="bg2">
-                  <a:lumMod val="50000"/>
-                </a:schemeClr>
-              </a:solidFill>
-              <a:latin typeface="210 스무살의봄 B" panose="02020603020101020101" pitchFamily="18" charset="-127"/>
-              <a:ea typeface="210 스무살의봄 B" panose="02020603020101020101" pitchFamily="18" charset="-127"/>
-            </a:endParaRPr>
-          </a:p>
-        </p:txBody>
-      </p:sp>
-    </p:spTree>
-    <p:extLst>
-      <p:ext uri="{BB962C8B-B14F-4D97-AF65-F5344CB8AC3E}">
-        <p14:creationId xmlns:p14="http://schemas.microsoft.com/office/powerpoint/2010/main" val="3138333989"/>
-      </p:ext>
-    </p:extLst>
-  </p:cSld>
-  <p:clrMapOvr>
-    <a:masterClrMapping/>
-  </p:clrMapOvr>
-  <p:transition spd="slow">
-    <p:cover/>
-  </p:transition>
-  <p:timing>
-    <p:tnLst>
-      <p:par>
-        <p:cTn id="1" dur="indefinite" restart="never" nodeType="tmRoot"/>
-      </p:par>
-    </p:tnLst>
-  </p:timing>
-</p:sld>
-</file>
-
-<file path=ppt/slides/slide20.xml><?xml version="1.0" encoding="utf-8"?>
+<file path=ppt/slides/slide21.xml><?xml version="1.0" encoding="utf-8"?>
 <p:sld xmlns:a="http://schemas.openxmlformats.org/drawingml/2006/main" xmlns:r="http://schemas.openxmlformats.org/officeDocument/2006/relationships" xmlns:p="http://schemas.openxmlformats.org/presentationml/2006/main">
   <p:cSld>
     <p:spTree>
@@ -19127,7 +14387,7 @@
 </p:sld>
 </file>
 
-<file path=ppt/slides/slide21.xml><?xml version="1.0" encoding="utf-8"?>
+<file path=ppt/slides/slide22.xml><?xml version="1.0" encoding="utf-8"?>
 <p:sld xmlns:a="http://schemas.openxmlformats.org/drawingml/2006/main" xmlns:r="http://schemas.openxmlformats.org/officeDocument/2006/relationships" xmlns:p="http://schemas.openxmlformats.org/presentationml/2006/main">
   <p:cSld>
     <p:spTree>
@@ -20391,7 +15651,7 @@
 </p:sld>
 </file>
 
-<file path=ppt/slides/slide22.xml><?xml version="1.0" encoding="utf-8"?>
+<file path=ppt/slides/slide23.xml><?xml version="1.0" encoding="utf-8"?>
 <p:sld xmlns:a="http://schemas.openxmlformats.org/drawingml/2006/main" xmlns:r="http://schemas.openxmlformats.org/officeDocument/2006/relationships" xmlns:p="http://schemas.openxmlformats.org/presentationml/2006/main">
   <p:cSld>
     <p:spTree>
@@ -21615,7 +16875,7 @@
 </p:sld>
 </file>
 
-<file path=ppt/slides/slide23.xml><?xml version="1.0" encoding="utf-8"?>
+<file path=ppt/slides/slide24.xml><?xml version="1.0" encoding="utf-8"?>
 <p:sld xmlns:a="http://schemas.openxmlformats.org/drawingml/2006/main" xmlns:r="http://schemas.openxmlformats.org/officeDocument/2006/relationships" xmlns:p="http://schemas.openxmlformats.org/presentationml/2006/main">
   <p:cSld>
     <p:spTree>
@@ -22891,7 +18151,7 @@
 </p:sld>
 </file>
 
-<file path=ppt/slides/slide24.xml><?xml version="1.0" encoding="utf-8"?>
+<file path=ppt/slides/slide25.xml><?xml version="1.0" encoding="utf-8"?>
 <p:sld xmlns:a="http://schemas.openxmlformats.org/drawingml/2006/main" xmlns:r="http://schemas.openxmlformats.org/officeDocument/2006/relationships" xmlns:p="http://schemas.openxmlformats.org/presentationml/2006/main">
   <p:cSld>
     <p:spTree>
@@ -23270,7 +18530,7 @@
         <p:spPr>
           <a:xfrm>
             <a:off x="8335993" y="3802746"/>
-            <a:ext cx="1786155" cy="695325"/>
+            <a:ext cx="1479707" cy="576029"/>
           </a:xfrm>
           <a:prstGeom prst="rect">
             <a:avLst/>
@@ -23706,8 +18966,8 @@
         </p:blipFill>
         <p:spPr>
           <a:xfrm>
-            <a:off x="10491335" y="3936215"/>
-            <a:ext cx="845879" cy="790455"/>
+            <a:off x="10585709" y="4004469"/>
+            <a:ext cx="657131" cy="614074"/>
           </a:xfrm>
           <a:prstGeom prst="rect">
             <a:avLst/>
@@ -23894,7 +19154,7 @@
 </p:sld>
 </file>
 
-<file path=ppt/slides/slide25.xml><?xml version="1.0" encoding="utf-8"?>
+<file path=ppt/slides/slide26.xml><?xml version="1.0" encoding="utf-8"?>
 <p:sld xmlns:a="http://schemas.openxmlformats.org/drawingml/2006/main" xmlns:r="http://schemas.openxmlformats.org/officeDocument/2006/relationships" xmlns:p="http://schemas.openxmlformats.org/presentationml/2006/main">
   <p:cSld>
     <p:spTree>
@@ -24522,7 +19782,7 @@
 </p:sld>
 </file>
 
-<file path=ppt/slides/slide26.xml><?xml version="1.0" encoding="utf-8"?>
+<file path=ppt/slides/slide27.xml><?xml version="1.0" encoding="utf-8"?>
 <p:sld xmlns:a="http://schemas.openxmlformats.org/drawingml/2006/main" xmlns:r="http://schemas.openxmlformats.org/officeDocument/2006/relationships" xmlns:p="http://schemas.openxmlformats.org/presentationml/2006/main">
   <p:cSld>
     <p:spTree>
@@ -25138,7 +20398,7 @@
 </p:sld>
 </file>
 
-<file path=ppt/slides/slide27.xml><?xml version="1.0" encoding="utf-8"?>
+<file path=ppt/slides/slide28.xml><?xml version="1.0" encoding="utf-8"?>
 <p:sld xmlns:a="http://schemas.openxmlformats.org/drawingml/2006/main" xmlns:r="http://schemas.openxmlformats.org/officeDocument/2006/relationships" xmlns:p="http://schemas.openxmlformats.org/presentationml/2006/main">
   <p:cSld>
     <p:spTree>
@@ -26089,7 +21349,7 @@
 </p:sld>
 </file>
 
-<file path=ppt/slides/slide28.xml><?xml version="1.0" encoding="utf-8"?>
+<file path=ppt/slides/slide29.xml><?xml version="1.0" encoding="utf-8"?>
 <p:sld xmlns:a="http://schemas.openxmlformats.org/drawingml/2006/main" xmlns:r="http://schemas.openxmlformats.org/officeDocument/2006/relationships" xmlns:p="http://schemas.openxmlformats.org/presentationml/2006/main">
   <p:cSld>
     <p:spTree>
@@ -26678,517 +21938,6 @@
     <p:extLst>
       <p:ext uri="{BB962C8B-B14F-4D97-AF65-F5344CB8AC3E}">
         <p14:creationId xmlns:p14="http://schemas.microsoft.com/office/powerpoint/2010/main" val="2350901024"/>
-      </p:ext>
-    </p:extLst>
-  </p:cSld>
-  <p:clrMapOvr>
-    <a:masterClrMapping/>
-  </p:clrMapOvr>
-  <mc:AlternateContent xmlns:mc="http://schemas.openxmlformats.org/markup-compatibility/2006" xmlns:p14="http://schemas.microsoft.com/office/powerpoint/2010/main">
-    <mc:Choice Requires="p14">
-      <p:transition p14:dur="0"/>
-    </mc:Choice>
-    <mc:Fallback xmlns="">
-      <p:transition/>
-    </mc:Fallback>
-  </mc:AlternateContent>
-  <p:timing>
-    <p:tnLst>
-      <p:par>
-        <p:cTn id="1" dur="indefinite" restart="never" nodeType="tmRoot"/>
-      </p:par>
-    </p:tnLst>
-  </p:timing>
-</p:sld>
-</file>
-
-<file path=ppt/slides/slide29.xml><?xml version="1.0" encoding="utf-8"?>
-<p:sld xmlns:a="http://schemas.openxmlformats.org/drawingml/2006/main" xmlns:r="http://schemas.openxmlformats.org/officeDocument/2006/relationships" xmlns:p="http://schemas.openxmlformats.org/presentationml/2006/main">
-  <p:cSld>
-    <p:spTree>
-      <p:nvGrpSpPr>
-        <p:cNvPr id="1" name=""/>
-        <p:cNvGrpSpPr/>
-        <p:nvPr/>
-      </p:nvGrpSpPr>
-      <p:grpSpPr>
-        <a:xfrm>
-          <a:off x="0" y="0"/>
-          <a:ext cx="0" cy="0"/>
-          <a:chOff x="0" y="0"/>
-          <a:chExt cx="0" cy="0"/>
-        </a:xfrm>
-      </p:grpSpPr>
-      <p:sp>
-        <p:nvSpPr>
-          <p:cNvPr id="4" name="slide4_shape1"/>
-          <p:cNvSpPr>
-            <a:spLocks noGrp="1"/>
-          </p:cNvSpPr>
-          <p:nvPr>
-            <p:ph type="body" sz="quarter" idx="10"/>
-          </p:nvPr>
-        </p:nvSpPr>
-        <p:spPr>
-          <a:xfrm>
-            <a:off x="351359" y="398461"/>
-            <a:ext cx="858010" cy="475810"/>
-          </a:xfrm>
-          <a:prstGeom prst="rect">
-            <a:avLst/>
-          </a:prstGeom>
-        </p:spPr>
-        <p:txBody>
-          <a:bodyPr/>
-          <a:lstStyle>
-            <a:lvl1pPr marL="0" indent="0">
-              <a:buNone/>
-              <a:defRPr>
-                <a:ln>
-                  <a:solidFill>
-                    <a:schemeClr val="bg1">
-                      <a:alpha val="30000"/>
-                    </a:schemeClr>
-                  </a:solidFill>
-                </a:ln>
-                <a:solidFill>
-                  <a:schemeClr val="bg1"/>
-                </a:solidFill>
-                <a:latin typeface="나눔고딕"/>
-                <a:ea typeface="나눔고딕"/>
-              </a:defRPr>
-            </a:lvl1pPr>
-          </a:lstStyle>
-          <a:p>
-            <a:pPr marL="0" algn="l">
-              <a:lnSpc>
-                <a:spcPct val="90000"/>
-              </a:lnSpc>
-              <a:spcBef>
-                <a:spcPts val="1000"/>
-              </a:spcBef>
-              <a:buNone/>
-            </a:pPr>
-            <a:r>
-              <a:rPr lang="en-US" altLang="ko-KR" sz="2800" dirty="0" smtClean="0">
-                <a:solidFill>
-                  <a:schemeClr val="bg1">
-                    <a:alpha val="100000"/>
-                  </a:schemeClr>
-                </a:solidFill>
-                <a:latin typeface="a드림고딕5" panose="02020600000000000000" pitchFamily="18" charset="-127"/>
-                <a:ea typeface="a드림고딕5" panose="02020600000000000000" pitchFamily="18" charset="-127"/>
-              </a:rPr>
-              <a:t>05</a:t>
-            </a:r>
-            <a:endParaRPr lang="en-US" altLang="ko-KR" sz="2800" dirty="0">
-              <a:solidFill>
-                <a:schemeClr val="bg1">
-                  <a:alpha val="100000"/>
-                </a:schemeClr>
-              </a:solidFill>
-              <a:latin typeface="a드림고딕5" panose="02020600000000000000" pitchFamily="18" charset="-127"/>
-              <a:ea typeface="a드림고딕5" panose="02020600000000000000" pitchFamily="18" charset="-127"/>
-            </a:endParaRPr>
-          </a:p>
-        </p:txBody>
-      </p:sp>
-      <p:pic>
-        <p:nvPicPr>
-          <p:cNvPr id="11" name="그림 10"/>
-          <p:cNvPicPr>
-            <a:picLocks noChangeAspect="1"/>
-          </p:cNvPicPr>
-          <p:nvPr/>
-        </p:nvPicPr>
-        <p:blipFill>
-          <a:blip r:embed="rId2">
-            <a:extLst>
-              <a:ext uri="{28A0092B-C50C-407E-A947-70E740481C1C}">
-                <a14:useLocalDpi xmlns:a14="http://schemas.microsoft.com/office/drawing/2010/main" val="0"/>
-              </a:ext>
-            </a:extLst>
-          </a:blip>
-          <a:stretch>
-            <a:fillRect/>
-          </a:stretch>
-        </p:blipFill>
-        <p:spPr>
-          <a:xfrm>
-            <a:off x="5450692" y="1248224"/>
-            <a:ext cx="6741308" cy="5709388"/>
-          </a:xfrm>
-          <a:prstGeom prst="rect">
-            <a:avLst/>
-          </a:prstGeom>
-        </p:spPr>
-      </p:pic>
-      <p:sp>
-        <p:nvSpPr>
-          <p:cNvPr id="12" name="모서리가 둥근 직사각형 11"/>
-          <p:cNvSpPr/>
-          <p:nvPr/>
-        </p:nvSpPr>
-        <p:spPr>
-          <a:xfrm>
-            <a:off x="5997145" y="5263979"/>
-            <a:ext cx="5964196" cy="340078"/>
-          </a:xfrm>
-          <a:prstGeom prst="roundRect">
-            <a:avLst/>
-          </a:prstGeom>
-          <a:noFill/>
-          <a:ln w="19050">
-            <a:solidFill>
-              <a:srgbClr val="FFC000"/>
-            </a:solidFill>
-            <a:prstDash val="solid"/>
-          </a:ln>
-        </p:spPr>
-        <p:style>
-          <a:lnRef idx="2">
-            <a:schemeClr val="accent1">
-              <a:shade val="50000"/>
-            </a:schemeClr>
-          </a:lnRef>
-          <a:fillRef idx="1">
-            <a:schemeClr val="accent1"/>
-          </a:fillRef>
-          <a:effectRef idx="0">
-            <a:schemeClr val="accent1"/>
-          </a:effectRef>
-          <a:fontRef idx="minor">
-            <a:schemeClr val="lt1"/>
-          </a:fontRef>
-        </p:style>
-        <p:txBody>
-          <a:bodyPr rtlCol="0" anchor="ctr"/>
-          <a:lstStyle/>
-          <a:p>
-            <a:pPr algn="ctr"/>
-            <a:endParaRPr lang="ko-KR" altLang="en-US"/>
-          </a:p>
-        </p:txBody>
-      </p:sp>
-      <p:sp>
-        <p:nvSpPr>
-          <p:cNvPr id="7" name="TextBox 6"/>
-          <p:cNvSpPr txBox="1"/>
-          <p:nvPr/>
-        </p:nvSpPr>
-        <p:spPr>
-          <a:xfrm>
-            <a:off x="5107460" y="351051"/>
-            <a:ext cx="2877775" cy="523220"/>
-          </a:xfrm>
-          <a:prstGeom prst="rect">
-            <a:avLst/>
-          </a:prstGeom>
-          <a:noFill/>
-        </p:spPr>
-        <p:txBody>
-          <a:bodyPr wrap="none" rtlCol="0">
-            <a:spAutoFit/>
-          </a:bodyPr>
-          <a:lstStyle/>
-          <a:p>
-            <a:r>
-              <a:rPr lang="en-US" altLang="ko-KR" sz="2800" smtClean="0">
-                <a:solidFill>
-                  <a:schemeClr val="bg1"/>
-                </a:solidFill>
-                <a:latin typeface="a드림고딕5" panose="02020600000000000000" pitchFamily="18" charset="-127"/>
-                <a:ea typeface="a드림고딕5" panose="02020600000000000000" pitchFamily="18" charset="-127"/>
-              </a:rPr>
-              <a:t>[notification.js]</a:t>
-            </a:r>
-            <a:endParaRPr lang="en-US" altLang="ko-KR" sz="2800" dirty="0" smtClean="0">
-              <a:solidFill>
-                <a:schemeClr val="bg1"/>
-              </a:solidFill>
-              <a:latin typeface="a드림고딕5" panose="02020600000000000000" pitchFamily="18" charset="-127"/>
-              <a:ea typeface="a드림고딕5" panose="02020600000000000000" pitchFamily="18" charset="-127"/>
-            </a:endParaRPr>
-          </a:p>
-        </p:txBody>
-      </p:sp>
-      <p:sp>
-        <p:nvSpPr>
-          <p:cNvPr id="8" name="TextBox 7"/>
-          <p:cNvSpPr txBox="1"/>
-          <p:nvPr/>
-        </p:nvSpPr>
-        <p:spPr>
-          <a:xfrm>
-            <a:off x="1761072" y="4938191"/>
-            <a:ext cx="3567323" cy="707886"/>
-          </a:xfrm>
-          <a:prstGeom prst="rect">
-            <a:avLst/>
-          </a:prstGeom>
-          <a:noFill/>
-        </p:spPr>
-        <p:txBody>
-          <a:bodyPr wrap="none" rtlCol="0">
-            <a:spAutoFit/>
-          </a:bodyPr>
-          <a:lstStyle/>
-          <a:p>
-            <a:r>
-              <a:rPr lang="ko-KR" altLang="en-US" sz="2000" smtClean="0">
-                <a:solidFill>
-                  <a:srgbClr val="FA507B"/>
-                </a:solidFill>
-                <a:latin typeface="a드림고딕5" panose="02020600000000000000" pitchFamily="18" charset="-127"/>
-                <a:ea typeface="a드림고딕5" panose="02020600000000000000" pitchFamily="18" charset="-127"/>
-              </a:rPr>
-              <a:t>알림 생성</a:t>
-            </a:r>
-            <a:r>
-              <a:rPr lang="ko-KR" altLang="en-US" sz="2000" smtClean="0">
-                <a:solidFill>
-                  <a:schemeClr val="tx1">
-                    <a:lumMod val="65000"/>
-                    <a:lumOff val="35000"/>
-                  </a:schemeClr>
-                </a:solidFill>
-                <a:latin typeface="a드림고딕5" panose="02020600000000000000" pitchFamily="18" charset="-127"/>
-                <a:ea typeface="a드림고딕5" panose="02020600000000000000" pitchFamily="18" charset="-127"/>
-              </a:rPr>
-              <a:t>을 위한 </a:t>
-            </a:r>
-            <a:endParaRPr lang="en-US" altLang="ko-KR" sz="2000" smtClean="0">
-              <a:solidFill>
-                <a:schemeClr val="tx1">
-                  <a:lumMod val="65000"/>
-                  <a:lumOff val="35000"/>
-                </a:schemeClr>
-              </a:solidFill>
-              <a:latin typeface="a드림고딕5" panose="02020600000000000000" pitchFamily="18" charset="-127"/>
-              <a:ea typeface="a드림고딕5" panose="02020600000000000000" pitchFamily="18" charset="-127"/>
-            </a:endParaRPr>
-          </a:p>
-          <a:p>
-            <a:r>
-              <a:rPr lang="en-US" altLang="ko-KR" sz="2000" smtClean="0">
-                <a:solidFill>
-                  <a:srgbClr val="FA507B"/>
-                </a:solidFill>
-                <a:latin typeface="a드림고딕5" panose="02020600000000000000" pitchFamily="18" charset="-127"/>
-                <a:ea typeface="a드림고딕5" panose="02020600000000000000" pitchFamily="18" charset="-127"/>
-              </a:rPr>
-              <a:t>chrome extension API </a:t>
-            </a:r>
-            <a:r>
-              <a:rPr lang="ko-KR" altLang="en-US" sz="2000" smtClean="0">
-                <a:solidFill>
-                  <a:srgbClr val="FA507B"/>
-                </a:solidFill>
-                <a:latin typeface="a드림고딕5" panose="02020600000000000000" pitchFamily="18" charset="-127"/>
-                <a:ea typeface="a드림고딕5" panose="02020600000000000000" pitchFamily="18" charset="-127"/>
-              </a:rPr>
-              <a:t>함수</a:t>
-            </a:r>
-            <a:endParaRPr lang="ko-KR" altLang="en-US" sz="2000">
-              <a:solidFill>
-                <a:srgbClr val="FA507B"/>
-              </a:solidFill>
-              <a:latin typeface="a드림고딕5" panose="02020600000000000000" pitchFamily="18" charset="-127"/>
-              <a:ea typeface="a드림고딕5" panose="02020600000000000000" pitchFamily="18" charset="-127"/>
-            </a:endParaRPr>
-          </a:p>
-        </p:txBody>
-      </p:sp>
-      <p:pic>
-        <p:nvPicPr>
-          <p:cNvPr id="3" name="그림 2"/>
-          <p:cNvPicPr>
-            <a:picLocks noChangeAspect="1"/>
-          </p:cNvPicPr>
-          <p:nvPr/>
-        </p:nvPicPr>
-        <p:blipFill>
-          <a:blip r:embed="rId3">
-            <a:extLst>
-              <a:ext uri="{28A0092B-C50C-407E-A947-70E740481C1C}">
-                <a14:useLocalDpi xmlns:a14="http://schemas.microsoft.com/office/drawing/2010/main" val="0"/>
-              </a:ext>
-            </a:extLst>
-          </a:blip>
-          <a:stretch>
-            <a:fillRect/>
-          </a:stretch>
-        </p:blipFill>
-        <p:spPr>
-          <a:xfrm>
-            <a:off x="712190" y="2606892"/>
-            <a:ext cx="3896269" cy="1448002"/>
-          </a:xfrm>
-          <a:prstGeom prst="rect">
-            <a:avLst/>
-          </a:prstGeom>
-          <a:solidFill>
-            <a:srgbClr val="FFFFFF">
-              <a:shade val="85000"/>
-            </a:srgbClr>
-          </a:solidFill>
-          <a:ln w="88900" cap="sq">
-            <a:solidFill>
-              <a:srgbClr val="FFFFFF"/>
-            </a:solidFill>
-            <a:miter lim="800000"/>
-          </a:ln>
-          <a:effectLst>
-            <a:outerShdw blurRad="55000" dist="18000" dir="5400000" algn="tl" rotWithShape="0">
-              <a:srgbClr val="000000">
-                <a:alpha val="40000"/>
-              </a:srgbClr>
-            </a:outerShdw>
-          </a:effectLst>
-          <a:scene3d>
-            <a:camera prst="orthographicFront"/>
-            <a:lightRig rig="twoPt" dir="t">
-              <a:rot lat="0" lon="0" rev="7200000"/>
-            </a:lightRig>
-          </a:scene3d>
-          <a:sp3d>
-            <a:bevelT w="25400" h="19050"/>
-            <a:contourClr>
-              <a:srgbClr val="FFFFFF"/>
-            </a:contourClr>
-          </a:sp3d>
-        </p:spPr>
-      </p:pic>
-      <p:sp>
-        <p:nvSpPr>
-          <p:cNvPr id="13" name="TextBox 12"/>
-          <p:cNvSpPr txBox="1"/>
-          <p:nvPr/>
-        </p:nvSpPr>
-        <p:spPr>
-          <a:xfrm>
-            <a:off x="537421" y="2014514"/>
-            <a:ext cx="1846980" cy="400110"/>
-          </a:xfrm>
-          <a:prstGeom prst="rect">
-            <a:avLst/>
-          </a:prstGeom>
-          <a:noFill/>
-        </p:spPr>
-        <p:txBody>
-          <a:bodyPr wrap="none" rtlCol="0">
-            <a:spAutoFit/>
-          </a:bodyPr>
-          <a:lstStyle/>
-          <a:p>
-            <a:r>
-              <a:rPr lang="ko-KR" altLang="en-US" sz="2000" smtClean="0">
-                <a:solidFill>
-                  <a:schemeClr val="tx1">
-                    <a:lumMod val="65000"/>
-                    <a:lumOff val="35000"/>
-                  </a:schemeClr>
-                </a:solidFill>
-                <a:latin typeface="a드림고딕5" panose="02020600000000000000" pitchFamily="18" charset="-127"/>
-                <a:ea typeface="a드림고딕5" panose="02020600000000000000" pitchFamily="18" charset="-127"/>
-              </a:rPr>
-              <a:t>알람 생성 예시</a:t>
-            </a:r>
-            <a:endParaRPr lang="ko-KR" altLang="en-US" sz="2000">
-              <a:solidFill>
-                <a:schemeClr val="tx1">
-                  <a:lumMod val="65000"/>
-                  <a:lumOff val="35000"/>
-                </a:schemeClr>
-              </a:solidFill>
-              <a:latin typeface="a드림고딕5" panose="02020600000000000000" pitchFamily="18" charset="-127"/>
-              <a:ea typeface="a드림고딕5" panose="02020600000000000000" pitchFamily="18" charset="-127"/>
-            </a:endParaRPr>
-          </a:p>
-        </p:txBody>
-      </p:sp>
-      <p:sp>
-        <p:nvSpPr>
-          <p:cNvPr id="14" name="slide4_shape2"/>
-          <p:cNvSpPr>
-            <a:spLocks noGrp="1"/>
-          </p:cNvSpPr>
-          <p:nvPr>
-            <p:ph type="title"/>
-          </p:nvPr>
-        </p:nvSpPr>
-        <p:spPr>
-          <a:xfrm>
-            <a:off x="1209368" y="535578"/>
-            <a:ext cx="4670732" cy="480131"/>
-          </a:xfrm>
-          <a:prstGeom prst="rect">
-            <a:avLst/>
-          </a:prstGeom>
-        </p:spPr>
-        <p:txBody>
-          <a:bodyPr anchor="ctr">
-            <a:normAutofit fontScale="90000"/>
-          </a:bodyPr>
-          <a:lstStyle>
-            <a:lvl1pPr>
-              <a:defRPr sz="2800" baseline="0">
-                <a:ln>
-                  <a:solidFill>
-                    <a:schemeClr val="bg1">
-                      <a:alpha val="30000"/>
-                    </a:schemeClr>
-                  </a:solidFill>
-                </a:ln>
-                <a:solidFill>
-                  <a:schemeClr val="bg1"/>
-                </a:solidFill>
-                <a:latin typeface="나눔고딕"/>
-                <a:ea typeface="나눔고딕"/>
-              </a:defRPr>
-            </a:lvl1pPr>
-          </a:lstStyle>
-          <a:p>
-            <a:pPr marL="0" algn="l">
-              <a:lnSpc>
-                <a:spcPct val="90000"/>
-              </a:lnSpc>
-              <a:buNone/>
-            </a:pPr>
-            <a:r>
-              <a:rPr lang="ko-KR" altLang="en-US" sz="2800" smtClean="0">
-                <a:solidFill>
-                  <a:srgbClr val="FFFFFF"/>
-                </a:solidFill>
-                <a:latin typeface="a드림고딕5" panose="02020600000000000000" pitchFamily="18" charset="-127"/>
-                <a:ea typeface="a드림고딕5" panose="02020600000000000000" pitchFamily="18" charset="-127"/>
-              </a:rPr>
-              <a:t>확장프로그램만들기</a:t>
-            </a:r>
-            <a:r>
-              <a:rPr lang="en-US" altLang="ko-KR" dirty="0">
-                <a:latin typeface="a드림고딕5" panose="02020600000000000000" pitchFamily="18" charset="-127"/>
-                <a:ea typeface="a드림고딕5" panose="02020600000000000000" pitchFamily="18" charset="-127"/>
-              </a:rPr>
-              <a:t/>
-            </a:r>
-            <a:br>
-              <a:rPr lang="en-US" altLang="ko-KR" dirty="0">
-                <a:latin typeface="a드림고딕5" panose="02020600000000000000" pitchFamily="18" charset="-127"/>
-                <a:ea typeface="a드림고딕5" panose="02020600000000000000" pitchFamily="18" charset="-127"/>
-              </a:rPr>
-            </a:br>
-            <a:endParaRPr lang="en-US" altLang="ko-KR" dirty="0">
-              <a:latin typeface="a드림고딕5" panose="02020600000000000000" pitchFamily="18" charset="-127"/>
-              <a:ea typeface="a드림고딕5" panose="02020600000000000000" pitchFamily="18" charset="-127"/>
-            </a:endParaRPr>
-          </a:p>
-        </p:txBody>
-      </p:sp>
-    </p:spTree>
-    <p:extLst>
-      <p:ext uri="{BB962C8B-B14F-4D97-AF65-F5344CB8AC3E}">
-        <p14:creationId xmlns:p14="http://schemas.microsoft.com/office/powerpoint/2010/main" val="3949698441"/>
       </p:ext>
     </p:extLst>
   </p:cSld>
@@ -27235,7 +21984,7 @@
           <p:cNvPr id="2" name="직사각형 1">
             <a:extLst>
               <a:ext uri="{FF2B5EF4-FFF2-40B4-BE49-F238E27FC236}">
-                <a16:creationId xmlns="" xmlns:a16="http://schemas.microsoft.com/office/drawing/2014/main" id="{53949433-A6B5-46AE-AF06-30B3C66D2186}"/>
+                <a16:creationId xmlns:a16="http://schemas.microsoft.com/office/drawing/2014/main" xmlns="" id="{53949433-A6B5-46AE-AF06-30B3C66D2186}"/>
               </a:ext>
             </a:extLst>
           </p:cNvPr>
@@ -27284,7 +22033,7 @@
           <p:cNvPr id="21" name="텍스트 개체 틀 3">
             <a:extLst>
               <a:ext uri="{FF2B5EF4-FFF2-40B4-BE49-F238E27FC236}">
-                <a16:creationId xmlns="" xmlns:a16="http://schemas.microsoft.com/office/drawing/2014/main" id="{2D1AADC4-1264-44B7-A2CA-3E987C79D103}"/>
+                <a16:creationId xmlns:a16="http://schemas.microsoft.com/office/drawing/2014/main" xmlns="" id="{2D1AADC4-1264-44B7-A2CA-3E987C79D103}"/>
               </a:ext>
             </a:extLst>
           </p:cNvPr>
@@ -27497,7 +22246,7 @@
           <p:cNvPr id="22" name="텍스트 개체 틀 8">
             <a:extLst>
               <a:ext uri="{FF2B5EF4-FFF2-40B4-BE49-F238E27FC236}">
-                <a16:creationId xmlns="" xmlns:a16="http://schemas.microsoft.com/office/drawing/2014/main" id="{93294656-5B3E-44C5-9CAC-9AE4DB29B316}"/>
+                <a16:creationId xmlns:a16="http://schemas.microsoft.com/office/drawing/2014/main" xmlns="" id="{93294656-5B3E-44C5-9CAC-9AE4DB29B316}"/>
               </a:ext>
             </a:extLst>
           </p:cNvPr>
@@ -27727,7 +22476,7 @@
           <p:cNvPr id="30" name="텍스트 개체 틀 3">
             <a:extLst>
               <a:ext uri="{FF2B5EF4-FFF2-40B4-BE49-F238E27FC236}">
-                <a16:creationId xmlns="" xmlns:a16="http://schemas.microsoft.com/office/drawing/2014/main" id="{60161634-9FA4-4F7D-9806-728D52C39930}"/>
+                <a16:creationId xmlns:a16="http://schemas.microsoft.com/office/drawing/2014/main" xmlns="" id="{60161634-9FA4-4F7D-9806-728D52C39930}"/>
               </a:ext>
             </a:extLst>
           </p:cNvPr>
@@ -27940,7 +22689,7 @@
           <p:cNvPr id="31" name="텍스트 개체 틀 8">
             <a:extLst>
               <a:ext uri="{FF2B5EF4-FFF2-40B4-BE49-F238E27FC236}">
-                <a16:creationId xmlns="" xmlns:a16="http://schemas.microsoft.com/office/drawing/2014/main" id="{A1324607-C5E3-4BCC-A68F-559BEABB54A4}"/>
+                <a16:creationId xmlns:a16="http://schemas.microsoft.com/office/drawing/2014/main" xmlns="" id="{A1324607-C5E3-4BCC-A68F-559BEABB54A4}"/>
               </a:ext>
             </a:extLst>
           </p:cNvPr>
@@ -28177,7 +22926,7 @@
           <p:cNvPr id="36" name="텍스트 개체 틀 3">
             <a:extLst>
               <a:ext uri="{FF2B5EF4-FFF2-40B4-BE49-F238E27FC236}">
-                <a16:creationId xmlns="" xmlns:a16="http://schemas.microsoft.com/office/drawing/2014/main" id="{172DF75E-2637-4E1E-9286-7C1D6B03B7BC}"/>
+                <a16:creationId xmlns:a16="http://schemas.microsoft.com/office/drawing/2014/main" xmlns="" id="{172DF75E-2637-4E1E-9286-7C1D6B03B7BC}"/>
               </a:ext>
             </a:extLst>
           </p:cNvPr>
@@ -28390,7 +23139,7 @@
           <p:cNvPr id="37" name="텍스트 개체 틀 8">
             <a:extLst>
               <a:ext uri="{FF2B5EF4-FFF2-40B4-BE49-F238E27FC236}">
-                <a16:creationId xmlns="" xmlns:a16="http://schemas.microsoft.com/office/drawing/2014/main" id="{CF9912FC-6187-4A94-B508-8F2A4B094160}"/>
+                <a16:creationId xmlns:a16="http://schemas.microsoft.com/office/drawing/2014/main" xmlns="" id="{CF9912FC-6187-4A94-B508-8F2A4B094160}"/>
               </a:ext>
             </a:extLst>
           </p:cNvPr>
@@ -28599,7 +23348,7 @@
           <p:cNvPr id="39" name="텍스트 개체 틀 3">
             <a:extLst>
               <a:ext uri="{FF2B5EF4-FFF2-40B4-BE49-F238E27FC236}">
-                <a16:creationId xmlns="" xmlns:a16="http://schemas.microsoft.com/office/drawing/2014/main" id="{C0C5285D-210C-4987-8B4B-A6AD4F5BBA36}"/>
+                <a16:creationId xmlns:a16="http://schemas.microsoft.com/office/drawing/2014/main" xmlns="" id="{C0C5285D-210C-4987-8B4B-A6AD4F5BBA36}"/>
               </a:ext>
             </a:extLst>
           </p:cNvPr>
@@ -28812,7 +23561,7 @@
           <p:cNvPr id="40" name="텍스트 개체 틀 8">
             <a:extLst>
               <a:ext uri="{FF2B5EF4-FFF2-40B4-BE49-F238E27FC236}">
-                <a16:creationId xmlns="" xmlns:a16="http://schemas.microsoft.com/office/drawing/2014/main" id="{D3FEAAB1-4EC6-46F1-B088-FB06C54E333E}"/>
+                <a16:creationId xmlns:a16="http://schemas.microsoft.com/office/drawing/2014/main" xmlns="" id="{D3FEAAB1-4EC6-46F1-B088-FB06C54E333E}"/>
               </a:ext>
             </a:extLst>
           </p:cNvPr>
@@ -29061,7 +23810,7 @@
           <p:cNvPr id="48" name="텍스트 개체 틀 3">
             <a:extLst>
               <a:ext uri="{FF2B5EF4-FFF2-40B4-BE49-F238E27FC236}">
-                <a16:creationId xmlns="" xmlns:a16="http://schemas.microsoft.com/office/drawing/2014/main" id="{1756C266-F0DE-461B-9432-6EA510B4CCAE}"/>
+                <a16:creationId xmlns:a16="http://schemas.microsoft.com/office/drawing/2014/main" xmlns="" id="{1756C266-F0DE-461B-9432-6EA510B4CCAE}"/>
               </a:ext>
             </a:extLst>
           </p:cNvPr>
@@ -29274,7 +24023,7 @@
           <p:cNvPr id="49" name="텍스트 개체 틀 8">
             <a:extLst>
               <a:ext uri="{FF2B5EF4-FFF2-40B4-BE49-F238E27FC236}">
-                <a16:creationId xmlns="" xmlns:a16="http://schemas.microsoft.com/office/drawing/2014/main" id="{BC04473C-BF1D-4960-B012-7BCE38331B7B}"/>
+                <a16:creationId xmlns:a16="http://schemas.microsoft.com/office/drawing/2014/main" xmlns="" id="{BC04473C-BF1D-4960-B012-7BCE38331B7B}"/>
               </a:ext>
             </a:extLst>
           </p:cNvPr>
@@ -29483,7 +24232,7 @@
           <p:cNvPr id="52" name="제목 1">
             <a:extLst>
               <a:ext uri="{FF2B5EF4-FFF2-40B4-BE49-F238E27FC236}">
-                <a16:creationId xmlns="" xmlns:a16="http://schemas.microsoft.com/office/drawing/2014/main" id="{91CA72B6-6500-473C-B295-6A2A9BCFB400}"/>
+                <a16:creationId xmlns:a16="http://schemas.microsoft.com/office/drawing/2014/main" xmlns="" id="{91CA72B6-6500-473C-B295-6A2A9BCFB400}"/>
               </a:ext>
             </a:extLst>
           </p:cNvPr>
@@ -29545,7 +24294,7 @@
           <p:cNvPr id="53" name="순서도: 대체 처리 52">
             <a:extLst>
               <a:ext uri="{FF2B5EF4-FFF2-40B4-BE49-F238E27FC236}">
-                <a16:creationId xmlns="" xmlns:a16="http://schemas.microsoft.com/office/drawing/2014/main" id="{55161F45-087B-4B8E-B7E3-766B80AF4D00}"/>
+                <a16:creationId xmlns:a16="http://schemas.microsoft.com/office/drawing/2014/main" xmlns="" id="{55161F45-087B-4B8E-B7E3-766B80AF4D00}"/>
               </a:ext>
             </a:extLst>
           </p:cNvPr>
@@ -29688,7 +24437,7 @@
           <p:cNvPr id="54" name="순서도: 대체 처리 53">
             <a:extLst>
               <a:ext uri="{FF2B5EF4-FFF2-40B4-BE49-F238E27FC236}">
-                <a16:creationId xmlns="" xmlns:a16="http://schemas.microsoft.com/office/drawing/2014/main" id="{289F1F3D-02DC-4ECF-BEF6-D6DC7853791D}"/>
+                <a16:creationId xmlns:a16="http://schemas.microsoft.com/office/drawing/2014/main" xmlns="" id="{289F1F3D-02DC-4ECF-BEF6-D6DC7853791D}"/>
               </a:ext>
             </a:extLst>
           </p:cNvPr>
@@ -29831,7 +24580,7 @@
           <p:cNvPr id="55" name="순서도: 대체 처리 54">
             <a:extLst>
               <a:ext uri="{FF2B5EF4-FFF2-40B4-BE49-F238E27FC236}">
-                <a16:creationId xmlns="" xmlns:a16="http://schemas.microsoft.com/office/drawing/2014/main" id="{70692618-097E-4BEC-A3F7-5F460B3DE46C}"/>
+                <a16:creationId xmlns:a16="http://schemas.microsoft.com/office/drawing/2014/main" xmlns="" id="{70692618-097E-4BEC-A3F7-5F460B3DE46C}"/>
               </a:ext>
             </a:extLst>
           </p:cNvPr>
@@ -29974,7 +24723,7 @@
           <p:cNvPr id="56" name="순서도: 대체 처리 55">
             <a:extLst>
               <a:ext uri="{FF2B5EF4-FFF2-40B4-BE49-F238E27FC236}">
-                <a16:creationId xmlns="" xmlns:a16="http://schemas.microsoft.com/office/drawing/2014/main" id="{FDC10535-54A3-458D-AA7F-A2D76BD4DC50}"/>
+                <a16:creationId xmlns:a16="http://schemas.microsoft.com/office/drawing/2014/main" xmlns="" id="{FDC10535-54A3-458D-AA7F-A2D76BD4DC50}"/>
               </a:ext>
             </a:extLst>
           </p:cNvPr>
@@ -30117,7 +24866,7 @@
           <p:cNvPr id="58" name="순서도: 대체 처리 57">
             <a:extLst>
               <a:ext uri="{FF2B5EF4-FFF2-40B4-BE49-F238E27FC236}">
-                <a16:creationId xmlns="" xmlns:a16="http://schemas.microsoft.com/office/drawing/2014/main" id="{0B8B8229-937B-4CAB-A622-21ECDE24159E}"/>
+                <a16:creationId xmlns:a16="http://schemas.microsoft.com/office/drawing/2014/main" xmlns="" id="{0B8B8229-937B-4CAB-A622-21ECDE24159E}"/>
               </a:ext>
             </a:extLst>
           </p:cNvPr>
@@ -30295,9 +25044,83 @@
           <a:chExt cx="0" cy="0"/>
         </a:xfrm>
       </p:grpSpPr>
+      <p:sp>
+        <p:nvSpPr>
+          <p:cNvPr id="4" name="slide4_shape1"/>
+          <p:cNvSpPr>
+            <a:spLocks noGrp="1"/>
+          </p:cNvSpPr>
+          <p:nvPr>
+            <p:ph type="body" sz="quarter" idx="10"/>
+          </p:nvPr>
+        </p:nvSpPr>
+        <p:spPr>
+          <a:xfrm>
+            <a:off x="351359" y="398461"/>
+            <a:ext cx="858010" cy="475810"/>
+          </a:xfrm>
+          <a:prstGeom prst="rect">
+            <a:avLst/>
+          </a:prstGeom>
+        </p:spPr>
+        <p:txBody>
+          <a:bodyPr/>
+          <a:lstStyle>
+            <a:lvl1pPr marL="0" indent="0">
+              <a:buNone/>
+              <a:defRPr>
+                <a:ln>
+                  <a:solidFill>
+                    <a:schemeClr val="bg1">
+                      <a:alpha val="30000"/>
+                    </a:schemeClr>
+                  </a:solidFill>
+                </a:ln>
+                <a:solidFill>
+                  <a:schemeClr val="bg1"/>
+                </a:solidFill>
+                <a:latin typeface="나눔고딕"/>
+                <a:ea typeface="나눔고딕"/>
+              </a:defRPr>
+            </a:lvl1pPr>
+          </a:lstStyle>
+          <a:p>
+            <a:pPr marL="0" algn="l">
+              <a:lnSpc>
+                <a:spcPct val="90000"/>
+              </a:lnSpc>
+              <a:spcBef>
+                <a:spcPts val="1000"/>
+              </a:spcBef>
+              <a:buNone/>
+            </a:pPr>
+            <a:r>
+              <a:rPr lang="en-US" altLang="ko-KR" sz="2800" dirty="0" smtClean="0">
+                <a:solidFill>
+                  <a:schemeClr val="bg1">
+                    <a:alpha val="100000"/>
+                  </a:schemeClr>
+                </a:solidFill>
+                <a:latin typeface="a드림고딕5" panose="02020600000000000000" pitchFamily="18" charset="-127"/>
+                <a:ea typeface="a드림고딕5" panose="02020600000000000000" pitchFamily="18" charset="-127"/>
+              </a:rPr>
+              <a:t>05</a:t>
+            </a:r>
+            <a:endParaRPr lang="en-US" altLang="ko-KR" sz="2800" dirty="0">
+              <a:solidFill>
+                <a:schemeClr val="bg1">
+                  <a:alpha val="100000"/>
+                </a:schemeClr>
+              </a:solidFill>
+              <a:latin typeface="a드림고딕5" panose="02020600000000000000" pitchFamily="18" charset="-127"/>
+              <a:ea typeface="a드림고딕5" panose="02020600000000000000" pitchFamily="18" charset="-127"/>
+            </a:endParaRPr>
+          </a:p>
+        </p:txBody>
+      </p:sp>
       <p:pic>
         <p:nvPicPr>
-          <p:cNvPr id="9" name="그림 8"/>
+          <p:cNvPr id="11" name="그림 10"/>
           <p:cNvPicPr>
             <a:picLocks noChangeAspect="1"/>
           </p:cNvPicPr>
@@ -30317,8 +25140,8 @@
         </p:blipFill>
         <p:spPr>
           <a:xfrm>
-            <a:off x="1606822" y="1257301"/>
-            <a:ext cx="7904985" cy="5600700"/>
+            <a:off x="5450692" y="1248224"/>
+            <a:ext cx="6741308" cy="5709388"/>
           </a:xfrm>
           <a:prstGeom prst="rect">
             <a:avLst/>
@@ -30327,94 +25150,20 @@
       </p:pic>
       <p:sp>
         <p:nvSpPr>
-          <p:cNvPr id="4" name="slide4_shape1"/>
-          <p:cNvSpPr>
-            <a:spLocks noGrp="1"/>
-          </p:cNvSpPr>
-          <p:nvPr>
-            <p:ph type="body" sz="quarter" idx="10"/>
-          </p:nvPr>
-        </p:nvSpPr>
-        <p:spPr>
-          <a:xfrm>
-            <a:off x="351359" y="398461"/>
-            <a:ext cx="858010" cy="475810"/>
-          </a:xfrm>
-          <a:prstGeom prst="rect">
-            <a:avLst/>
-          </a:prstGeom>
-        </p:spPr>
-        <p:txBody>
-          <a:bodyPr/>
-          <a:lstStyle>
-            <a:lvl1pPr marL="0" indent="0">
-              <a:buNone/>
-              <a:defRPr>
-                <a:ln>
-                  <a:solidFill>
-                    <a:schemeClr val="bg1">
-                      <a:alpha val="30000"/>
-                    </a:schemeClr>
-                  </a:solidFill>
-                </a:ln>
-                <a:solidFill>
-                  <a:schemeClr val="bg1"/>
-                </a:solidFill>
-                <a:latin typeface="나눔고딕"/>
-                <a:ea typeface="나눔고딕"/>
-              </a:defRPr>
-            </a:lvl1pPr>
-          </a:lstStyle>
-          <a:p>
-            <a:pPr marL="0" algn="l">
-              <a:lnSpc>
-                <a:spcPct val="90000"/>
-              </a:lnSpc>
-              <a:spcBef>
-                <a:spcPts val="1000"/>
-              </a:spcBef>
-              <a:buNone/>
-            </a:pPr>
-            <a:r>
-              <a:rPr lang="en-US" altLang="ko-KR" sz="2800" dirty="0" smtClean="0">
-                <a:solidFill>
-                  <a:schemeClr val="bg1">
-                    <a:alpha val="100000"/>
-                  </a:schemeClr>
-                </a:solidFill>
-                <a:latin typeface="a드림고딕5" panose="02020600000000000000" pitchFamily="18" charset="-127"/>
-                <a:ea typeface="a드림고딕5" panose="02020600000000000000" pitchFamily="18" charset="-127"/>
-              </a:rPr>
-              <a:t>05</a:t>
-            </a:r>
-            <a:endParaRPr lang="en-US" altLang="ko-KR" sz="2800" dirty="0">
-              <a:solidFill>
-                <a:schemeClr val="bg1">
-                  <a:alpha val="100000"/>
-                </a:schemeClr>
-              </a:solidFill>
-              <a:latin typeface="a드림고딕5" panose="02020600000000000000" pitchFamily="18" charset="-127"/>
-              <a:ea typeface="a드림고딕5" panose="02020600000000000000" pitchFamily="18" charset="-127"/>
-            </a:endParaRPr>
-          </a:p>
-        </p:txBody>
-      </p:sp>
-      <p:sp>
-        <p:nvSpPr>
-          <p:cNvPr id="7" name="모서리가 둥근 직사각형 6"/>
+          <p:cNvPr id="12" name="모서리가 둥근 직사각형 11"/>
           <p:cNvSpPr/>
           <p:nvPr/>
         </p:nvSpPr>
         <p:spPr>
           <a:xfrm>
-            <a:off x="3008041" y="1466357"/>
-            <a:ext cx="1208359" cy="235443"/>
+            <a:off x="5997145" y="5263979"/>
+            <a:ext cx="5964196" cy="340078"/>
           </a:xfrm>
           <a:prstGeom prst="roundRect">
             <a:avLst/>
           </a:prstGeom>
           <a:noFill/>
-          <a:ln w="28575">
+          <a:ln w="19050">
             <a:solidFill>
               <a:srgbClr val="FFC000"/>
             </a:solidFill>
@@ -30442,17 +25191,250 @@
           <a:lstStyle/>
           <a:p>
             <a:pPr algn="ctr"/>
-            <a:endParaRPr lang="ko-KR" altLang="en-US">
-              <a:solidFill>
-                <a:srgbClr val="FF0000"/>
-              </a:solidFill>
-            </a:endParaRPr>
+            <a:endParaRPr lang="ko-KR" altLang="en-US"/>
           </a:p>
         </p:txBody>
       </p:sp>
       <p:sp>
         <p:nvSpPr>
-          <p:cNvPr id="13" name="slide4_shape2"/>
+          <p:cNvPr id="7" name="TextBox 6"/>
+          <p:cNvSpPr txBox="1"/>
+          <p:nvPr/>
+        </p:nvSpPr>
+        <p:spPr>
+          <a:xfrm>
+            <a:off x="5107460" y="351051"/>
+            <a:ext cx="2877775" cy="523220"/>
+          </a:xfrm>
+          <a:prstGeom prst="rect">
+            <a:avLst/>
+          </a:prstGeom>
+          <a:noFill/>
+        </p:spPr>
+        <p:txBody>
+          <a:bodyPr wrap="none" rtlCol="0">
+            <a:spAutoFit/>
+          </a:bodyPr>
+          <a:lstStyle/>
+          <a:p>
+            <a:r>
+              <a:rPr lang="en-US" altLang="ko-KR" sz="2800" smtClean="0">
+                <a:solidFill>
+                  <a:schemeClr val="bg1"/>
+                </a:solidFill>
+                <a:latin typeface="a드림고딕5" panose="02020600000000000000" pitchFamily="18" charset="-127"/>
+                <a:ea typeface="a드림고딕5" panose="02020600000000000000" pitchFamily="18" charset="-127"/>
+              </a:rPr>
+              <a:t>[notification.js]</a:t>
+            </a:r>
+            <a:endParaRPr lang="en-US" altLang="ko-KR" sz="2800" dirty="0" smtClean="0">
+              <a:solidFill>
+                <a:schemeClr val="bg1"/>
+              </a:solidFill>
+              <a:latin typeface="a드림고딕5" panose="02020600000000000000" pitchFamily="18" charset="-127"/>
+              <a:ea typeface="a드림고딕5" panose="02020600000000000000" pitchFamily="18" charset="-127"/>
+            </a:endParaRPr>
+          </a:p>
+        </p:txBody>
+      </p:sp>
+      <p:sp>
+        <p:nvSpPr>
+          <p:cNvPr id="8" name="TextBox 7"/>
+          <p:cNvSpPr txBox="1"/>
+          <p:nvPr/>
+        </p:nvSpPr>
+        <p:spPr>
+          <a:xfrm>
+            <a:off x="1761072" y="4938191"/>
+            <a:ext cx="3567323" cy="707886"/>
+          </a:xfrm>
+          <a:prstGeom prst="rect">
+            <a:avLst/>
+          </a:prstGeom>
+          <a:noFill/>
+        </p:spPr>
+        <p:txBody>
+          <a:bodyPr wrap="none" rtlCol="0">
+            <a:spAutoFit/>
+          </a:bodyPr>
+          <a:lstStyle/>
+          <a:p>
+            <a:r>
+              <a:rPr lang="ko-KR" altLang="en-US" sz="2000" smtClean="0">
+                <a:solidFill>
+                  <a:srgbClr val="FA507B"/>
+                </a:solidFill>
+                <a:latin typeface="a드림고딕5" panose="02020600000000000000" pitchFamily="18" charset="-127"/>
+                <a:ea typeface="a드림고딕5" panose="02020600000000000000" pitchFamily="18" charset="-127"/>
+              </a:rPr>
+              <a:t>알림 생성</a:t>
+            </a:r>
+            <a:r>
+              <a:rPr lang="ko-KR" altLang="en-US" sz="2000" smtClean="0">
+                <a:solidFill>
+                  <a:schemeClr val="tx1">
+                    <a:lumMod val="65000"/>
+                    <a:lumOff val="35000"/>
+                  </a:schemeClr>
+                </a:solidFill>
+                <a:latin typeface="a드림고딕5" panose="02020600000000000000" pitchFamily="18" charset="-127"/>
+                <a:ea typeface="a드림고딕5" panose="02020600000000000000" pitchFamily="18" charset="-127"/>
+              </a:rPr>
+              <a:t>을 위한 </a:t>
+            </a:r>
+            <a:endParaRPr lang="en-US" altLang="ko-KR" sz="2000" smtClean="0">
+              <a:solidFill>
+                <a:schemeClr val="tx1">
+                  <a:lumMod val="65000"/>
+                  <a:lumOff val="35000"/>
+                </a:schemeClr>
+              </a:solidFill>
+              <a:latin typeface="a드림고딕5" panose="02020600000000000000" pitchFamily="18" charset="-127"/>
+              <a:ea typeface="a드림고딕5" panose="02020600000000000000" pitchFamily="18" charset="-127"/>
+            </a:endParaRPr>
+          </a:p>
+          <a:p>
+            <a:r>
+              <a:rPr lang="en-US" altLang="ko-KR" sz="2000" smtClean="0">
+                <a:solidFill>
+                  <a:srgbClr val="FA507B"/>
+                </a:solidFill>
+                <a:latin typeface="a드림고딕5" panose="02020600000000000000" pitchFamily="18" charset="-127"/>
+                <a:ea typeface="a드림고딕5" panose="02020600000000000000" pitchFamily="18" charset="-127"/>
+              </a:rPr>
+              <a:t>chrome extension API </a:t>
+            </a:r>
+            <a:r>
+              <a:rPr lang="ko-KR" altLang="en-US" sz="2000" smtClean="0">
+                <a:solidFill>
+                  <a:srgbClr val="FA507B"/>
+                </a:solidFill>
+                <a:latin typeface="a드림고딕5" panose="02020600000000000000" pitchFamily="18" charset="-127"/>
+                <a:ea typeface="a드림고딕5" panose="02020600000000000000" pitchFamily="18" charset="-127"/>
+              </a:rPr>
+              <a:t>함수</a:t>
+            </a:r>
+            <a:endParaRPr lang="ko-KR" altLang="en-US" sz="2000">
+              <a:solidFill>
+                <a:srgbClr val="FA507B"/>
+              </a:solidFill>
+              <a:latin typeface="a드림고딕5" panose="02020600000000000000" pitchFamily="18" charset="-127"/>
+              <a:ea typeface="a드림고딕5" panose="02020600000000000000" pitchFamily="18" charset="-127"/>
+            </a:endParaRPr>
+          </a:p>
+        </p:txBody>
+      </p:sp>
+      <p:pic>
+        <p:nvPicPr>
+          <p:cNvPr id="3" name="그림 2"/>
+          <p:cNvPicPr>
+            <a:picLocks noChangeAspect="1"/>
+          </p:cNvPicPr>
+          <p:nvPr/>
+        </p:nvPicPr>
+        <p:blipFill>
+          <a:blip r:embed="rId3">
+            <a:extLst>
+              <a:ext uri="{28A0092B-C50C-407E-A947-70E740481C1C}">
+                <a14:useLocalDpi xmlns:a14="http://schemas.microsoft.com/office/drawing/2010/main" val="0"/>
+              </a:ext>
+            </a:extLst>
+          </a:blip>
+          <a:stretch>
+            <a:fillRect/>
+          </a:stretch>
+        </p:blipFill>
+        <p:spPr>
+          <a:xfrm>
+            <a:off x="712190" y="2606892"/>
+            <a:ext cx="3896269" cy="1448002"/>
+          </a:xfrm>
+          <a:prstGeom prst="rect">
+            <a:avLst/>
+          </a:prstGeom>
+          <a:solidFill>
+            <a:srgbClr val="FFFFFF">
+              <a:shade val="85000"/>
+            </a:srgbClr>
+          </a:solidFill>
+          <a:ln w="88900" cap="sq">
+            <a:solidFill>
+              <a:srgbClr val="FFFFFF"/>
+            </a:solidFill>
+            <a:miter lim="800000"/>
+          </a:ln>
+          <a:effectLst>
+            <a:outerShdw blurRad="55000" dist="18000" dir="5400000" algn="tl" rotWithShape="0">
+              <a:srgbClr val="000000">
+                <a:alpha val="40000"/>
+              </a:srgbClr>
+            </a:outerShdw>
+          </a:effectLst>
+          <a:scene3d>
+            <a:camera prst="orthographicFront"/>
+            <a:lightRig rig="twoPt" dir="t">
+              <a:rot lat="0" lon="0" rev="7200000"/>
+            </a:lightRig>
+          </a:scene3d>
+          <a:sp3d>
+            <a:bevelT w="25400" h="19050"/>
+            <a:contourClr>
+              <a:srgbClr val="FFFFFF"/>
+            </a:contourClr>
+          </a:sp3d>
+        </p:spPr>
+      </p:pic>
+      <p:sp>
+        <p:nvSpPr>
+          <p:cNvPr id="13" name="TextBox 12"/>
+          <p:cNvSpPr txBox="1"/>
+          <p:nvPr/>
+        </p:nvSpPr>
+        <p:spPr>
+          <a:xfrm>
+            <a:off x="537421" y="2014514"/>
+            <a:ext cx="1846980" cy="400110"/>
+          </a:xfrm>
+          <a:prstGeom prst="rect">
+            <a:avLst/>
+          </a:prstGeom>
+          <a:noFill/>
+        </p:spPr>
+        <p:txBody>
+          <a:bodyPr wrap="none" rtlCol="0">
+            <a:spAutoFit/>
+          </a:bodyPr>
+          <a:lstStyle/>
+          <a:p>
+            <a:r>
+              <a:rPr lang="ko-KR" altLang="en-US" sz="2000" smtClean="0">
+                <a:solidFill>
+                  <a:schemeClr val="tx1">
+                    <a:lumMod val="65000"/>
+                    <a:lumOff val="35000"/>
+                  </a:schemeClr>
+                </a:solidFill>
+                <a:latin typeface="a드림고딕5" panose="02020600000000000000" pitchFamily="18" charset="-127"/>
+                <a:ea typeface="a드림고딕5" panose="02020600000000000000" pitchFamily="18" charset="-127"/>
+              </a:rPr>
+              <a:t>알람 생성 예시</a:t>
+            </a:r>
+            <a:endParaRPr lang="ko-KR" altLang="en-US" sz="2000">
+              <a:solidFill>
+                <a:schemeClr val="tx1">
+                  <a:lumMod val="65000"/>
+                  <a:lumOff val="35000"/>
+                </a:schemeClr>
+              </a:solidFill>
+              <a:latin typeface="a드림고딕5" panose="02020600000000000000" pitchFamily="18" charset="-127"/>
+              <a:ea typeface="a드림고딕5" panose="02020600000000000000" pitchFamily="18" charset="-127"/>
+            </a:endParaRPr>
+          </a:p>
+        </p:txBody>
+      </p:sp>
+      <p:sp>
+        <p:nvSpPr>
+          <p:cNvPr id="14" name="slide4_shape2"/>
           <p:cNvSpPr>
             <a:spLocks noGrp="1"/>
           </p:cNvSpPr>
@@ -30528,411 +25510,10 @@
           </a:p>
         </p:txBody>
       </p:sp>
-      <p:sp>
-        <p:nvSpPr>
-          <p:cNvPr id="14" name="slide4_shape2"/>
-          <p:cNvSpPr txBox="1">
-            <a:spLocks/>
-          </p:cNvSpPr>
-          <p:nvPr/>
-        </p:nvSpPr>
-        <p:spPr>
-          <a:xfrm>
-            <a:off x="4498668" y="480115"/>
-            <a:ext cx="4670732" cy="480131"/>
-          </a:xfrm>
-          <a:prstGeom prst="rect">
-            <a:avLst/>
-          </a:prstGeom>
-        </p:spPr>
-        <p:txBody>
-          <a:bodyPr vert="horz" lIns="91440" tIns="45720" rIns="91440" bIns="45720" rtlCol="0" anchor="ctr">
-            <a:normAutofit fontScale="60000" lnSpcReduction="20000"/>
-          </a:bodyPr>
-          <a:lstStyle>
-            <a:lvl1pPr algn="l" defTabSz="914400" rtl="0" eaLnBrk="1" latinLnBrk="1" hangingPunct="1">
-              <a:lnSpc>
-                <a:spcPct val="90000"/>
-              </a:lnSpc>
-              <a:spcBef>
-                <a:spcPct val="0"/>
-              </a:spcBef>
-              <a:buNone/>
-              <a:defRPr sz="2800" kern="1200" baseline="0">
-                <a:ln>
-                  <a:solidFill>
-                    <a:schemeClr val="bg1">
-                      <a:alpha val="30000"/>
-                    </a:schemeClr>
-                  </a:solidFill>
-                </a:ln>
-                <a:solidFill>
-                  <a:schemeClr val="bg1"/>
-                </a:solidFill>
-                <a:latin typeface="나눔고딕"/>
-                <a:ea typeface="나눔고딕"/>
-                <a:cs typeface="+mj-cs"/>
-              </a:defRPr>
-            </a:lvl1pPr>
-          </a:lstStyle>
-          <a:p>
-            <a:r>
-              <a:rPr lang="ko-KR" altLang="en-US" smtClean="0">
-                <a:solidFill>
-                  <a:srgbClr val="FFFFFF"/>
-                </a:solidFill>
-                <a:latin typeface="a드림고딕5" panose="02020600000000000000" pitchFamily="18" charset="-127"/>
-                <a:ea typeface="a드림고딕5" panose="02020600000000000000" pitchFamily="18" charset="-127"/>
-              </a:rPr>
-              <a:t>확장프로그램 등록</a:t>
-            </a:r>
-            <a:r>
-              <a:rPr lang="en-US" altLang="ko-KR" smtClean="0">
-                <a:latin typeface="a드림고딕5" panose="02020600000000000000" pitchFamily="18" charset="-127"/>
-                <a:ea typeface="a드림고딕5" panose="02020600000000000000" pitchFamily="18" charset="-127"/>
-              </a:rPr>
-              <a:t/>
-            </a:r>
-            <a:br>
-              <a:rPr lang="en-US" altLang="ko-KR" smtClean="0">
-                <a:latin typeface="a드림고딕5" panose="02020600000000000000" pitchFamily="18" charset="-127"/>
-                <a:ea typeface="a드림고딕5" panose="02020600000000000000" pitchFamily="18" charset="-127"/>
-              </a:rPr>
-            </a:br>
-            <a:endParaRPr lang="en-US" altLang="ko-KR" dirty="0">
-              <a:latin typeface="a드림고딕5" panose="02020600000000000000" pitchFamily="18" charset="-127"/>
-              <a:ea typeface="a드림고딕5" panose="02020600000000000000" pitchFamily="18" charset="-127"/>
-            </a:endParaRPr>
-          </a:p>
-        </p:txBody>
-      </p:sp>
-      <p:sp>
-        <p:nvSpPr>
-          <p:cNvPr id="16" name="모서리가 둥근 직사각형 15"/>
-          <p:cNvSpPr/>
-          <p:nvPr/>
-        </p:nvSpPr>
-        <p:spPr>
-          <a:xfrm>
-            <a:off x="5067299" y="5898657"/>
-            <a:ext cx="596901" cy="159243"/>
-          </a:xfrm>
-          <a:prstGeom prst="roundRect">
-            <a:avLst/>
-          </a:prstGeom>
-          <a:noFill/>
-          <a:ln w="38100">
-            <a:solidFill>
-              <a:srgbClr val="FFC000"/>
-            </a:solidFill>
-            <a:prstDash val="solid"/>
-          </a:ln>
-        </p:spPr>
-        <p:style>
-          <a:lnRef idx="2">
-            <a:schemeClr val="accent1">
-              <a:shade val="50000"/>
-            </a:schemeClr>
-          </a:lnRef>
-          <a:fillRef idx="1">
-            <a:schemeClr val="accent1"/>
-          </a:fillRef>
-          <a:effectRef idx="0">
-            <a:schemeClr val="accent1"/>
-          </a:effectRef>
-          <a:fontRef idx="minor">
-            <a:schemeClr val="lt1"/>
-          </a:fontRef>
-        </p:style>
-        <p:txBody>
-          <a:bodyPr rtlCol="0" anchor="ctr"/>
-          <a:lstStyle/>
-          <a:p>
-            <a:pPr algn="ctr"/>
-            <a:endParaRPr lang="ko-KR" altLang="en-US"/>
-          </a:p>
-        </p:txBody>
-      </p:sp>
-      <p:sp>
-        <p:nvSpPr>
-          <p:cNvPr id="17" name="모서리가 둥근 직사각형 16"/>
-          <p:cNvSpPr/>
-          <p:nvPr/>
-        </p:nvSpPr>
-        <p:spPr>
-          <a:xfrm>
-            <a:off x="3008041" y="2241057"/>
-            <a:ext cx="1716359" cy="222743"/>
-          </a:xfrm>
-          <a:prstGeom prst="roundRect">
-            <a:avLst/>
-          </a:prstGeom>
-          <a:noFill/>
-          <a:ln w="38100">
-            <a:solidFill>
-              <a:srgbClr val="FFC000"/>
-            </a:solidFill>
-            <a:prstDash val="solid"/>
-          </a:ln>
-        </p:spPr>
-        <p:style>
-          <a:lnRef idx="2">
-            <a:schemeClr val="accent1">
-              <a:shade val="50000"/>
-            </a:schemeClr>
-          </a:lnRef>
-          <a:fillRef idx="1">
-            <a:schemeClr val="accent1"/>
-          </a:fillRef>
-          <a:effectRef idx="0">
-            <a:schemeClr val="accent1"/>
-          </a:effectRef>
-          <a:fontRef idx="minor">
-            <a:schemeClr val="lt1"/>
-          </a:fontRef>
-        </p:style>
-        <p:txBody>
-          <a:bodyPr rtlCol="0" anchor="ctr"/>
-          <a:lstStyle/>
-          <a:p>
-            <a:pPr algn="ctr"/>
-            <a:endParaRPr lang="ko-KR" altLang="en-US"/>
-          </a:p>
-        </p:txBody>
-      </p:sp>
-      <p:sp>
-        <p:nvSpPr>
-          <p:cNvPr id="15" name="TextBox 14"/>
-          <p:cNvSpPr txBox="1"/>
-          <p:nvPr/>
-        </p:nvSpPr>
-        <p:spPr>
-          <a:xfrm>
-            <a:off x="4172938" y="1349069"/>
-            <a:ext cx="325730" cy="400110"/>
-          </a:xfrm>
-          <a:prstGeom prst="rect">
-            <a:avLst/>
-          </a:prstGeom>
-          <a:noFill/>
-        </p:spPr>
-        <p:txBody>
-          <a:bodyPr wrap="none" rtlCol="0">
-            <a:spAutoFit/>
-          </a:bodyPr>
-          <a:lstStyle/>
-          <a:p>
-            <a:r>
-              <a:rPr lang="en-US" altLang="ko-KR" sz="2000" b="1" smtClean="0">
-                <a:solidFill>
-                  <a:srgbClr val="F70D45"/>
-                </a:solidFill>
-                <a:latin typeface="210 스무살의봄 B" panose="02020603020101020101" pitchFamily="18" charset="-127"/>
-                <a:ea typeface="210 스무살의봄 B" panose="02020603020101020101" pitchFamily="18" charset="-127"/>
-              </a:rPr>
-              <a:t>1)</a:t>
-            </a:r>
-            <a:endParaRPr lang="ko-KR" altLang="en-US" sz="2000" b="1">
-              <a:solidFill>
-                <a:srgbClr val="F70D45"/>
-              </a:solidFill>
-              <a:latin typeface="210 스무살의봄 B" panose="02020603020101020101" pitchFamily="18" charset="-127"/>
-              <a:ea typeface="210 스무살의봄 B" panose="02020603020101020101" pitchFamily="18" charset="-127"/>
-            </a:endParaRPr>
-          </a:p>
-        </p:txBody>
-      </p:sp>
-      <p:sp>
-        <p:nvSpPr>
-          <p:cNvPr id="20" name="TextBox 19"/>
-          <p:cNvSpPr txBox="1"/>
-          <p:nvPr/>
-        </p:nvSpPr>
-        <p:spPr>
-          <a:xfrm>
-            <a:off x="7602011" y="1802631"/>
-            <a:ext cx="377026" cy="400110"/>
-          </a:xfrm>
-          <a:prstGeom prst="rect">
-            <a:avLst/>
-          </a:prstGeom>
-          <a:noFill/>
-        </p:spPr>
-        <p:txBody>
-          <a:bodyPr wrap="none" rtlCol="0">
-            <a:spAutoFit/>
-          </a:bodyPr>
-          <a:lstStyle/>
-          <a:p>
-            <a:r>
-              <a:rPr lang="en-US" altLang="ko-KR" sz="2000" b="1" smtClean="0">
-                <a:solidFill>
-                  <a:srgbClr val="F70D45"/>
-                </a:solidFill>
-                <a:latin typeface="210 스무살의봄 B" panose="02020603020101020101" pitchFamily="18" charset="-127"/>
-                <a:ea typeface="210 스무살의봄 B" panose="02020603020101020101" pitchFamily="18" charset="-127"/>
-              </a:rPr>
-              <a:t>2)</a:t>
-            </a:r>
-            <a:endParaRPr lang="ko-KR" altLang="en-US" sz="2000" b="1">
-              <a:solidFill>
-                <a:srgbClr val="F70D45"/>
-              </a:solidFill>
-              <a:latin typeface="210 스무살의봄 B" panose="02020603020101020101" pitchFamily="18" charset="-127"/>
-              <a:ea typeface="210 스무살의봄 B" panose="02020603020101020101" pitchFamily="18" charset="-127"/>
-            </a:endParaRPr>
-          </a:p>
-        </p:txBody>
-      </p:sp>
-      <p:sp>
-        <p:nvSpPr>
-          <p:cNvPr id="21" name="TextBox 20"/>
-          <p:cNvSpPr txBox="1"/>
-          <p:nvPr/>
-        </p:nvSpPr>
-        <p:spPr>
-          <a:xfrm>
-            <a:off x="4700930" y="5641481"/>
-            <a:ext cx="378630" cy="400110"/>
-          </a:xfrm>
-          <a:prstGeom prst="rect">
-            <a:avLst/>
-          </a:prstGeom>
-          <a:noFill/>
-        </p:spPr>
-        <p:txBody>
-          <a:bodyPr wrap="none" rtlCol="0">
-            <a:spAutoFit/>
-          </a:bodyPr>
-          <a:lstStyle/>
-          <a:p>
-            <a:r>
-              <a:rPr lang="en-US" altLang="ko-KR" sz="2000" b="1" smtClean="0">
-                <a:solidFill>
-                  <a:srgbClr val="F70D45"/>
-                </a:solidFill>
-                <a:latin typeface="210 스무살의봄 B" panose="02020603020101020101" pitchFamily="18" charset="-127"/>
-                <a:ea typeface="210 스무살의봄 B" panose="02020603020101020101" pitchFamily="18" charset="-127"/>
-              </a:rPr>
-              <a:t>4)</a:t>
-            </a:r>
-            <a:endParaRPr lang="ko-KR" altLang="en-US" sz="2000" b="1">
-              <a:solidFill>
-                <a:srgbClr val="F70D45"/>
-              </a:solidFill>
-              <a:latin typeface="210 스무살의봄 B" panose="02020603020101020101" pitchFamily="18" charset="-127"/>
-              <a:ea typeface="210 스무살의봄 B" panose="02020603020101020101" pitchFamily="18" charset="-127"/>
-            </a:endParaRPr>
-          </a:p>
-        </p:txBody>
-      </p:sp>
-      <p:sp>
-        <p:nvSpPr>
-          <p:cNvPr id="22" name="TextBox 21"/>
-          <p:cNvSpPr txBox="1"/>
-          <p:nvPr/>
-        </p:nvSpPr>
-        <p:spPr>
-          <a:xfrm>
-            <a:off x="2578115" y="2152373"/>
-            <a:ext cx="369012" cy="400110"/>
-          </a:xfrm>
-          <a:prstGeom prst="rect">
-            <a:avLst/>
-          </a:prstGeom>
-          <a:noFill/>
-        </p:spPr>
-        <p:txBody>
-          <a:bodyPr wrap="none" rtlCol="0">
-            <a:spAutoFit/>
-          </a:bodyPr>
-          <a:lstStyle/>
-          <a:p>
-            <a:r>
-              <a:rPr lang="en-US" altLang="ko-KR" sz="2000" b="1">
-                <a:solidFill>
-                  <a:srgbClr val="F70D45"/>
-                </a:solidFill>
-                <a:latin typeface="210 스무살의봄 B" panose="02020603020101020101" pitchFamily="18" charset="-127"/>
-                <a:ea typeface="210 스무살의봄 B" panose="02020603020101020101" pitchFamily="18" charset="-127"/>
-              </a:rPr>
-              <a:t>3</a:t>
-            </a:r>
-            <a:r>
-              <a:rPr lang="en-US" altLang="ko-KR" sz="2000" b="1" smtClean="0">
-                <a:solidFill>
-                  <a:srgbClr val="F70D45"/>
-                </a:solidFill>
-                <a:latin typeface="210 스무살의봄 B" panose="02020603020101020101" pitchFamily="18" charset="-127"/>
-                <a:ea typeface="210 스무살의봄 B" panose="02020603020101020101" pitchFamily="18" charset="-127"/>
-              </a:rPr>
-              <a:t>)</a:t>
-            </a:r>
-            <a:endParaRPr lang="ko-KR" altLang="en-US" sz="2000" b="1">
-              <a:solidFill>
-                <a:srgbClr val="F70D45"/>
-              </a:solidFill>
-              <a:latin typeface="210 스무살의봄 B" panose="02020603020101020101" pitchFamily="18" charset="-127"/>
-              <a:ea typeface="210 스무살의봄 B" panose="02020603020101020101" pitchFamily="18" charset="-127"/>
-            </a:endParaRPr>
-          </a:p>
-        </p:txBody>
-      </p:sp>
-      <p:sp>
-        <p:nvSpPr>
-          <p:cNvPr id="23" name="모서리가 둥근 직사각형 22"/>
-          <p:cNvSpPr/>
-          <p:nvPr/>
-        </p:nvSpPr>
-        <p:spPr>
-          <a:xfrm>
-            <a:off x="7961041" y="1907050"/>
-            <a:ext cx="852759" cy="245323"/>
-          </a:xfrm>
-          <a:prstGeom prst="roundRect">
-            <a:avLst/>
-          </a:prstGeom>
-          <a:noFill/>
-          <a:ln w="38100">
-            <a:solidFill>
-              <a:srgbClr val="FFC000"/>
-            </a:solidFill>
-            <a:prstDash val="solid"/>
-          </a:ln>
-        </p:spPr>
-        <p:style>
-          <a:lnRef idx="2">
-            <a:schemeClr val="accent1">
-              <a:shade val="50000"/>
-            </a:schemeClr>
-          </a:lnRef>
-          <a:fillRef idx="1">
-            <a:schemeClr val="accent1"/>
-          </a:fillRef>
-          <a:effectRef idx="0">
-            <a:schemeClr val="accent1"/>
-          </a:effectRef>
-          <a:fontRef idx="minor">
-            <a:schemeClr val="lt1"/>
-          </a:fontRef>
-        </p:style>
-        <p:txBody>
-          <a:bodyPr rtlCol="0" anchor="ctr"/>
-          <a:lstStyle/>
-          <a:p>
-            <a:pPr algn="ctr"/>
-            <a:endParaRPr lang="ko-KR" altLang="en-US">
-              <a:solidFill>
-                <a:srgbClr val="FF0000"/>
-              </a:solidFill>
-            </a:endParaRPr>
-          </a:p>
-        </p:txBody>
-      </p:sp>
     </p:spTree>
     <p:extLst>
       <p:ext uri="{BB962C8B-B14F-4D97-AF65-F5344CB8AC3E}">
-        <p14:creationId xmlns:p14="http://schemas.microsoft.com/office/powerpoint/2010/main" val="1007933298"/>
+        <p14:creationId xmlns:p14="http://schemas.microsoft.com/office/powerpoint/2010/main" val="3949698441"/>
       </p:ext>
     </p:extLst>
   </p:cSld>
@@ -30941,14 +25522,10 @@
   </p:clrMapOvr>
   <mc:AlternateContent xmlns:mc="http://schemas.openxmlformats.org/markup-compatibility/2006" xmlns:p14="http://schemas.microsoft.com/office/powerpoint/2010/main">
     <mc:Choice Requires="p14">
-      <p:transition>
-        <p:push/>
-      </p:transition>
+      <p:transition p14:dur="0"/>
     </mc:Choice>
     <mc:Fallback xmlns="">
-      <p:transition spd="fast">
-        <p:push/>
-      </p:transition>
+      <p:transition/>
     </mc:Fallback>
   </mc:AlternateContent>
   <p:timing>
@@ -30980,7 +25557,7 @@
       </p:grpSpPr>
       <p:pic>
         <p:nvPicPr>
-          <p:cNvPr id="6" name="그림 5"/>
+          <p:cNvPr id="9" name="그림 8"/>
           <p:cNvPicPr>
             <a:picLocks noChangeAspect="1"/>
           </p:cNvPicPr>
@@ -31000,8 +25577,8 @@
         </p:blipFill>
         <p:spPr>
           <a:xfrm>
-            <a:off x="780364" y="2192258"/>
-            <a:ext cx="10058400" cy="3677264"/>
+            <a:off x="1606822" y="1257301"/>
+            <a:ext cx="7904985" cy="5600700"/>
           </a:xfrm>
           <a:prstGeom prst="rect">
             <a:avLst/>
@@ -31084,7 +25661,58 @@
       </p:sp>
       <p:sp>
         <p:nvSpPr>
-          <p:cNvPr id="5" name="slide4_shape2"/>
+          <p:cNvPr id="7" name="모서리가 둥근 직사각형 6"/>
+          <p:cNvSpPr/>
+          <p:nvPr/>
+        </p:nvSpPr>
+        <p:spPr>
+          <a:xfrm>
+            <a:off x="3008041" y="1466357"/>
+            <a:ext cx="1208359" cy="235443"/>
+          </a:xfrm>
+          <a:prstGeom prst="roundRect">
+            <a:avLst/>
+          </a:prstGeom>
+          <a:noFill/>
+          <a:ln w="28575">
+            <a:solidFill>
+              <a:srgbClr val="FFC000"/>
+            </a:solidFill>
+            <a:prstDash val="solid"/>
+          </a:ln>
+        </p:spPr>
+        <p:style>
+          <a:lnRef idx="2">
+            <a:schemeClr val="accent1">
+              <a:shade val="50000"/>
+            </a:schemeClr>
+          </a:lnRef>
+          <a:fillRef idx="1">
+            <a:schemeClr val="accent1"/>
+          </a:fillRef>
+          <a:effectRef idx="0">
+            <a:schemeClr val="accent1"/>
+          </a:effectRef>
+          <a:fontRef idx="minor">
+            <a:schemeClr val="lt1"/>
+          </a:fontRef>
+        </p:style>
+        <p:txBody>
+          <a:bodyPr rtlCol="0" anchor="ctr"/>
+          <a:lstStyle/>
+          <a:p>
+            <a:pPr algn="ctr"/>
+            <a:endParaRPr lang="ko-KR" altLang="en-US">
+              <a:solidFill>
+                <a:srgbClr val="FF0000"/>
+              </a:solidFill>
+            </a:endParaRPr>
+          </a:p>
+        </p:txBody>
+      </p:sp>
+      <p:sp>
+        <p:nvSpPr>
+          <p:cNvPr id="13" name="slide4_shape2"/>
           <p:cNvSpPr>
             <a:spLocks noGrp="1"/>
           </p:cNvSpPr>
@@ -31095,7 +25723,7 @@
         <p:spPr>
           <a:xfrm>
             <a:off x="1209368" y="535578"/>
-            <a:ext cx="4168876" cy="480131"/>
+            <a:ext cx="4670732" cy="480131"/>
           </a:xfrm>
           <a:prstGeom prst="rect">
             <a:avLst/>
@@ -31131,54 +25759,14 @@
               <a:buNone/>
             </a:pPr>
             <a:r>
-              <a:rPr altLang="ko-KR" sz="2800" err="1">
+              <a:rPr lang="ko-KR" altLang="en-US" sz="2800" smtClean="0">
                 <a:solidFill>
                   <a:srgbClr val="FFFFFF"/>
                 </a:solidFill>
                 <a:latin typeface="a드림고딕5" panose="02020600000000000000" pitchFamily="18" charset="-127"/>
                 <a:ea typeface="a드림고딕5" panose="02020600000000000000" pitchFamily="18" charset="-127"/>
               </a:rPr>
-              <a:t>사용</a:t>
-            </a:r>
-            <a:r>
-              <a:rPr altLang="ko-KR" sz="2800">
-                <a:solidFill>
-                  <a:srgbClr val="FFFFFF"/>
-                </a:solidFill>
-                <a:latin typeface="a드림고딕5" panose="02020600000000000000" pitchFamily="18" charset="-127"/>
-                <a:ea typeface="a드림고딕5" panose="02020600000000000000" pitchFamily="18" charset="-127"/>
-              </a:rPr>
-              <a:t> </a:t>
-            </a:r>
-            <a:r>
-              <a:rPr altLang="ko-KR" sz="2800" smtClean="0">
-                <a:solidFill>
-                  <a:srgbClr val="FFFFFF"/>
-                </a:solidFill>
-                <a:latin typeface="a드림고딕5" panose="02020600000000000000" pitchFamily="18" charset="-127"/>
-                <a:ea typeface="a드림고딕5" panose="02020600000000000000" pitchFamily="18" charset="-127"/>
-              </a:rPr>
-              <a:t>기술</a:t>
-            </a:r>
-            <a:r>
-              <a:rPr lang="en-US" altLang="ko-KR" sz="2800" smtClean="0">
-                <a:solidFill>
-                  <a:srgbClr val="FFFFFF"/>
-                </a:solidFill>
-                <a:latin typeface="a드림고딕5" panose="02020600000000000000" pitchFamily="18" charset="-127"/>
-                <a:ea typeface="a드림고딕5" panose="02020600000000000000" pitchFamily="18" charset="-127"/>
-              </a:rPr>
-              <a:t> : </a:t>
-            </a:r>
-            <a:r>
-              <a:rPr lang="ko-KR" altLang="en-US" sz="2800" smtClean="0">
-                <a:solidFill>
-                  <a:srgbClr val="FFFFFF"/>
-                </a:solidFill>
-                <a:latin typeface="a드림고딕5" panose="02020600000000000000" pitchFamily="18" charset="-127"/>
-                <a:ea typeface="a드림고딕5" panose="02020600000000000000" pitchFamily="18" charset="-127"/>
-              </a:rPr>
-              <a:t>확장프로그램</a:t>
+              <a:t>확장프로그램만들기</a:t>
             </a:r>
             <a:r>
               <a:rPr lang="en-US" altLang="ko-KR" dirty="0">
@@ -31202,14 +25790,92 @@
       </p:sp>
       <p:sp>
         <p:nvSpPr>
-          <p:cNvPr id="7" name="모서리가 둥근 직사각형 6"/>
+          <p:cNvPr id="14" name="slide4_shape2"/>
+          <p:cNvSpPr txBox="1">
+            <a:spLocks/>
+          </p:cNvSpPr>
+          <p:nvPr/>
+        </p:nvSpPr>
+        <p:spPr>
+          <a:xfrm>
+            <a:off x="4498668" y="480115"/>
+            <a:ext cx="4670732" cy="480131"/>
+          </a:xfrm>
+          <a:prstGeom prst="rect">
+            <a:avLst/>
+          </a:prstGeom>
+        </p:spPr>
+        <p:txBody>
+          <a:bodyPr vert="horz" lIns="91440" tIns="45720" rIns="91440" bIns="45720" rtlCol="0" anchor="ctr">
+            <a:normAutofit fontScale="60000" lnSpcReduction="20000"/>
+          </a:bodyPr>
+          <a:lstStyle>
+            <a:lvl1pPr algn="l" defTabSz="914400" rtl="0" eaLnBrk="1" latinLnBrk="1" hangingPunct="1">
+              <a:lnSpc>
+                <a:spcPct val="90000"/>
+              </a:lnSpc>
+              <a:spcBef>
+                <a:spcPct val="0"/>
+              </a:spcBef>
+              <a:buNone/>
+              <a:defRPr sz="2800" kern="1200" baseline="0">
+                <a:ln>
+                  <a:solidFill>
+                    <a:schemeClr val="bg1">
+                      <a:alpha val="30000"/>
+                    </a:schemeClr>
+                  </a:solidFill>
+                </a:ln>
+                <a:solidFill>
+                  <a:schemeClr val="bg1"/>
+                </a:solidFill>
+                <a:latin typeface="나눔고딕"/>
+                <a:ea typeface="나눔고딕"/>
+                <a:cs typeface="+mj-cs"/>
+              </a:defRPr>
+            </a:lvl1pPr>
+          </a:lstStyle>
+          <a:p>
+            <a:r>
+              <a:rPr lang="ko-KR" altLang="en-US" smtClean="0">
+                <a:solidFill>
+                  <a:srgbClr val="FFFFFF"/>
+                </a:solidFill>
+                <a:latin typeface="a드림고딕5" panose="02020600000000000000" pitchFamily="18" charset="-127"/>
+                <a:ea typeface="a드림고딕5" panose="02020600000000000000" pitchFamily="18" charset="-127"/>
+              </a:rPr>
+              <a:t>확장프로그램 등록</a:t>
+            </a:r>
+            <a:r>
+              <a:rPr lang="en-US" altLang="ko-KR" smtClean="0">
+                <a:latin typeface="a드림고딕5" panose="02020600000000000000" pitchFamily="18" charset="-127"/>
+                <a:ea typeface="a드림고딕5" panose="02020600000000000000" pitchFamily="18" charset="-127"/>
+              </a:rPr>
+              <a:t/>
+            </a:r>
+            <a:br>
+              <a:rPr lang="en-US" altLang="ko-KR" smtClean="0">
+                <a:latin typeface="a드림고딕5" panose="02020600000000000000" pitchFamily="18" charset="-127"/>
+                <a:ea typeface="a드림고딕5" panose="02020600000000000000" pitchFamily="18" charset="-127"/>
+              </a:rPr>
+            </a:br>
+            <a:endParaRPr lang="en-US" altLang="ko-KR" dirty="0">
+              <a:latin typeface="a드림고딕5" panose="02020600000000000000" pitchFamily="18" charset="-127"/>
+              <a:ea typeface="a드림고딕5" panose="02020600000000000000" pitchFamily="18" charset="-127"/>
+            </a:endParaRPr>
+          </a:p>
+        </p:txBody>
+      </p:sp>
+      <p:sp>
+        <p:nvSpPr>
+          <p:cNvPr id="16" name="모서리가 둥근 직사각형 15"/>
           <p:cNvSpPr/>
           <p:nvPr/>
         </p:nvSpPr>
         <p:spPr>
           <a:xfrm>
-            <a:off x="3744063" y="4512129"/>
-            <a:ext cx="1107338" cy="275772"/>
+            <a:off x="5067299" y="5898657"/>
+            <a:ext cx="596901" cy="159243"/>
           </a:xfrm>
           <a:prstGeom prst="roundRect">
             <a:avLst/>
@@ -31247,10 +25913,286 @@
           </a:p>
         </p:txBody>
       </p:sp>
+      <p:sp>
+        <p:nvSpPr>
+          <p:cNvPr id="17" name="모서리가 둥근 직사각형 16"/>
+          <p:cNvSpPr/>
+          <p:nvPr/>
+        </p:nvSpPr>
+        <p:spPr>
+          <a:xfrm>
+            <a:off x="3008041" y="2241057"/>
+            <a:ext cx="1716359" cy="222743"/>
+          </a:xfrm>
+          <a:prstGeom prst="roundRect">
+            <a:avLst/>
+          </a:prstGeom>
+          <a:noFill/>
+          <a:ln w="38100">
+            <a:solidFill>
+              <a:srgbClr val="FFC000"/>
+            </a:solidFill>
+            <a:prstDash val="solid"/>
+          </a:ln>
+        </p:spPr>
+        <p:style>
+          <a:lnRef idx="2">
+            <a:schemeClr val="accent1">
+              <a:shade val="50000"/>
+            </a:schemeClr>
+          </a:lnRef>
+          <a:fillRef idx="1">
+            <a:schemeClr val="accent1"/>
+          </a:fillRef>
+          <a:effectRef idx="0">
+            <a:schemeClr val="accent1"/>
+          </a:effectRef>
+          <a:fontRef idx="minor">
+            <a:schemeClr val="lt1"/>
+          </a:fontRef>
+        </p:style>
+        <p:txBody>
+          <a:bodyPr rtlCol="0" anchor="ctr"/>
+          <a:lstStyle/>
+          <a:p>
+            <a:pPr algn="ctr"/>
+            <a:endParaRPr lang="ko-KR" altLang="en-US"/>
+          </a:p>
+        </p:txBody>
+      </p:sp>
+      <p:sp>
+        <p:nvSpPr>
+          <p:cNvPr id="15" name="TextBox 14"/>
+          <p:cNvSpPr txBox="1"/>
+          <p:nvPr/>
+        </p:nvSpPr>
+        <p:spPr>
+          <a:xfrm>
+            <a:off x="4172938" y="1349069"/>
+            <a:ext cx="325730" cy="400110"/>
+          </a:xfrm>
+          <a:prstGeom prst="rect">
+            <a:avLst/>
+          </a:prstGeom>
+          <a:noFill/>
+        </p:spPr>
+        <p:txBody>
+          <a:bodyPr wrap="none" rtlCol="0">
+            <a:spAutoFit/>
+          </a:bodyPr>
+          <a:lstStyle/>
+          <a:p>
+            <a:r>
+              <a:rPr lang="en-US" altLang="ko-KR" sz="2000" b="1" smtClean="0">
+                <a:solidFill>
+                  <a:srgbClr val="F70D45"/>
+                </a:solidFill>
+                <a:latin typeface="210 스무살의봄 B" panose="02020603020101020101" pitchFamily="18" charset="-127"/>
+                <a:ea typeface="210 스무살의봄 B" panose="02020603020101020101" pitchFamily="18" charset="-127"/>
+              </a:rPr>
+              <a:t>1)</a:t>
+            </a:r>
+            <a:endParaRPr lang="ko-KR" altLang="en-US" sz="2000" b="1">
+              <a:solidFill>
+                <a:srgbClr val="F70D45"/>
+              </a:solidFill>
+              <a:latin typeface="210 스무살의봄 B" panose="02020603020101020101" pitchFamily="18" charset="-127"/>
+              <a:ea typeface="210 스무살의봄 B" panose="02020603020101020101" pitchFamily="18" charset="-127"/>
+            </a:endParaRPr>
+          </a:p>
+        </p:txBody>
+      </p:sp>
+      <p:sp>
+        <p:nvSpPr>
+          <p:cNvPr id="20" name="TextBox 19"/>
+          <p:cNvSpPr txBox="1"/>
+          <p:nvPr/>
+        </p:nvSpPr>
+        <p:spPr>
+          <a:xfrm>
+            <a:off x="7602011" y="1802631"/>
+            <a:ext cx="377026" cy="400110"/>
+          </a:xfrm>
+          <a:prstGeom prst="rect">
+            <a:avLst/>
+          </a:prstGeom>
+          <a:noFill/>
+        </p:spPr>
+        <p:txBody>
+          <a:bodyPr wrap="none" rtlCol="0">
+            <a:spAutoFit/>
+          </a:bodyPr>
+          <a:lstStyle/>
+          <a:p>
+            <a:r>
+              <a:rPr lang="en-US" altLang="ko-KR" sz="2000" b="1" smtClean="0">
+                <a:solidFill>
+                  <a:srgbClr val="F70D45"/>
+                </a:solidFill>
+                <a:latin typeface="210 스무살의봄 B" panose="02020603020101020101" pitchFamily="18" charset="-127"/>
+                <a:ea typeface="210 스무살의봄 B" panose="02020603020101020101" pitchFamily="18" charset="-127"/>
+              </a:rPr>
+              <a:t>2)</a:t>
+            </a:r>
+            <a:endParaRPr lang="ko-KR" altLang="en-US" sz="2000" b="1">
+              <a:solidFill>
+                <a:srgbClr val="F70D45"/>
+              </a:solidFill>
+              <a:latin typeface="210 스무살의봄 B" panose="02020603020101020101" pitchFamily="18" charset="-127"/>
+              <a:ea typeface="210 스무살의봄 B" panose="02020603020101020101" pitchFamily="18" charset="-127"/>
+            </a:endParaRPr>
+          </a:p>
+        </p:txBody>
+      </p:sp>
+      <p:sp>
+        <p:nvSpPr>
+          <p:cNvPr id="21" name="TextBox 20"/>
+          <p:cNvSpPr txBox="1"/>
+          <p:nvPr/>
+        </p:nvSpPr>
+        <p:spPr>
+          <a:xfrm>
+            <a:off x="4700930" y="5641481"/>
+            <a:ext cx="378630" cy="400110"/>
+          </a:xfrm>
+          <a:prstGeom prst="rect">
+            <a:avLst/>
+          </a:prstGeom>
+          <a:noFill/>
+        </p:spPr>
+        <p:txBody>
+          <a:bodyPr wrap="none" rtlCol="0">
+            <a:spAutoFit/>
+          </a:bodyPr>
+          <a:lstStyle/>
+          <a:p>
+            <a:r>
+              <a:rPr lang="en-US" altLang="ko-KR" sz="2000" b="1" smtClean="0">
+                <a:solidFill>
+                  <a:srgbClr val="F70D45"/>
+                </a:solidFill>
+                <a:latin typeface="210 스무살의봄 B" panose="02020603020101020101" pitchFamily="18" charset="-127"/>
+                <a:ea typeface="210 스무살의봄 B" panose="02020603020101020101" pitchFamily="18" charset="-127"/>
+              </a:rPr>
+              <a:t>4)</a:t>
+            </a:r>
+            <a:endParaRPr lang="ko-KR" altLang="en-US" sz="2000" b="1">
+              <a:solidFill>
+                <a:srgbClr val="F70D45"/>
+              </a:solidFill>
+              <a:latin typeface="210 스무살의봄 B" panose="02020603020101020101" pitchFamily="18" charset="-127"/>
+              <a:ea typeface="210 스무살의봄 B" panose="02020603020101020101" pitchFamily="18" charset="-127"/>
+            </a:endParaRPr>
+          </a:p>
+        </p:txBody>
+      </p:sp>
+      <p:sp>
+        <p:nvSpPr>
+          <p:cNvPr id="22" name="TextBox 21"/>
+          <p:cNvSpPr txBox="1"/>
+          <p:nvPr/>
+        </p:nvSpPr>
+        <p:spPr>
+          <a:xfrm>
+            <a:off x="2578115" y="2152373"/>
+            <a:ext cx="369012" cy="400110"/>
+          </a:xfrm>
+          <a:prstGeom prst="rect">
+            <a:avLst/>
+          </a:prstGeom>
+          <a:noFill/>
+        </p:spPr>
+        <p:txBody>
+          <a:bodyPr wrap="none" rtlCol="0">
+            <a:spAutoFit/>
+          </a:bodyPr>
+          <a:lstStyle/>
+          <a:p>
+            <a:r>
+              <a:rPr lang="en-US" altLang="ko-KR" sz="2000" b="1">
+                <a:solidFill>
+                  <a:srgbClr val="F70D45"/>
+                </a:solidFill>
+                <a:latin typeface="210 스무살의봄 B" panose="02020603020101020101" pitchFamily="18" charset="-127"/>
+                <a:ea typeface="210 스무살의봄 B" panose="02020603020101020101" pitchFamily="18" charset="-127"/>
+              </a:rPr>
+              <a:t>3</a:t>
+            </a:r>
+            <a:r>
+              <a:rPr lang="en-US" altLang="ko-KR" sz="2000" b="1" smtClean="0">
+                <a:solidFill>
+                  <a:srgbClr val="F70D45"/>
+                </a:solidFill>
+                <a:latin typeface="210 스무살의봄 B" panose="02020603020101020101" pitchFamily="18" charset="-127"/>
+                <a:ea typeface="210 스무살의봄 B" panose="02020603020101020101" pitchFamily="18" charset="-127"/>
+              </a:rPr>
+              <a:t>)</a:t>
+            </a:r>
+            <a:endParaRPr lang="ko-KR" altLang="en-US" sz="2000" b="1">
+              <a:solidFill>
+                <a:srgbClr val="F70D45"/>
+              </a:solidFill>
+              <a:latin typeface="210 스무살의봄 B" panose="02020603020101020101" pitchFamily="18" charset="-127"/>
+              <a:ea typeface="210 스무살의봄 B" panose="02020603020101020101" pitchFamily="18" charset="-127"/>
+            </a:endParaRPr>
+          </a:p>
+        </p:txBody>
+      </p:sp>
+      <p:sp>
+        <p:nvSpPr>
+          <p:cNvPr id="23" name="모서리가 둥근 직사각형 22"/>
+          <p:cNvSpPr/>
+          <p:nvPr/>
+        </p:nvSpPr>
+        <p:spPr>
+          <a:xfrm>
+            <a:off x="7961041" y="1907050"/>
+            <a:ext cx="852759" cy="245323"/>
+          </a:xfrm>
+          <a:prstGeom prst="roundRect">
+            <a:avLst/>
+          </a:prstGeom>
+          <a:noFill/>
+          <a:ln w="38100">
+            <a:solidFill>
+              <a:srgbClr val="FFC000"/>
+            </a:solidFill>
+            <a:prstDash val="solid"/>
+          </a:ln>
+        </p:spPr>
+        <p:style>
+          <a:lnRef idx="2">
+            <a:schemeClr val="accent1">
+              <a:shade val="50000"/>
+            </a:schemeClr>
+          </a:lnRef>
+          <a:fillRef idx="1">
+            <a:schemeClr val="accent1"/>
+          </a:fillRef>
+          <a:effectRef idx="0">
+            <a:schemeClr val="accent1"/>
+          </a:effectRef>
+          <a:fontRef idx="minor">
+            <a:schemeClr val="lt1"/>
+          </a:fontRef>
+        </p:style>
+        <p:txBody>
+          <a:bodyPr rtlCol="0" anchor="ctr"/>
+          <a:lstStyle/>
+          <a:p>
+            <a:pPr algn="ctr"/>
+            <a:endParaRPr lang="ko-KR" altLang="en-US">
+              <a:solidFill>
+                <a:srgbClr val="FF0000"/>
+              </a:solidFill>
+            </a:endParaRPr>
+          </a:p>
+        </p:txBody>
+      </p:sp>
     </p:spTree>
     <p:extLst>
       <p:ext uri="{BB962C8B-B14F-4D97-AF65-F5344CB8AC3E}">
-        <p14:creationId xmlns:p14="http://schemas.microsoft.com/office/powerpoint/2010/main" val="2438709844"/>
+        <p14:creationId xmlns:p14="http://schemas.microsoft.com/office/powerpoint/2010/main" val="1007933298"/>
       </p:ext>
     </p:extLst>
   </p:cSld>
@@ -31296,9 +26238,39 @@
           <a:chExt cx="0" cy="0"/>
         </a:xfrm>
       </p:grpSpPr>
+      <p:pic>
+        <p:nvPicPr>
+          <p:cNvPr id="6" name="그림 5"/>
+          <p:cNvPicPr>
+            <a:picLocks noChangeAspect="1"/>
+          </p:cNvPicPr>
+          <p:nvPr/>
+        </p:nvPicPr>
+        <p:blipFill>
+          <a:blip r:embed="rId2">
+            <a:extLst>
+              <a:ext uri="{28A0092B-C50C-407E-A947-70E740481C1C}">
+                <a14:useLocalDpi xmlns:a14="http://schemas.microsoft.com/office/drawing/2010/main" val="0"/>
+              </a:ext>
+            </a:extLst>
+          </a:blip>
+          <a:stretch>
+            <a:fillRect/>
+          </a:stretch>
+        </p:blipFill>
+        <p:spPr>
+          <a:xfrm>
+            <a:off x="780364" y="2192258"/>
+            <a:ext cx="10058400" cy="3677264"/>
+          </a:xfrm>
+          <a:prstGeom prst="rect">
+            <a:avLst/>
+          </a:prstGeom>
+        </p:spPr>
+      </p:pic>
       <p:sp>
         <p:nvSpPr>
-          <p:cNvPr id="16" name="텍스트 개체 틀 15"/>
+          <p:cNvPr id="4" name="slide4_shape1"/>
           <p:cNvSpPr>
             <a:spLocks noGrp="1"/>
           </p:cNvSpPr>
@@ -31306,19 +26278,64 @@
             <p:ph type="body" sz="quarter" idx="10"/>
           </p:nvPr>
         </p:nvSpPr>
-        <p:spPr/>
+        <p:spPr>
+          <a:xfrm>
+            <a:off x="351359" y="398461"/>
+            <a:ext cx="858010" cy="475810"/>
+          </a:xfrm>
+          <a:prstGeom prst="rect">
+            <a:avLst/>
+          </a:prstGeom>
+        </p:spPr>
         <p:txBody>
           <a:bodyPr/>
-          <a:lstStyle/>
-          <a:p>
-            <a:r>
-              <a:rPr lang="en-US" altLang="ko-KR" smtClean="0">
+          <a:lstStyle>
+            <a:lvl1pPr marL="0" indent="0">
+              <a:buNone/>
+              <a:defRPr>
+                <a:ln>
+                  <a:solidFill>
+                    <a:schemeClr val="bg1">
+                      <a:alpha val="30000"/>
+                    </a:schemeClr>
+                  </a:solidFill>
+                </a:ln>
+                <a:solidFill>
+                  <a:schemeClr val="bg1"/>
+                </a:solidFill>
+                <a:latin typeface="나눔고딕"/>
+                <a:ea typeface="나눔고딕"/>
+              </a:defRPr>
+            </a:lvl1pPr>
+          </a:lstStyle>
+          <a:p>
+            <a:pPr marL="0" algn="l">
+              <a:lnSpc>
+                <a:spcPct val="90000"/>
+              </a:lnSpc>
+              <a:spcBef>
+                <a:spcPts val="1000"/>
+              </a:spcBef>
+              <a:buNone/>
+            </a:pPr>
+            <a:r>
+              <a:rPr lang="en-US" altLang="ko-KR" sz="2800" dirty="0" smtClean="0">
+                <a:solidFill>
+                  <a:schemeClr val="bg1">
+                    <a:alpha val="100000"/>
+                  </a:schemeClr>
+                </a:solidFill>
                 <a:latin typeface="a드림고딕5" panose="02020600000000000000" pitchFamily="18" charset="-127"/>
                 <a:ea typeface="a드림고딕5" panose="02020600000000000000" pitchFamily="18" charset="-127"/>
               </a:rPr>
-              <a:t>06</a:t>
-            </a:r>
-            <a:endParaRPr lang="ko-KR" altLang="en-US" dirty="0">
+              <a:t>05</a:t>
+            </a:r>
+            <a:endParaRPr lang="en-US" altLang="ko-KR" sz="2800" dirty="0">
+              <a:solidFill>
+                <a:schemeClr val="bg1">
+                  <a:alpha val="100000"/>
+                </a:schemeClr>
+              </a:solidFill>
               <a:latin typeface="a드림고딕5" panose="02020600000000000000" pitchFamily="18" charset="-127"/>
               <a:ea typeface="a드림고딕5" panose="02020600000000000000" pitchFamily="18" charset="-127"/>
             </a:endParaRPr>
@@ -31327,7 +26344,7 @@
       </p:sp>
       <p:sp>
         <p:nvSpPr>
-          <p:cNvPr id="15" name="제목 14"/>
+          <p:cNvPr id="5" name="slide4_shape2"/>
           <p:cNvSpPr>
             <a:spLocks noGrp="1"/>
           </p:cNvSpPr>
@@ -31335,19 +26352,108 @@
             <p:ph type="title"/>
           </p:nvPr>
         </p:nvSpPr>
-        <p:spPr/>
+        <p:spPr>
+          <a:xfrm>
+            <a:off x="1209368" y="535578"/>
+            <a:ext cx="4168876" cy="480131"/>
+          </a:xfrm>
+          <a:prstGeom prst="rect">
+            <a:avLst/>
+          </a:prstGeom>
+        </p:spPr>
         <p:txBody>
-          <a:bodyPr/>
-          <a:lstStyle/>
-          <a:p>
-            <a:r>
-              <a:rPr lang="ko-KR" altLang="en-US" smtClean="0">
+          <a:bodyPr anchor="ctr">
+            <a:normAutofit fontScale="90000"/>
+          </a:bodyPr>
+          <a:lstStyle>
+            <a:lvl1pPr>
+              <a:defRPr sz="2800" baseline="0">
+                <a:ln>
+                  <a:solidFill>
+                    <a:schemeClr val="bg1">
+                      <a:alpha val="30000"/>
+                    </a:schemeClr>
+                  </a:solidFill>
+                </a:ln>
+                <a:solidFill>
+                  <a:schemeClr val="bg1"/>
+                </a:solidFill>
+                <a:latin typeface="나눔고딕"/>
+                <a:ea typeface="나눔고딕"/>
+              </a:defRPr>
+            </a:lvl1pPr>
+          </a:lstStyle>
+          <a:p>
+            <a:pPr marL="0" algn="l">
+              <a:lnSpc>
+                <a:spcPct val="90000"/>
+              </a:lnSpc>
+              <a:buNone/>
+            </a:pPr>
+            <a:r>
+              <a:rPr altLang="ko-KR" sz="2800" err="1">
+                <a:solidFill>
+                  <a:srgbClr val="FFFFFF"/>
+                </a:solidFill>
                 <a:latin typeface="a드림고딕5" panose="02020600000000000000" pitchFamily="18" charset="-127"/>
                 <a:ea typeface="a드림고딕5" panose="02020600000000000000" pitchFamily="18" charset="-127"/>
               </a:rPr>
-              <a:t>팀원 소개</a:t>
-            </a:r>
-            <a:endParaRPr lang="ko-KR" altLang="en-US" dirty="0">
+              <a:t>사용</a:t>
+            </a:r>
+            <a:r>
+              <a:rPr altLang="ko-KR" sz="2800">
+                <a:solidFill>
+                  <a:srgbClr val="FFFFFF"/>
+                </a:solidFill>
+                <a:latin typeface="a드림고딕5" panose="02020600000000000000" pitchFamily="18" charset="-127"/>
+                <a:ea typeface="a드림고딕5" panose="02020600000000000000" pitchFamily="18" charset="-127"/>
+              </a:rPr>
+              <a:t> </a:t>
+            </a:r>
+            <a:r>
+              <a:rPr altLang="ko-KR" sz="2800" smtClean="0">
+                <a:solidFill>
+                  <a:srgbClr val="FFFFFF"/>
+                </a:solidFill>
+                <a:latin typeface="a드림고딕5" panose="02020600000000000000" pitchFamily="18" charset="-127"/>
+                <a:ea typeface="a드림고딕5" panose="02020600000000000000" pitchFamily="18" charset="-127"/>
+              </a:rPr>
+              <a:t>기술</a:t>
+            </a:r>
+            <a:r>
+              <a:rPr lang="en-US" altLang="ko-KR" sz="2800" smtClean="0">
+                <a:solidFill>
+                  <a:srgbClr val="FFFFFF"/>
+                </a:solidFill>
+                <a:latin typeface="a드림고딕5" panose="02020600000000000000" pitchFamily="18" charset="-127"/>
+                <a:ea typeface="a드림고딕5" panose="02020600000000000000" pitchFamily="18" charset="-127"/>
+              </a:rPr>
+              <a:t> : </a:t>
+            </a:r>
+            <a:r>
+              <a:rPr lang="ko-KR" altLang="en-US" sz="2800" smtClean="0">
+                <a:solidFill>
+                  <a:srgbClr val="FFFFFF"/>
+                </a:solidFill>
+                <a:latin typeface="a드림고딕5" panose="02020600000000000000" pitchFamily="18" charset="-127"/>
+                <a:ea typeface="a드림고딕5" panose="02020600000000000000" pitchFamily="18" charset="-127"/>
+              </a:rPr>
+              <a:t>확장프로그램</a:t>
+            </a:r>
+            <a:r>
+              <a:rPr lang="en-US" altLang="ko-KR" dirty="0">
+                <a:latin typeface="a드림고딕5" panose="02020600000000000000" pitchFamily="18" charset="-127"/>
+                <a:ea typeface="a드림고딕5" panose="02020600000000000000" pitchFamily="18" charset="-127"/>
+              </a:rPr>
+              <a:t/>
+            </a:r>
+            <a:br>
+              <a:rPr lang="en-US" altLang="ko-KR" dirty="0">
+                <a:latin typeface="a드림고딕5" panose="02020600000000000000" pitchFamily="18" charset="-127"/>
+                <a:ea typeface="a드림고딕5" panose="02020600000000000000" pitchFamily="18" charset="-127"/>
+              </a:rPr>
+            </a:br>
+            <a:endParaRPr lang="en-US" altLang="ko-KR" dirty="0">
               <a:latin typeface="a드림고딕5" panose="02020600000000000000" pitchFamily="18" charset="-127"/>
               <a:ea typeface="a드림고딕5" panose="02020600000000000000" pitchFamily="18" charset="-127"/>
             </a:endParaRPr>
@@ -31356,23 +26462,24 @@
       </p:sp>
       <p:sp>
         <p:nvSpPr>
-          <p:cNvPr id="6" name="타원 5"/>
+          <p:cNvPr id="7" name="모서리가 둥근 직사각형 6"/>
           <p:cNvSpPr/>
           <p:nvPr/>
         </p:nvSpPr>
         <p:spPr>
           <a:xfrm>
-            <a:off x="857794" y="1870331"/>
-            <a:ext cx="2298700" cy="2197100"/>
-          </a:xfrm>
-          <a:prstGeom prst="ellipse">
+            <a:off x="3744063" y="4512129"/>
+            <a:ext cx="1107338" cy="275772"/>
+          </a:xfrm>
+          <a:prstGeom prst="roundRect">
             <a:avLst/>
           </a:prstGeom>
-          <a:solidFill>
-            <a:schemeClr val="bg1"/>
-          </a:solidFill>
-          <a:ln>
-            <a:noFill/>
+          <a:noFill/>
+          <a:ln w="38100">
+            <a:solidFill>
+              <a:srgbClr val="FFC000"/>
+            </a:solidFill>
+            <a:prstDash val="solid"/>
           </a:ln>
         </p:spPr>
         <p:style>
@@ -31400,6 +26507,113 @@
           </a:p>
         </p:txBody>
       </p:sp>
+    </p:spTree>
+    <p:extLst>
+      <p:ext uri="{BB962C8B-B14F-4D97-AF65-F5344CB8AC3E}">
+        <p14:creationId xmlns:p14="http://schemas.microsoft.com/office/powerpoint/2010/main" val="2438709844"/>
+      </p:ext>
+    </p:extLst>
+  </p:cSld>
+  <p:clrMapOvr>
+    <a:masterClrMapping/>
+  </p:clrMapOvr>
+  <mc:AlternateContent xmlns:mc="http://schemas.openxmlformats.org/markup-compatibility/2006" xmlns:p14="http://schemas.microsoft.com/office/powerpoint/2010/main">
+    <mc:Choice Requires="p14">
+      <p:transition>
+        <p:push/>
+      </p:transition>
+    </mc:Choice>
+    <mc:Fallback xmlns="">
+      <p:transition spd="fast">
+        <p:push/>
+      </p:transition>
+    </mc:Fallback>
+  </mc:AlternateContent>
+  <p:timing>
+    <p:tnLst>
+      <p:par>
+        <p:cTn id="1" dur="indefinite" restart="never" nodeType="tmRoot"/>
+      </p:par>
+    </p:tnLst>
+  </p:timing>
+</p:sld>
+</file>
+
+<file path=ppt/slides/slide33.xml><?xml version="1.0" encoding="utf-8"?>
+<p:sld xmlns:a="http://schemas.openxmlformats.org/drawingml/2006/main" xmlns:r="http://schemas.openxmlformats.org/officeDocument/2006/relationships" xmlns:p="http://schemas.openxmlformats.org/presentationml/2006/main">
+  <p:cSld>
+    <p:spTree>
+      <p:nvGrpSpPr>
+        <p:cNvPr id="1" name=""/>
+        <p:cNvGrpSpPr/>
+        <p:nvPr/>
+      </p:nvGrpSpPr>
+      <p:grpSpPr>
+        <a:xfrm>
+          <a:off x="0" y="0"/>
+          <a:ext cx="0" cy="0"/>
+          <a:chOff x="0" y="0"/>
+          <a:chExt cx="0" cy="0"/>
+        </a:xfrm>
+      </p:grpSpPr>
+      <p:sp>
+        <p:nvSpPr>
+          <p:cNvPr id="16" name="텍스트 개체 틀 15"/>
+          <p:cNvSpPr>
+            <a:spLocks noGrp="1"/>
+          </p:cNvSpPr>
+          <p:nvPr>
+            <p:ph type="body" sz="quarter" idx="10"/>
+          </p:nvPr>
+        </p:nvSpPr>
+        <p:spPr/>
+        <p:txBody>
+          <a:bodyPr/>
+          <a:lstStyle/>
+          <a:p>
+            <a:r>
+              <a:rPr lang="en-US" altLang="ko-KR" smtClean="0">
+                <a:latin typeface="a드림고딕5" panose="02020600000000000000" pitchFamily="18" charset="-127"/>
+                <a:ea typeface="a드림고딕5" panose="02020600000000000000" pitchFamily="18" charset="-127"/>
+              </a:rPr>
+              <a:t>06</a:t>
+            </a:r>
+            <a:endParaRPr lang="ko-KR" altLang="en-US" dirty="0">
+              <a:latin typeface="a드림고딕5" panose="02020600000000000000" pitchFamily="18" charset="-127"/>
+              <a:ea typeface="a드림고딕5" panose="02020600000000000000" pitchFamily="18" charset="-127"/>
+            </a:endParaRPr>
+          </a:p>
+        </p:txBody>
+      </p:sp>
+      <p:sp>
+        <p:nvSpPr>
+          <p:cNvPr id="15" name="제목 14"/>
+          <p:cNvSpPr>
+            <a:spLocks noGrp="1"/>
+          </p:cNvSpPr>
+          <p:nvPr>
+            <p:ph type="title"/>
+          </p:nvPr>
+        </p:nvSpPr>
+        <p:spPr/>
+        <p:txBody>
+          <a:bodyPr/>
+          <a:lstStyle/>
+          <a:p>
+            <a:r>
+              <a:rPr lang="ko-KR" altLang="en-US" smtClean="0">
+                <a:latin typeface="a드림고딕5" panose="02020600000000000000" pitchFamily="18" charset="-127"/>
+                <a:ea typeface="a드림고딕5" panose="02020600000000000000" pitchFamily="18" charset="-127"/>
+              </a:rPr>
+              <a:t>팀원 소개</a:t>
+            </a:r>
+            <a:endParaRPr lang="ko-KR" altLang="en-US" dirty="0">
+              <a:latin typeface="a드림고딕5" panose="02020600000000000000" pitchFamily="18" charset="-127"/>
+              <a:ea typeface="a드림고딕5" panose="02020600000000000000" pitchFamily="18" charset="-127"/>
+            </a:endParaRPr>
+          </a:p>
+        </p:txBody>
+      </p:sp>
       <p:cxnSp>
         <p:nvCxnSpPr>
           <p:cNvPr id="11" name="직선 연결선 10"/>
@@ -31408,7 +26622,7 @@
         </p:nvCxnSpPr>
         <p:spPr>
           <a:xfrm>
-            <a:off x="780364" y="4279900"/>
+            <a:off x="670005" y="2717800"/>
             <a:ext cx="2376130" cy="0"/>
           </a:xfrm>
           <a:prstGeom prst="line">
@@ -31446,7 +26660,7 @@
         </p:nvSpPr>
         <p:spPr>
           <a:xfrm>
-            <a:off x="1512898" y="4313163"/>
+            <a:off x="1602333" y="2302645"/>
             <a:ext cx="988492" cy="369332"/>
           </a:xfrm>
           <a:prstGeom prst="rect">
@@ -31474,52 +26688,6 @@
           </a:p>
         </p:txBody>
       </p:sp>
-      <p:sp>
-        <p:nvSpPr>
-          <p:cNvPr id="30" name="타원 29"/>
-          <p:cNvSpPr/>
-          <p:nvPr/>
-        </p:nvSpPr>
-        <p:spPr>
-          <a:xfrm>
-            <a:off x="5108775" y="1827784"/>
-            <a:ext cx="2298700" cy="2197100"/>
-          </a:xfrm>
-          <a:prstGeom prst="ellipse">
-            <a:avLst/>
-          </a:prstGeom>
-          <a:solidFill>
-            <a:schemeClr val="bg1"/>
-          </a:solidFill>
-          <a:ln>
-            <a:noFill/>
-          </a:ln>
-        </p:spPr>
-        <p:style>
-          <a:lnRef idx="2">
-            <a:schemeClr val="accent1">
-              <a:shade val="50000"/>
-            </a:schemeClr>
-          </a:lnRef>
-          <a:fillRef idx="1">
-            <a:schemeClr val="accent1"/>
-          </a:fillRef>
-          <a:effectRef idx="0">
-            <a:schemeClr val="accent1"/>
-          </a:effectRef>
-          <a:fontRef idx="minor">
-            <a:schemeClr val="lt1"/>
-          </a:fontRef>
-        </p:style>
-        <p:txBody>
-          <a:bodyPr rtlCol="0" anchor="ctr"/>
-          <a:lstStyle/>
-          <a:p>
-            <a:pPr algn="ctr"/>
-            <a:endParaRPr lang="ko-KR" altLang="en-US"/>
-          </a:p>
-        </p:txBody>
-      </p:sp>
       <p:cxnSp>
         <p:nvCxnSpPr>
           <p:cNvPr id="34" name="직선 연결선 33"/>
@@ -31528,7 +26696,7 @@
         </p:nvCxnSpPr>
         <p:spPr>
           <a:xfrm>
-            <a:off x="5031345" y="4237353"/>
+            <a:off x="4924010" y="2675253"/>
             <a:ext cx="2376130" cy="0"/>
           </a:xfrm>
           <a:prstGeom prst="line">
@@ -31563,7 +26731,7 @@
         </p:nvSpPr>
         <p:spPr>
           <a:xfrm>
-            <a:off x="5763879" y="4270616"/>
+            <a:off x="5903880" y="2305921"/>
             <a:ext cx="988492" cy="369332"/>
           </a:xfrm>
           <a:prstGeom prst="rect">
@@ -31591,52 +26759,6 @@
           </a:p>
         </p:txBody>
       </p:sp>
-      <p:sp>
-        <p:nvSpPr>
-          <p:cNvPr id="36" name="타원 35"/>
-          <p:cNvSpPr/>
-          <p:nvPr/>
-        </p:nvSpPr>
-        <p:spPr>
-          <a:xfrm>
-            <a:off x="9219456" y="1684653"/>
-            <a:ext cx="2298700" cy="2197100"/>
-          </a:xfrm>
-          <a:prstGeom prst="ellipse">
-            <a:avLst/>
-          </a:prstGeom>
-          <a:solidFill>
-            <a:schemeClr val="bg1"/>
-          </a:solidFill>
-          <a:ln>
-            <a:noFill/>
-          </a:ln>
-        </p:spPr>
-        <p:style>
-          <a:lnRef idx="2">
-            <a:schemeClr val="accent1">
-              <a:shade val="50000"/>
-            </a:schemeClr>
-          </a:lnRef>
-          <a:fillRef idx="1">
-            <a:schemeClr val="accent1"/>
-          </a:fillRef>
-          <a:effectRef idx="0">
-            <a:schemeClr val="accent1"/>
-          </a:effectRef>
-          <a:fontRef idx="minor">
-            <a:schemeClr val="lt1"/>
-          </a:fontRef>
-        </p:style>
-        <p:txBody>
-          <a:bodyPr rtlCol="0" anchor="ctr"/>
-          <a:lstStyle/>
-          <a:p>
-            <a:pPr algn="ctr"/>
-            <a:endParaRPr lang="ko-KR" altLang="en-US"/>
-          </a:p>
-        </p:txBody>
-      </p:sp>
       <p:cxnSp>
         <p:nvCxnSpPr>
           <p:cNvPr id="39" name="직선 연결선 38"/>
@@ -31645,7 +26767,7 @@
         </p:nvCxnSpPr>
         <p:spPr>
           <a:xfrm>
-            <a:off x="9142026" y="4094222"/>
+            <a:off x="9047433" y="2630978"/>
             <a:ext cx="2376130" cy="0"/>
           </a:xfrm>
           <a:prstGeom prst="line">
@@ -31672,36 +26794,6 @@
           </a:fontRef>
         </p:style>
       </p:cxnSp>
-      <p:pic>
-        <p:nvPicPr>
-          <p:cNvPr id="42" name="그림 41"/>
-          <p:cNvPicPr>
-            <a:picLocks noChangeAspect="1"/>
-          </p:cNvPicPr>
-          <p:nvPr/>
-        </p:nvPicPr>
-        <p:blipFill>
-          <a:blip r:embed="rId2">
-            <a:extLst>
-              <a:ext uri="{28A0092B-C50C-407E-A947-70E740481C1C}">
-                <a14:useLocalDpi xmlns:a14="http://schemas.microsoft.com/office/drawing/2010/main" val="0"/>
-              </a:ext>
-            </a:extLst>
-          </a:blip>
-          <a:stretch>
-            <a:fillRect/>
-          </a:stretch>
-        </p:blipFill>
-        <p:spPr>
-          <a:xfrm>
-            <a:off x="837425" y="1847519"/>
-            <a:ext cx="2319069" cy="2219912"/>
-          </a:xfrm>
-          <a:prstGeom prst="ellipse">
-            <a:avLst/>
-          </a:prstGeom>
-        </p:spPr>
-      </p:pic>
       <p:sp>
         <p:nvSpPr>
           <p:cNvPr id="40" name="TextBox 39"/>
@@ -31710,7 +26802,7 @@
         </p:nvSpPr>
         <p:spPr>
           <a:xfrm>
-            <a:off x="9874560" y="4127485"/>
+            <a:off x="9896233" y="2261647"/>
             <a:ext cx="988492" cy="369332"/>
           </a:xfrm>
           <a:prstGeom prst="rect">
@@ -31826,36 +26918,6 @@
           </a:p>
         </p:txBody>
       </p:sp>
-      <p:pic>
-        <p:nvPicPr>
-          <p:cNvPr id="43" name="그림 42"/>
-          <p:cNvPicPr>
-            <a:picLocks noChangeAspect="1"/>
-          </p:cNvPicPr>
-          <p:nvPr/>
-        </p:nvPicPr>
-        <p:blipFill>
-          <a:blip r:embed="rId2">
-            <a:extLst>
-              <a:ext uri="{28A0092B-C50C-407E-A947-70E740481C1C}">
-                <a14:useLocalDpi xmlns:a14="http://schemas.microsoft.com/office/drawing/2010/main" val="0"/>
-              </a:ext>
-            </a:extLst>
-          </a:blip>
-          <a:stretch>
-            <a:fillRect/>
-          </a:stretch>
-        </p:blipFill>
-        <p:spPr>
-          <a:xfrm>
-            <a:off x="5088406" y="1812554"/>
-            <a:ext cx="2319069" cy="2219912"/>
-          </a:xfrm>
-          <a:prstGeom prst="ellipse">
-            <a:avLst/>
-          </a:prstGeom>
-        </p:spPr>
-      </p:pic>
       <p:sp>
         <p:nvSpPr>
           <p:cNvPr id="31" name="타원 30"/>
@@ -31944,36 +27006,6 @@
           </a:p>
         </p:txBody>
       </p:sp>
-      <p:pic>
-        <p:nvPicPr>
-          <p:cNvPr id="44" name="그림 43"/>
-          <p:cNvPicPr>
-            <a:picLocks noChangeAspect="1"/>
-          </p:cNvPicPr>
-          <p:nvPr/>
-        </p:nvPicPr>
-        <p:blipFill>
-          <a:blip r:embed="rId2">
-            <a:extLst>
-              <a:ext uri="{28A0092B-C50C-407E-A947-70E740481C1C}">
-                <a14:useLocalDpi xmlns:a14="http://schemas.microsoft.com/office/drawing/2010/main" val="0"/>
-              </a:ext>
-            </a:extLst>
-          </a:blip>
-          <a:stretch>
-            <a:fillRect/>
-          </a:stretch>
-        </p:blipFill>
-        <p:spPr>
-          <a:xfrm>
-            <a:off x="9225842" y="1681384"/>
-            <a:ext cx="2319069" cy="2219912"/>
-          </a:xfrm>
-          <a:prstGeom prst="ellipse">
-            <a:avLst/>
-          </a:prstGeom>
-        </p:spPr>
-      </p:pic>
       <p:sp>
         <p:nvSpPr>
           <p:cNvPr id="37" name="타원 36"/>
@@ -32085,7 +27117,7 @@
 </p:sld>
 </file>
 
-<file path=ppt/slides/slide33.xml><?xml version="1.0" encoding="utf-8"?>
+<file path=ppt/slides/slide34.xml><?xml version="1.0" encoding="utf-8"?>
 <p:sld xmlns:a="http://schemas.openxmlformats.org/drawingml/2006/main" xmlns:r="http://schemas.openxmlformats.org/officeDocument/2006/relationships" xmlns:p="http://schemas.openxmlformats.org/presentationml/2006/main">
   <p:cSld>
     <p:spTree>
@@ -32111,9 +27143,9 @@
         <p:grpSpPr>
           <a:xfrm>
             <a:off x="3274795" y="2502067"/>
-            <a:ext cx="5642410" cy="2005436"/>
+            <a:ext cx="5642410" cy="1340638"/>
             <a:chOff x="3274795" y="1970666"/>
-            <a:chExt cx="5642410" cy="2005436"/>
+            <a:chExt cx="5642410" cy="1340638"/>
           </a:xfrm>
         </p:grpSpPr>
         <p:sp>
@@ -32125,7 +27157,7 @@
           <p:spPr>
             <a:xfrm>
               <a:off x="3274795" y="2554174"/>
-              <a:ext cx="5642410" cy="1421928"/>
+              <a:ext cx="5642410" cy="757130"/>
             </a:xfrm>
             <a:prstGeom prst="rect">
               <a:avLst/>
@@ -32185,7 +27217,7 @@
             <a:p>
               <a:pPr lvl="0" algn="ctr"/>
               <a:r>
-                <a:rPr lang="en-US" altLang="ko-KR" sz="4800" dirty="0">
+                <a:rPr lang="ko-KR" altLang="en-US" sz="4800" smtClean="0">
                   <a:ln>
                     <a:solidFill>
                       <a:schemeClr val="tx1">
@@ -32204,32 +27236,7 @@
                   <a:latin typeface="나눔고딕" panose="020D0604000000000000" pitchFamily="50" charset="-127"/>
                   <a:ea typeface="나눔고딕" panose="020D0604000000000000" pitchFamily="50" charset="-127"/>
                 </a:rPr>
-                <a:t>Thanks</a:t>
-              </a:r>
-            </a:p>
-            <a:p>
-              <a:pPr lvl="0" algn="ctr"/>
-              <a:r>
-                <a:rPr lang="en-US" altLang="ko-KR" sz="4800" dirty="0">
-                  <a:ln>
-                    <a:solidFill>
-                      <a:schemeClr val="tx1">
-                        <a:lumMod val="75000"/>
-                        <a:lumOff val="25000"/>
-                        <a:alpha val="30000"/>
-                      </a:schemeClr>
-                    </a:solidFill>
-                  </a:ln>
-                  <a:solidFill>
-                    <a:schemeClr val="tx1">
-                      <a:lumMod val="85000"/>
-                      <a:lumOff val="15000"/>
-                    </a:schemeClr>
-                  </a:solidFill>
-                  <a:latin typeface="나눔고딕" panose="020D0604000000000000" pitchFamily="50" charset="-127"/>
-                  <a:ea typeface="나눔고딕" panose="020D0604000000000000" pitchFamily="50" charset="-127"/>
-                </a:rPr>
-                <a:t>for Watching</a:t>
+                <a:t>감사합니다</a:t>
               </a:r>
               <a:endParaRPr lang="ko-KR" altLang="en-US" sz="4800" dirty="0">
                 <a:ln>
@@ -32467,7 +27474,7 @@
           <p:cNvPr id="6" name="그림 5">
             <a:extLst>
               <a:ext uri="{FF2B5EF4-FFF2-40B4-BE49-F238E27FC236}">
-                <a16:creationId xmlns="" xmlns:a16="http://schemas.microsoft.com/office/drawing/2014/main" id="{B3BA95FE-C82D-486F-8F93-F259ED2DB238}"/>
+                <a16:creationId xmlns:a16="http://schemas.microsoft.com/office/drawing/2014/main" xmlns="" id="{B3BA95FE-C82D-486F-8F93-F259ED2DB238}"/>
               </a:ext>
             </a:extLst>
           </p:cNvPr>
@@ -32860,7 +27867,7 @@
             <p:cNvPr id="14" name="TextBox 13">
               <a:extLst>
                 <a:ext uri="{FF2B5EF4-FFF2-40B4-BE49-F238E27FC236}">
-                  <a16:creationId xmlns="" xmlns:a16="http://schemas.microsoft.com/office/drawing/2014/main" id="{C26A9408-0566-4E08-BFFA-BFA1229B0E20}"/>
+                  <a16:creationId xmlns:a16="http://schemas.microsoft.com/office/drawing/2014/main" xmlns="" id="{C26A9408-0566-4E08-BFFA-BFA1229B0E20}"/>
                 </a:ext>
               </a:extLst>
             </p:cNvPr>
@@ -33589,7 +28596,7 @@
             <p:cNvPr id="14" name="TextBox 13">
               <a:extLst>
                 <a:ext uri="{FF2B5EF4-FFF2-40B4-BE49-F238E27FC236}">
-                  <a16:creationId xmlns="" xmlns:a16="http://schemas.microsoft.com/office/drawing/2014/main" id="{C26A9408-0566-4E08-BFFA-BFA1229B0E20}"/>
+                  <a16:creationId xmlns:a16="http://schemas.microsoft.com/office/drawing/2014/main" xmlns="" id="{C26A9408-0566-4E08-BFFA-BFA1229B0E20}"/>
                 </a:ext>
               </a:extLst>
             </p:cNvPr>
@@ -34041,7 +29048,7 @@
           <p:cNvPr id="13" name="TextBox 12">
             <a:extLst>
               <a:ext uri="{FF2B5EF4-FFF2-40B4-BE49-F238E27FC236}">
-                <a16:creationId xmlns="" xmlns:a16="http://schemas.microsoft.com/office/drawing/2014/main" id="{1FE35507-8A3C-4057-AB49-EBF4C858EB73}"/>
+                <a16:creationId xmlns:a16="http://schemas.microsoft.com/office/drawing/2014/main" xmlns="" id="{1FE35507-8A3C-4057-AB49-EBF4C858EB73}"/>
               </a:ext>
             </a:extLst>
           </p:cNvPr>
@@ -34138,7 +29145,7 @@
           <p:cNvPr id="9" name="그림 8">
             <a:extLst>
               <a:ext uri="{FF2B5EF4-FFF2-40B4-BE49-F238E27FC236}">
-                <a16:creationId xmlns="" xmlns:a16="http://schemas.microsoft.com/office/drawing/2014/main" id="{6F2A398C-5AEB-48FF-AEAC-232E63109AE5}"/>
+                <a16:creationId xmlns:a16="http://schemas.microsoft.com/office/drawing/2014/main" xmlns="" id="{6F2A398C-5AEB-48FF-AEAC-232E63109AE5}"/>
               </a:ext>
             </a:extLst>
           </p:cNvPr>
